--- a/fluent-api.pptx
+++ b/fluent-api.pptx
@@ -5,37 +5,39 @@
     <p:sldMasterId id="2147483672" r:id="rId1"/>
   </p:sldMasterIdLst>
   <p:notesMasterIdLst>
-    <p:notesMasterId r:id="rId30"/>
+    <p:notesMasterId r:id="rId32"/>
   </p:notesMasterIdLst>
   <p:sldIdLst>
-    <p:sldId id="424" r:id="rId2"/>
-    <p:sldId id="257" r:id="rId3"/>
-    <p:sldId id="370" r:id="rId4"/>
-    <p:sldId id="371" r:id="rId5"/>
-    <p:sldId id="372" r:id="rId6"/>
-    <p:sldId id="373" r:id="rId7"/>
-    <p:sldId id="263" r:id="rId8"/>
-    <p:sldId id="419" r:id="rId9"/>
-    <p:sldId id="407" r:id="rId10"/>
-    <p:sldId id="365" r:id="rId11"/>
-    <p:sldId id="425" r:id="rId12"/>
-    <p:sldId id="427" r:id="rId13"/>
-    <p:sldId id="426" r:id="rId14"/>
-    <p:sldId id="264" r:id="rId15"/>
-    <p:sldId id="324" r:id="rId16"/>
-    <p:sldId id="422" r:id="rId17"/>
-    <p:sldId id="423" r:id="rId18"/>
-    <p:sldId id="421" r:id="rId19"/>
-    <p:sldId id="428" r:id="rId20"/>
-    <p:sldId id="429" r:id="rId21"/>
-    <p:sldId id="435" r:id="rId22"/>
-    <p:sldId id="431" r:id="rId23"/>
-    <p:sldId id="436" r:id="rId24"/>
-    <p:sldId id="432" r:id="rId25"/>
-    <p:sldId id="438" r:id="rId26"/>
-    <p:sldId id="437" r:id="rId27"/>
-    <p:sldId id="434" r:id="rId28"/>
-    <p:sldId id="376" r:id="rId29"/>
+    <p:sldId id="439" r:id="rId2"/>
+    <p:sldId id="424" r:id="rId3"/>
+    <p:sldId id="257" r:id="rId4"/>
+    <p:sldId id="370" r:id="rId5"/>
+    <p:sldId id="371" r:id="rId6"/>
+    <p:sldId id="372" r:id="rId7"/>
+    <p:sldId id="373" r:id="rId8"/>
+    <p:sldId id="263" r:id="rId9"/>
+    <p:sldId id="419" r:id="rId10"/>
+    <p:sldId id="407" r:id="rId11"/>
+    <p:sldId id="365" r:id="rId12"/>
+    <p:sldId id="425" r:id="rId13"/>
+    <p:sldId id="427" r:id="rId14"/>
+    <p:sldId id="426" r:id="rId15"/>
+    <p:sldId id="264" r:id="rId16"/>
+    <p:sldId id="324" r:id="rId17"/>
+    <p:sldId id="422" r:id="rId18"/>
+    <p:sldId id="423" r:id="rId19"/>
+    <p:sldId id="421" r:id="rId20"/>
+    <p:sldId id="428" r:id="rId21"/>
+    <p:sldId id="429" r:id="rId22"/>
+    <p:sldId id="435" r:id="rId23"/>
+    <p:sldId id="440" r:id="rId24"/>
+    <p:sldId id="431" r:id="rId25"/>
+    <p:sldId id="436" r:id="rId26"/>
+    <p:sldId id="432" r:id="rId27"/>
+    <p:sldId id="438" r:id="rId28"/>
+    <p:sldId id="437" r:id="rId29"/>
+    <p:sldId id="434" r:id="rId30"/>
+    <p:sldId id="376" r:id="rId31"/>
   </p:sldIdLst>
   <p:sldSz cx="12192000" cy="6858000"/>
   <p:notesSz cx="6858000" cy="9144000"/>
@@ -236,7 +238,7 @@
           <a:p>
             <a:fld id="{1D12B38D-150E-44F0-AD67-CE4A0E7D73CD}" type="datetimeFigureOut">
               <a:rPr lang="ru-RU" smtClean="0"/>
-              <a:t>06.07.2016</a:t>
+              <a:t>07.07.2016</a:t>
             </a:fld>
             <a:endParaRPr lang="ru-RU"/>
           </a:p>
@@ -607,7 +609,7 @@
           <a:p>
             <a:fld id="{DC348DFF-10E5-4AE9-8016-9910A89BCDEE}" type="slidenum">
               <a:rPr lang="ru-RU" smtClean="0"/>
-              <a:t>4</a:t>
+              <a:t>5</a:t>
             </a:fld>
             <a:endParaRPr lang="ru-RU"/>
           </a:p>
@@ -720,7 +722,7 @@
           <a:p>
             <a:fld id="{DC348DFF-10E5-4AE9-8016-9910A89BCDEE}" type="slidenum">
               <a:rPr lang="ru-RU" smtClean="0"/>
-              <a:t>9</a:t>
+              <a:t>10</a:t>
             </a:fld>
             <a:endParaRPr lang="ru-RU"/>
           </a:p>
@@ -830,7 +832,7 @@
           <a:p>
             <a:fld id="{DC348DFF-10E5-4AE9-8016-9910A89BCDEE}" type="slidenum">
               <a:rPr lang="ru-RU" smtClean="0"/>
-              <a:t>15</a:t>
+              <a:t>16</a:t>
             </a:fld>
             <a:endParaRPr lang="ru-RU"/>
           </a:p>
@@ -940,7 +942,7 @@
           <a:p>
             <a:fld id="{DC348DFF-10E5-4AE9-8016-9910A89BCDEE}" type="slidenum">
               <a:rPr lang="ru-RU" smtClean="0"/>
-              <a:t>16</a:t>
+              <a:t>17</a:t>
             </a:fld>
             <a:endParaRPr lang="ru-RU"/>
           </a:p>
@@ -1050,7 +1052,7 @@
           <a:p>
             <a:fld id="{DC348DFF-10E5-4AE9-8016-9910A89BCDEE}" type="slidenum">
               <a:rPr lang="ru-RU" smtClean="0"/>
-              <a:t>17</a:t>
+              <a:t>18</a:t>
             </a:fld>
             <a:endParaRPr lang="ru-RU"/>
           </a:p>
@@ -1160,7 +1162,7 @@
           <a:p>
             <a:fld id="{DC348DFF-10E5-4AE9-8016-9910A89BCDEE}" type="slidenum">
               <a:rPr lang="ru-RU" smtClean="0"/>
-              <a:t>18</a:t>
+              <a:t>19</a:t>
             </a:fld>
             <a:endParaRPr lang="ru-RU"/>
           </a:p>
@@ -1310,7 +1312,7 @@
           <a:p>
             <a:fld id="{03713669-593F-460C-B61F-C43E6BD11A61}" type="datetimeFigureOut">
               <a:rPr lang="ru-RU" smtClean="0"/>
-              <a:t>06.07.2016</a:t>
+              <a:t>07.07.2016</a:t>
             </a:fld>
             <a:endParaRPr lang="ru-RU"/>
           </a:p>
@@ -1480,7 +1482,7 @@
           <a:p>
             <a:fld id="{03713669-593F-460C-B61F-C43E6BD11A61}" type="datetimeFigureOut">
               <a:rPr lang="ru-RU" smtClean="0"/>
-              <a:t>06.07.2016</a:t>
+              <a:t>07.07.2016</a:t>
             </a:fld>
             <a:endParaRPr lang="ru-RU"/>
           </a:p>
@@ -1660,7 +1662,7 @@
           <a:p>
             <a:fld id="{03713669-593F-460C-B61F-C43E6BD11A61}" type="datetimeFigureOut">
               <a:rPr lang="ru-RU" smtClean="0"/>
-              <a:t>06.07.2016</a:t>
+              <a:t>07.07.2016</a:t>
             </a:fld>
             <a:endParaRPr lang="ru-RU"/>
           </a:p>
@@ -1830,7 +1832,7 @@
           <a:p>
             <a:fld id="{03713669-593F-460C-B61F-C43E6BD11A61}" type="datetimeFigureOut">
               <a:rPr lang="ru-RU" smtClean="0"/>
-              <a:t>06.07.2016</a:t>
+              <a:t>07.07.2016</a:t>
             </a:fld>
             <a:endParaRPr lang="ru-RU"/>
           </a:p>
@@ -2076,7 +2078,7 @@
           <a:p>
             <a:fld id="{03713669-593F-460C-B61F-C43E6BD11A61}" type="datetimeFigureOut">
               <a:rPr lang="ru-RU" smtClean="0"/>
-              <a:t>06.07.2016</a:t>
+              <a:t>07.07.2016</a:t>
             </a:fld>
             <a:endParaRPr lang="ru-RU"/>
           </a:p>
@@ -2308,7 +2310,7 @@
           <a:p>
             <a:fld id="{03713669-593F-460C-B61F-C43E6BD11A61}" type="datetimeFigureOut">
               <a:rPr lang="ru-RU" smtClean="0"/>
-              <a:t>06.07.2016</a:t>
+              <a:t>07.07.2016</a:t>
             </a:fld>
             <a:endParaRPr lang="ru-RU"/>
           </a:p>
@@ -2675,7 +2677,7 @@
           <a:p>
             <a:fld id="{03713669-593F-460C-B61F-C43E6BD11A61}" type="datetimeFigureOut">
               <a:rPr lang="ru-RU" smtClean="0"/>
-              <a:t>06.07.2016</a:t>
+              <a:t>07.07.2016</a:t>
             </a:fld>
             <a:endParaRPr lang="ru-RU"/>
           </a:p>
@@ -2793,7 +2795,7 @@
           <a:p>
             <a:fld id="{03713669-593F-460C-B61F-C43E6BD11A61}" type="datetimeFigureOut">
               <a:rPr lang="ru-RU" smtClean="0"/>
-              <a:t>06.07.2016</a:t>
+              <a:t>07.07.2016</a:t>
             </a:fld>
             <a:endParaRPr lang="ru-RU"/>
           </a:p>
@@ -2888,7 +2890,7 @@
           <a:p>
             <a:fld id="{03713669-593F-460C-B61F-C43E6BD11A61}" type="datetimeFigureOut">
               <a:rPr lang="ru-RU" smtClean="0"/>
-              <a:t>06.07.2016</a:t>
+              <a:t>07.07.2016</a:t>
             </a:fld>
             <a:endParaRPr lang="ru-RU"/>
           </a:p>
@@ -3165,7 +3167,7 @@
           <a:p>
             <a:fld id="{03713669-593F-460C-B61F-C43E6BD11A61}" type="datetimeFigureOut">
               <a:rPr lang="ru-RU" smtClean="0"/>
-              <a:t>06.07.2016</a:t>
+              <a:t>07.07.2016</a:t>
             </a:fld>
             <a:endParaRPr lang="ru-RU"/>
           </a:p>
@@ -3422,7 +3424,7 @@
           <a:p>
             <a:fld id="{03713669-593F-460C-B61F-C43E6BD11A61}" type="datetimeFigureOut">
               <a:rPr lang="ru-RU" smtClean="0"/>
-              <a:t>06.07.2016</a:t>
+              <a:t>07.07.2016</a:t>
             </a:fld>
             <a:endParaRPr lang="ru-RU"/>
           </a:p>
@@ -3635,7 +3637,7 @@
           <a:p>
             <a:fld id="{03713669-593F-460C-B61F-C43E6BD11A61}" type="datetimeFigureOut">
               <a:rPr lang="ru-RU" smtClean="0"/>
-              <a:t>06.07.2016</a:t>
+              <a:t>07.07.2016</a:t>
             </a:fld>
             <a:endParaRPr lang="ru-RU"/>
           </a:p>
@@ -4042,39 +4044,61 @@
       </p:grpSpPr>
       <p:sp>
         <p:nvSpPr>
-          <p:cNvPr id="2" name="Заголовок 1"/>
+          <p:cNvPr id="4" name="Заголовок 3"/>
           <p:cNvSpPr>
             <a:spLocks noGrp="1"/>
           </p:cNvSpPr>
           <p:nvPr>
-            <p:ph type="title"/>
+            <p:ph type="ctrTitle"/>
           </p:nvPr>
         </p:nvSpPr>
-        <p:spPr>
-          <a:xfrm>
-            <a:off x="838200" y="2193933"/>
-            <a:ext cx="10515600" cy="1325563"/>
-          </a:xfrm>
-        </p:spPr>
+        <p:spPr/>
         <p:txBody>
           <a:bodyPr/>
           <a:lstStyle/>
           <a:p>
             <a:r>
               <a:rPr lang="en-US" dirty="0" smtClean="0"/>
-              <a:t>Fluent — </a:t>
-            </a:r>
-            <a:r>
-              <a:rPr lang="ru-RU" dirty="0" smtClean="0"/>
-              <a:t>это стиль организации </a:t>
-            </a:r>
-            <a:br>
-              <a:rPr lang="ru-RU" dirty="0" smtClean="0"/>
-            </a:br>
-            <a:r>
-              <a:rPr lang="ru-RU" dirty="0" smtClean="0"/>
-              <a:t>публичных интерфейсов библиотек</a:t>
-            </a:r>
+              <a:t>Fluent </a:t>
+            </a:r>
+            <a:r>
+              <a:rPr lang="en-US" dirty="0" err="1" smtClean="0"/>
+              <a:t>Api</a:t>
+            </a:r>
+            <a:endParaRPr lang="ru-RU" dirty="0"/>
+          </a:p>
+        </p:txBody>
+      </p:sp>
+      <p:sp>
+        <p:nvSpPr>
+          <p:cNvPr id="5" name="Подзаголовок 4"/>
+          <p:cNvSpPr>
+            <a:spLocks noGrp="1"/>
+          </p:cNvSpPr>
+          <p:nvPr>
+            <p:ph type="subTitle" idx="1"/>
+          </p:nvPr>
+        </p:nvSpPr>
+        <p:spPr/>
+        <p:txBody>
+          <a:bodyPr/>
+          <a:lstStyle/>
+          <a:p>
+            <a:r>
+              <a:rPr lang="en-US" dirty="0">
+                <a:hlinkClick r:id="rId2"/>
+              </a:rPr>
+              <a:t>https://</a:t>
+            </a:r>
+            <a:r>
+              <a:rPr lang="en-US" sz="3200" dirty="0" smtClean="0">
+                <a:hlinkClick r:id="rId2"/>
+              </a:rPr>
+              <a:t>github.com/kontur-csharper/fluent-api</a:t>
+            </a:r>
+            <a:endParaRPr lang="en-US" dirty="0" smtClean="0"/>
+          </a:p>
+          <a:p>
             <a:endParaRPr lang="ru-RU" dirty="0"/>
           </a:p>
         </p:txBody>
@@ -4082,7 +4106,7 @@
     </p:spTree>
     <p:extLst>
       <p:ext uri="{BB962C8B-B14F-4D97-AF65-F5344CB8AC3E}">
-        <p14:creationId xmlns:p14="http://schemas.microsoft.com/office/powerpoint/2010/main" val="3463338490"/>
+        <p14:creationId xmlns:p14="http://schemas.microsoft.com/office/powerpoint/2010/main" val="3132845631"/>
       </p:ext>
     </p:extLst>
   </p:cSld>
@@ -4100,6 +4124,539 @@
 </file>
 
 <file path=ppt/slides/slide10.xml><?xml version="1.0" encoding="utf-8"?>
+<p:sld xmlns:a="http://schemas.openxmlformats.org/drawingml/2006/main" xmlns:r="http://schemas.openxmlformats.org/officeDocument/2006/relationships" xmlns:p="http://schemas.openxmlformats.org/presentationml/2006/main">
+  <p:cSld>
+    <p:spTree>
+      <p:nvGrpSpPr>
+        <p:cNvPr id="1" name=""/>
+        <p:cNvGrpSpPr/>
+        <p:nvPr/>
+      </p:nvGrpSpPr>
+      <p:grpSpPr>
+        <a:xfrm>
+          <a:off x="0" y="0"/>
+          <a:ext cx="0" cy="0"/>
+          <a:chOff x="0" y="0"/>
+          <a:chExt cx="0" cy="0"/>
+        </a:xfrm>
+      </p:grpSpPr>
+      <p:sp>
+        <p:nvSpPr>
+          <p:cNvPr id="2" name="Заголовок 1"/>
+          <p:cNvSpPr>
+            <a:spLocks noGrp="1"/>
+          </p:cNvSpPr>
+          <p:nvPr>
+            <p:ph type="title"/>
+          </p:nvPr>
+        </p:nvSpPr>
+        <p:spPr/>
+        <p:txBody>
+          <a:bodyPr/>
+          <a:lstStyle/>
+          <a:p>
+            <a:r>
+              <a:rPr lang="ru-RU" dirty="0" smtClean="0"/>
+              <a:t>Пример </a:t>
+            </a:r>
+            <a:r>
+              <a:rPr lang="en-US" dirty="0" err="1" smtClean="0"/>
+              <a:t>NUnit</a:t>
+            </a:r>
+            <a:endParaRPr lang="ru-RU" dirty="0"/>
+          </a:p>
+        </p:txBody>
+      </p:sp>
+      <p:sp>
+        <p:nvSpPr>
+          <p:cNvPr id="4" name="Rectangle 1"/>
+          <p:cNvSpPr>
+            <a:spLocks noGrp="1" noChangeArrowheads="1"/>
+          </p:cNvSpPr>
+          <p:nvPr>
+            <p:ph idx="1"/>
+          </p:nvPr>
+        </p:nvSpPr>
+        <p:spPr bwMode="auto">
+          <a:xfrm>
+            <a:off x="2152651" y="1637689"/>
+            <a:ext cx="7564891" cy="885371"/>
+          </a:xfrm>
+          <a:prstGeom prst="rect">
+            <a:avLst/>
+          </a:prstGeom>
+          <a:noFill/>
+          <a:ln>
+            <a:noFill/>
+          </a:ln>
+          <a:effectLst/>
+        </p:spPr>
+        <p:txBody>
+          <a:bodyPr vert="horz" wrap="none" lIns="91440" tIns="45720" rIns="91440" bIns="45720" numCol="1" rtlCol="0" anchor="t" anchorCtr="0" compatLnSpc="1">
+            <a:prstTxWarp prst="textNoShape">
+              <a:avLst/>
+            </a:prstTxWarp>
+            <a:spAutoFit/>
+          </a:bodyPr>
+          <a:lstStyle/>
+          <a:p>
+            <a:pPr marL="0" indent="0">
+              <a:buNone/>
+            </a:pPr>
+            <a:r>
+              <a:rPr lang="en-US" sz="2400" dirty="0" err="1">
+                <a:solidFill>
+                  <a:srgbClr val="2B91AF"/>
+                </a:solidFill>
+                <a:highlight>
+                  <a:srgbClr val="FFFFFF"/>
+                </a:highlight>
+                <a:latin typeface="Consolas" panose="020B0609020204030204" pitchFamily="49" charset="0"/>
+              </a:rPr>
+              <a:t>Assert</a:t>
+            </a:r>
+            <a:r>
+              <a:rPr lang="en-US" sz="2400" dirty="0" err="1">
+                <a:solidFill>
+                  <a:srgbClr val="000000"/>
+                </a:solidFill>
+                <a:highlight>
+                  <a:srgbClr val="FFFFFF"/>
+                </a:highlight>
+                <a:latin typeface="Consolas" panose="020B0609020204030204" pitchFamily="49" charset="0"/>
+              </a:rPr>
+              <a:t>.That</a:t>
+            </a:r>
+            <a:r>
+              <a:rPr lang="en-US" sz="2400" dirty="0">
+                <a:solidFill>
+                  <a:srgbClr val="000000"/>
+                </a:solidFill>
+                <a:highlight>
+                  <a:srgbClr val="FFFFFF"/>
+                </a:highlight>
+                <a:latin typeface="Consolas" panose="020B0609020204030204" pitchFamily="49" charset="0"/>
+              </a:rPr>
+              <a:t>(</a:t>
+            </a:r>
+            <a:r>
+              <a:rPr lang="en-US" sz="2400" dirty="0" err="1">
+                <a:solidFill>
+                  <a:srgbClr val="000000"/>
+                </a:solidFill>
+                <a:highlight>
+                  <a:srgbClr val="FFFFFF"/>
+                </a:highlight>
+                <a:latin typeface="Consolas" panose="020B0609020204030204" pitchFamily="49" charset="0"/>
+              </a:rPr>
+              <a:t>myOwnObject</a:t>
+            </a:r>
+            <a:r>
+              <a:rPr lang="en-US" sz="2400" dirty="0">
+                <a:solidFill>
+                  <a:srgbClr val="000000"/>
+                </a:solidFill>
+                <a:highlight>
+                  <a:srgbClr val="FFFFFF"/>
+                </a:highlight>
+                <a:latin typeface="Consolas" panose="020B0609020204030204" pitchFamily="49" charset="0"/>
+              </a:rPr>
+              <a:t>,</a:t>
+            </a:r>
+          </a:p>
+          <a:p>
+            <a:pPr marL="0" indent="0">
+              <a:buNone/>
+            </a:pPr>
+            <a:r>
+              <a:rPr lang="en-US" sz="2400" dirty="0">
+                <a:solidFill>
+                  <a:srgbClr val="2B91AF"/>
+                </a:solidFill>
+                <a:highlight>
+                  <a:srgbClr val="FFFFFF"/>
+                </a:highlight>
+                <a:latin typeface="Consolas" panose="020B0609020204030204" pitchFamily="49" charset="0"/>
+              </a:rPr>
+              <a:t>	</a:t>
+            </a:r>
+            <a:r>
+              <a:rPr lang="en-US" sz="2400" dirty="0" err="1">
+                <a:solidFill>
+                  <a:srgbClr val="2B91AF"/>
+                </a:solidFill>
+                <a:highlight>
+                  <a:srgbClr val="FFFFFF"/>
+                </a:highlight>
+                <a:latin typeface="Consolas" panose="020B0609020204030204" pitchFamily="49" charset="0"/>
+              </a:rPr>
+              <a:t>Is</a:t>
+            </a:r>
+            <a:r>
+              <a:rPr lang="en-US" sz="2400" dirty="0" err="1">
+                <a:solidFill>
+                  <a:srgbClr val="000000"/>
+                </a:solidFill>
+                <a:highlight>
+                  <a:srgbClr val="FFFFFF"/>
+                </a:highlight>
+                <a:latin typeface="Consolas" panose="020B0609020204030204" pitchFamily="49" charset="0"/>
+              </a:rPr>
+              <a:t>.GreaterThan</a:t>
+            </a:r>
+            <a:r>
+              <a:rPr lang="en-US" sz="2400" dirty="0">
+                <a:solidFill>
+                  <a:srgbClr val="000000"/>
+                </a:solidFill>
+                <a:highlight>
+                  <a:srgbClr val="FFFFFF"/>
+                </a:highlight>
+                <a:latin typeface="Consolas" panose="020B0609020204030204" pitchFamily="49" charset="0"/>
+              </a:rPr>
+              <a:t>(42).Using(</a:t>
+            </a:r>
+            <a:r>
+              <a:rPr lang="en-US" sz="2400" dirty="0" err="1">
+                <a:solidFill>
+                  <a:srgbClr val="000000"/>
+                </a:solidFill>
+                <a:highlight>
+                  <a:srgbClr val="FFFFFF"/>
+                </a:highlight>
+                <a:latin typeface="Consolas" panose="020B0609020204030204" pitchFamily="49" charset="0"/>
+              </a:rPr>
+              <a:t>myComparer</a:t>
+            </a:r>
+            <a:r>
+              <a:rPr lang="en-US" sz="2400" dirty="0">
+                <a:solidFill>
+                  <a:srgbClr val="000000"/>
+                </a:solidFill>
+                <a:highlight>
+                  <a:srgbClr val="FFFFFF"/>
+                </a:highlight>
+                <a:latin typeface="Consolas" panose="020B0609020204030204" pitchFamily="49" charset="0"/>
+              </a:rPr>
+              <a:t>));</a:t>
+            </a:r>
+          </a:p>
+        </p:txBody>
+      </p:sp>
+      <p:sp>
+        <p:nvSpPr>
+          <p:cNvPr id="6" name="Прямоугольник 5"/>
+          <p:cNvSpPr/>
+          <p:nvPr/>
+        </p:nvSpPr>
+        <p:spPr>
+          <a:xfrm>
+            <a:off x="2152650" y="3310901"/>
+            <a:ext cx="5374035" cy="1815882"/>
+          </a:xfrm>
+          <a:prstGeom prst="rect">
+            <a:avLst/>
+          </a:prstGeom>
+        </p:spPr>
+        <p:txBody>
+          <a:bodyPr wrap="none">
+            <a:spAutoFit/>
+          </a:bodyPr>
+          <a:lstStyle/>
+          <a:p>
+            <a:r>
+              <a:rPr lang="en-US" sz="2800" dirty="0" smtClean="0"/>
+              <a:t>Assert —</a:t>
+            </a:r>
+            <a:r>
+              <a:rPr lang="ru-RU" sz="2800" dirty="0"/>
+              <a:t> </a:t>
+            </a:r>
+            <a:r>
+              <a:rPr lang="ru-RU" sz="2800" dirty="0" smtClean="0"/>
+              <a:t>класс</a:t>
+            </a:r>
+          </a:p>
+          <a:p>
+            <a:r>
+              <a:rPr lang="en-US" sz="2800" dirty="0" smtClean="0"/>
+              <a:t>That — </a:t>
+            </a:r>
+            <a:r>
+              <a:rPr lang="ru-RU" sz="2800" dirty="0" smtClean="0"/>
+              <a:t>статический метод</a:t>
+            </a:r>
+          </a:p>
+          <a:p>
+            <a:r>
+              <a:rPr lang="en-US" sz="2800" dirty="0" smtClean="0"/>
+              <a:t>Is — </a:t>
+            </a:r>
+            <a:r>
+              <a:rPr lang="ru-RU" sz="2800" dirty="0" smtClean="0"/>
+              <a:t>класс</a:t>
+            </a:r>
+          </a:p>
+          <a:p>
+            <a:r>
+              <a:rPr lang="en-US" sz="2800" dirty="0" err="1" smtClean="0"/>
+              <a:t>GreaterThan</a:t>
+            </a:r>
+            <a:r>
+              <a:rPr lang="en-US" sz="2800" dirty="0" smtClean="0"/>
+              <a:t> — </a:t>
+            </a:r>
+            <a:r>
+              <a:rPr lang="ru-RU" sz="2800" dirty="0" smtClean="0"/>
+              <a:t>статический метод</a:t>
+            </a:r>
+            <a:endParaRPr lang="en-US" sz="2800" dirty="0"/>
+          </a:p>
+        </p:txBody>
+      </p:sp>
+    </p:spTree>
+    <p:extLst>
+      <p:ext uri="{BB962C8B-B14F-4D97-AF65-F5344CB8AC3E}">
+        <p14:creationId xmlns:p14="http://schemas.microsoft.com/office/powerpoint/2010/main" val="1549668927"/>
+      </p:ext>
+    </p:extLst>
+  </p:cSld>
+  <p:clrMapOvr>
+    <a:masterClrMapping/>
+  </p:clrMapOvr>
+  <p:timing>
+    <p:tnLst>
+      <p:par>
+        <p:cTn id="1" dur="indefinite" restart="never" nodeType="tmRoot">
+          <p:childTnLst>
+            <p:seq concurrent="1" nextAc="seek">
+              <p:cTn id="2" dur="indefinite" nodeType="mainSeq">
+                <p:childTnLst>
+                  <p:par>
+                    <p:cTn id="3" fill="hold">
+                      <p:stCondLst>
+                        <p:cond delay="indefinite"/>
+                      </p:stCondLst>
+                      <p:childTnLst>
+                        <p:par>
+                          <p:cTn id="4" fill="hold">
+                            <p:stCondLst>
+                              <p:cond delay="0"/>
+                            </p:stCondLst>
+                            <p:childTnLst>
+                              <p:par>
+                                <p:cTn id="5" presetID="1" presetClass="entr" presetSubtype="0" fill="hold" grpId="0" nodeType="clickEffect">
+                                  <p:stCondLst>
+                                    <p:cond delay="0"/>
+                                  </p:stCondLst>
+                                  <p:childTnLst>
+                                    <p:set>
+                                      <p:cBhvr>
+                                        <p:cTn id="6" dur="1" fill="hold">
+                                          <p:stCondLst>
+                                            <p:cond delay="0"/>
+                                          </p:stCondLst>
+                                        </p:cTn>
+                                        <p:tgtEl>
+                                          <p:spTgt spid="6">
+                                            <p:txEl>
+                                              <p:pRg st="0" end="0"/>
+                                            </p:txEl>
+                                          </p:spTgt>
+                                        </p:tgtEl>
+                                        <p:attrNameLst>
+                                          <p:attrName>style.visibility</p:attrName>
+                                        </p:attrNameLst>
+                                      </p:cBhvr>
+                                      <p:to>
+                                        <p:strVal val="visible"/>
+                                      </p:to>
+                                    </p:set>
+                                  </p:childTnLst>
+                                </p:cTn>
+                              </p:par>
+                            </p:childTnLst>
+                          </p:cTn>
+                        </p:par>
+                      </p:childTnLst>
+                    </p:cTn>
+                  </p:par>
+                  <p:par>
+                    <p:cTn id="7" fill="hold">
+                      <p:stCondLst>
+                        <p:cond delay="indefinite"/>
+                      </p:stCondLst>
+                      <p:childTnLst>
+                        <p:par>
+                          <p:cTn id="8" fill="hold">
+                            <p:stCondLst>
+                              <p:cond delay="0"/>
+                            </p:stCondLst>
+                            <p:childTnLst>
+                              <p:par>
+                                <p:cTn id="9" presetID="1" presetClass="entr" presetSubtype="0" fill="hold" grpId="0" nodeType="clickEffect">
+                                  <p:stCondLst>
+                                    <p:cond delay="0"/>
+                                  </p:stCondLst>
+                                  <p:childTnLst>
+                                    <p:set>
+                                      <p:cBhvr>
+                                        <p:cTn id="10" dur="1" fill="hold">
+                                          <p:stCondLst>
+                                            <p:cond delay="0"/>
+                                          </p:stCondLst>
+                                        </p:cTn>
+                                        <p:tgtEl>
+                                          <p:spTgt spid="6">
+                                            <p:txEl>
+                                              <p:pRg st="1" end="1"/>
+                                            </p:txEl>
+                                          </p:spTgt>
+                                        </p:tgtEl>
+                                        <p:attrNameLst>
+                                          <p:attrName>style.visibility</p:attrName>
+                                        </p:attrNameLst>
+                                      </p:cBhvr>
+                                      <p:to>
+                                        <p:strVal val="visible"/>
+                                      </p:to>
+                                    </p:set>
+                                  </p:childTnLst>
+                                </p:cTn>
+                              </p:par>
+                            </p:childTnLst>
+                          </p:cTn>
+                        </p:par>
+                      </p:childTnLst>
+                    </p:cTn>
+                  </p:par>
+                  <p:par>
+                    <p:cTn id="11" fill="hold">
+                      <p:stCondLst>
+                        <p:cond delay="indefinite"/>
+                      </p:stCondLst>
+                      <p:childTnLst>
+                        <p:par>
+                          <p:cTn id="12" fill="hold">
+                            <p:stCondLst>
+                              <p:cond delay="0"/>
+                            </p:stCondLst>
+                            <p:childTnLst>
+                              <p:par>
+                                <p:cTn id="13" presetID="1" presetClass="entr" presetSubtype="0" fill="hold" grpId="0" nodeType="clickEffect">
+                                  <p:stCondLst>
+                                    <p:cond delay="0"/>
+                                  </p:stCondLst>
+                                  <p:childTnLst>
+                                    <p:set>
+                                      <p:cBhvr>
+                                        <p:cTn id="14" dur="1" fill="hold">
+                                          <p:stCondLst>
+                                            <p:cond delay="0"/>
+                                          </p:stCondLst>
+                                        </p:cTn>
+                                        <p:tgtEl>
+                                          <p:spTgt spid="6">
+                                            <p:txEl>
+                                              <p:pRg st="2" end="2"/>
+                                            </p:txEl>
+                                          </p:spTgt>
+                                        </p:tgtEl>
+                                        <p:attrNameLst>
+                                          <p:attrName>style.visibility</p:attrName>
+                                        </p:attrNameLst>
+                                      </p:cBhvr>
+                                      <p:to>
+                                        <p:strVal val="visible"/>
+                                      </p:to>
+                                    </p:set>
+                                  </p:childTnLst>
+                                </p:cTn>
+                              </p:par>
+                            </p:childTnLst>
+                          </p:cTn>
+                        </p:par>
+                      </p:childTnLst>
+                    </p:cTn>
+                  </p:par>
+                  <p:par>
+                    <p:cTn id="15" fill="hold">
+                      <p:stCondLst>
+                        <p:cond delay="indefinite"/>
+                      </p:stCondLst>
+                      <p:childTnLst>
+                        <p:par>
+                          <p:cTn id="16" fill="hold">
+                            <p:stCondLst>
+                              <p:cond delay="0"/>
+                            </p:stCondLst>
+                            <p:childTnLst>
+                              <p:par>
+                                <p:cTn id="17" presetID="1" presetClass="entr" presetSubtype="0" fill="hold" grpId="0" nodeType="clickEffect">
+                                  <p:stCondLst>
+                                    <p:cond delay="0"/>
+                                  </p:stCondLst>
+                                  <p:childTnLst>
+                                    <p:set>
+                                      <p:cBhvr>
+                                        <p:cTn id="18" dur="1" fill="hold">
+                                          <p:stCondLst>
+                                            <p:cond delay="0"/>
+                                          </p:stCondLst>
+                                        </p:cTn>
+                                        <p:tgtEl>
+                                          <p:spTgt spid="6">
+                                            <p:txEl>
+                                              <p:pRg st="3" end="3"/>
+                                            </p:txEl>
+                                          </p:spTgt>
+                                        </p:tgtEl>
+                                        <p:attrNameLst>
+                                          <p:attrName>style.visibility</p:attrName>
+                                        </p:attrNameLst>
+                                      </p:cBhvr>
+                                      <p:to>
+                                        <p:strVal val="visible"/>
+                                      </p:to>
+                                    </p:set>
+                                  </p:childTnLst>
+                                </p:cTn>
+                              </p:par>
+                            </p:childTnLst>
+                          </p:cTn>
+                        </p:par>
+                      </p:childTnLst>
+                    </p:cTn>
+                  </p:par>
+                </p:childTnLst>
+              </p:cTn>
+              <p:prevCondLst>
+                <p:cond evt="onPrev" delay="0">
+                  <p:tgtEl>
+                    <p:sldTgt/>
+                  </p:tgtEl>
+                </p:cond>
+              </p:prevCondLst>
+              <p:nextCondLst>
+                <p:cond evt="onNext" delay="0">
+                  <p:tgtEl>
+                    <p:sldTgt/>
+                  </p:tgtEl>
+                </p:cond>
+              </p:nextCondLst>
+            </p:seq>
+          </p:childTnLst>
+        </p:cTn>
+      </p:par>
+    </p:tnLst>
+    <p:bldLst>
+      <p:bldP spid="6" grpId="0" build="p"/>
+    </p:bldLst>
+  </p:timing>
+</p:sld>
+</file>
+
+<file path=ppt/slides/slide11.xml><?xml version="1.0" encoding="utf-8"?>
 <p:sld xmlns:a="http://schemas.openxmlformats.org/drawingml/2006/main" xmlns:r="http://schemas.openxmlformats.org/officeDocument/2006/relationships" xmlns:p="http://schemas.openxmlformats.org/presentationml/2006/main">
   <p:cSld>
     <p:spTree>
@@ -4704,7 +5261,7 @@
 </p:sld>
 </file>
 
-<file path=ppt/slides/slide11.xml><?xml version="1.0" encoding="utf-8"?>
+<file path=ppt/slides/slide12.xml><?xml version="1.0" encoding="utf-8"?>
 <p:sld xmlns:a="http://schemas.openxmlformats.org/drawingml/2006/main" xmlns:r="http://schemas.openxmlformats.org/officeDocument/2006/relationships" xmlns:p="http://schemas.openxmlformats.org/presentationml/2006/main">
   <p:cSld>
     <p:spTree>
@@ -5196,7 +5753,7 @@
 </p:sld>
 </file>
 
-<file path=ppt/slides/slide12.xml><?xml version="1.0" encoding="utf-8"?>
+<file path=ppt/slides/slide13.xml><?xml version="1.0" encoding="utf-8"?>
 <p:sld xmlns:a="http://schemas.openxmlformats.org/drawingml/2006/main" xmlns:r="http://schemas.openxmlformats.org/officeDocument/2006/relationships" xmlns:p="http://schemas.openxmlformats.org/presentationml/2006/main">
   <p:cSld>
     <p:spTree>
@@ -5642,7 +6199,7 @@
 </p:sld>
 </file>
 
-<file path=ppt/slides/slide13.xml><?xml version="1.0" encoding="utf-8"?>
+<file path=ppt/slides/slide14.xml><?xml version="1.0" encoding="utf-8"?>
 <p:sld xmlns:a="http://schemas.openxmlformats.org/drawingml/2006/main" xmlns:r="http://schemas.openxmlformats.org/officeDocument/2006/relationships" xmlns:p="http://schemas.openxmlformats.org/presentationml/2006/main">
   <p:cSld>
     <p:spTree>
@@ -6110,7 +6667,7 @@
 </p:sld>
 </file>
 
-<file path=ppt/slides/slide14.xml><?xml version="1.0" encoding="utf-8"?>
+<file path=ppt/slides/slide15.xml><?xml version="1.0" encoding="utf-8"?>
 <p:sld xmlns:a="http://schemas.openxmlformats.org/drawingml/2006/main" xmlns:r="http://schemas.openxmlformats.org/officeDocument/2006/relationships" xmlns:p="http://schemas.openxmlformats.org/presentationml/2006/main">
   <p:cSld>
     <p:spTree>
@@ -6561,629 +7118,6 @@
     <p:extLst>
       <p:ext uri="{BB962C8B-B14F-4D97-AF65-F5344CB8AC3E}">
         <p14:creationId xmlns:p14="http://schemas.microsoft.com/office/powerpoint/2010/main" val="1431228669"/>
-      </p:ext>
-    </p:extLst>
-  </p:cSld>
-  <p:clrMapOvr>
-    <a:masterClrMapping/>
-  </p:clrMapOvr>
-  <p:timing>
-    <p:tnLst>
-      <p:par>
-        <p:cTn id="1" dur="indefinite" restart="never" nodeType="tmRoot"/>
-      </p:par>
-    </p:tnLst>
-  </p:timing>
-</p:sld>
-</file>
-
-<file path=ppt/slides/slide15.xml><?xml version="1.0" encoding="utf-8"?>
-<p:sld xmlns:a="http://schemas.openxmlformats.org/drawingml/2006/main" xmlns:r="http://schemas.openxmlformats.org/officeDocument/2006/relationships" xmlns:p="http://schemas.openxmlformats.org/presentationml/2006/main">
-  <p:cSld>
-    <p:spTree>
-      <p:nvGrpSpPr>
-        <p:cNvPr id="1" name=""/>
-        <p:cNvGrpSpPr/>
-        <p:nvPr/>
-      </p:nvGrpSpPr>
-      <p:grpSpPr>
-        <a:xfrm>
-          <a:off x="0" y="0"/>
-          <a:ext cx="0" cy="0"/>
-          <a:chOff x="0" y="0"/>
-          <a:chExt cx="0" cy="0"/>
-        </a:xfrm>
-      </p:grpSpPr>
-      <p:sp>
-        <p:nvSpPr>
-          <p:cNvPr id="2" name="Заголовок 1"/>
-          <p:cNvSpPr>
-            <a:spLocks noGrp="1"/>
-          </p:cNvSpPr>
-          <p:nvPr>
-            <p:ph type="title"/>
-          </p:nvPr>
-        </p:nvSpPr>
-        <p:spPr/>
-        <p:txBody>
-          <a:bodyPr>
-            <a:normAutofit/>
-          </a:bodyPr>
-          <a:lstStyle/>
-          <a:p>
-            <a:r>
-              <a:rPr lang="en-US" b="1" dirty="0" err="1" smtClean="0"/>
-              <a:t>FluentApi</a:t>
-            </a:r>
-            <a:r>
-              <a:rPr lang="en-US" b="1" dirty="0" smtClean="0"/>
-              <a:t> exercise</a:t>
-            </a:r>
-            <a:endParaRPr lang="ru-RU" dirty="0"/>
-          </a:p>
-        </p:txBody>
-      </p:sp>
-      <p:sp>
-        <p:nvSpPr>
-          <p:cNvPr id="3" name="Прямоугольник 2"/>
-          <p:cNvSpPr/>
-          <p:nvPr/>
-        </p:nvSpPr>
-        <p:spPr>
-          <a:xfrm>
-            <a:off x="2152651" y="1721304"/>
-            <a:ext cx="6711043" cy="3970318"/>
-          </a:xfrm>
-          <a:prstGeom prst="rect">
-            <a:avLst/>
-          </a:prstGeom>
-        </p:spPr>
-        <p:txBody>
-          <a:bodyPr wrap="square">
-            <a:spAutoFit/>
-          </a:bodyPr>
-          <a:lstStyle/>
-          <a:p>
-            <a:r>
-              <a:rPr lang="en-US" dirty="0" err="1">
-                <a:solidFill>
-                  <a:srgbClr val="0000FF"/>
-                </a:solidFill>
-                <a:highlight>
-                  <a:srgbClr val="FFFFFF"/>
-                </a:highlight>
-                <a:latin typeface="Consolas" panose="020B0609020204030204" pitchFamily="49" charset="0"/>
-              </a:rPr>
-              <a:t>var</a:t>
-            </a:r>
-            <a:r>
-              <a:rPr lang="en-US" dirty="0">
-                <a:solidFill>
-                  <a:srgbClr val="000000"/>
-                </a:solidFill>
-                <a:highlight>
-                  <a:srgbClr val="FFFFFF"/>
-                </a:highlight>
-                <a:latin typeface="Consolas" panose="020B0609020204030204" pitchFamily="49" charset="0"/>
-              </a:rPr>
-              <a:t> spectacle = </a:t>
-            </a:r>
-            <a:r>
-              <a:rPr lang="en-US" dirty="0">
-                <a:solidFill>
-                  <a:srgbClr val="0000FF"/>
-                </a:solidFill>
-                <a:highlight>
-                  <a:srgbClr val="FFFFFF"/>
-                </a:highlight>
-                <a:latin typeface="Consolas" panose="020B0609020204030204" pitchFamily="49" charset="0"/>
-              </a:rPr>
-              <a:t>new</a:t>
-            </a:r>
-            <a:r>
-              <a:rPr lang="en-US" dirty="0">
-                <a:solidFill>
-                  <a:srgbClr val="000000"/>
-                </a:solidFill>
-                <a:highlight>
-                  <a:srgbClr val="FFFFFF"/>
-                </a:highlight>
-                <a:latin typeface="Consolas" panose="020B0609020204030204" pitchFamily="49" charset="0"/>
-              </a:rPr>
-              <a:t> </a:t>
-            </a:r>
-            <a:r>
-              <a:rPr lang="en-US" dirty="0">
-                <a:solidFill>
-                  <a:srgbClr val="2B91AF"/>
-                </a:solidFill>
-                <a:highlight>
-                  <a:srgbClr val="FFFFFF"/>
-                </a:highlight>
-                <a:latin typeface="Consolas" panose="020B0609020204030204" pitchFamily="49" charset="0"/>
-              </a:rPr>
-              <a:t>Spectacle</a:t>
-            </a:r>
-            <a:r>
-              <a:rPr lang="en-US" dirty="0">
-                <a:solidFill>
-                  <a:srgbClr val="000000"/>
-                </a:solidFill>
-                <a:highlight>
-                  <a:srgbClr val="FFFFFF"/>
-                </a:highlight>
-                <a:latin typeface="Consolas" panose="020B0609020204030204" pitchFamily="49" charset="0"/>
-              </a:rPr>
-              <a:t>()</a:t>
-            </a:r>
-          </a:p>
-          <a:p>
-            <a:r>
-              <a:rPr lang="en-US" dirty="0">
-                <a:solidFill>
-                  <a:srgbClr val="000000"/>
-                </a:solidFill>
-                <a:highlight>
-                  <a:srgbClr val="FFFFFF"/>
-                </a:highlight>
-                <a:latin typeface="Consolas" panose="020B0609020204030204" pitchFamily="49" charset="0"/>
-              </a:rPr>
-              <a:t>    .Say(</a:t>
-            </a:r>
-            <a:r>
-              <a:rPr lang="en-US" dirty="0">
-                <a:solidFill>
-                  <a:srgbClr val="A31515"/>
-                </a:solidFill>
-                <a:highlight>
-                  <a:srgbClr val="FFFFFF"/>
-                </a:highlight>
-                <a:latin typeface="Consolas" panose="020B0609020204030204" pitchFamily="49" charset="0"/>
-              </a:rPr>
-              <a:t>"</a:t>
-            </a:r>
-            <a:r>
-              <a:rPr lang="ru-RU" dirty="0">
-                <a:solidFill>
-                  <a:srgbClr val="A31515"/>
-                </a:solidFill>
-                <a:highlight>
-                  <a:srgbClr val="FFFFFF"/>
-                </a:highlight>
-                <a:latin typeface="Consolas" panose="020B0609020204030204" pitchFamily="49" charset="0"/>
-              </a:rPr>
-              <a:t>Привет мир!"</a:t>
-            </a:r>
-            <a:r>
-              <a:rPr lang="ru-RU" dirty="0">
-                <a:solidFill>
-                  <a:srgbClr val="000000"/>
-                </a:solidFill>
-                <a:highlight>
-                  <a:srgbClr val="FFFFFF"/>
-                </a:highlight>
-                <a:latin typeface="Consolas" panose="020B0609020204030204" pitchFamily="49" charset="0"/>
-              </a:rPr>
-              <a:t>)</a:t>
-            </a:r>
-            <a:br>
-              <a:rPr lang="ru-RU" dirty="0">
-                <a:solidFill>
-                  <a:srgbClr val="000000"/>
-                </a:solidFill>
-                <a:highlight>
-                  <a:srgbClr val="FFFFFF"/>
-                </a:highlight>
-                <a:latin typeface="Consolas" panose="020B0609020204030204" pitchFamily="49" charset="0"/>
-              </a:rPr>
-            </a:br>
-            <a:r>
-              <a:rPr lang="en-US" dirty="0">
-                <a:solidFill>
-                  <a:srgbClr val="000000"/>
-                </a:solidFill>
-                <a:highlight>
-                  <a:srgbClr val="FFFFFF"/>
-                </a:highlight>
-                <a:latin typeface="Consolas" panose="020B0609020204030204" pitchFamily="49" charset="0"/>
-              </a:rPr>
-              <a:t> </a:t>
-            </a:r>
-            <a:r>
-              <a:rPr lang="ru-RU" dirty="0">
-                <a:solidFill>
-                  <a:srgbClr val="000000"/>
-                </a:solidFill>
-                <a:highlight>
-                  <a:srgbClr val="FFFFFF"/>
-                </a:highlight>
-                <a:latin typeface="Consolas" panose="020B0609020204030204" pitchFamily="49" charset="0"/>
-              </a:rPr>
-              <a:t>   </a:t>
-            </a:r>
-            <a:r>
-              <a:rPr lang="en-US" dirty="0">
-                <a:solidFill>
-                  <a:srgbClr val="000000"/>
-                </a:solidFill>
-                <a:highlight>
-                  <a:srgbClr val="FFFFFF"/>
-                </a:highlight>
-                <a:latin typeface="Consolas" panose="020B0609020204030204" pitchFamily="49" charset="0"/>
-              </a:rPr>
-              <a:t>.Delay(</a:t>
-            </a:r>
-            <a:r>
-              <a:rPr lang="en-US" dirty="0" err="1">
-                <a:solidFill>
-                  <a:srgbClr val="2B91AF"/>
-                </a:solidFill>
-                <a:highlight>
-                  <a:srgbClr val="FFFFFF"/>
-                </a:highlight>
-                <a:latin typeface="Consolas" panose="020B0609020204030204" pitchFamily="49" charset="0"/>
-              </a:rPr>
-              <a:t>TimeSpan</a:t>
-            </a:r>
-            <a:r>
-              <a:rPr lang="en-US" dirty="0" err="1">
-                <a:solidFill>
-                  <a:srgbClr val="000000"/>
-                </a:solidFill>
-                <a:highlight>
-                  <a:srgbClr val="FFFFFF"/>
-                </a:highlight>
-                <a:latin typeface="Consolas" panose="020B0609020204030204" pitchFamily="49" charset="0"/>
-              </a:rPr>
-              <a:t>.FromSeconds</a:t>
-            </a:r>
-            <a:r>
-              <a:rPr lang="en-US" dirty="0">
-                <a:solidFill>
-                  <a:srgbClr val="000000"/>
-                </a:solidFill>
-                <a:highlight>
-                  <a:srgbClr val="FFFFFF"/>
-                </a:highlight>
-                <a:latin typeface="Consolas" panose="020B0609020204030204" pitchFamily="49" charset="0"/>
-              </a:rPr>
-              <a:t>(1))</a:t>
-            </a:r>
-          </a:p>
-          <a:p>
-            <a:r>
-              <a:rPr lang="en-US" dirty="0">
-                <a:solidFill>
-                  <a:srgbClr val="000000"/>
-                </a:solidFill>
-                <a:highlight>
-                  <a:srgbClr val="FFFFFF"/>
-                </a:highlight>
-                <a:latin typeface="Consolas" panose="020B0609020204030204" pitchFamily="49" charset="0"/>
-              </a:rPr>
-              <a:t>    .Say(</a:t>
-            </a:r>
-            <a:r>
-              <a:rPr lang="ru-RU" dirty="0">
-                <a:solidFill>
-                  <a:srgbClr val="A31515"/>
-                </a:solidFill>
-                <a:highlight>
-                  <a:srgbClr val="FFFFFF"/>
-                </a:highlight>
-                <a:latin typeface="Consolas" panose="020B0609020204030204" pitchFamily="49" charset="0"/>
-              </a:rPr>
-              <a:t>"Пока-пока!"</a:t>
-            </a:r>
-            <a:r>
-              <a:rPr lang="ru-RU" dirty="0">
-                <a:solidFill>
-                  <a:srgbClr val="000000"/>
-                </a:solidFill>
-                <a:highlight>
-                  <a:srgbClr val="FFFFFF"/>
-                </a:highlight>
-                <a:latin typeface="Consolas" panose="020B0609020204030204" pitchFamily="49" charset="0"/>
-              </a:rPr>
-              <a:t>)</a:t>
-            </a:r>
-          </a:p>
-          <a:p>
-            <a:r>
-              <a:rPr lang="en-US" dirty="0">
-                <a:solidFill>
-                  <a:srgbClr val="000000"/>
-                </a:solidFill>
-                <a:highlight>
-                  <a:srgbClr val="FFFFFF"/>
-                </a:highlight>
-                <a:latin typeface="Consolas" panose="020B0609020204030204" pitchFamily="49" charset="0"/>
-              </a:rPr>
-              <a:t> </a:t>
-            </a:r>
-            <a:r>
-              <a:rPr lang="ru-RU" dirty="0">
-                <a:solidFill>
-                  <a:srgbClr val="000000"/>
-                </a:solidFill>
-                <a:highlight>
-                  <a:srgbClr val="FFFFFF"/>
-                </a:highlight>
-                <a:latin typeface="Consolas" panose="020B0609020204030204" pitchFamily="49" charset="0"/>
-              </a:rPr>
-              <a:t>   </a:t>
-            </a:r>
-            <a:r>
-              <a:rPr lang="en-US" dirty="0">
-                <a:solidFill>
-                  <a:srgbClr val="000000"/>
-                </a:solidFill>
-                <a:highlight>
-                  <a:srgbClr val="FFFFFF"/>
-                </a:highlight>
-                <a:latin typeface="Consolas" panose="020B0609020204030204" pitchFamily="49" charset="0"/>
-              </a:rPr>
-              <a:t>.Say(</a:t>
-            </a:r>
-            <a:r>
-              <a:rPr lang="ru-RU" dirty="0">
-                <a:solidFill>
-                  <a:srgbClr val="A31515"/>
-                </a:solidFill>
-                <a:highlight>
-                  <a:srgbClr val="FFFFFF"/>
-                </a:highlight>
-                <a:latin typeface="Consolas" panose="020B0609020204030204" pitchFamily="49" charset="0"/>
-              </a:rPr>
-              <a:t>"До встречи!"</a:t>
-            </a:r>
-            <a:r>
-              <a:rPr lang="ru-RU" dirty="0">
-                <a:solidFill>
-                  <a:srgbClr val="000000"/>
-                </a:solidFill>
-                <a:highlight>
-                  <a:srgbClr val="FFFFFF"/>
-                </a:highlight>
-                <a:latin typeface="Consolas" panose="020B0609020204030204" pitchFamily="49" charset="0"/>
-              </a:rPr>
-              <a:t>)</a:t>
-            </a:r>
-            <a:r>
-              <a:rPr lang="en-US" dirty="0">
-                <a:solidFill>
-                  <a:srgbClr val="000000"/>
-                </a:solidFill>
-                <a:highlight>
-                  <a:srgbClr val="FFFFFF"/>
-                </a:highlight>
-                <a:latin typeface="Consolas" panose="020B0609020204030204" pitchFamily="49" charset="0"/>
-              </a:rPr>
-              <a:t>;</a:t>
-            </a:r>
-            <a:endParaRPr lang="ru-RU" dirty="0">
-              <a:solidFill>
-                <a:srgbClr val="000000"/>
-              </a:solidFill>
-              <a:highlight>
-                <a:srgbClr val="FFFFFF"/>
-              </a:highlight>
-              <a:latin typeface="Consolas" panose="020B0609020204030204" pitchFamily="49" charset="0"/>
-            </a:endParaRPr>
-          </a:p>
-          <a:p>
-            <a:endParaRPr lang="ru-RU" dirty="0">
-              <a:solidFill>
-                <a:srgbClr val="000000"/>
-              </a:solidFill>
-              <a:highlight>
-                <a:srgbClr val="FFFFFF"/>
-              </a:highlight>
-              <a:latin typeface="Consolas" panose="020B0609020204030204" pitchFamily="49" charset="0"/>
-            </a:endParaRPr>
-          </a:p>
-          <a:p>
-            <a:r>
-              <a:rPr lang="en-US" dirty="0" err="1">
-                <a:solidFill>
-                  <a:srgbClr val="000000"/>
-                </a:solidFill>
-                <a:highlight>
-                  <a:srgbClr val="FFFFFF"/>
-                </a:highlight>
-                <a:latin typeface="Consolas" panose="020B0609020204030204" pitchFamily="49" charset="0"/>
-              </a:rPr>
-              <a:t>spectacle.Play</a:t>
-            </a:r>
-            <a:r>
-              <a:rPr lang="en-US" dirty="0">
-                <a:solidFill>
-                  <a:srgbClr val="000000"/>
-                </a:solidFill>
-                <a:highlight>
-                  <a:srgbClr val="FFFFFF"/>
-                </a:highlight>
-                <a:latin typeface="Consolas" panose="020B0609020204030204" pitchFamily="49" charset="0"/>
-              </a:rPr>
-              <a:t>();</a:t>
-            </a:r>
-            <a:endParaRPr lang="ru-RU" dirty="0">
-              <a:solidFill>
-                <a:srgbClr val="000000"/>
-              </a:solidFill>
-              <a:highlight>
-                <a:srgbClr val="FFFFFF"/>
-              </a:highlight>
-              <a:latin typeface="Consolas" panose="020B0609020204030204" pitchFamily="49" charset="0"/>
-            </a:endParaRPr>
-          </a:p>
-          <a:p>
-            <a:r>
-              <a:rPr lang="en-US" dirty="0">
-                <a:solidFill>
-                  <a:srgbClr val="000000"/>
-                </a:solidFill>
-                <a:highlight>
-                  <a:srgbClr val="FFFFFF"/>
-                </a:highlight>
-                <a:latin typeface="Consolas" panose="020B0609020204030204" pitchFamily="49" charset="0"/>
-              </a:rPr>
-              <a:t>&gt; </a:t>
-            </a:r>
-            <a:r>
-              <a:rPr lang="ru-RU" dirty="0">
-                <a:solidFill>
-                  <a:srgbClr val="000000"/>
-                </a:solidFill>
-                <a:highlight>
-                  <a:srgbClr val="FFFFFF"/>
-                </a:highlight>
-                <a:latin typeface="Consolas" panose="020B0609020204030204" pitchFamily="49" charset="0"/>
-              </a:rPr>
-              <a:t>Привет мир!</a:t>
-            </a:r>
-          </a:p>
-          <a:p>
-            <a:r>
-              <a:rPr lang="en-US" dirty="0">
-                <a:solidFill>
-                  <a:srgbClr val="000000"/>
-                </a:solidFill>
-                <a:highlight>
-                  <a:srgbClr val="FFFFFF"/>
-                </a:highlight>
-                <a:latin typeface="Consolas" panose="020B0609020204030204" pitchFamily="49" charset="0"/>
-              </a:rPr>
-              <a:t>&gt; </a:t>
-            </a:r>
-            <a:r>
-              <a:rPr lang="ru-RU" dirty="0">
-                <a:solidFill>
-                  <a:srgbClr val="000000"/>
-                </a:solidFill>
-                <a:highlight>
-                  <a:srgbClr val="FFFFFF"/>
-                </a:highlight>
-                <a:latin typeface="Consolas" panose="020B0609020204030204" pitchFamily="49" charset="0"/>
-              </a:rPr>
-              <a:t>Пока-пока!</a:t>
-            </a:r>
-          </a:p>
-          <a:p>
-            <a:endParaRPr lang="ru-RU" dirty="0">
-              <a:solidFill>
-                <a:srgbClr val="000000"/>
-              </a:solidFill>
-              <a:highlight>
-                <a:srgbClr val="FFFFFF"/>
-              </a:highlight>
-              <a:latin typeface="Consolas" panose="020B0609020204030204" pitchFamily="49" charset="0"/>
-            </a:endParaRPr>
-          </a:p>
-          <a:p>
-            <a:r>
-              <a:rPr lang="en-US" dirty="0" err="1">
-                <a:solidFill>
-                  <a:srgbClr val="000000"/>
-                </a:solidFill>
-                <a:highlight>
-                  <a:srgbClr val="FFFFFF"/>
-                </a:highlight>
-                <a:latin typeface="Consolas" panose="020B0609020204030204" pitchFamily="49" charset="0"/>
-              </a:rPr>
-              <a:t>spectacle.Play</a:t>
-            </a:r>
-            <a:r>
-              <a:rPr lang="en-US" dirty="0">
-                <a:solidFill>
-                  <a:srgbClr val="000000"/>
-                </a:solidFill>
-                <a:highlight>
-                  <a:srgbClr val="FFFFFF"/>
-                </a:highlight>
-                <a:latin typeface="Consolas" panose="020B0609020204030204" pitchFamily="49" charset="0"/>
-              </a:rPr>
-              <a:t>();</a:t>
-            </a:r>
-            <a:endParaRPr lang="ru-RU" dirty="0">
-              <a:solidFill>
-                <a:srgbClr val="000000"/>
-              </a:solidFill>
-              <a:highlight>
-                <a:srgbClr val="FFFFFF"/>
-              </a:highlight>
-              <a:latin typeface="Consolas" panose="020B0609020204030204" pitchFamily="49" charset="0"/>
-            </a:endParaRPr>
-          </a:p>
-          <a:p>
-            <a:r>
-              <a:rPr lang="en-US" dirty="0">
-                <a:solidFill>
-                  <a:srgbClr val="000000"/>
-                </a:solidFill>
-                <a:highlight>
-                  <a:srgbClr val="FFFFFF"/>
-                </a:highlight>
-                <a:latin typeface="Consolas" panose="020B0609020204030204" pitchFamily="49" charset="0"/>
-              </a:rPr>
-              <a:t>&gt; </a:t>
-            </a:r>
-            <a:r>
-              <a:rPr lang="ru-RU" dirty="0">
-                <a:solidFill>
-                  <a:srgbClr val="000000"/>
-                </a:solidFill>
-                <a:highlight>
-                  <a:srgbClr val="FFFFFF"/>
-                </a:highlight>
-                <a:latin typeface="Consolas" panose="020B0609020204030204" pitchFamily="49" charset="0"/>
-              </a:rPr>
-              <a:t>Привет мир!</a:t>
-            </a:r>
-          </a:p>
-          <a:p>
-            <a:r>
-              <a:rPr lang="en-US" dirty="0">
-                <a:solidFill>
-                  <a:srgbClr val="000000"/>
-                </a:solidFill>
-                <a:highlight>
-                  <a:srgbClr val="FFFFFF"/>
-                </a:highlight>
-                <a:latin typeface="Consolas" panose="020B0609020204030204" pitchFamily="49" charset="0"/>
-              </a:rPr>
-              <a:t>&gt; </a:t>
-            </a:r>
-            <a:r>
-              <a:rPr lang="ru-RU" dirty="0">
-                <a:solidFill>
-                  <a:srgbClr val="000000"/>
-                </a:solidFill>
-                <a:highlight>
-                  <a:srgbClr val="FFFFFF"/>
-                </a:highlight>
-                <a:latin typeface="Consolas" panose="020B0609020204030204" pitchFamily="49" charset="0"/>
-              </a:rPr>
-              <a:t>Пока-пока!</a:t>
-            </a:r>
-          </a:p>
-          <a:p>
-            <a:endParaRPr lang="en-US" dirty="0">
-              <a:solidFill>
-                <a:srgbClr val="000000"/>
-              </a:solidFill>
-              <a:highlight>
-                <a:srgbClr val="FFFFFF"/>
-              </a:highlight>
-              <a:latin typeface="Consolas" panose="020B0609020204030204" pitchFamily="49" charset="0"/>
-            </a:endParaRPr>
-          </a:p>
-        </p:txBody>
-      </p:sp>
-    </p:spTree>
-    <p:extLst>
-      <p:ext uri="{BB962C8B-B14F-4D97-AF65-F5344CB8AC3E}">
-        <p14:creationId xmlns:p14="http://schemas.microsoft.com/office/powerpoint/2010/main" val="500824627"/>
       </p:ext>
     </p:extLst>
   </p:cSld>
@@ -7254,8 +7188,8 @@
         </p:nvSpPr>
         <p:spPr>
           <a:xfrm>
-            <a:off x="2152651" y="1821317"/>
-            <a:ext cx="6711043" cy="1754326"/>
+            <a:off x="2152651" y="1721304"/>
+            <a:ext cx="6711043" cy="3970318"/>
           </a:xfrm>
           <a:prstGeom prst="rect">
             <a:avLst/>
@@ -7472,53 +7406,6 @@
               </a:rPr>
               <a:t>(1))</a:t>
             </a:r>
-            <a:br>
-              <a:rPr lang="en-US" dirty="0">
-                <a:solidFill>
-                  <a:srgbClr val="000000"/>
-                </a:solidFill>
-                <a:highlight>
-                  <a:srgbClr val="FFFFFF"/>
-                </a:highlight>
-                <a:latin typeface="Consolas" panose="020B0609020204030204" pitchFamily="49" charset="0"/>
-              </a:rPr>
-            </a:br>
-            <a:r>
-              <a:rPr lang="en-US" dirty="0">
-                <a:solidFill>
-                  <a:srgbClr val="000000"/>
-                </a:solidFill>
-                <a:highlight>
-                  <a:srgbClr val="FFFFFF"/>
-                </a:highlight>
-                <a:latin typeface="Consolas" panose="020B0609020204030204" pitchFamily="49" charset="0"/>
-              </a:rPr>
-              <a:t>    .</a:t>
-            </a:r>
-            <a:r>
-              <a:rPr lang="en-US" dirty="0" err="1">
-                <a:solidFill>
-                  <a:srgbClr val="000000"/>
-                </a:solidFill>
-                <a:highlight>
-                  <a:srgbClr val="FFFFFF"/>
-                </a:highlight>
-                <a:latin typeface="Consolas" panose="020B0609020204030204" pitchFamily="49" charset="0"/>
-              </a:rPr>
-              <a:t>UntilKeyPressed</a:t>
-            </a:r>
-            <a:r>
-              <a:rPr lang="en-US" dirty="0">
-                <a:solidFill>
-                  <a:srgbClr val="000000"/>
-                </a:solidFill>
-                <a:highlight>
-                  <a:srgbClr val="FFFFFF"/>
-                </a:highlight>
-                <a:latin typeface="Consolas" panose="020B0609020204030204" pitchFamily="49" charset="0"/>
-              </a:rPr>
-              <a:t>(...)</a:t>
-            </a:r>
           </a:p>
           <a:p>
             <a:r>
@@ -7641,12 +7528,219 @@
               <a:latin typeface="Consolas" panose="020B0609020204030204" pitchFamily="49" charset="0"/>
             </a:endParaRPr>
           </a:p>
+          <a:p>
+            <a:endParaRPr lang="ru-RU" dirty="0">
+              <a:solidFill>
+                <a:srgbClr val="000000"/>
+              </a:solidFill>
+              <a:highlight>
+                <a:srgbClr val="FFFFFF"/>
+              </a:highlight>
+              <a:latin typeface="Consolas" panose="020B0609020204030204" pitchFamily="49" charset="0"/>
+            </a:endParaRPr>
+          </a:p>
+          <a:p>
+            <a:r>
+              <a:rPr lang="en-US" dirty="0" err="1">
+                <a:solidFill>
+                  <a:srgbClr val="000000"/>
+                </a:solidFill>
+                <a:highlight>
+                  <a:srgbClr val="FFFFFF"/>
+                </a:highlight>
+                <a:latin typeface="Consolas" panose="020B0609020204030204" pitchFamily="49" charset="0"/>
+              </a:rPr>
+              <a:t>spectacle.Play</a:t>
+            </a:r>
+            <a:r>
+              <a:rPr lang="en-US" dirty="0">
+                <a:solidFill>
+                  <a:srgbClr val="000000"/>
+                </a:solidFill>
+                <a:highlight>
+                  <a:srgbClr val="FFFFFF"/>
+                </a:highlight>
+                <a:latin typeface="Consolas" panose="020B0609020204030204" pitchFamily="49" charset="0"/>
+              </a:rPr>
+              <a:t>();</a:t>
+            </a:r>
+            <a:endParaRPr lang="ru-RU" dirty="0">
+              <a:solidFill>
+                <a:srgbClr val="000000"/>
+              </a:solidFill>
+              <a:highlight>
+                <a:srgbClr val="FFFFFF"/>
+              </a:highlight>
+              <a:latin typeface="Consolas" panose="020B0609020204030204" pitchFamily="49" charset="0"/>
+            </a:endParaRPr>
+          </a:p>
+          <a:p>
+            <a:r>
+              <a:rPr lang="en-US" dirty="0">
+                <a:solidFill>
+                  <a:srgbClr val="000000"/>
+                </a:solidFill>
+                <a:highlight>
+                  <a:srgbClr val="FFFFFF"/>
+                </a:highlight>
+                <a:latin typeface="Consolas" panose="020B0609020204030204" pitchFamily="49" charset="0"/>
+              </a:rPr>
+              <a:t>&gt; </a:t>
+            </a:r>
+            <a:r>
+              <a:rPr lang="ru-RU" dirty="0">
+                <a:solidFill>
+                  <a:srgbClr val="000000"/>
+                </a:solidFill>
+                <a:highlight>
+                  <a:srgbClr val="FFFFFF"/>
+                </a:highlight>
+                <a:latin typeface="Consolas" panose="020B0609020204030204" pitchFamily="49" charset="0"/>
+              </a:rPr>
+              <a:t>Привет мир!</a:t>
+            </a:r>
+          </a:p>
+          <a:p>
+            <a:r>
+              <a:rPr lang="en-US" dirty="0">
+                <a:solidFill>
+                  <a:srgbClr val="000000"/>
+                </a:solidFill>
+                <a:highlight>
+                  <a:srgbClr val="FFFFFF"/>
+                </a:highlight>
+                <a:latin typeface="Consolas" panose="020B0609020204030204" pitchFamily="49" charset="0"/>
+              </a:rPr>
+              <a:t>&gt; </a:t>
+            </a:r>
+            <a:r>
+              <a:rPr lang="ru-RU" dirty="0">
+                <a:solidFill>
+                  <a:srgbClr val="000000"/>
+                </a:solidFill>
+                <a:highlight>
+                  <a:srgbClr val="FFFFFF"/>
+                </a:highlight>
+                <a:latin typeface="Consolas" panose="020B0609020204030204" pitchFamily="49" charset="0"/>
+              </a:rPr>
+              <a:t>Пока-пока!</a:t>
+            </a:r>
+          </a:p>
+          <a:p>
+            <a:endParaRPr lang="ru-RU" dirty="0">
+              <a:solidFill>
+                <a:srgbClr val="000000"/>
+              </a:solidFill>
+              <a:highlight>
+                <a:srgbClr val="FFFFFF"/>
+              </a:highlight>
+              <a:latin typeface="Consolas" panose="020B0609020204030204" pitchFamily="49" charset="0"/>
+            </a:endParaRPr>
+          </a:p>
+          <a:p>
+            <a:r>
+              <a:rPr lang="en-US" dirty="0" err="1">
+                <a:solidFill>
+                  <a:srgbClr val="000000"/>
+                </a:solidFill>
+                <a:highlight>
+                  <a:srgbClr val="FFFFFF"/>
+                </a:highlight>
+                <a:latin typeface="Consolas" panose="020B0609020204030204" pitchFamily="49" charset="0"/>
+              </a:rPr>
+              <a:t>spectacle.Play</a:t>
+            </a:r>
+            <a:r>
+              <a:rPr lang="en-US" dirty="0">
+                <a:solidFill>
+                  <a:srgbClr val="000000"/>
+                </a:solidFill>
+                <a:highlight>
+                  <a:srgbClr val="FFFFFF"/>
+                </a:highlight>
+                <a:latin typeface="Consolas" panose="020B0609020204030204" pitchFamily="49" charset="0"/>
+              </a:rPr>
+              <a:t>();</a:t>
+            </a:r>
+            <a:endParaRPr lang="ru-RU" dirty="0">
+              <a:solidFill>
+                <a:srgbClr val="000000"/>
+              </a:solidFill>
+              <a:highlight>
+                <a:srgbClr val="FFFFFF"/>
+              </a:highlight>
+              <a:latin typeface="Consolas" panose="020B0609020204030204" pitchFamily="49" charset="0"/>
+            </a:endParaRPr>
+          </a:p>
+          <a:p>
+            <a:r>
+              <a:rPr lang="en-US" dirty="0">
+                <a:solidFill>
+                  <a:srgbClr val="000000"/>
+                </a:solidFill>
+                <a:highlight>
+                  <a:srgbClr val="FFFFFF"/>
+                </a:highlight>
+                <a:latin typeface="Consolas" panose="020B0609020204030204" pitchFamily="49" charset="0"/>
+              </a:rPr>
+              <a:t>&gt; </a:t>
+            </a:r>
+            <a:r>
+              <a:rPr lang="ru-RU" dirty="0">
+                <a:solidFill>
+                  <a:srgbClr val="000000"/>
+                </a:solidFill>
+                <a:highlight>
+                  <a:srgbClr val="FFFFFF"/>
+                </a:highlight>
+                <a:latin typeface="Consolas" panose="020B0609020204030204" pitchFamily="49" charset="0"/>
+              </a:rPr>
+              <a:t>Привет мир!</a:t>
+            </a:r>
+          </a:p>
+          <a:p>
+            <a:r>
+              <a:rPr lang="en-US" dirty="0">
+                <a:solidFill>
+                  <a:srgbClr val="000000"/>
+                </a:solidFill>
+                <a:highlight>
+                  <a:srgbClr val="FFFFFF"/>
+                </a:highlight>
+                <a:latin typeface="Consolas" panose="020B0609020204030204" pitchFamily="49" charset="0"/>
+              </a:rPr>
+              <a:t>&gt; </a:t>
+            </a:r>
+            <a:r>
+              <a:rPr lang="ru-RU" dirty="0">
+                <a:solidFill>
+                  <a:srgbClr val="000000"/>
+                </a:solidFill>
+                <a:highlight>
+                  <a:srgbClr val="FFFFFF"/>
+                </a:highlight>
+                <a:latin typeface="Consolas" panose="020B0609020204030204" pitchFamily="49" charset="0"/>
+              </a:rPr>
+              <a:t>Пока-пока!</a:t>
+            </a:r>
+          </a:p>
+          <a:p>
+            <a:endParaRPr lang="en-US" dirty="0">
+              <a:solidFill>
+                <a:srgbClr val="000000"/>
+              </a:solidFill>
+              <a:highlight>
+                <a:srgbClr val="FFFFFF"/>
+              </a:highlight>
+              <a:latin typeface="Consolas" panose="020B0609020204030204" pitchFamily="49" charset="0"/>
+            </a:endParaRPr>
+          </a:p>
         </p:txBody>
       </p:sp>
     </p:spTree>
     <p:extLst>
       <p:ext uri="{BB962C8B-B14F-4D97-AF65-F5344CB8AC3E}">
-        <p14:creationId xmlns:p14="http://schemas.microsoft.com/office/powerpoint/2010/main" val="4032706032"/>
+        <p14:creationId xmlns:p14="http://schemas.microsoft.com/office/powerpoint/2010/main" val="500824627"/>
       </p:ext>
     </p:extLst>
   </p:cSld>
@@ -7718,7 +7812,7 @@
         <p:spPr>
           <a:xfrm>
             <a:off x="2152651" y="1821317"/>
-            <a:ext cx="6711043" cy="2862322"/>
+            <a:ext cx="6711043" cy="1754326"/>
           </a:xfrm>
           <a:prstGeom prst="rect">
             <a:avLst/>
@@ -7980,315 +8074,7 @@
                 </a:highlight>
                 <a:latin typeface="Consolas" panose="020B0609020204030204" pitchFamily="49" charset="0"/>
               </a:rPr>
-              <a:t>(...</a:t>
-            </a:r>
-            <a:r>
-              <a:rPr lang="ru-RU" dirty="0">
-                <a:solidFill>
-                  <a:srgbClr val="000000"/>
-                </a:solidFill>
-                <a:highlight>
-                  <a:srgbClr val="FFFFFF"/>
-                </a:highlight>
-                <a:latin typeface="Consolas" panose="020B0609020204030204" pitchFamily="49" charset="0"/>
-              </a:rPr>
-              <a:t/>
-            </a:r>
-            <a:br>
-              <a:rPr lang="ru-RU" dirty="0">
-                <a:solidFill>
-                  <a:srgbClr val="000000"/>
-                </a:solidFill>
-                <a:highlight>
-                  <a:srgbClr val="FFFFFF"/>
-                </a:highlight>
-                <a:latin typeface="Consolas" panose="020B0609020204030204" pitchFamily="49" charset="0"/>
-              </a:rPr>
-            </a:br>
-            <a:r>
-              <a:rPr lang="ru-RU" dirty="0">
-                <a:solidFill>
-                  <a:srgbClr val="000000"/>
-                </a:solidFill>
-                <a:highlight>
-                  <a:srgbClr val="FFFFFF"/>
-                </a:highlight>
-                <a:latin typeface="Consolas" panose="020B0609020204030204" pitchFamily="49" charset="0"/>
-              </a:rPr>
-              <a:t>	</a:t>
-            </a:r>
-            <a:r>
-              <a:rPr lang="en-US" dirty="0">
-                <a:solidFill>
-                  <a:srgbClr val="000000"/>
-                </a:solidFill>
-                <a:highlight>
-                  <a:srgbClr val="FFFFFF"/>
-                </a:highlight>
-                <a:latin typeface="Consolas" panose="020B0609020204030204" pitchFamily="49" charset="0"/>
-              </a:rPr>
-              <a:t>.Say(</a:t>
-            </a:r>
-            <a:r>
-              <a:rPr lang="ru-RU" dirty="0">
-                <a:solidFill>
-                  <a:srgbClr val="A31515"/>
-                </a:solidFill>
-                <a:highlight>
-                  <a:srgbClr val="FFFFFF"/>
-                </a:highlight>
-                <a:latin typeface="Consolas" panose="020B0609020204030204" pitchFamily="49" charset="0"/>
-              </a:rPr>
-              <a:t>"</a:t>
-            </a:r>
-            <a:r>
-              <a:rPr lang="ru-RU" dirty="0" err="1">
-                <a:solidFill>
-                  <a:srgbClr val="A31515"/>
-                </a:solidFill>
-                <a:highlight>
-                  <a:srgbClr val="FFFFFF"/>
-                </a:highlight>
-                <a:latin typeface="Consolas" panose="020B0609020204030204" pitchFamily="49" charset="0"/>
-              </a:rPr>
-              <a:t>Тра</a:t>
-            </a:r>
-            <a:r>
-              <a:rPr lang="ru-RU" dirty="0">
-                <a:solidFill>
-                  <a:srgbClr val="A31515"/>
-                </a:solidFill>
-                <a:highlight>
-                  <a:srgbClr val="FFFFFF"/>
-                </a:highlight>
-                <a:latin typeface="Consolas" panose="020B0609020204030204" pitchFamily="49" charset="0"/>
-              </a:rPr>
-              <a:t>-ля-ля"</a:t>
-            </a:r>
-            <a:r>
-              <a:rPr lang="ru-RU" dirty="0">
-                <a:solidFill>
-                  <a:srgbClr val="000000"/>
-                </a:solidFill>
-                <a:highlight>
-                  <a:srgbClr val="FFFFFF"/>
-                </a:highlight>
-                <a:latin typeface="Consolas" panose="020B0609020204030204" pitchFamily="49" charset="0"/>
-              </a:rPr>
-              <a:t>)</a:t>
-            </a:r>
-            <a:endParaRPr lang="ru-RU" dirty="0">
-              <a:solidFill>
-                <a:srgbClr val="A31515"/>
-              </a:solidFill>
-              <a:highlight>
-                <a:srgbClr val="FFFFFF"/>
-              </a:highlight>
-              <a:latin typeface="Consolas" panose="020B0609020204030204" pitchFamily="49" charset="0"/>
-            </a:endParaRPr>
-          </a:p>
-          <a:p>
-            <a:r>
-              <a:rPr lang="ru-RU" dirty="0">
-                <a:solidFill>
-                  <a:srgbClr val="000000"/>
-                </a:solidFill>
-                <a:highlight>
-                  <a:srgbClr val="FFFFFF"/>
-                </a:highlight>
-                <a:latin typeface="Consolas" panose="020B0609020204030204" pitchFamily="49" charset="0"/>
-              </a:rPr>
-              <a:t>	</a:t>
-            </a:r>
-            <a:r>
-              <a:rPr lang="en-US" dirty="0">
-                <a:solidFill>
-                  <a:srgbClr val="000000"/>
-                </a:solidFill>
-                <a:highlight>
-                  <a:srgbClr val="FFFFFF"/>
-                </a:highlight>
-                <a:latin typeface="Consolas" panose="020B0609020204030204" pitchFamily="49" charset="0"/>
-              </a:rPr>
-              <a:t>.Say(</a:t>
-            </a:r>
-            <a:r>
-              <a:rPr lang="ru-RU" dirty="0">
-                <a:solidFill>
-                  <a:srgbClr val="A31515"/>
-                </a:solidFill>
-                <a:highlight>
-                  <a:srgbClr val="FFFFFF"/>
-                </a:highlight>
-                <a:latin typeface="Consolas" panose="020B0609020204030204" pitchFamily="49" charset="0"/>
-              </a:rPr>
-              <a:t>"Тру-</a:t>
-            </a:r>
-            <a:r>
-              <a:rPr lang="ru-RU" dirty="0" err="1">
-                <a:solidFill>
-                  <a:srgbClr val="A31515"/>
-                </a:solidFill>
-                <a:highlight>
-                  <a:srgbClr val="FFFFFF"/>
-                </a:highlight>
-                <a:latin typeface="Consolas" panose="020B0609020204030204" pitchFamily="49" charset="0"/>
-              </a:rPr>
-              <a:t>лю</a:t>
-            </a:r>
-            <a:r>
-              <a:rPr lang="ru-RU" dirty="0">
-                <a:solidFill>
-                  <a:srgbClr val="A31515"/>
-                </a:solidFill>
-                <a:highlight>
-                  <a:srgbClr val="FFFFFF"/>
-                </a:highlight>
-                <a:latin typeface="Consolas" panose="020B0609020204030204" pitchFamily="49" charset="0"/>
-              </a:rPr>
-              <a:t>-</a:t>
-            </a:r>
-            <a:r>
-              <a:rPr lang="ru-RU" dirty="0" err="1">
-                <a:solidFill>
-                  <a:srgbClr val="A31515"/>
-                </a:solidFill>
-                <a:highlight>
-                  <a:srgbClr val="FFFFFF"/>
-                </a:highlight>
-                <a:latin typeface="Consolas" panose="020B0609020204030204" pitchFamily="49" charset="0"/>
-              </a:rPr>
-              <a:t>лю</a:t>
-            </a:r>
-            <a:r>
-              <a:rPr lang="ru-RU" dirty="0">
-                <a:solidFill>
-                  <a:srgbClr val="A31515"/>
-                </a:solidFill>
-                <a:highlight>
-                  <a:srgbClr val="FFFFFF"/>
-                </a:highlight>
-                <a:latin typeface="Consolas" panose="020B0609020204030204" pitchFamily="49" charset="0"/>
-              </a:rPr>
-              <a:t>"</a:t>
-            </a:r>
-            <a:r>
-              <a:rPr lang="ru-RU" dirty="0">
-                <a:solidFill>
-                  <a:srgbClr val="000000"/>
-                </a:solidFill>
-                <a:highlight>
-                  <a:srgbClr val="FFFFFF"/>
-                </a:highlight>
-                <a:latin typeface="Consolas" panose="020B0609020204030204" pitchFamily="49" charset="0"/>
-              </a:rPr>
-              <a:t>)</a:t>
-            </a:r>
-            <a:endParaRPr lang="ru-RU" dirty="0">
-              <a:solidFill>
-                <a:srgbClr val="A31515"/>
-              </a:solidFill>
-              <a:highlight>
-                <a:srgbClr val="FFFFFF"/>
-              </a:highlight>
-              <a:latin typeface="Consolas" panose="020B0609020204030204" pitchFamily="49" charset="0"/>
-            </a:endParaRPr>
-          </a:p>
-          <a:p>
-            <a:r>
-              <a:rPr lang="ru-RU" dirty="0">
-                <a:solidFill>
-                  <a:srgbClr val="000000"/>
-                </a:solidFill>
-                <a:highlight>
-                  <a:srgbClr val="FFFFFF"/>
-                </a:highlight>
-                <a:latin typeface="Consolas" panose="020B0609020204030204" pitchFamily="49" charset="0"/>
-              </a:rPr>
-              <a:t> 	</a:t>
-            </a:r>
-            <a:r>
-              <a:rPr lang="en-US" dirty="0">
-                <a:solidFill>
-                  <a:srgbClr val="000000"/>
-                </a:solidFill>
-                <a:highlight>
-                  <a:srgbClr val="FFFFFF"/>
-                </a:highlight>
-                <a:latin typeface="Consolas" panose="020B0609020204030204" pitchFamily="49" charset="0"/>
-              </a:rPr>
-              <a:t>.Delay(</a:t>
-            </a:r>
-            <a:r>
-              <a:rPr lang="en-US" dirty="0" err="1">
-                <a:solidFill>
-                  <a:srgbClr val="2B91AF"/>
-                </a:solidFill>
-                <a:highlight>
-                  <a:srgbClr val="FFFFFF"/>
-                </a:highlight>
-                <a:latin typeface="Consolas" panose="020B0609020204030204" pitchFamily="49" charset="0"/>
-              </a:rPr>
-              <a:t>TimeSpan</a:t>
-            </a:r>
-            <a:r>
-              <a:rPr lang="en-US" dirty="0" err="1">
-                <a:solidFill>
-                  <a:srgbClr val="000000"/>
-                </a:solidFill>
-                <a:highlight>
-                  <a:srgbClr val="FFFFFF"/>
-                </a:highlight>
-                <a:latin typeface="Consolas" panose="020B0609020204030204" pitchFamily="49" charset="0"/>
-              </a:rPr>
-              <a:t>.FromSeconds</a:t>
-            </a:r>
-            <a:r>
-              <a:rPr lang="en-US" dirty="0">
-                <a:solidFill>
-                  <a:srgbClr val="000000"/>
-                </a:solidFill>
-                <a:highlight>
-                  <a:srgbClr val="FFFFFF"/>
-                </a:highlight>
-                <a:latin typeface="Consolas" panose="020B0609020204030204" pitchFamily="49" charset="0"/>
-              </a:rPr>
-              <a:t>(1))</a:t>
-            </a:r>
-            <a:br>
-              <a:rPr lang="en-US" dirty="0">
-                <a:solidFill>
-                  <a:srgbClr val="000000"/>
-                </a:solidFill>
-                <a:highlight>
-                  <a:srgbClr val="FFFFFF"/>
-                </a:highlight>
-                <a:latin typeface="Consolas" panose="020B0609020204030204" pitchFamily="49" charset="0"/>
-              </a:rPr>
-            </a:br>
-            <a:r>
-              <a:rPr lang="ru-RU" dirty="0">
-                <a:solidFill>
-                  <a:srgbClr val="000000"/>
-                </a:solidFill>
-                <a:highlight>
-                  <a:srgbClr val="FFFFFF"/>
-                </a:highlight>
-                <a:latin typeface="Consolas" panose="020B0609020204030204" pitchFamily="49" charset="0"/>
-              </a:rPr>
-              <a:t>    </a:t>
-            </a:r>
-            <a:r>
-              <a:rPr lang="en-US" dirty="0">
-                <a:solidFill>
-                  <a:srgbClr val="000000"/>
-                </a:solidFill>
-                <a:highlight>
-                  <a:srgbClr val="FFFFFF"/>
-                </a:highlight>
-                <a:latin typeface="Consolas" panose="020B0609020204030204" pitchFamily="49" charset="0"/>
-              </a:rPr>
-              <a:t>)</a:t>
+              <a:t>(...)</a:t>
             </a:r>
           </a:p>
           <a:p>
@@ -8417,7 +8203,7 @@
     </p:spTree>
     <p:extLst>
       <p:ext uri="{BB962C8B-B14F-4D97-AF65-F5344CB8AC3E}">
-        <p14:creationId xmlns:p14="http://schemas.microsoft.com/office/powerpoint/2010/main" val="116881258"/>
+        <p14:creationId xmlns:p14="http://schemas.microsoft.com/office/powerpoint/2010/main" val="4032706032"/>
       </p:ext>
     </p:extLst>
   </p:cSld>
@@ -8751,21 +8537,7 @@
                 </a:highlight>
                 <a:latin typeface="Consolas" panose="020B0609020204030204" pitchFamily="49" charset="0"/>
               </a:rPr>
-              <a:t>(s =&gt;  </a:t>
-            </a:r>
-            <a:r>
-              <a:rPr lang="en-US" dirty="0">
-                <a:solidFill>
-                  <a:schemeClr val="accent6">
-                    <a:lumMod val="75000"/>
-                  </a:schemeClr>
-                </a:solidFill>
-                <a:highlight>
-                  <a:srgbClr val="FFFFFF"/>
-                </a:highlight>
-                <a:latin typeface="Consolas" panose="020B0609020204030204" pitchFamily="49" charset="0"/>
-              </a:rPr>
-              <a:t>// Spectacle s</a:t>
+              <a:t>(...</a:t>
             </a:r>
             <a:r>
               <a:rPr lang="ru-RU" dirty="0">
@@ -8803,18 +8575,6 @@
               <a:t>	</a:t>
             </a:r>
             <a:r>
-              <a:rPr lang="en-US" dirty="0" err="1">
-                <a:solidFill>
-                  <a:srgbClr val="000000"/>
-                </a:solidFill>
-                <a:highlight>
-                  <a:srgbClr val="FFFFFF"/>
-                </a:highlight>
-                <a:latin typeface="Consolas" panose="020B0609020204030204" pitchFamily="49" charset="0"/>
-              </a:rPr>
-              <a:t>s.Say</a:t>
-            </a:r>
-            <a:r>
               <a:rPr lang="en-US" dirty="0">
                 <a:solidFill>
                   <a:srgbClr val="000000"/>
@@ -8824,7 +8584,7 @@
                 </a:highlight>
                 <a:latin typeface="Consolas" panose="020B0609020204030204" pitchFamily="49" charset="0"/>
               </a:rPr>
-              <a:t>(</a:t>
+              <a:t>.Say(</a:t>
             </a:r>
             <a:r>
               <a:rPr lang="ru-RU" dirty="0">
@@ -9214,7 +8974,7 @@
     </p:spTree>
     <p:extLst>
       <p:ext uri="{BB962C8B-B14F-4D97-AF65-F5344CB8AC3E}">
-        <p14:creationId xmlns:p14="http://schemas.microsoft.com/office/powerpoint/2010/main" val="2770452846"/>
+        <p14:creationId xmlns:p14="http://schemas.microsoft.com/office/powerpoint/2010/main" val="116881258"/>
       </p:ext>
     </p:extLst>
   </p:cSld>
@@ -9260,12 +9020,18 @@
         </p:nvSpPr>
         <p:spPr/>
         <p:txBody>
-          <a:bodyPr/>
+          <a:bodyPr>
+            <a:normAutofit/>
+          </a:bodyPr>
           <a:lstStyle/>
           <a:p>
             <a:r>
-              <a:rPr lang="en-US" dirty="0" smtClean="0"/>
-              <a:t>Immutable → Fluent</a:t>
+              <a:rPr lang="en-US" b="1" dirty="0" err="1" smtClean="0"/>
+              <a:t>FluentApi</a:t>
+            </a:r>
+            <a:r>
+              <a:rPr lang="en-US" b="1" dirty="0" smtClean="0"/>
+              <a:t> exercise</a:t>
             </a:r>
             <a:endParaRPr lang="ru-RU" dirty="0"/>
           </a:p>
@@ -9273,24 +9039,27 @@
       </p:sp>
       <p:sp>
         <p:nvSpPr>
-          <p:cNvPr id="3" name="Объект 2"/>
-          <p:cNvSpPr>
-            <a:spLocks noGrp="1"/>
-          </p:cNvSpPr>
-          <p:nvPr>
-            <p:ph idx="1"/>
-          </p:nvPr>
+          <p:cNvPr id="3" name="Прямоугольник 2"/>
+          <p:cNvSpPr/>
+          <p:nvPr/>
         </p:nvSpPr>
-        <p:spPr/>
+        <p:spPr>
+          <a:xfrm>
+            <a:off x="1134339" y="1821317"/>
+            <a:ext cx="9869633" cy="4401205"/>
+          </a:xfrm>
+          <a:prstGeom prst="rect">
+            <a:avLst/>
+          </a:prstGeom>
+        </p:spPr>
         <p:txBody>
-          <a:bodyPr/>
+          <a:bodyPr wrap="square">
+            <a:spAutoFit/>
+          </a:bodyPr>
           <a:lstStyle/>
           <a:p>
-            <a:pPr marL="0" indent="0" fontAlgn="t">
-              <a:buNone/>
-            </a:pPr>
-            <a:r>
-              <a:rPr lang="en-US" dirty="0" err="1">
+            <a:r>
+              <a:rPr lang="en-US" sz="2800" dirty="0" err="1">
                 <a:solidFill>
                   <a:srgbClr val="0000FF"/>
                 </a:solidFill>
@@ -9302,39 +9071,558 @@
               <a:t>var</a:t>
             </a:r>
             <a:r>
-              <a:rPr lang="en-US" dirty="0" smtClean="0">
-                <a:solidFill>
-                  <a:srgbClr val="000000"/>
-                </a:solidFill>
+              <a:rPr lang="en-US" sz="2800" dirty="0">
+                <a:solidFill>
+                  <a:srgbClr val="000000"/>
+                </a:solidFill>
+                <a:highlight>
+                  <a:srgbClr val="FFFFFF"/>
+                </a:highlight>
+                <a:latin typeface="Consolas" panose="020B0609020204030204" pitchFamily="49" charset="0"/>
+              </a:rPr>
+              <a:t> spectacle = </a:t>
+            </a:r>
+            <a:r>
+              <a:rPr lang="en-US" sz="2800" dirty="0">
+                <a:solidFill>
+                  <a:srgbClr val="0000FF"/>
+                </a:solidFill>
+                <a:highlight>
+                  <a:srgbClr val="FFFFFF"/>
+                </a:highlight>
+                <a:latin typeface="Consolas" panose="020B0609020204030204" pitchFamily="49" charset="0"/>
+              </a:rPr>
+              <a:t>new</a:t>
+            </a:r>
+            <a:r>
+              <a:rPr lang="en-US" sz="2800" dirty="0">
+                <a:solidFill>
+                  <a:srgbClr val="000000"/>
+                </a:solidFill>
+                <a:highlight>
+                  <a:srgbClr val="FFFFFF"/>
+                </a:highlight>
                 <a:latin typeface="Consolas" panose="020B0609020204030204" pitchFamily="49" charset="0"/>
               </a:rPr>
               <a:t> </a:t>
             </a:r>
             <a:r>
-              <a:rPr lang="en-US" dirty="0">
-                <a:solidFill>
-                  <a:srgbClr val="000000"/>
-                </a:solidFill>
-                <a:latin typeface="Consolas" panose="020B0609020204030204" pitchFamily="49" charset="0"/>
-              </a:rPr>
-              <a:t>numbers = </a:t>
-            </a:r>
-          </a:p>
-          <a:p>
-            <a:pPr marL="0" indent="0" fontAlgn="t">
-              <a:buNone/>
-            </a:pPr>
-            <a:r>
-              <a:rPr lang="en-US" dirty="0">
-                <a:solidFill>
-                  <a:srgbClr val="000000"/>
-                </a:solidFill>
+              <a:rPr lang="en-US" sz="2800" dirty="0">
+                <a:solidFill>
+                  <a:srgbClr val="2B91AF"/>
+                </a:solidFill>
+                <a:highlight>
+                  <a:srgbClr val="FFFFFF"/>
+                </a:highlight>
+                <a:latin typeface="Consolas" panose="020B0609020204030204" pitchFamily="49" charset="0"/>
+              </a:rPr>
+              <a:t>Spectacle</a:t>
+            </a:r>
+            <a:r>
+              <a:rPr lang="en-US" sz="2800" dirty="0">
+                <a:solidFill>
+                  <a:srgbClr val="000000"/>
+                </a:solidFill>
+                <a:highlight>
+                  <a:srgbClr val="FFFFFF"/>
+                </a:highlight>
+                <a:latin typeface="Consolas" panose="020B0609020204030204" pitchFamily="49" charset="0"/>
+              </a:rPr>
+              <a:t>()</a:t>
+            </a:r>
+          </a:p>
+          <a:p>
+            <a:r>
+              <a:rPr lang="en-US" sz="2800" dirty="0">
+                <a:solidFill>
+                  <a:srgbClr val="000000"/>
+                </a:solidFill>
+                <a:highlight>
+                  <a:srgbClr val="FFFFFF"/>
+                </a:highlight>
+                <a:latin typeface="Consolas" panose="020B0609020204030204" pitchFamily="49" charset="0"/>
+              </a:rPr>
+              <a:t>    .Say(</a:t>
+            </a:r>
+            <a:r>
+              <a:rPr lang="en-US" sz="2800" dirty="0">
+                <a:solidFill>
+                  <a:srgbClr val="A31515"/>
+                </a:solidFill>
+                <a:highlight>
+                  <a:srgbClr val="FFFFFF"/>
+                </a:highlight>
+                <a:latin typeface="Consolas" panose="020B0609020204030204" pitchFamily="49" charset="0"/>
+              </a:rPr>
+              <a:t>"</a:t>
+            </a:r>
+            <a:r>
+              <a:rPr lang="ru-RU" sz="2800" dirty="0">
+                <a:solidFill>
+                  <a:srgbClr val="A31515"/>
+                </a:solidFill>
+                <a:highlight>
+                  <a:srgbClr val="FFFFFF"/>
+                </a:highlight>
+                <a:latin typeface="Consolas" panose="020B0609020204030204" pitchFamily="49" charset="0"/>
+              </a:rPr>
+              <a:t>Привет мир!"</a:t>
+            </a:r>
+            <a:r>
+              <a:rPr lang="ru-RU" sz="2800" dirty="0">
+                <a:solidFill>
+                  <a:srgbClr val="000000"/>
+                </a:solidFill>
+                <a:highlight>
+                  <a:srgbClr val="FFFFFF"/>
+                </a:highlight>
+                <a:latin typeface="Consolas" panose="020B0609020204030204" pitchFamily="49" charset="0"/>
+              </a:rPr>
+              <a:t>)</a:t>
+            </a:r>
+            <a:br>
+              <a:rPr lang="ru-RU" sz="2800" dirty="0">
+                <a:solidFill>
+                  <a:srgbClr val="000000"/>
+                </a:solidFill>
+                <a:highlight>
+                  <a:srgbClr val="FFFFFF"/>
+                </a:highlight>
+                <a:latin typeface="Consolas" panose="020B0609020204030204" pitchFamily="49" charset="0"/>
+              </a:rPr>
+            </a:br>
+            <a:r>
+              <a:rPr lang="en-US" sz="2800" dirty="0">
+                <a:solidFill>
+                  <a:srgbClr val="000000"/>
+                </a:solidFill>
+                <a:highlight>
+                  <a:srgbClr val="FFFFFF"/>
+                </a:highlight>
+                <a:latin typeface="Consolas" panose="020B0609020204030204" pitchFamily="49" charset="0"/>
+              </a:rPr>
+              <a:t> </a:t>
+            </a:r>
+            <a:r>
+              <a:rPr lang="ru-RU" sz="2800" dirty="0">
+                <a:solidFill>
+                  <a:srgbClr val="000000"/>
+                </a:solidFill>
+                <a:highlight>
+                  <a:srgbClr val="FFFFFF"/>
+                </a:highlight>
+                <a:latin typeface="Consolas" panose="020B0609020204030204" pitchFamily="49" charset="0"/>
+              </a:rPr>
+              <a:t>   </a:t>
+            </a:r>
+            <a:r>
+              <a:rPr lang="en-US" sz="2800" dirty="0">
+                <a:solidFill>
+                  <a:srgbClr val="000000"/>
+                </a:solidFill>
+                <a:highlight>
+                  <a:srgbClr val="FFFFFF"/>
+                </a:highlight>
+                <a:latin typeface="Consolas" panose="020B0609020204030204" pitchFamily="49" charset="0"/>
+              </a:rPr>
+              <a:t>.Delay(</a:t>
+            </a:r>
+            <a:r>
+              <a:rPr lang="en-US" sz="2800" dirty="0" err="1">
+                <a:solidFill>
+                  <a:srgbClr val="2B91AF"/>
+                </a:solidFill>
+                <a:highlight>
+                  <a:srgbClr val="FFFFFF"/>
+                </a:highlight>
+                <a:latin typeface="Consolas" panose="020B0609020204030204" pitchFamily="49" charset="0"/>
+              </a:rPr>
+              <a:t>TimeSpan</a:t>
+            </a:r>
+            <a:r>
+              <a:rPr lang="en-US" sz="2800" dirty="0" err="1">
+                <a:solidFill>
+                  <a:srgbClr val="000000"/>
+                </a:solidFill>
+                <a:highlight>
+                  <a:srgbClr val="FFFFFF"/>
+                </a:highlight>
+                <a:latin typeface="Consolas" panose="020B0609020204030204" pitchFamily="49" charset="0"/>
+              </a:rPr>
+              <a:t>.FromSeconds</a:t>
+            </a:r>
+            <a:r>
+              <a:rPr lang="en-US" sz="2800" dirty="0">
+                <a:solidFill>
+                  <a:srgbClr val="000000"/>
+                </a:solidFill>
+                <a:highlight>
+                  <a:srgbClr val="FFFFFF"/>
+                </a:highlight>
+                <a:latin typeface="Consolas" panose="020B0609020204030204" pitchFamily="49" charset="0"/>
+              </a:rPr>
+              <a:t>(1))</a:t>
+            </a:r>
+            <a:br>
+              <a:rPr lang="en-US" sz="2800" dirty="0">
+                <a:solidFill>
+                  <a:srgbClr val="000000"/>
+                </a:solidFill>
+                <a:highlight>
+                  <a:srgbClr val="FFFFFF"/>
+                </a:highlight>
+                <a:latin typeface="Consolas" panose="020B0609020204030204" pitchFamily="49" charset="0"/>
+              </a:rPr>
+            </a:br>
+            <a:r>
+              <a:rPr lang="en-US" sz="2800" dirty="0">
+                <a:solidFill>
+                  <a:srgbClr val="000000"/>
+                </a:solidFill>
+                <a:highlight>
+                  <a:srgbClr val="FFFFFF"/>
+                </a:highlight>
+                <a:latin typeface="Consolas" panose="020B0609020204030204" pitchFamily="49" charset="0"/>
+              </a:rPr>
+              <a:t>    .</a:t>
+            </a:r>
+            <a:r>
+              <a:rPr lang="en-US" sz="2800" dirty="0" err="1">
+                <a:solidFill>
+                  <a:srgbClr val="000000"/>
+                </a:solidFill>
+                <a:highlight>
+                  <a:srgbClr val="FFFFFF"/>
+                </a:highlight>
+                <a:latin typeface="Consolas" panose="020B0609020204030204" pitchFamily="49" charset="0"/>
+              </a:rPr>
+              <a:t>UntilKeyPressed</a:t>
+            </a:r>
+            <a:r>
+              <a:rPr lang="en-US" sz="2800" dirty="0">
+                <a:solidFill>
+                  <a:srgbClr val="000000"/>
+                </a:solidFill>
+                <a:highlight>
+                  <a:srgbClr val="FFFFFF"/>
+                </a:highlight>
+                <a:latin typeface="Consolas" panose="020B0609020204030204" pitchFamily="49" charset="0"/>
+              </a:rPr>
+              <a:t>(s =&gt;  </a:t>
+            </a:r>
+            <a:r>
+              <a:rPr lang="en-US" sz="2800" dirty="0">
+                <a:solidFill>
+                  <a:schemeClr val="accent6">
+                    <a:lumMod val="75000"/>
+                  </a:schemeClr>
+                </a:solidFill>
+                <a:highlight>
+                  <a:srgbClr val="FFFFFF"/>
+                </a:highlight>
+                <a:latin typeface="Consolas" panose="020B0609020204030204" pitchFamily="49" charset="0"/>
+              </a:rPr>
+              <a:t>// Spectacle s</a:t>
+            </a:r>
+            <a:r>
+              <a:rPr lang="ru-RU" sz="2800" dirty="0">
+                <a:solidFill>
+                  <a:srgbClr val="000000"/>
+                </a:solidFill>
+                <a:highlight>
+                  <a:srgbClr val="FFFFFF"/>
+                </a:highlight>
+                <a:latin typeface="Consolas" panose="020B0609020204030204" pitchFamily="49" charset="0"/>
+              </a:rPr>
+              <a:t/>
+            </a:r>
+            <a:br>
+              <a:rPr lang="ru-RU" sz="2800" dirty="0">
+                <a:solidFill>
+                  <a:srgbClr val="000000"/>
+                </a:solidFill>
+                <a:highlight>
+                  <a:srgbClr val="FFFFFF"/>
+                </a:highlight>
+                <a:latin typeface="Consolas" panose="020B0609020204030204" pitchFamily="49" charset="0"/>
+              </a:rPr>
+            </a:br>
+            <a:r>
+              <a:rPr lang="ru-RU" sz="2800" dirty="0">
+                <a:solidFill>
+                  <a:srgbClr val="000000"/>
+                </a:solidFill>
+                <a:highlight>
+                  <a:srgbClr val="FFFFFF"/>
+                </a:highlight>
                 <a:latin typeface="Consolas" panose="020B0609020204030204" pitchFamily="49" charset="0"/>
               </a:rPr>
               <a:t>	</a:t>
             </a:r>
             <a:r>
-              <a:rPr lang="en-US" dirty="0">
+              <a:rPr lang="en-US" sz="2800" dirty="0" smtClean="0">
+                <a:solidFill>
+                  <a:srgbClr val="000000"/>
+                </a:solidFill>
+                <a:highlight>
+                  <a:srgbClr val="FFFFFF"/>
+                </a:highlight>
+                <a:latin typeface="Consolas" panose="020B0609020204030204" pitchFamily="49" charset="0"/>
+              </a:rPr>
+              <a:t>   </a:t>
+            </a:r>
+            <a:r>
+              <a:rPr lang="en-US" sz="2800" dirty="0" err="1" smtClean="0">
+                <a:solidFill>
+                  <a:srgbClr val="000000"/>
+                </a:solidFill>
+                <a:highlight>
+                  <a:srgbClr val="FFFFFF"/>
+                </a:highlight>
+                <a:latin typeface="Consolas" panose="020B0609020204030204" pitchFamily="49" charset="0"/>
+              </a:rPr>
+              <a:t>s.Say</a:t>
+            </a:r>
+            <a:r>
+              <a:rPr lang="en-US" sz="2800" dirty="0">
+                <a:solidFill>
+                  <a:srgbClr val="000000"/>
+                </a:solidFill>
+                <a:highlight>
+                  <a:srgbClr val="FFFFFF"/>
+                </a:highlight>
+                <a:latin typeface="Consolas" panose="020B0609020204030204" pitchFamily="49" charset="0"/>
+              </a:rPr>
+              <a:t>(</a:t>
+            </a:r>
+            <a:r>
+              <a:rPr lang="ru-RU" sz="2800" dirty="0">
+                <a:solidFill>
+                  <a:srgbClr val="A31515"/>
+                </a:solidFill>
+                <a:highlight>
+                  <a:srgbClr val="FFFFFF"/>
+                </a:highlight>
+                <a:latin typeface="Consolas" panose="020B0609020204030204" pitchFamily="49" charset="0"/>
+              </a:rPr>
+              <a:t>"</a:t>
+            </a:r>
+            <a:r>
+              <a:rPr lang="ru-RU" sz="2800" dirty="0" err="1">
+                <a:solidFill>
+                  <a:srgbClr val="A31515"/>
+                </a:solidFill>
+                <a:highlight>
+                  <a:srgbClr val="FFFFFF"/>
+                </a:highlight>
+                <a:latin typeface="Consolas" panose="020B0609020204030204" pitchFamily="49" charset="0"/>
+              </a:rPr>
+              <a:t>Тра</a:t>
+            </a:r>
+            <a:r>
+              <a:rPr lang="ru-RU" sz="2800" dirty="0">
+                <a:solidFill>
+                  <a:srgbClr val="A31515"/>
+                </a:solidFill>
+                <a:highlight>
+                  <a:srgbClr val="FFFFFF"/>
+                </a:highlight>
+                <a:latin typeface="Consolas" panose="020B0609020204030204" pitchFamily="49" charset="0"/>
+              </a:rPr>
+              <a:t>-ля-ля"</a:t>
+            </a:r>
+            <a:r>
+              <a:rPr lang="ru-RU" sz="2800" dirty="0">
+                <a:solidFill>
+                  <a:srgbClr val="000000"/>
+                </a:solidFill>
+                <a:highlight>
+                  <a:srgbClr val="FFFFFF"/>
+                </a:highlight>
+                <a:latin typeface="Consolas" panose="020B0609020204030204" pitchFamily="49" charset="0"/>
+              </a:rPr>
+              <a:t>)</a:t>
+            </a:r>
+            <a:endParaRPr lang="ru-RU" sz="2800" dirty="0">
+              <a:solidFill>
+                <a:srgbClr val="A31515"/>
+              </a:solidFill>
+              <a:highlight>
+                <a:srgbClr val="FFFFFF"/>
+              </a:highlight>
+              <a:latin typeface="Consolas" panose="020B0609020204030204" pitchFamily="49" charset="0"/>
+            </a:endParaRPr>
+          </a:p>
+          <a:p>
+            <a:r>
+              <a:rPr lang="en-US" sz="2800" dirty="0" smtClean="0">
+                <a:solidFill>
+                  <a:srgbClr val="000000"/>
+                </a:solidFill>
+                <a:highlight>
+                  <a:srgbClr val="FFFFFF"/>
+                </a:highlight>
+                <a:latin typeface="Consolas" panose="020B0609020204030204" pitchFamily="49" charset="0"/>
+              </a:rPr>
+              <a:t>  </a:t>
+            </a:r>
+            <a:r>
+              <a:rPr lang="en-US" sz="2800" dirty="0">
+                <a:solidFill>
+                  <a:srgbClr val="000000"/>
+                </a:solidFill>
+                <a:highlight>
+                  <a:srgbClr val="FFFFFF"/>
+                </a:highlight>
+                <a:latin typeface="Consolas" panose="020B0609020204030204" pitchFamily="49" charset="0"/>
+              </a:rPr>
+              <a:t> </a:t>
+            </a:r>
+            <a:r>
+              <a:rPr lang="en-US" sz="2800" dirty="0" smtClean="0">
+                <a:solidFill>
+                  <a:srgbClr val="000000"/>
+                </a:solidFill>
+                <a:highlight>
+                  <a:srgbClr val="FFFFFF"/>
+                </a:highlight>
+                <a:latin typeface="Consolas" panose="020B0609020204030204" pitchFamily="49" charset="0"/>
+              </a:rPr>
+              <a:t>      .</a:t>
+            </a:r>
+            <a:r>
+              <a:rPr lang="en-US" sz="2800" dirty="0">
+                <a:solidFill>
+                  <a:srgbClr val="000000"/>
+                </a:solidFill>
+                <a:highlight>
+                  <a:srgbClr val="FFFFFF"/>
+                </a:highlight>
+                <a:latin typeface="Consolas" panose="020B0609020204030204" pitchFamily="49" charset="0"/>
+              </a:rPr>
+              <a:t>Say(</a:t>
+            </a:r>
+            <a:r>
+              <a:rPr lang="ru-RU" sz="2800" dirty="0">
+                <a:solidFill>
+                  <a:srgbClr val="A31515"/>
+                </a:solidFill>
+                <a:highlight>
+                  <a:srgbClr val="FFFFFF"/>
+                </a:highlight>
+                <a:latin typeface="Consolas" panose="020B0609020204030204" pitchFamily="49" charset="0"/>
+              </a:rPr>
+              <a:t>"Тру-</a:t>
+            </a:r>
+            <a:r>
+              <a:rPr lang="ru-RU" sz="2800" dirty="0" err="1">
+                <a:solidFill>
+                  <a:srgbClr val="A31515"/>
+                </a:solidFill>
+                <a:highlight>
+                  <a:srgbClr val="FFFFFF"/>
+                </a:highlight>
+                <a:latin typeface="Consolas" panose="020B0609020204030204" pitchFamily="49" charset="0"/>
+              </a:rPr>
+              <a:t>лю</a:t>
+            </a:r>
+            <a:r>
+              <a:rPr lang="ru-RU" sz="2800" dirty="0">
+                <a:solidFill>
+                  <a:srgbClr val="A31515"/>
+                </a:solidFill>
+                <a:highlight>
+                  <a:srgbClr val="FFFFFF"/>
+                </a:highlight>
+                <a:latin typeface="Consolas" panose="020B0609020204030204" pitchFamily="49" charset="0"/>
+              </a:rPr>
+              <a:t>-</a:t>
+            </a:r>
+            <a:r>
+              <a:rPr lang="ru-RU" sz="2800" dirty="0" err="1">
+                <a:solidFill>
+                  <a:srgbClr val="A31515"/>
+                </a:solidFill>
+                <a:highlight>
+                  <a:srgbClr val="FFFFFF"/>
+                </a:highlight>
+                <a:latin typeface="Consolas" panose="020B0609020204030204" pitchFamily="49" charset="0"/>
+              </a:rPr>
+              <a:t>лю</a:t>
+            </a:r>
+            <a:r>
+              <a:rPr lang="ru-RU" sz="2800" dirty="0">
+                <a:solidFill>
+                  <a:srgbClr val="A31515"/>
+                </a:solidFill>
+                <a:highlight>
+                  <a:srgbClr val="FFFFFF"/>
+                </a:highlight>
+                <a:latin typeface="Consolas" panose="020B0609020204030204" pitchFamily="49" charset="0"/>
+              </a:rPr>
+              <a:t>"</a:t>
+            </a:r>
+            <a:r>
+              <a:rPr lang="ru-RU" sz="2800" dirty="0">
+                <a:solidFill>
+                  <a:srgbClr val="000000"/>
+                </a:solidFill>
+                <a:highlight>
+                  <a:srgbClr val="FFFFFF"/>
+                </a:highlight>
+                <a:latin typeface="Consolas" panose="020B0609020204030204" pitchFamily="49" charset="0"/>
+              </a:rPr>
+              <a:t>)</a:t>
+            </a:r>
+            <a:endParaRPr lang="ru-RU" sz="2800" dirty="0">
+              <a:solidFill>
+                <a:srgbClr val="A31515"/>
+              </a:solidFill>
+              <a:highlight>
+                <a:srgbClr val="FFFFFF"/>
+              </a:highlight>
+              <a:latin typeface="Consolas" panose="020B0609020204030204" pitchFamily="49" charset="0"/>
+            </a:endParaRPr>
+          </a:p>
+          <a:p>
+            <a:r>
+              <a:rPr lang="ru-RU" sz="2800" dirty="0">
+                <a:solidFill>
+                  <a:srgbClr val="000000"/>
+                </a:solidFill>
+                <a:highlight>
+                  <a:srgbClr val="FFFFFF"/>
+                </a:highlight>
+                <a:latin typeface="Consolas" panose="020B0609020204030204" pitchFamily="49" charset="0"/>
+              </a:rPr>
+              <a:t> 	</a:t>
+            </a:r>
+            <a:r>
+              <a:rPr lang="en-US" sz="2800" dirty="0" smtClean="0">
+                <a:solidFill>
+                  <a:srgbClr val="000000"/>
+                </a:solidFill>
+                <a:highlight>
+                  <a:srgbClr val="FFFFFF"/>
+                </a:highlight>
+                <a:latin typeface="Consolas" panose="020B0609020204030204" pitchFamily="49" charset="0"/>
+              </a:rPr>
+              <a:t>    .</a:t>
+            </a:r>
+            <a:r>
+              <a:rPr lang="en-US" sz="2800" dirty="0">
+                <a:solidFill>
+                  <a:srgbClr val="000000"/>
+                </a:solidFill>
+                <a:highlight>
+                  <a:srgbClr val="FFFFFF"/>
+                </a:highlight>
+                <a:latin typeface="Consolas" panose="020B0609020204030204" pitchFamily="49" charset="0"/>
+              </a:rPr>
+              <a:t>Delay(</a:t>
+            </a:r>
+            <a:r>
+              <a:rPr lang="en-US" sz="2800" dirty="0" err="1">
                 <a:solidFill>
                   <a:srgbClr val="2B91AF"/>
                 </a:solidFill>
@@ -9343,201 +9631,195 @@
                 </a:highlight>
                 <a:latin typeface="Consolas" panose="020B0609020204030204" pitchFamily="49" charset="0"/>
               </a:rPr>
+              <a:t>TimeSpan</a:t>
+            </a:r>
+            <a:r>
+              <a:rPr lang="en-US" sz="2800" dirty="0" err="1">
+                <a:solidFill>
+                  <a:srgbClr val="000000"/>
+                </a:solidFill>
+                <a:highlight>
+                  <a:srgbClr val="FFFFFF"/>
+                </a:highlight>
+                <a:latin typeface="Consolas" panose="020B0609020204030204" pitchFamily="49" charset="0"/>
+              </a:rPr>
+              <a:t>.FromSeconds</a:t>
+            </a:r>
+            <a:r>
+              <a:rPr lang="en-US" sz="2800" dirty="0">
+                <a:solidFill>
+                  <a:srgbClr val="000000"/>
+                </a:solidFill>
+                <a:highlight>
+                  <a:srgbClr val="FFFFFF"/>
+                </a:highlight>
+                <a:latin typeface="Consolas" panose="020B0609020204030204" pitchFamily="49" charset="0"/>
+              </a:rPr>
+              <a:t>(1))</a:t>
+            </a:r>
+            <a:br>
+              <a:rPr lang="en-US" sz="2800" dirty="0">
+                <a:solidFill>
+                  <a:srgbClr val="000000"/>
+                </a:solidFill>
+                <a:highlight>
+                  <a:srgbClr val="FFFFFF"/>
+                </a:highlight>
+                <a:latin typeface="Consolas" panose="020B0609020204030204" pitchFamily="49" charset="0"/>
+              </a:rPr>
+            </a:br>
+            <a:r>
+              <a:rPr lang="ru-RU" sz="2800" dirty="0">
+                <a:solidFill>
+                  <a:srgbClr val="000000"/>
+                </a:solidFill>
+                <a:highlight>
+                  <a:srgbClr val="FFFFFF"/>
+                </a:highlight>
+                <a:latin typeface="Consolas" panose="020B0609020204030204" pitchFamily="49" charset="0"/>
+              </a:rPr>
+              <a:t>    </a:t>
+            </a:r>
+            <a:r>
+              <a:rPr lang="en-US" sz="2800" dirty="0">
+                <a:solidFill>
+                  <a:srgbClr val="000000"/>
+                </a:solidFill>
+                <a:highlight>
+                  <a:srgbClr val="FFFFFF"/>
+                </a:highlight>
+                <a:latin typeface="Consolas" panose="020B0609020204030204" pitchFamily="49" charset="0"/>
+              </a:rPr>
+              <a:t>)</a:t>
+            </a:r>
+          </a:p>
+          <a:p>
+            <a:r>
+              <a:rPr lang="en-US" sz="2800" dirty="0">
+                <a:solidFill>
+                  <a:srgbClr val="000000"/>
+                </a:solidFill>
+                <a:highlight>
+                  <a:srgbClr val="FFFFFF"/>
+                </a:highlight>
+                <a:latin typeface="Consolas" panose="020B0609020204030204" pitchFamily="49" charset="0"/>
+              </a:rPr>
+              <a:t>    .Say(</a:t>
+            </a:r>
+            <a:r>
+              <a:rPr lang="ru-RU" sz="2800" dirty="0">
+                <a:solidFill>
+                  <a:srgbClr val="A31515"/>
+                </a:solidFill>
+                <a:highlight>
+                  <a:srgbClr val="FFFFFF"/>
+                </a:highlight>
+                <a:latin typeface="Consolas" panose="020B0609020204030204" pitchFamily="49" charset="0"/>
+              </a:rPr>
+              <a:t>"Пока-пока!"</a:t>
+            </a:r>
+            <a:r>
+              <a:rPr lang="ru-RU" sz="2800" dirty="0">
+                <a:solidFill>
+                  <a:srgbClr val="000000"/>
+                </a:solidFill>
+                <a:highlight>
+                  <a:srgbClr val="FFFFFF"/>
+                </a:highlight>
+                <a:latin typeface="Consolas" panose="020B0609020204030204" pitchFamily="49" charset="0"/>
+              </a:rPr>
+              <a:t>)</a:t>
+            </a:r>
+          </a:p>
+          <a:p>
+            <a:r>
+              <a:rPr lang="en-US" sz="2800" dirty="0">
+                <a:solidFill>
+                  <a:srgbClr val="000000"/>
+                </a:solidFill>
+                <a:highlight>
+                  <a:srgbClr val="FFFFFF"/>
+                </a:highlight>
+                <a:latin typeface="Consolas" panose="020B0609020204030204" pitchFamily="49" charset="0"/>
+              </a:rPr>
               <a:t> </a:t>
             </a:r>
             <a:r>
-              <a:rPr lang="en-US" dirty="0" err="1" smtClean="0">
-                <a:solidFill>
-                  <a:srgbClr val="2B91AF"/>
-                </a:solidFill>
-                <a:highlight>
-                  <a:srgbClr val="FFFFFF"/>
-                </a:highlight>
-                <a:latin typeface="Consolas" panose="020B0609020204030204" pitchFamily="49" charset="0"/>
-              </a:rPr>
-              <a:t>ImmutableSortedSet</a:t>
-            </a:r>
-            <a:r>
-              <a:rPr lang="en-US" dirty="0" smtClean="0">
-                <a:solidFill>
-                  <a:srgbClr val="000000"/>
-                </a:solidFill>
-                <a:latin typeface="Consolas" panose="020B0609020204030204" pitchFamily="49" charset="0"/>
-              </a:rPr>
-              <a:t>&lt;</a:t>
-            </a:r>
-            <a:r>
-              <a:rPr lang="en-US" dirty="0" err="1" smtClean="0">
-                <a:solidFill>
-                  <a:srgbClr val="6666CC"/>
-                </a:solidFill>
-                <a:latin typeface="Consolas" panose="020B0609020204030204" pitchFamily="49" charset="0"/>
-              </a:rPr>
-              <a:t>int</a:t>
-            </a:r>
-            <a:r>
-              <a:rPr lang="en-US" dirty="0">
-                <a:solidFill>
-                  <a:srgbClr val="000000"/>
-                </a:solidFill>
-                <a:latin typeface="Consolas" panose="020B0609020204030204" pitchFamily="49" charset="0"/>
-              </a:rPr>
-              <a:t>&gt;</a:t>
-            </a:r>
-            <a:r>
-              <a:rPr lang="en-US" dirty="0">
-                <a:solidFill>
-                  <a:srgbClr val="008000"/>
-                </a:solidFill>
-                <a:latin typeface="Consolas" panose="020B0609020204030204" pitchFamily="49" charset="0"/>
-              </a:rPr>
-              <a:t>.</a:t>
-            </a:r>
-            <a:r>
-              <a:rPr lang="en-US" dirty="0">
-                <a:solidFill>
-                  <a:srgbClr val="000000"/>
-                </a:solidFill>
-                <a:latin typeface="Consolas" panose="020B0609020204030204" pitchFamily="49" charset="0"/>
-              </a:rPr>
-              <a:t>Empty</a:t>
-            </a:r>
-          </a:p>
-          <a:p>
-            <a:pPr marL="0" indent="0" fontAlgn="t">
-              <a:buNone/>
-            </a:pPr>
-            <a:r>
-              <a:rPr lang="en-US" dirty="0">
-                <a:solidFill>
-                  <a:srgbClr val="000000"/>
-                </a:solidFill>
-                <a:latin typeface="Consolas" panose="020B0609020204030204" pitchFamily="49" charset="0"/>
-              </a:rPr>
-              <a:t>	.Add(1).Add(2).Add(3)</a:t>
-            </a:r>
-          </a:p>
-          <a:p>
-            <a:pPr marL="0" indent="0" fontAlgn="t">
-              <a:buNone/>
-            </a:pPr>
-            <a:r>
-              <a:rPr lang="en-US" dirty="0">
-                <a:solidFill>
-                  <a:srgbClr val="000000"/>
-                </a:solidFill>
-                <a:latin typeface="Consolas" panose="020B0609020204030204" pitchFamily="49" charset="0"/>
-              </a:rPr>
-              <a:t>	.Intersect(</a:t>
-            </a:r>
-            <a:r>
-              <a:rPr lang="en-US" dirty="0">
-                <a:solidFill>
-                  <a:srgbClr val="0000FF"/>
-                </a:solidFill>
-                <a:highlight>
-                  <a:srgbClr val="FFFFFF"/>
-                </a:highlight>
-                <a:latin typeface="Consolas" panose="020B0609020204030204" pitchFamily="49" charset="0"/>
-              </a:rPr>
-              <a:t>new</a:t>
-            </a:r>
-            <a:r>
-              <a:rPr lang="en-US" dirty="0" smtClean="0">
-                <a:solidFill>
-                  <a:srgbClr val="000000"/>
-                </a:solidFill>
-                <a:latin typeface="Consolas" panose="020B0609020204030204" pitchFamily="49" charset="0"/>
-              </a:rPr>
-              <a:t>[]{ 2</a:t>
-            </a:r>
-            <a:r>
-              <a:rPr lang="en-US" dirty="0">
-                <a:solidFill>
-                  <a:srgbClr val="000000"/>
-                </a:solidFill>
-                <a:latin typeface="Consolas" panose="020B0609020204030204" pitchFamily="49" charset="0"/>
-              </a:rPr>
-              <a:t>, 3, </a:t>
-            </a:r>
-            <a:r>
-              <a:rPr lang="en-US" dirty="0" smtClean="0">
-                <a:solidFill>
-                  <a:srgbClr val="000000"/>
-                </a:solidFill>
-                <a:latin typeface="Consolas" panose="020B0609020204030204" pitchFamily="49" charset="0"/>
-              </a:rPr>
-              <a:t>4 })</a:t>
-            </a:r>
-            <a:endParaRPr lang="en-US" dirty="0">
+              <a:rPr lang="ru-RU" sz="2800" dirty="0">
+                <a:solidFill>
+                  <a:srgbClr val="000000"/>
+                </a:solidFill>
+                <a:highlight>
+                  <a:srgbClr val="FFFFFF"/>
+                </a:highlight>
+                <a:latin typeface="Consolas" panose="020B0609020204030204" pitchFamily="49" charset="0"/>
+              </a:rPr>
+              <a:t>   </a:t>
+            </a:r>
+            <a:r>
+              <a:rPr lang="en-US" sz="2800" dirty="0">
+                <a:solidFill>
+                  <a:srgbClr val="000000"/>
+                </a:solidFill>
+                <a:highlight>
+                  <a:srgbClr val="FFFFFF"/>
+                </a:highlight>
+                <a:latin typeface="Consolas" panose="020B0609020204030204" pitchFamily="49" charset="0"/>
+              </a:rPr>
+              <a:t>.Say(</a:t>
+            </a:r>
+            <a:r>
+              <a:rPr lang="ru-RU" sz="2800" dirty="0">
+                <a:solidFill>
+                  <a:srgbClr val="A31515"/>
+                </a:solidFill>
+                <a:highlight>
+                  <a:srgbClr val="FFFFFF"/>
+                </a:highlight>
+                <a:latin typeface="Consolas" panose="020B0609020204030204" pitchFamily="49" charset="0"/>
+              </a:rPr>
+              <a:t>"До встречи!"</a:t>
+            </a:r>
+            <a:r>
+              <a:rPr lang="ru-RU" sz="2800" dirty="0">
+                <a:solidFill>
+                  <a:srgbClr val="000000"/>
+                </a:solidFill>
+                <a:highlight>
+                  <a:srgbClr val="FFFFFF"/>
+                </a:highlight>
+                <a:latin typeface="Consolas" panose="020B0609020204030204" pitchFamily="49" charset="0"/>
+              </a:rPr>
+              <a:t>)</a:t>
+            </a:r>
+            <a:r>
+              <a:rPr lang="en-US" sz="2800" dirty="0">
+                <a:solidFill>
+                  <a:srgbClr val="000000"/>
+                </a:solidFill>
+                <a:highlight>
+                  <a:srgbClr val="FFFFFF"/>
+                </a:highlight>
+                <a:latin typeface="Consolas" panose="020B0609020204030204" pitchFamily="49" charset="0"/>
+              </a:rPr>
+              <a:t>;</a:t>
+            </a:r>
+            <a:endParaRPr lang="ru-RU" sz="2800" dirty="0">
               <a:solidFill>
                 <a:srgbClr val="000000"/>
               </a:solidFill>
+              <a:highlight>
+                <a:srgbClr val="FFFFFF"/>
+              </a:highlight>
               <a:latin typeface="Consolas" panose="020B0609020204030204" pitchFamily="49" charset="0"/>
             </a:endParaRPr>
-          </a:p>
-          <a:p>
-            <a:pPr marL="0" indent="0" fontAlgn="t">
-              <a:buNone/>
-            </a:pPr>
-            <a:r>
-              <a:rPr lang="en-US" dirty="0">
-                <a:solidFill>
-                  <a:srgbClr val="000000"/>
-                </a:solidFill>
-                <a:latin typeface="Consolas" panose="020B0609020204030204" pitchFamily="49" charset="0"/>
-              </a:rPr>
-              <a:t>	.Union(</a:t>
-            </a:r>
-            <a:r>
-              <a:rPr lang="en-US" dirty="0">
-                <a:solidFill>
-                  <a:srgbClr val="0000FF"/>
-                </a:solidFill>
-                <a:highlight>
-                  <a:srgbClr val="FFFFFF"/>
-                </a:highlight>
-                <a:latin typeface="Consolas" panose="020B0609020204030204" pitchFamily="49" charset="0"/>
-              </a:rPr>
-              <a:t>new</a:t>
-            </a:r>
-            <a:r>
-              <a:rPr lang="en-US" dirty="0">
-                <a:solidFill>
-                  <a:srgbClr val="000000"/>
-                </a:solidFill>
-                <a:latin typeface="Consolas" panose="020B0609020204030204" pitchFamily="49" charset="0"/>
-              </a:rPr>
-              <a:t>[] </a:t>
-            </a:r>
-            <a:r>
-              <a:rPr lang="en-US" dirty="0" smtClean="0">
-                <a:solidFill>
-                  <a:srgbClr val="000000"/>
-                </a:solidFill>
-                <a:latin typeface="Consolas" panose="020B0609020204030204" pitchFamily="49" charset="0"/>
-              </a:rPr>
-              <a:t>{ 42 });</a:t>
-            </a:r>
-            <a:endParaRPr lang="en-US" dirty="0">
-              <a:solidFill>
-                <a:srgbClr val="000000"/>
-              </a:solidFill>
-              <a:latin typeface="Consolas" panose="020B0609020204030204" pitchFamily="49" charset="0"/>
-            </a:endParaRPr>
-          </a:p>
-          <a:p>
-            <a:pPr marL="0" indent="0">
-              <a:buNone/>
-            </a:pPr>
-            <a:endParaRPr lang="en-US" dirty="0" smtClean="0"/>
           </a:p>
         </p:txBody>
       </p:sp>
     </p:spTree>
     <p:extLst>
       <p:ext uri="{BB962C8B-B14F-4D97-AF65-F5344CB8AC3E}">
-        <p14:creationId xmlns:p14="http://schemas.microsoft.com/office/powerpoint/2010/main" val="652597386"/>
+        <p14:creationId xmlns:p14="http://schemas.microsoft.com/office/powerpoint/2010/main" val="2770452846"/>
       </p:ext>
     </p:extLst>
   </p:cSld>
@@ -9581,92 +9863,30 @@
             <p:ph type="title"/>
           </p:nvPr>
         </p:nvSpPr>
-        <p:spPr/>
-        <p:txBody>
-          <a:bodyPr/>
-          <a:lstStyle/>
-          <a:p>
-            <a:r>
-              <a:rPr lang="en-US" dirty="0" smtClean="0"/>
-              <a:t>Fluent API</a:t>
-            </a:r>
-            <a:r>
-              <a:rPr lang="ru-RU" dirty="0"/>
-              <a:t> </a:t>
-            </a:r>
-          </a:p>
-        </p:txBody>
-      </p:sp>
-      <p:sp>
-        <p:nvSpPr>
-          <p:cNvPr id="3" name="Объект 2"/>
-          <p:cNvSpPr>
-            <a:spLocks noGrp="1"/>
-          </p:cNvSpPr>
-          <p:nvPr>
-            <p:ph idx="1"/>
-          </p:nvPr>
-        </p:nvSpPr>
         <p:spPr>
           <a:xfrm>
-            <a:off x="2152650" y="1825625"/>
-            <a:ext cx="7886700" cy="4351338"/>
+            <a:off x="838200" y="2193933"/>
+            <a:ext cx="10515600" cy="1325563"/>
           </a:xfrm>
         </p:spPr>
         <p:txBody>
           <a:bodyPr/>
           <a:lstStyle/>
           <a:p>
-            <a:pPr marL="0" indent="0">
-              <a:buNone/>
-            </a:pPr>
+            <a:r>
+              <a:rPr lang="en-US" dirty="0" smtClean="0"/>
+              <a:t>Fluent — </a:t>
+            </a:r>
             <a:r>
               <a:rPr lang="ru-RU" dirty="0" smtClean="0"/>
-              <a:t>Концентрируется на удобстве трех сценариев:</a:t>
-            </a:r>
-          </a:p>
-          <a:p>
-            <a:pPr marL="514350" indent="-514350">
-              <a:buAutoNum type="arabicPeriod"/>
-            </a:pPr>
-            <a:r>
+              <a:t>это стиль организации </a:t>
+            </a:r>
+            <a:br>
               <a:rPr lang="ru-RU" dirty="0" smtClean="0"/>
-              <a:t>Изучение </a:t>
-            </a:r>
-            <a:r>
-              <a:rPr lang="en-US" dirty="0" smtClean="0"/>
-              <a:t>API</a:t>
-            </a:r>
+            </a:br>
             <a:r>
               <a:rPr lang="ru-RU" dirty="0" smtClean="0"/>
-              <a:t> с нуля</a:t>
-            </a:r>
-            <a:endParaRPr lang="en-US" dirty="0" smtClean="0"/>
-          </a:p>
-          <a:p>
-            <a:pPr marL="514350" indent="-514350">
-              <a:buAutoNum type="arabicPeriod"/>
-            </a:pPr>
-            <a:r>
-              <a:rPr lang="ru-RU" dirty="0" smtClean="0"/>
-              <a:t>Чтение чужого кода, использующего </a:t>
-            </a:r>
-            <a:r>
-              <a:rPr lang="en-US" dirty="0" smtClean="0"/>
-              <a:t>API</a:t>
-            </a:r>
-          </a:p>
-          <a:p>
-            <a:pPr marL="514350" indent="-514350">
-              <a:buAutoNum type="arabicPeriod"/>
-            </a:pPr>
-            <a:r>
-              <a:rPr lang="ru-RU" dirty="0" smtClean="0"/>
-              <a:t>Написание кода, использующего </a:t>
-            </a:r>
-            <a:r>
-              <a:rPr lang="en-US" dirty="0" smtClean="0"/>
-              <a:t>API</a:t>
+              <a:t>публичных интерфейсов библиотек</a:t>
             </a:r>
             <a:endParaRPr lang="ru-RU" dirty="0"/>
           </a:p>
@@ -9675,7 +9895,7 @@
     </p:spTree>
     <p:extLst>
       <p:ext uri="{BB962C8B-B14F-4D97-AF65-F5344CB8AC3E}">
-        <p14:creationId xmlns:p14="http://schemas.microsoft.com/office/powerpoint/2010/main" val="565567826"/>
+        <p14:creationId xmlns:p14="http://schemas.microsoft.com/office/powerpoint/2010/main" val="3463338490"/>
       </p:ext>
     </p:extLst>
   </p:cSld>
@@ -9685,182 +9905,9 @@
   <p:timing>
     <p:tnLst>
       <p:par>
-        <p:cTn id="1" dur="indefinite" restart="never" nodeType="tmRoot">
-          <p:childTnLst>
-            <p:seq concurrent="1" nextAc="seek">
-              <p:cTn id="2" dur="indefinite" nodeType="mainSeq">
-                <p:childTnLst>
-                  <p:par>
-                    <p:cTn id="3" fill="hold">
-                      <p:stCondLst>
-                        <p:cond delay="indefinite"/>
-                      </p:stCondLst>
-                      <p:childTnLst>
-                        <p:par>
-                          <p:cTn id="4" fill="hold">
-                            <p:stCondLst>
-                              <p:cond delay="0"/>
-                            </p:stCondLst>
-                            <p:childTnLst>
-                              <p:par>
-                                <p:cTn id="5" presetID="1" presetClass="entr" presetSubtype="0" fill="hold" grpId="0" nodeType="clickEffect">
-                                  <p:stCondLst>
-                                    <p:cond delay="0"/>
-                                  </p:stCondLst>
-                                  <p:childTnLst>
-                                    <p:set>
-                                      <p:cBhvr>
-                                        <p:cTn id="6" dur="1" fill="hold">
-                                          <p:stCondLst>
-                                            <p:cond delay="0"/>
-                                          </p:stCondLst>
-                                        </p:cTn>
-                                        <p:tgtEl>
-                                          <p:spTgt spid="3">
-                                            <p:txEl>
-                                              <p:pRg st="1" end="1"/>
-                                            </p:txEl>
-                                          </p:spTgt>
-                                        </p:tgtEl>
-                                        <p:attrNameLst>
-                                          <p:attrName>style.visibility</p:attrName>
-                                        </p:attrNameLst>
-                                      </p:cBhvr>
-                                      <p:to>
-                                        <p:strVal val="visible"/>
-                                      </p:to>
-                                    </p:set>
-                                  </p:childTnLst>
-                                </p:cTn>
-                              </p:par>
-                            </p:childTnLst>
-                          </p:cTn>
-                        </p:par>
-                      </p:childTnLst>
-                    </p:cTn>
-                  </p:par>
-                  <p:par>
-                    <p:cTn id="7" fill="hold">
-                      <p:stCondLst>
-                        <p:cond delay="indefinite"/>
-                      </p:stCondLst>
-                      <p:childTnLst>
-                        <p:par>
-                          <p:cTn id="8" fill="hold">
-                            <p:stCondLst>
-                              <p:cond delay="0"/>
-                            </p:stCondLst>
-                            <p:childTnLst>
-                              <p:par>
-                                <p:cTn id="9" presetID="1" presetClass="entr" presetSubtype="0" fill="hold" grpId="0" nodeType="clickEffect">
-                                  <p:stCondLst>
-                                    <p:cond delay="0"/>
-                                  </p:stCondLst>
-                                  <p:childTnLst>
-                                    <p:set>
-                                      <p:cBhvr>
-                                        <p:cTn id="10" dur="1" fill="hold">
-                                          <p:stCondLst>
-                                            <p:cond delay="0"/>
-                                          </p:stCondLst>
-                                        </p:cTn>
-                                        <p:tgtEl>
-                                          <p:spTgt spid="3">
-                                            <p:txEl>
-                                              <p:pRg st="2" end="2"/>
-                                            </p:txEl>
-                                          </p:spTgt>
-                                        </p:tgtEl>
-                                        <p:attrNameLst>
-                                          <p:attrName>style.visibility</p:attrName>
-                                        </p:attrNameLst>
-                                      </p:cBhvr>
-                                      <p:to>
-                                        <p:strVal val="visible"/>
-                                      </p:to>
-                                    </p:set>
-                                  </p:childTnLst>
-                                </p:cTn>
-                              </p:par>
-                            </p:childTnLst>
-                          </p:cTn>
-                        </p:par>
-                      </p:childTnLst>
-                    </p:cTn>
-                  </p:par>
-                  <p:par>
-                    <p:cTn id="11" fill="hold">
-                      <p:stCondLst>
-                        <p:cond delay="indefinite"/>
-                      </p:stCondLst>
-                      <p:childTnLst>
-                        <p:par>
-                          <p:cTn id="12" fill="hold">
-                            <p:stCondLst>
-                              <p:cond delay="0"/>
-                            </p:stCondLst>
-                            <p:childTnLst>
-                              <p:par>
-                                <p:cTn id="13" presetID="1" presetClass="entr" presetSubtype="0" fill="hold" grpId="0" nodeType="clickEffect">
-                                  <p:stCondLst>
-                                    <p:cond delay="0"/>
-                                  </p:stCondLst>
-                                  <p:childTnLst>
-                                    <p:set>
-                                      <p:cBhvr>
-                                        <p:cTn id="14" dur="1" fill="hold">
-                                          <p:stCondLst>
-                                            <p:cond delay="0"/>
-                                          </p:stCondLst>
-                                        </p:cTn>
-                                        <p:tgtEl>
-                                          <p:spTgt spid="3">
-                                            <p:txEl>
-                                              <p:pRg st="3" end="3"/>
-                                            </p:txEl>
-                                          </p:spTgt>
-                                        </p:tgtEl>
-                                        <p:attrNameLst>
-                                          <p:attrName>style.visibility</p:attrName>
-                                        </p:attrNameLst>
-                                      </p:cBhvr>
-                                      <p:to>
-                                        <p:strVal val="visible"/>
-                                      </p:to>
-                                    </p:set>
-                                  </p:childTnLst>
-                                </p:cTn>
-                              </p:par>
-                            </p:childTnLst>
-                          </p:cTn>
-                        </p:par>
-                      </p:childTnLst>
-                    </p:cTn>
-                  </p:par>
-                </p:childTnLst>
-              </p:cTn>
-              <p:prevCondLst>
-                <p:cond evt="onPrev" delay="0">
-                  <p:tgtEl>
-                    <p:sldTgt/>
-                  </p:tgtEl>
-                </p:cond>
-              </p:prevCondLst>
-              <p:nextCondLst>
-                <p:cond evt="onNext" delay="0">
-                  <p:tgtEl>
-                    <p:sldTgt/>
-                  </p:tgtEl>
-                </p:cond>
-              </p:nextCondLst>
-            </p:seq>
-          </p:childTnLst>
-        </p:cTn>
+        <p:cTn id="1" dur="indefinite" restart="never" nodeType="tmRoot"/>
       </p:par>
     </p:tnLst>
-    <p:bldLst>
-      <p:bldP spid="3" grpId="0" uiExpand="1" build="p"/>
-    </p:bldLst>
   </p:timing>
 </p:sld>
 </file>
@@ -9899,7 +9946,7 @@
           <a:p>
             <a:r>
               <a:rPr lang="en-US" dirty="0" smtClean="0"/>
-              <a:t>Fluent → Immutable</a:t>
+              <a:t>Immutable → Fluent</a:t>
             </a:r>
             <a:endParaRPr lang="ru-RU" dirty="0"/>
           </a:p>
@@ -9915,19 +9962,12 @@
             <p:ph idx="1"/>
           </p:nvPr>
         </p:nvSpPr>
-        <p:spPr>
-          <a:xfrm>
-            <a:off x="1290918" y="1806963"/>
-            <a:ext cx="8748432" cy="4351338"/>
-          </a:xfrm>
-        </p:spPr>
+        <p:spPr/>
         <p:txBody>
-          <a:bodyPr>
-            <a:normAutofit/>
-          </a:bodyPr>
+          <a:bodyPr/>
           <a:lstStyle/>
           <a:p>
-            <a:pPr marL="0" indent="0">
+            <a:pPr marL="0" indent="0" fontAlgn="t">
               <a:buNone/>
             </a:pPr>
             <a:r>
@@ -9943,10 +9983,42 @@
               <a:t>var</a:t>
             </a:r>
             <a:r>
+              <a:rPr lang="en-US" dirty="0" smtClean="0">
+                <a:solidFill>
+                  <a:srgbClr val="000000"/>
+                </a:solidFill>
+                <a:latin typeface="Consolas" panose="020B0609020204030204" pitchFamily="49" charset="0"/>
+              </a:rPr>
+              <a:t> </a:t>
+            </a:r>
+            <a:r>
               <a:rPr lang="en-US" dirty="0">
                 <a:solidFill>
                   <a:srgbClr val="000000"/>
                 </a:solidFill>
+                <a:latin typeface="Consolas" panose="020B0609020204030204" pitchFamily="49" charset="0"/>
+              </a:rPr>
+              <a:t>numbers = </a:t>
+            </a:r>
+          </a:p>
+          <a:p>
+            <a:pPr marL="0" indent="0" fontAlgn="t">
+              <a:buNone/>
+            </a:pPr>
+            <a:r>
+              <a:rPr lang="en-US" dirty="0">
+                <a:solidFill>
+                  <a:srgbClr val="000000"/>
+                </a:solidFill>
+                <a:latin typeface="Consolas" panose="020B0609020204030204" pitchFamily="49" charset="0"/>
+              </a:rPr>
+              <a:t>	</a:t>
+            </a:r>
+            <a:r>
+              <a:rPr lang="en-US" dirty="0">
+                <a:solidFill>
+                  <a:srgbClr val="2B91AF"/>
+                </a:solidFill>
                 <a:highlight>
                   <a:srgbClr val="FFFFFF"/>
                 </a:highlight>
@@ -9955,32 +10027,93 @@
               <a:t> </a:t>
             </a:r>
             <a:r>
+              <a:rPr lang="en-US" dirty="0" err="1" smtClean="0">
+                <a:solidFill>
+                  <a:srgbClr val="2B91AF"/>
+                </a:solidFill>
+                <a:highlight>
+                  <a:srgbClr val="FFFFFF"/>
+                </a:highlight>
+                <a:latin typeface="Consolas" panose="020B0609020204030204" pitchFamily="49" charset="0"/>
+              </a:rPr>
+              <a:t>ImmutableSortedSet</a:t>
+            </a:r>
+            <a:r>
               <a:rPr lang="en-US" dirty="0" smtClean="0">
                 <a:solidFill>
                   <a:srgbClr val="000000"/>
                 </a:solidFill>
-                <a:highlight>
-                  <a:srgbClr val="FFFFFF"/>
-                </a:highlight>
-                <a:latin typeface="Consolas" panose="020B0609020204030204" pitchFamily="49" charset="0"/>
-              </a:rPr>
-              <a:t>greet </a:t>
+                <a:latin typeface="Consolas" panose="020B0609020204030204" pitchFamily="49" charset="0"/>
+              </a:rPr>
+              <a:t>&lt;</a:t>
+            </a:r>
+            <a:r>
+              <a:rPr lang="en-US" dirty="0" err="1" smtClean="0">
+                <a:solidFill>
+                  <a:srgbClr val="6666CC"/>
+                </a:solidFill>
+                <a:latin typeface="Consolas" panose="020B0609020204030204" pitchFamily="49" charset="0"/>
+              </a:rPr>
+              <a:t>int</a:t>
             </a:r>
             <a:r>
               <a:rPr lang="en-US" dirty="0">
                 <a:solidFill>
                   <a:srgbClr val="000000"/>
                 </a:solidFill>
-                <a:highlight>
-                  <a:srgbClr val="FFFFFF"/>
-                </a:highlight>
-                <a:latin typeface="Consolas" panose="020B0609020204030204" pitchFamily="49" charset="0"/>
-              </a:rPr>
-              <a:t>= </a:t>
+                <a:latin typeface="Consolas" panose="020B0609020204030204" pitchFamily="49" charset="0"/>
+              </a:rPr>
+              <a:t>&gt;</a:t>
             </a:r>
             <a:r>
               <a:rPr lang="en-US" dirty="0">
                 <a:solidFill>
+                  <a:srgbClr val="008000"/>
+                </a:solidFill>
+                <a:latin typeface="Consolas" panose="020B0609020204030204" pitchFamily="49" charset="0"/>
+              </a:rPr>
+              <a:t>.</a:t>
+            </a:r>
+            <a:r>
+              <a:rPr lang="en-US" dirty="0">
+                <a:solidFill>
+                  <a:srgbClr val="000000"/>
+                </a:solidFill>
+                <a:latin typeface="Consolas" panose="020B0609020204030204" pitchFamily="49" charset="0"/>
+              </a:rPr>
+              <a:t>Empty</a:t>
+            </a:r>
+          </a:p>
+          <a:p>
+            <a:pPr marL="0" indent="0" fontAlgn="t">
+              <a:buNone/>
+            </a:pPr>
+            <a:r>
+              <a:rPr lang="en-US" dirty="0">
+                <a:solidFill>
+                  <a:srgbClr val="000000"/>
+                </a:solidFill>
+                <a:latin typeface="Consolas" panose="020B0609020204030204" pitchFamily="49" charset="0"/>
+              </a:rPr>
+              <a:t>	.Add(1).Add(2).Add(3)</a:t>
+            </a:r>
+          </a:p>
+          <a:p>
+            <a:pPr marL="0" indent="0" fontAlgn="t">
+              <a:buNone/>
+            </a:pPr>
+            <a:r>
+              <a:rPr lang="en-US" dirty="0">
+                <a:solidFill>
+                  <a:srgbClr val="000000"/>
+                </a:solidFill>
+                <a:latin typeface="Consolas" panose="020B0609020204030204" pitchFamily="49" charset="0"/>
+              </a:rPr>
+              <a:t>	.Intersect(</a:t>
+            </a:r>
+            <a:r>
+              <a:rPr lang="en-US" dirty="0">
+                <a:solidFill>
                   <a:srgbClr val="0000FF"/>
                 </a:solidFill>
                 <a:highlight>
@@ -9991,36 +10124,86 @@
               <a:t>new</a:t>
             </a:r>
             <a:r>
+              <a:rPr lang="en-US" dirty="0" smtClean="0">
+                <a:solidFill>
+                  <a:srgbClr val="000000"/>
+                </a:solidFill>
+                <a:latin typeface="Consolas" panose="020B0609020204030204" pitchFamily="49" charset="0"/>
+              </a:rPr>
+              <a:t>[]{ 2</a:t>
+            </a:r>
+            <a:r>
               <a:rPr lang="en-US" dirty="0">
                 <a:solidFill>
                   <a:srgbClr val="000000"/>
                 </a:solidFill>
-                <a:highlight>
-                  <a:srgbClr val="FFFFFF"/>
-                </a:highlight>
-                <a:latin typeface="Consolas" panose="020B0609020204030204" pitchFamily="49" charset="0"/>
-              </a:rPr>
-              <a:t> </a:t>
+                <a:latin typeface="Consolas" panose="020B0609020204030204" pitchFamily="49" charset="0"/>
+              </a:rPr>
+              <a:t>, 3, </a:t>
             </a:r>
             <a:r>
               <a:rPr lang="en-US" dirty="0" smtClean="0">
                 <a:solidFill>
                   <a:srgbClr val="000000"/>
                 </a:solidFill>
-                <a:highlight>
-                  <a:srgbClr val="FFFFFF"/>
-                </a:highlight>
-                <a:latin typeface="Consolas" panose="020B0609020204030204" pitchFamily="49" charset="0"/>
-              </a:rPr>
-              <a:t>Spectacle()</a:t>
+                <a:latin typeface="Consolas" panose="020B0609020204030204" pitchFamily="49" charset="0"/>
+              </a:rPr>
+              <a:t>4 })</a:t>
             </a:r>
             <a:endParaRPr lang="en-US" dirty="0">
               <a:solidFill>
                 <a:srgbClr val="000000"/>
               </a:solidFill>
-              <a:highlight>
-                <a:srgbClr val="FFFFFF"/>
-              </a:highlight>
+              <a:latin typeface="Consolas" panose="020B0609020204030204" pitchFamily="49" charset="0"/>
+            </a:endParaRPr>
+          </a:p>
+          <a:p>
+            <a:pPr marL="0" indent="0" fontAlgn="t">
+              <a:buNone/>
+            </a:pPr>
+            <a:r>
+              <a:rPr lang="en-US" dirty="0">
+                <a:solidFill>
+                  <a:srgbClr val="000000"/>
+                </a:solidFill>
+                <a:latin typeface="Consolas" panose="020B0609020204030204" pitchFamily="49" charset="0"/>
+              </a:rPr>
+              <a:t>	.Union(</a:t>
+            </a:r>
+            <a:r>
+              <a:rPr lang="en-US" dirty="0">
+                <a:solidFill>
+                  <a:srgbClr val="0000FF"/>
+                </a:solidFill>
+                <a:highlight>
+                  <a:srgbClr val="FFFFFF"/>
+                </a:highlight>
+                <a:latin typeface="Consolas" panose="020B0609020204030204" pitchFamily="49" charset="0"/>
+              </a:rPr>
+              <a:t>new</a:t>
+            </a:r>
+            <a:r>
+              <a:rPr lang="en-US" dirty="0">
+                <a:solidFill>
+                  <a:srgbClr val="000000"/>
+                </a:solidFill>
+                <a:latin typeface="Consolas" panose="020B0609020204030204" pitchFamily="49" charset="0"/>
+              </a:rPr>
+              <a:t>[] </a:t>
+            </a:r>
+            <a:r>
+              <a:rPr lang="en-US" dirty="0" smtClean="0">
+                <a:solidFill>
+                  <a:srgbClr val="000000"/>
+                </a:solidFill>
+                <a:latin typeface="Consolas" panose="020B0609020204030204" pitchFamily="49" charset="0"/>
+              </a:rPr>
+              <a:t>{ 42 });</a:t>
+            </a:r>
+            <a:endParaRPr lang="en-US" dirty="0">
+              <a:solidFill>
+                <a:srgbClr val="000000"/>
+              </a:solidFill>
               <a:latin typeface="Consolas" panose="020B0609020204030204" pitchFamily="49" charset="0"/>
             </a:endParaRPr>
           </a:p>
@@ -10028,461 +10211,14 @@
             <a:pPr marL="0" indent="0">
               <a:buNone/>
             </a:pPr>
-            <a:r>
-              <a:rPr lang="en-US" dirty="0">
-                <a:solidFill>
-                  <a:srgbClr val="000000"/>
-                </a:solidFill>
-                <a:highlight>
-                  <a:srgbClr val="FFFFFF"/>
-                </a:highlight>
-                <a:latin typeface="Consolas" panose="020B0609020204030204" pitchFamily="49" charset="0"/>
-              </a:rPr>
-              <a:t>    .Say(</a:t>
-            </a:r>
-            <a:r>
-              <a:rPr lang="en-US" dirty="0">
-                <a:solidFill>
-                  <a:srgbClr val="A31515"/>
-                </a:solidFill>
-                <a:highlight>
-                  <a:srgbClr val="FFFFFF"/>
-                </a:highlight>
-                <a:latin typeface="Consolas" panose="020B0609020204030204" pitchFamily="49" charset="0"/>
-              </a:rPr>
-              <a:t>"</a:t>
-            </a:r>
-            <a:r>
-              <a:rPr lang="ru-RU" dirty="0">
-                <a:solidFill>
-                  <a:srgbClr val="A31515"/>
-                </a:solidFill>
-                <a:highlight>
-                  <a:srgbClr val="FFFFFF"/>
-                </a:highlight>
-                <a:latin typeface="Consolas" panose="020B0609020204030204" pitchFamily="49" charset="0"/>
-              </a:rPr>
-              <a:t>Привет мир</a:t>
-            </a:r>
-            <a:r>
-              <a:rPr lang="ru-RU" dirty="0" smtClean="0">
-                <a:solidFill>
-                  <a:srgbClr val="A31515"/>
-                </a:solidFill>
-                <a:highlight>
-                  <a:srgbClr val="FFFFFF"/>
-                </a:highlight>
-                <a:latin typeface="Consolas" panose="020B0609020204030204" pitchFamily="49" charset="0"/>
-              </a:rPr>
-              <a:t>!"</a:t>
-            </a:r>
-            <a:r>
-              <a:rPr lang="ru-RU" dirty="0" smtClean="0">
-                <a:solidFill>
-                  <a:srgbClr val="000000"/>
-                </a:solidFill>
-                <a:highlight>
-                  <a:srgbClr val="FFFFFF"/>
-                </a:highlight>
-                <a:latin typeface="Consolas" panose="020B0609020204030204" pitchFamily="49" charset="0"/>
-              </a:rPr>
-              <a:t>)</a:t>
-            </a:r>
-            <a:r>
-              <a:rPr lang="en-US" dirty="0" smtClean="0">
-                <a:solidFill>
-                  <a:srgbClr val="000000"/>
-                </a:solidFill>
-                <a:highlight>
-                  <a:srgbClr val="FFFFFF"/>
-                </a:highlight>
-                <a:latin typeface="Consolas" panose="020B0609020204030204" pitchFamily="49" charset="0"/>
-              </a:rPr>
-              <a:t>;</a:t>
-            </a:r>
-          </a:p>
-          <a:p>
-            <a:pPr marL="0" indent="0">
-              <a:buNone/>
-            </a:pPr>
-            <a:r>
-              <a:rPr lang="en-US" dirty="0" err="1">
-                <a:solidFill>
-                  <a:srgbClr val="0000FF"/>
-                </a:solidFill>
-                <a:highlight>
-                  <a:srgbClr val="FFFFFF"/>
-                </a:highlight>
-                <a:latin typeface="Consolas" panose="020B0609020204030204" pitchFamily="49" charset="0"/>
-              </a:rPr>
-              <a:t>var</a:t>
-            </a:r>
-            <a:r>
-              <a:rPr lang="en-US" dirty="0">
-                <a:solidFill>
-                  <a:srgbClr val="000000"/>
-                </a:solidFill>
-                <a:highlight>
-                  <a:srgbClr val="FFFFFF"/>
-                </a:highlight>
-                <a:latin typeface="Consolas" panose="020B0609020204030204" pitchFamily="49" charset="0"/>
-              </a:rPr>
-              <a:t> </a:t>
-            </a:r>
-            <a:r>
-              <a:rPr lang="en-US" dirty="0" err="1" smtClean="0">
-                <a:solidFill>
-                  <a:srgbClr val="000000"/>
-                </a:solidFill>
-                <a:highlight>
-                  <a:srgbClr val="FFFFFF"/>
-                </a:highlight>
-                <a:latin typeface="Consolas" panose="020B0609020204030204" pitchFamily="49" charset="0"/>
-              </a:rPr>
-              <a:t>greetAndAsk</a:t>
-            </a:r>
-            <a:r>
-              <a:rPr lang="en-US" dirty="0" smtClean="0">
-                <a:solidFill>
-                  <a:srgbClr val="000000"/>
-                </a:solidFill>
-                <a:highlight>
-                  <a:srgbClr val="FFFFFF"/>
-                </a:highlight>
-                <a:latin typeface="Consolas" panose="020B0609020204030204" pitchFamily="49" charset="0"/>
-              </a:rPr>
-              <a:t> </a:t>
-            </a:r>
-            <a:r>
-              <a:rPr lang="en-US" dirty="0">
-                <a:solidFill>
-                  <a:srgbClr val="000000"/>
-                </a:solidFill>
-                <a:highlight>
-                  <a:srgbClr val="FFFFFF"/>
-                </a:highlight>
-                <a:latin typeface="Consolas" panose="020B0609020204030204" pitchFamily="49" charset="0"/>
-              </a:rPr>
-              <a:t>= </a:t>
-            </a:r>
-            <a:r>
-              <a:rPr lang="en-US" dirty="0" err="1">
-                <a:solidFill>
-                  <a:srgbClr val="000000"/>
-                </a:solidFill>
-                <a:highlight>
-                  <a:srgbClr val="FFFFFF"/>
-                </a:highlight>
-                <a:latin typeface="Consolas" panose="020B0609020204030204" pitchFamily="49" charset="0"/>
-              </a:rPr>
-              <a:t>greet.Say</a:t>
-            </a:r>
-            <a:r>
-              <a:rPr lang="en-US" dirty="0" smtClean="0">
-                <a:solidFill>
-                  <a:srgbClr val="000000"/>
-                </a:solidFill>
-                <a:highlight>
-                  <a:srgbClr val="FFFFFF"/>
-                </a:highlight>
-                <a:latin typeface="Consolas" panose="020B0609020204030204" pitchFamily="49" charset="0"/>
-              </a:rPr>
-              <a:t>(</a:t>
-            </a:r>
-            <a:r>
-              <a:rPr lang="en-US" dirty="0" smtClean="0">
-                <a:solidFill>
-                  <a:srgbClr val="A31515"/>
-                </a:solidFill>
-                <a:highlight>
-                  <a:srgbClr val="FFFFFF"/>
-                </a:highlight>
-                <a:latin typeface="Consolas" panose="020B0609020204030204" pitchFamily="49" charset="0"/>
-              </a:rPr>
-              <a:t>"</a:t>
-            </a:r>
-            <a:r>
-              <a:rPr lang="ru-RU" dirty="0" smtClean="0">
-                <a:solidFill>
-                  <a:srgbClr val="A31515"/>
-                </a:solidFill>
-                <a:highlight>
-                  <a:srgbClr val="FFFFFF"/>
-                </a:highlight>
-                <a:latin typeface="Consolas" panose="020B0609020204030204" pitchFamily="49" charset="0"/>
-              </a:rPr>
-              <a:t>Как дела</a:t>
-            </a:r>
-            <a:r>
-              <a:rPr lang="en-US" dirty="0" smtClean="0">
-                <a:solidFill>
-                  <a:srgbClr val="A31515"/>
-                </a:solidFill>
-                <a:highlight>
-                  <a:srgbClr val="FFFFFF"/>
-                </a:highlight>
-                <a:latin typeface="Consolas" panose="020B0609020204030204" pitchFamily="49" charset="0"/>
-              </a:rPr>
-              <a:t>?</a:t>
-            </a:r>
-            <a:r>
-              <a:rPr lang="ru-RU" dirty="0" smtClean="0">
-                <a:solidFill>
-                  <a:srgbClr val="A31515"/>
-                </a:solidFill>
-                <a:highlight>
-                  <a:srgbClr val="FFFFFF"/>
-                </a:highlight>
-                <a:latin typeface="Consolas" panose="020B0609020204030204" pitchFamily="49" charset="0"/>
-              </a:rPr>
-              <a:t>"</a:t>
-            </a:r>
-            <a:r>
-              <a:rPr lang="ru-RU" dirty="0" smtClean="0">
-                <a:solidFill>
-                  <a:srgbClr val="000000"/>
-                </a:solidFill>
-                <a:highlight>
-                  <a:srgbClr val="FFFFFF"/>
-                </a:highlight>
-                <a:latin typeface="Consolas" panose="020B0609020204030204" pitchFamily="49" charset="0"/>
-              </a:rPr>
-              <a:t>)</a:t>
-            </a:r>
-            <a:r>
-              <a:rPr lang="en-US" dirty="0">
-                <a:solidFill>
-                  <a:srgbClr val="000000"/>
-                </a:solidFill>
-                <a:highlight>
-                  <a:srgbClr val="FFFFFF"/>
-                </a:highlight>
-                <a:latin typeface="Consolas" panose="020B0609020204030204" pitchFamily="49" charset="0"/>
-              </a:rPr>
-              <a:t>;</a:t>
-            </a:r>
-          </a:p>
-          <a:p>
-            <a:pPr marL="0" indent="0">
-              <a:buNone/>
-            </a:pPr>
-            <a:r>
-              <a:rPr lang="en-US" dirty="0" err="1">
-                <a:solidFill>
-                  <a:srgbClr val="0000FF"/>
-                </a:solidFill>
-                <a:highlight>
-                  <a:srgbClr val="FFFFFF"/>
-                </a:highlight>
-                <a:latin typeface="Consolas" panose="020B0609020204030204" pitchFamily="49" charset="0"/>
-              </a:rPr>
-              <a:t>var</a:t>
-            </a:r>
-            <a:r>
-              <a:rPr lang="en-US" dirty="0">
-                <a:solidFill>
-                  <a:srgbClr val="000000"/>
-                </a:solidFill>
-                <a:highlight>
-                  <a:srgbClr val="FFFFFF"/>
-                </a:highlight>
-                <a:latin typeface="Consolas" panose="020B0609020204030204" pitchFamily="49" charset="0"/>
-              </a:rPr>
-              <a:t> </a:t>
-            </a:r>
-            <a:r>
-              <a:rPr lang="en-US" dirty="0" err="1" smtClean="0">
-                <a:solidFill>
-                  <a:srgbClr val="000000"/>
-                </a:solidFill>
-                <a:highlight>
-                  <a:srgbClr val="FFFFFF"/>
-                </a:highlight>
-                <a:latin typeface="Consolas" panose="020B0609020204030204" pitchFamily="49" charset="0"/>
-              </a:rPr>
-              <a:t>greetAndBye</a:t>
-            </a:r>
-            <a:r>
-              <a:rPr lang="en-US" dirty="0" smtClean="0">
-                <a:solidFill>
-                  <a:srgbClr val="000000"/>
-                </a:solidFill>
-                <a:highlight>
-                  <a:srgbClr val="FFFFFF"/>
-                </a:highlight>
-                <a:latin typeface="Consolas" panose="020B0609020204030204" pitchFamily="49" charset="0"/>
-              </a:rPr>
-              <a:t> </a:t>
-            </a:r>
-            <a:r>
-              <a:rPr lang="en-US" dirty="0">
-                <a:solidFill>
-                  <a:srgbClr val="000000"/>
-                </a:solidFill>
-                <a:highlight>
-                  <a:srgbClr val="FFFFFF"/>
-                </a:highlight>
-                <a:latin typeface="Consolas" panose="020B0609020204030204" pitchFamily="49" charset="0"/>
-              </a:rPr>
-              <a:t>= </a:t>
-            </a:r>
-            <a:r>
-              <a:rPr lang="en-US" dirty="0" err="1" smtClean="0">
-                <a:solidFill>
-                  <a:srgbClr val="000000"/>
-                </a:solidFill>
-                <a:highlight>
-                  <a:srgbClr val="FFFFFF"/>
-                </a:highlight>
-                <a:latin typeface="Consolas" panose="020B0609020204030204" pitchFamily="49" charset="0"/>
-              </a:rPr>
-              <a:t>greet.Say</a:t>
-            </a:r>
-            <a:r>
-              <a:rPr lang="en-US" dirty="0" smtClean="0">
-                <a:solidFill>
-                  <a:srgbClr val="000000"/>
-                </a:solidFill>
-                <a:highlight>
-                  <a:srgbClr val="FFFFFF"/>
-                </a:highlight>
-                <a:latin typeface="Consolas" panose="020B0609020204030204" pitchFamily="49" charset="0"/>
-              </a:rPr>
-              <a:t>(</a:t>
-            </a:r>
-            <a:r>
-              <a:rPr lang="en-US" dirty="0" smtClean="0">
-                <a:solidFill>
-                  <a:srgbClr val="A31515"/>
-                </a:solidFill>
-                <a:highlight>
-                  <a:srgbClr val="FFFFFF"/>
-                </a:highlight>
-                <a:latin typeface="Consolas" panose="020B0609020204030204" pitchFamily="49" charset="0"/>
-              </a:rPr>
-              <a:t>"</a:t>
-            </a:r>
-            <a:r>
-              <a:rPr lang="ru-RU" dirty="0" err="1" smtClean="0">
-                <a:solidFill>
-                  <a:srgbClr val="A31515"/>
-                </a:solidFill>
-                <a:highlight>
-                  <a:srgbClr val="FFFFFF"/>
-                </a:highlight>
-                <a:latin typeface="Consolas" panose="020B0609020204030204" pitchFamily="49" charset="0"/>
-              </a:rPr>
-              <a:t>Чао</a:t>
-            </a:r>
-            <a:r>
-              <a:rPr lang="ru-RU" dirty="0" smtClean="0">
-                <a:solidFill>
-                  <a:srgbClr val="A31515"/>
-                </a:solidFill>
-                <a:highlight>
-                  <a:srgbClr val="FFFFFF"/>
-                </a:highlight>
-                <a:latin typeface="Consolas" panose="020B0609020204030204" pitchFamily="49" charset="0"/>
-              </a:rPr>
-              <a:t>!"</a:t>
-            </a:r>
-            <a:r>
-              <a:rPr lang="ru-RU" dirty="0" smtClean="0">
-                <a:solidFill>
-                  <a:srgbClr val="000000"/>
-                </a:solidFill>
-                <a:highlight>
-                  <a:srgbClr val="FFFFFF"/>
-                </a:highlight>
-                <a:latin typeface="Consolas" panose="020B0609020204030204" pitchFamily="49" charset="0"/>
-              </a:rPr>
-              <a:t>)</a:t>
-            </a:r>
-            <a:r>
-              <a:rPr lang="en-US" dirty="0" smtClean="0">
-                <a:solidFill>
-                  <a:srgbClr val="000000"/>
-                </a:solidFill>
-                <a:highlight>
-                  <a:srgbClr val="FFFFFF"/>
-                </a:highlight>
-                <a:latin typeface="Consolas" panose="020B0609020204030204" pitchFamily="49" charset="0"/>
-              </a:rPr>
-              <a:t>;</a:t>
-            </a:r>
-            <a:endParaRPr lang="ru-RU" dirty="0" smtClean="0">
-              <a:solidFill>
-                <a:srgbClr val="000000"/>
-              </a:solidFill>
-              <a:highlight>
-                <a:srgbClr val="FFFFFF"/>
-              </a:highlight>
-              <a:latin typeface="Consolas" panose="020B0609020204030204" pitchFamily="49" charset="0"/>
-            </a:endParaRPr>
-          </a:p>
-          <a:p>
-            <a:pPr marL="0" indent="0">
-              <a:buNone/>
-            </a:pPr>
-            <a:endParaRPr lang="ru-RU" dirty="0">
-              <a:solidFill>
-                <a:srgbClr val="000000"/>
-              </a:solidFill>
-              <a:highlight>
-                <a:srgbClr val="FFFFFF"/>
-              </a:highlight>
-              <a:latin typeface="Consolas" panose="020B0609020204030204" pitchFamily="49" charset="0"/>
-            </a:endParaRPr>
-          </a:p>
-          <a:p>
-            <a:pPr marL="0" indent="0">
-              <a:buNone/>
-            </a:pPr>
-            <a:r>
-              <a:rPr lang="en-US" dirty="0" err="1" smtClean="0">
-                <a:solidFill>
-                  <a:srgbClr val="000000"/>
-                </a:solidFill>
-                <a:highlight>
-                  <a:srgbClr val="FFFFFF"/>
-                </a:highlight>
-                <a:latin typeface="Consolas" panose="020B0609020204030204" pitchFamily="49" charset="0"/>
-              </a:rPr>
-              <a:t>greetAndBye.Play</a:t>
-            </a:r>
-            <a:r>
-              <a:rPr lang="en-US" dirty="0" smtClean="0">
-                <a:solidFill>
-                  <a:srgbClr val="000000"/>
-                </a:solidFill>
-                <a:highlight>
-                  <a:srgbClr val="FFFFFF"/>
-                </a:highlight>
-                <a:latin typeface="Consolas" panose="020B0609020204030204" pitchFamily="49" charset="0"/>
-              </a:rPr>
-              <a:t>(); </a:t>
-            </a:r>
-            <a:r>
-              <a:rPr lang="en-US" dirty="0" smtClean="0">
-                <a:solidFill>
-                  <a:schemeClr val="accent6">
-                    <a:lumMod val="75000"/>
-                  </a:schemeClr>
-                </a:solidFill>
-                <a:highlight>
-                  <a:srgbClr val="FFFFFF"/>
-                </a:highlight>
-                <a:latin typeface="Consolas" panose="020B0609020204030204" pitchFamily="49" charset="0"/>
-              </a:rPr>
-              <a:t>// ?</a:t>
-            </a:r>
+            <a:endParaRPr lang="en-US" dirty="0" smtClean="0"/>
           </a:p>
         </p:txBody>
       </p:sp>
     </p:spTree>
     <p:extLst>
       <p:ext uri="{BB962C8B-B14F-4D97-AF65-F5344CB8AC3E}">
-        <p14:creationId xmlns:p14="http://schemas.microsoft.com/office/powerpoint/2010/main" val="2899527983"/>
+        <p14:creationId xmlns:p14="http://schemas.microsoft.com/office/powerpoint/2010/main" val="652597386"/>
       </p:ext>
     </p:extLst>
   </p:cSld>
@@ -10532,16 +10268,8 @@
           <a:lstStyle/>
           <a:p>
             <a:r>
-              <a:rPr lang="ru-RU" dirty="0" smtClean="0"/>
-              <a:t>Более сложные аспекты </a:t>
-            </a:r>
-            <a:r>
               <a:rPr lang="en-US" dirty="0" smtClean="0"/>
-              <a:t>Fluent </a:t>
-            </a:r>
-            <a:r>
-              <a:rPr lang="en-US" dirty="0" err="1" smtClean="0"/>
-              <a:t>Api</a:t>
+              <a:t>Fluent → Immutable</a:t>
             </a:r>
             <a:endParaRPr lang="ru-RU" dirty="0"/>
           </a:p>
@@ -10557,19 +10285,574 @@
             <p:ph idx="1"/>
           </p:nvPr>
         </p:nvSpPr>
-        <p:spPr/>
+        <p:spPr>
+          <a:xfrm>
+            <a:off x="1290918" y="1806963"/>
+            <a:ext cx="8748432" cy="4351338"/>
+          </a:xfrm>
+        </p:spPr>
         <p:txBody>
-          <a:bodyPr/>
+          <a:bodyPr>
+            <a:normAutofit/>
+          </a:bodyPr>
           <a:lstStyle/>
           <a:p>
-            <a:endParaRPr lang="ru-RU" dirty="0"/>
+            <a:pPr marL="0" indent="0">
+              <a:buNone/>
+            </a:pPr>
+            <a:r>
+              <a:rPr lang="en-US" dirty="0" err="1">
+                <a:solidFill>
+                  <a:srgbClr val="0000FF"/>
+                </a:solidFill>
+                <a:highlight>
+                  <a:srgbClr val="FFFFFF"/>
+                </a:highlight>
+                <a:latin typeface="Consolas" panose="020B0609020204030204" pitchFamily="49" charset="0"/>
+              </a:rPr>
+              <a:t>var</a:t>
+            </a:r>
+            <a:r>
+              <a:rPr lang="en-US" dirty="0">
+                <a:solidFill>
+                  <a:srgbClr val="000000"/>
+                </a:solidFill>
+                <a:highlight>
+                  <a:srgbClr val="FFFFFF"/>
+                </a:highlight>
+                <a:latin typeface="Consolas" panose="020B0609020204030204" pitchFamily="49" charset="0"/>
+              </a:rPr>
+              <a:t> </a:t>
+            </a:r>
+            <a:r>
+              <a:rPr lang="en-US" dirty="0" smtClean="0">
+                <a:solidFill>
+                  <a:srgbClr val="000000"/>
+                </a:solidFill>
+                <a:highlight>
+                  <a:srgbClr val="FFFFFF"/>
+                </a:highlight>
+                <a:latin typeface="Consolas" panose="020B0609020204030204" pitchFamily="49" charset="0"/>
+              </a:rPr>
+              <a:t>greet </a:t>
+            </a:r>
+            <a:r>
+              <a:rPr lang="en-US" dirty="0">
+                <a:solidFill>
+                  <a:srgbClr val="000000"/>
+                </a:solidFill>
+                <a:highlight>
+                  <a:srgbClr val="FFFFFF"/>
+                </a:highlight>
+                <a:latin typeface="Consolas" panose="020B0609020204030204" pitchFamily="49" charset="0"/>
+              </a:rPr>
+              <a:t>= </a:t>
+            </a:r>
+            <a:r>
+              <a:rPr lang="en-US" dirty="0">
+                <a:solidFill>
+                  <a:srgbClr val="0000FF"/>
+                </a:solidFill>
+                <a:highlight>
+                  <a:srgbClr val="FFFFFF"/>
+                </a:highlight>
+                <a:latin typeface="Consolas" panose="020B0609020204030204" pitchFamily="49" charset="0"/>
+              </a:rPr>
+              <a:t>new</a:t>
+            </a:r>
+            <a:r>
+              <a:rPr lang="en-US" dirty="0">
+                <a:solidFill>
+                  <a:srgbClr val="000000"/>
+                </a:solidFill>
+                <a:highlight>
+                  <a:srgbClr val="FFFFFF"/>
+                </a:highlight>
+                <a:latin typeface="Consolas" panose="020B0609020204030204" pitchFamily="49" charset="0"/>
+              </a:rPr>
+              <a:t> </a:t>
+            </a:r>
+            <a:r>
+              <a:rPr lang="en-US" dirty="0" smtClean="0">
+                <a:solidFill>
+                  <a:srgbClr val="000000"/>
+                </a:solidFill>
+                <a:highlight>
+                  <a:srgbClr val="FFFFFF"/>
+                </a:highlight>
+                <a:latin typeface="Consolas" panose="020B0609020204030204" pitchFamily="49" charset="0"/>
+              </a:rPr>
+              <a:t>Spectacle()</a:t>
+            </a:r>
+            <a:endParaRPr lang="en-US" dirty="0">
+              <a:solidFill>
+                <a:srgbClr val="000000"/>
+              </a:solidFill>
+              <a:highlight>
+                <a:srgbClr val="FFFFFF"/>
+              </a:highlight>
+              <a:latin typeface="Consolas" panose="020B0609020204030204" pitchFamily="49" charset="0"/>
+            </a:endParaRPr>
+          </a:p>
+          <a:p>
+            <a:pPr marL="0" indent="0">
+              <a:buNone/>
+            </a:pPr>
+            <a:r>
+              <a:rPr lang="en-US" dirty="0">
+                <a:solidFill>
+                  <a:srgbClr val="000000"/>
+                </a:solidFill>
+                <a:highlight>
+                  <a:srgbClr val="FFFFFF"/>
+                </a:highlight>
+                <a:latin typeface="Consolas" panose="020B0609020204030204" pitchFamily="49" charset="0"/>
+              </a:rPr>
+              <a:t>    .Say(</a:t>
+            </a:r>
+            <a:r>
+              <a:rPr lang="en-US" dirty="0">
+                <a:solidFill>
+                  <a:srgbClr val="A31515"/>
+                </a:solidFill>
+                <a:highlight>
+                  <a:srgbClr val="FFFFFF"/>
+                </a:highlight>
+                <a:latin typeface="Consolas" panose="020B0609020204030204" pitchFamily="49" charset="0"/>
+              </a:rPr>
+              <a:t>"</a:t>
+            </a:r>
+            <a:r>
+              <a:rPr lang="ru-RU" dirty="0">
+                <a:solidFill>
+                  <a:srgbClr val="A31515"/>
+                </a:solidFill>
+                <a:highlight>
+                  <a:srgbClr val="FFFFFF"/>
+                </a:highlight>
+                <a:latin typeface="Consolas" panose="020B0609020204030204" pitchFamily="49" charset="0"/>
+              </a:rPr>
+              <a:t>Привет мир</a:t>
+            </a:r>
+            <a:r>
+              <a:rPr lang="ru-RU" dirty="0" smtClean="0">
+                <a:solidFill>
+                  <a:srgbClr val="A31515"/>
+                </a:solidFill>
+                <a:highlight>
+                  <a:srgbClr val="FFFFFF"/>
+                </a:highlight>
+                <a:latin typeface="Consolas" panose="020B0609020204030204" pitchFamily="49" charset="0"/>
+              </a:rPr>
+              <a:t>!"</a:t>
+            </a:r>
+            <a:r>
+              <a:rPr lang="ru-RU" dirty="0" smtClean="0">
+                <a:solidFill>
+                  <a:srgbClr val="000000"/>
+                </a:solidFill>
+                <a:highlight>
+                  <a:srgbClr val="FFFFFF"/>
+                </a:highlight>
+                <a:latin typeface="Consolas" panose="020B0609020204030204" pitchFamily="49" charset="0"/>
+              </a:rPr>
+              <a:t>)</a:t>
+            </a:r>
+            <a:r>
+              <a:rPr lang="en-US" dirty="0" smtClean="0">
+                <a:solidFill>
+                  <a:srgbClr val="000000"/>
+                </a:solidFill>
+                <a:highlight>
+                  <a:srgbClr val="FFFFFF"/>
+                </a:highlight>
+                <a:latin typeface="Consolas" panose="020B0609020204030204" pitchFamily="49" charset="0"/>
+              </a:rPr>
+              <a:t>;</a:t>
+            </a:r>
+          </a:p>
+          <a:p>
+            <a:pPr marL="0" indent="0">
+              <a:buNone/>
+            </a:pPr>
+            <a:r>
+              <a:rPr lang="en-US" dirty="0" err="1">
+                <a:solidFill>
+                  <a:srgbClr val="0000FF"/>
+                </a:solidFill>
+                <a:highlight>
+                  <a:srgbClr val="FFFFFF"/>
+                </a:highlight>
+                <a:latin typeface="Consolas" panose="020B0609020204030204" pitchFamily="49" charset="0"/>
+              </a:rPr>
+              <a:t>var</a:t>
+            </a:r>
+            <a:r>
+              <a:rPr lang="en-US" dirty="0">
+                <a:solidFill>
+                  <a:srgbClr val="000000"/>
+                </a:solidFill>
+                <a:highlight>
+                  <a:srgbClr val="FFFFFF"/>
+                </a:highlight>
+                <a:latin typeface="Consolas" panose="020B0609020204030204" pitchFamily="49" charset="0"/>
+              </a:rPr>
+              <a:t> </a:t>
+            </a:r>
+            <a:r>
+              <a:rPr lang="en-US" dirty="0" err="1" smtClean="0">
+                <a:solidFill>
+                  <a:srgbClr val="000000"/>
+                </a:solidFill>
+                <a:highlight>
+                  <a:srgbClr val="FFFFFF"/>
+                </a:highlight>
+                <a:latin typeface="Consolas" panose="020B0609020204030204" pitchFamily="49" charset="0"/>
+              </a:rPr>
+              <a:t>greetAndAsk</a:t>
+            </a:r>
+            <a:r>
+              <a:rPr lang="en-US" dirty="0" smtClean="0">
+                <a:solidFill>
+                  <a:srgbClr val="000000"/>
+                </a:solidFill>
+                <a:highlight>
+                  <a:srgbClr val="FFFFFF"/>
+                </a:highlight>
+                <a:latin typeface="Consolas" panose="020B0609020204030204" pitchFamily="49" charset="0"/>
+              </a:rPr>
+              <a:t> </a:t>
+            </a:r>
+            <a:r>
+              <a:rPr lang="en-US" dirty="0">
+                <a:solidFill>
+                  <a:srgbClr val="000000"/>
+                </a:solidFill>
+                <a:highlight>
+                  <a:srgbClr val="FFFFFF"/>
+                </a:highlight>
+                <a:latin typeface="Consolas" panose="020B0609020204030204" pitchFamily="49" charset="0"/>
+              </a:rPr>
+              <a:t>= </a:t>
+            </a:r>
+            <a:r>
+              <a:rPr lang="en-US" dirty="0" err="1">
+                <a:solidFill>
+                  <a:srgbClr val="000000"/>
+                </a:solidFill>
+                <a:highlight>
+                  <a:srgbClr val="FFFFFF"/>
+                </a:highlight>
+                <a:latin typeface="Consolas" panose="020B0609020204030204" pitchFamily="49" charset="0"/>
+              </a:rPr>
+              <a:t>greet.Say</a:t>
+            </a:r>
+            <a:r>
+              <a:rPr lang="en-US" dirty="0" smtClean="0">
+                <a:solidFill>
+                  <a:srgbClr val="000000"/>
+                </a:solidFill>
+                <a:highlight>
+                  <a:srgbClr val="FFFFFF"/>
+                </a:highlight>
+                <a:latin typeface="Consolas" panose="020B0609020204030204" pitchFamily="49" charset="0"/>
+              </a:rPr>
+              <a:t>(</a:t>
+            </a:r>
+            <a:r>
+              <a:rPr lang="en-US" dirty="0" smtClean="0">
+                <a:solidFill>
+                  <a:srgbClr val="A31515"/>
+                </a:solidFill>
+                <a:highlight>
+                  <a:srgbClr val="FFFFFF"/>
+                </a:highlight>
+                <a:latin typeface="Consolas" panose="020B0609020204030204" pitchFamily="49" charset="0"/>
+              </a:rPr>
+              <a:t>"</a:t>
+            </a:r>
+            <a:r>
+              <a:rPr lang="ru-RU" dirty="0" smtClean="0">
+                <a:solidFill>
+                  <a:srgbClr val="A31515"/>
+                </a:solidFill>
+                <a:highlight>
+                  <a:srgbClr val="FFFFFF"/>
+                </a:highlight>
+                <a:latin typeface="Consolas" panose="020B0609020204030204" pitchFamily="49" charset="0"/>
+              </a:rPr>
+              <a:t>Как дела</a:t>
+            </a:r>
+            <a:r>
+              <a:rPr lang="en-US" dirty="0" smtClean="0">
+                <a:solidFill>
+                  <a:srgbClr val="A31515"/>
+                </a:solidFill>
+                <a:highlight>
+                  <a:srgbClr val="FFFFFF"/>
+                </a:highlight>
+                <a:latin typeface="Consolas" panose="020B0609020204030204" pitchFamily="49" charset="0"/>
+              </a:rPr>
+              <a:t>?</a:t>
+            </a:r>
+            <a:r>
+              <a:rPr lang="ru-RU" dirty="0" smtClean="0">
+                <a:solidFill>
+                  <a:srgbClr val="A31515"/>
+                </a:solidFill>
+                <a:highlight>
+                  <a:srgbClr val="FFFFFF"/>
+                </a:highlight>
+                <a:latin typeface="Consolas" panose="020B0609020204030204" pitchFamily="49" charset="0"/>
+              </a:rPr>
+              <a:t>"</a:t>
+            </a:r>
+            <a:r>
+              <a:rPr lang="ru-RU" dirty="0" smtClean="0">
+                <a:solidFill>
+                  <a:srgbClr val="000000"/>
+                </a:solidFill>
+                <a:highlight>
+                  <a:srgbClr val="FFFFFF"/>
+                </a:highlight>
+                <a:latin typeface="Consolas" panose="020B0609020204030204" pitchFamily="49" charset="0"/>
+              </a:rPr>
+              <a:t>)</a:t>
+            </a:r>
+            <a:r>
+              <a:rPr lang="en-US" dirty="0">
+                <a:solidFill>
+                  <a:srgbClr val="000000"/>
+                </a:solidFill>
+                <a:highlight>
+                  <a:srgbClr val="FFFFFF"/>
+                </a:highlight>
+                <a:latin typeface="Consolas" panose="020B0609020204030204" pitchFamily="49" charset="0"/>
+              </a:rPr>
+              <a:t>;</a:t>
+            </a:r>
+          </a:p>
+          <a:p>
+            <a:pPr marL="0" indent="0">
+              <a:buNone/>
+            </a:pPr>
+            <a:r>
+              <a:rPr lang="en-US" dirty="0" err="1">
+                <a:solidFill>
+                  <a:srgbClr val="0000FF"/>
+                </a:solidFill>
+                <a:highlight>
+                  <a:srgbClr val="FFFFFF"/>
+                </a:highlight>
+                <a:latin typeface="Consolas" panose="020B0609020204030204" pitchFamily="49" charset="0"/>
+              </a:rPr>
+              <a:t>var</a:t>
+            </a:r>
+            <a:r>
+              <a:rPr lang="en-US" dirty="0">
+                <a:solidFill>
+                  <a:srgbClr val="000000"/>
+                </a:solidFill>
+                <a:highlight>
+                  <a:srgbClr val="FFFFFF"/>
+                </a:highlight>
+                <a:latin typeface="Consolas" panose="020B0609020204030204" pitchFamily="49" charset="0"/>
+              </a:rPr>
+              <a:t> </a:t>
+            </a:r>
+            <a:r>
+              <a:rPr lang="en-US" dirty="0" err="1" smtClean="0">
+                <a:solidFill>
+                  <a:srgbClr val="000000"/>
+                </a:solidFill>
+                <a:highlight>
+                  <a:srgbClr val="FFFFFF"/>
+                </a:highlight>
+                <a:latin typeface="Consolas" panose="020B0609020204030204" pitchFamily="49" charset="0"/>
+              </a:rPr>
+              <a:t>greetAndBye</a:t>
+            </a:r>
+            <a:r>
+              <a:rPr lang="en-US" dirty="0" smtClean="0">
+                <a:solidFill>
+                  <a:srgbClr val="000000"/>
+                </a:solidFill>
+                <a:highlight>
+                  <a:srgbClr val="FFFFFF"/>
+                </a:highlight>
+                <a:latin typeface="Consolas" panose="020B0609020204030204" pitchFamily="49" charset="0"/>
+              </a:rPr>
+              <a:t> </a:t>
+            </a:r>
+            <a:r>
+              <a:rPr lang="en-US" dirty="0">
+                <a:solidFill>
+                  <a:srgbClr val="000000"/>
+                </a:solidFill>
+                <a:highlight>
+                  <a:srgbClr val="FFFFFF"/>
+                </a:highlight>
+                <a:latin typeface="Consolas" panose="020B0609020204030204" pitchFamily="49" charset="0"/>
+              </a:rPr>
+              <a:t>= </a:t>
+            </a:r>
+            <a:r>
+              <a:rPr lang="en-US" dirty="0" err="1" smtClean="0">
+                <a:solidFill>
+                  <a:srgbClr val="000000"/>
+                </a:solidFill>
+                <a:highlight>
+                  <a:srgbClr val="FFFFFF"/>
+                </a:highlight>
+                <a:latin typeface="Consolas" panose="020B0609020204030204" pitchFamily="49" charset="0"/>
+              </a:rPr>
+              <a:t>greet.Say</a:t>
+            </a:r>
+            <a:r>
+              <a:rPr lang="en-US" dirty="0" smtClean="0">
+                <a:solidFill>
+                  <a:srgbClr val="000000"/>
+                </a:solidFill>
+                <a:highlight>
+                  <a:srgbClr val="FFFFFF"/>
+                </a:highlight>
+                <a:latin typeface="Consolas" panose="020B0609020204030204" pitchFamily="49" charset="0"/>
+              </a:rPr>
+              <a:t>(</a:t>
+            </a:r>
+            <a:r>
+              <a:rPr lang="en-US" dirty="0" smtClean="0">
+                <a:solidFill>
+                  <a:srgbClr val="A31515"/>
+                </a:solidFill>
+                <a:highlight>
+                  <a:srgbClr val="FFFFFF"/>
+                </a:highlight>
+                <a:latin typeface="Consolas" panose="020B0609020204030204" pitchFamily="49" charset="0"/>
+              </a:rPr>
+              <a:t>"</a:t>
+            </a:r>
+            <a:r>
+              <a:rPr lang="ru-RU" dirty="0" err="1" smtClean="0">
+                <a:solidFill>
+                  <a:srgbClr val="A31515"/>
+                </a:solidFill>
+                <a:highlight>
+                  <a:srgbClr val="FFFFFF"/>
+                </a:highlight>
+                <a:latin typeface="Consolas" panose="020B0609020204030204" pitchFamily="49" charset="0"/>
+              </a:rPr>
+              <a:t>Чао</a:t>
+            </a:r>
+            <a:r>
+              <a:rPr lang="ru-RU" dirty="0" smtClean="0">
+                <a:solidFill>
+                  <a:srgbClr val="A31515"/>
+                </a:solidFill>
+                <a:highlight>
+                  <a:srgbClr val="FFFFFF"/>
+                </a:highlight>
+                <a:latin typeface="Consolas" panose="020B0609020204030204" pitchFamily="49" charset="0"/>
+              </a:rPr>
+              <a:t>!"</a:t>
+            </a:r>
+            <a:r>
+              <a:rPr lang="ru-RU" dirty="0" smtClean="0">
+                <a:solidFill>
+                  <a:srgbClr val="000000"/>
+                </a:solidFill>
+                <a:highlight>
+                  <a:srgbClr val="FFFFFF"/>
+                </a:highlight>
+                <a:latin typeface="Consolas" panose="020B0609020204030204" pitchFamily="49" charset="0"/>
+              </a:rPr>
+              <a:t>)</a:t>
+            </a:r>
+            <a:r>
+              <a:rPr lang="en-US" dirty="0" smtClean="0">
+                <a:solidFill>
+                  <a:srgbClr val="000000"/>
+                </a:solidFill>
+                <a:highlight>
+                  <a:srgbClr val="FFFFFF"/>
+                </a:highlight>
+                <a:latin typeface="Consolas" panose="020B0609020204030204" pitchFamily="49" charset="0"/>
+              </a:rPr>
+              <a:t>;</a:t>
+            </a:r>
+            <a:endParaRPr lang="ru-RU" dirty="0" smtClean="0">
+              <a:solidFill>
+                <a:srgbClr val="000000"/>
+              </a:solidFill>
+              <a:highlight>
+                <a:srgbClr val="FFFFFF"/>
+              </a:highlight>
+              <a:latin typeface="Consolas" panose="020B0609020204030204" pitchFamily="49" charset="0"/>
+            </a:endParaRPr>
+          </a:p>
+          <a:p>
+            <a:pPr marL="0" indent="0">
+              <a:buNone/>
+            </a:pPr>
+            <a:endParaRPr lang="ru-RU" dirty="0">
+              <a:solidFill>
+                <a:srgbClr val="000000"/>
+              </a:solidFill>
+              <a:highlight>
+                <a:srgbClr val="FFFFFF"/>
+              </a:highlight>
+              <a:latin typeface="Consolas" panose="020B0609020204030204" pitchFamily="49" charset="0"/>
+            </a:endParaRPr>
+          </a:p>
+          <a:p>
+            <a:pPr marL="0" indent="0">
+              <a:buNone/>
+            </a:pPr>
+            <a:r>
+              <a:rPr lang="en-US" dirty="0" err="1" smtClean="0">
+                <a:solidFill>
+                  <a:srgbClr val="000000"/>
+                </a:solidFill>
+                <a:highlight>
+                  <a:srgbClr val="FFFFFF"/>
+                </a:highlight>
+                <a:latin typeface="Consolas" panose="020B0609020204030204" pitchFamily="49" charset="0"/>
+              </a:rPr>
+              <a:t>greetAndBye.Play</a:t>
+            </a:r>
+            <a:r>
+              <a:rPr lang="en-US" dirty="0" smtClean="0">
+                <a:solidFill>
+                  <a:srgbClr val="000000"/>
+                </a:solidFill>
+                <a:highlight>
+                  <a:srgbClr val="FFFFFF"/>
+                </a:highlight>
+                <a:latin typeface="Consolas" panose="020B0609020204030204" pitchFamily="49" charset="0"/>
+              </a:rPr>
+              <a:t>(); </a:t>
+            </a:r>
+            <a:r>
+              <a:rPr lang="en-US" dirty="0" smtClean="0">
+                <a:solidFill>
+                  <a:schemeClr val="accent6">
+                    <a:lumMod val="75000"/>
+                  </a:schemeClr>
+                </a:solidFill>
+                <a:highlight>
+                  <a:srgbClr val="FFFFFF"/>
+                </a:highlight>
+                <a:latin typeface="Consolas" panose="020B0609020204030204" pitchFamily="49" charset="0"/>
+              </a:rPr>
+              <a:t>// ?</a:t>
+            </a:r>
           </a:p>
         </p:txBody>
       </p:sp>
     </p:spTree>
     <p:extLst>
       <p:ext uri="{BB962C8B-B14F-4D97-AF65-F5344CB8AC3E}">
-        <p14:creationId xmlns:p14="http://schemas.microsoft.com/office/powerpoint/2010/main" val="2009110853"/>
+        <p14:creationId xmlns:p14="http://schemas.microsoft.com/office/powerpoint/2010/main" val="2899527983"/>
       </p:ext>
     </p:extLst>
   </p:cSld>
@@ -10620,6 +10903,922 @@
           <a:p>
             <a:r>
               <a:rPr lang="ru-RU" dirty="0" smtClean="0"/>
+              <a:t>Более сложные аспекты </a:t>
+            </a:r>
+            <a:r>
+              <a:rPr lang="en-US" dirty="0" smtClean="0"/>
+              <a:t/>
+            </a:r>
+            <a:br>
+              <a:rPr lang="en-US" dirty="0" smtClean="0"/>
+            </a:br>
+            <a:r>
+              <a:rPr lang="en-US" dirty="0" smtClean="0"/>
+              <a:t>Fluent </a:t>
+            </a:r>
+            <a:r>
+              <a:rPr lang="en-US" dirty="0" err="1" smtClean="0"/>
+              <a:t>Api</a:t>
+            </a:r>
+            <a:endParaRPr lang="ru-RU" dirty="0"/>
+          </a:p>
+        </p:txBody>
+      </p:sp>
+      <p:sp>
+        <p:nvSpPr>
+          <p:cNvPr id="4" name="Текст 3"/>
+          <p:cNvSpPr>
+            <a:spLocks noGrp="1"/>
+          </p:cNvSpPr>
+          <p:nvPr>
+            <p:ph type="body" idx="1"/>
+          </p:nvPr>
+        </p:nvSpPr>
+        <p:spPr/>
+        <p:txBody>
+          <a:bodyPr>
+            <a:normAutofit/>
+          </a:bodyPr>
+          <a:lstStyle/>
+          <a:p>
+            <a:r>
+              <a:rPr lang="en-US" sz="3600" dirty="0"/>
+              <a:t>https://github.com/kontur-csharper/fluent-api</a:t>
+            </a:r>
+            <a:endParaRPr lang="ru-RU" sz="3600" dirty="0"/>
+          </a:p>
+        </p:txBody>
+      </p:sp>
+    </p:spTree>
+    <p:extLst>
+      <p:ext uri="{BB962C8B-B14F-4D97-AF65-F5344CB8AC3E}">
+        <p14:creationId xmlns:p14="http://schemas.microsoft.com/office/powerpoint/2010/main" val="2009110853"/>
+      </p:ext>
+    </p:extLst>
+  </p:cSld>
+  <p:clrMapOvr>
+    <a:masterClrMapping/>
+  </p:clrMapOvr>
+  <p:timing>
+    <p:tnLst>
+      <p:par>
+        <p:cTn id="1" dur="indefinite" restart="never" nodeType="tmRoot"/>
+      </p:par>
+    </p:tnLst>
+  </p:timing>
+</p:sld>
+</file>
+
+<file path=ppt/slides/slide23.xml><?xml version="1.0" encoding="utf-8"?>
+<p:sld xmlns:a="http://schemas.openxmlformats.org/drawingml/2006/main" xmlns:r="http://schemas.openxmlformats.org/officeDocument/2006/relationships" xmlns:p="http://schemas.openxmlformats.org/presentationml/2006/main">
+  <p:cSld>
+    <p:spTree>
+      <p:nvGrpSpPr>
+        <p:cNvPr id="1" name=""/>
+        <p:cNvGrpSpPr/>
+        <p:nvPr/>
+      </p:nvGrpSpPr>
+      <p:grpSpPr>
+        <a:xfrm>
+          <a:off x="0" y="0"/>
+          <a:ext cx="0" cy="0"/>
+          <a:chOff x="0" y="0"/>
+          <a:chExt cx="0" cy="0"/>
+        </a:xfrm>
+      </p:grpSpPr>
+      <p:sp>
+        <p:nvSpPr>
+          <p:cNvPr id="4" name="Прямоугольник 3"/>
+          <p:cNvSpPr/>
+          <p:nvPr/>
+        </p:nvSpPr>
+        <p:spPr>
+          <a:xfrm>
+            <a:off x="1113557" y="595190"/>
+            <a:ext cx="9869633" cy="4401205"/>
+          </a:xfrm>
+          <a:prstGeom prst="rect">
+            <a:avLst/>
+          </a:prstGeom>
+        </p:spPr>
+        <p:txBody>
+          <a:bodyPr wrap="square">
+            <a:spAutoFit/>
+          </a:bodyPr>
+          <a:lstStyle/>
+          <a:p>
+            <a:r>
+              <a:rPr lang="en-US" sz="2800" dirty="0" err="1">
+                <a:solidFill>
+                  <a:srgbClr val="0000FF"/>
+                </a:solidFill>
+                <a:highlight>
+                  <a:srgbClr val="FFFFFF"/>
+                </a:highlight>
+                <a:latin typeface="Consolas" panose="020B0609020204030204" pitchFamily="49" charset="0"/>
+              </a:rPr>
+              <a:t>var</a:t>
+            </a:r>
+            <a:r>
+              <a:rPr lang="en-US" sz="2800" dirty="0">
+                <a:solidFill>
+                  <a:srgbClr val="000000"/>
+                </a:solidFill>
+                <a:highlight>
+                  <a:srgbClr val="FFFFFF"/>
+                </a:highlight>
+                <a:latin typeface="Consolas" panose="020B0609020204030204" pitchFamily="49" charset="0"/>
+              </a:rPr>
+              <a:t> spectacle = </a:t>
+            </a:r>
+            <a:r>
+              <a:rPr lang="en-US" sz="2800" dirty="0">
+                <a:solidFill>
+                  <a:srgbClr val="0000FF"/>
+                </a:solidFill>
+                <a:highlight>
+                  <a:srgbClr val="FFFFFF"/>
+                </a:highlight>
+                <a:latin typeface="Consolas" panose="020B0609020204030204" pitchFamily="49" charset="0"/>
+              </a:rPr>
+              <a:t>new</a:t>
+            </a:r>
+            <a:r>
+              <a:rPr lang="en-US" sz="2800" dirty="0">
+                <a:solidFill>
+                  <a:srgbClr val="000000"/>
+                </a:solidFill>
+                <a:highlight>
+                  <a:srgbClr val="FFFFFF"/>
+                </a:highlight>
+                <a:latin typeface="Consolas" panose="020B0609020204030204" pitchFamily="49" charset="0"/>
+              </a:rPr>
+              <a:t> </a:t>
+            </a:r>
+            <a:r>
+              <a:rPr lang="en-US" sz="2800" dirty="0">
+                <a:solidFill>
+                  <a:srgbClr val="2B91AF"/>
+                </a:solidFill>
+                <a:highlight>
+                  <a:srgbClr val="FFFFFF"/>
+                </a:highlight>
+                <a:latin typeface="Consolas" panose="020B0609020204030204" pitchFamily="49" charset="0"/>
+              </a:rPr>
+              <a:t>Spectacle</a:t>
+            </a:r>
+            <a:r>
+              <a:rPr lang="en-US" sz="2800" dirty="0">
+                <a:solidFill>
+                  <a:srgbClr val="000000"/>
+                </a:solidFill>
+                <a:highlight>
+                  <a:srgbClr val="FFFFFF"/>
+                </a:highlight>
+                <a:latin typeface="Consolas" panose="020B0609020204030204" pitchFamily="49" charset="0"/>
+              </a:rPr>
+              <a:t>()</a:t>
+            </a:r>
+          </a:p>
+          <a:p>
+            <a:r>
+              <a:rPr lang="en-US" sz="2800" dirty="0">
+                <a:solidFill>
+                  <a:srgbClr val="000000"/>
+                </a:solidFill>
+                <a:highlight>
+                  <a:srgbClr val="FFFFFF"/>
+                </a:highlight>
+                <a:latin typeface="Consolas" panose="020B0609020204030204" pitchFamily="49" charset="0"/>
+              </a:rPr>
+              <a:t>    .Say(</a:t>
+            </a:r>
+            <a:r>
+              <a:rPr lang="en-US" sz="2800" dirty="0">
+                <a:solidFill>
+                  <a:srgbClr val="A31515"/>
+                </a:solidFill>
+                <a:highlight>
+                  <a:srgbClr val="FFFFFF"/>
+                </a:highlight>
+                <a:latin typeface="Consolas" panose="020B0609020204030204" pitchFamily="49" charset="0"/>
+              </a:rPr>
+              <a:t>"</a:t>
+            </a:r>
+            <a:r>
+              <a:rPr lang="ru-RU" sz="2800" dirty="0">
+                <a:solidFill>
+                  <a:srgbClr val="A31515"/>
+                </a:solidFill>
+                <a:highlight>
+                  <a:srgbClr val="FFFFFF"/>
+                </a:highlight>
+                <a:latin typeface="Consolas" panose="020B0609020204030204" pitchFamily="49" charset="0"/>
+              </a:rPr>
+              <a:t>Привет мир!"</a:t>
+            </a:r>
+            <a:r>
+              <a:rPr lang="ru-RU" sz="2800" dirty="0">
+                <a:solidFill>
+                  <a:srgbClr val="000000"/>
+                </a:solidFill>
+                <a:highlight>
+                  <a:srgbClr val="FFFFFF"/>
+                </a:highlight>
+                <a:latin typeface="Consolas" panose="020B0609020204030204" pitchFamily="49" charset="0"/>
+              </a:rPr>
+              <a:t>)</a:t>
+            </a:r>
+            <a:br>
+              <a:rPr lang="ru-RU" sz="2800" dirty="0">
+                <a:solidFill>
+                  <a:srgbClr val="000000"/>
+                </a:solidFill>
+                <a:highlight>
+                  <a:srgbClr val="FFFFFF"/>
+                </a:highlight>
+                <a:latin typeface="Consolas" panose="020B0609020204030204" pitchFamily="49" charset="0"/>
+              </a:rPr>
+            </a:br>
+            <a:r>
+              <a:rPr lang="en-US" sz="2800" dirty="0">
+                <a:solidFill>
+                  <a:srgbClr val="000000"/>
+                </a:solidFill>
+                <a:highlight>
+                  <a:srgbClr val="FFFFFF"/>
+                </a:highlight>
+                <a:latin typeface="Consolas" panose="020B0609020204030204" pitchFamily="49" charset="0"/>
+              </a:rPr>
+              <a:t> </a:t>
+            </a:r>
+            <a:r>
+              <a:rPr lang="ru-RU" sz="2800" dirty="0">
+                <a:solidFill>
+                  <a:srgbClr val="000000"/>
+                </a:solidFill>
+                <a:highlight>
+                  <a:srgbClr val="FFFFFF"/>
+                </a:highlight>
+                <a:latin typeface="Consolas" panose="020B0609020204030204" pitchFamily="49" charset="0"/>
+              </a:rPr>
+              <a:t>   </a:t>
+            </a:r>
+            <a:r>
+              <a:rPr lang="en-US" sz="2800" dirty="0">
+                <a:solidFill>
+                  <a:srgbClr val="000000"/>
+                </a:solidFill>
+                <a:highlight>
+                  <a:srgbClr val="FFFFFF"/>
+                </a:highlight>
+                <a:latin typeface="Consolas" panose="020B0609020204030204" pitchFamily="49" charset="0"/>
+              </a:rPr>
+              <a:t>.Delay(</a:t>
+            </a:r>
+            <a:r>
+              <a:rPr lang="en-US" sz="2800" dirty="0" err="1">
+                <a:solidFill>
+                  <a:srgbClr val="2B91AF"/>
+                </a:solidFill>
+                <a:highlight>
+                  <a:srgbClr val="FFFFFF"/>
+                </a:highlight>
+                <a:latin typeface="Consolas" panose="020B0609020204030204" pitchFamily="49" charset="0"/>
+              </a:rPr>
+              <a:t>TimeSpan</a:t>
+            </a:r>
+            <a:r>
+              <a:rPr lang="en-US" sz="2800" dirty="0" err="1">
+                <a:solidFill>
+                  <a:srgbClr val="000000"/>
+                </a:solidFill>
+                <a:highlight>
+                  <a:srgbClr val="FFFFFF"/>
+                </a:highlight>
+                <a:latin typeface="Consolas" panose="020B0609020204030204" pitchFamily="49" charset="0"/>
+              </a:rPr>
+              <a:t>.FromSeconds</a:t>
+            </a:r>
+            <a:r>
+              <a:rPr lang="en-US" sz="2800" dirty="0">
+                <a:solidFill>
+                  <a:srgbClr val="000000"/>
+                </a:solidFill>
+                <a:highlight>
+                  <a:srgbClr val="FFFFFF"/>
+                </a:highlight>
+                <a:latin typeface="Consolas" panose="020B0609020204030204" pitchFamily="49" charset="0"/>
+              </a:rPr>
+              <a:t>(1))</a:t>
+            </a:r>
+            <a:br>
+              <a:rPr lang="en-US" sz="2800" dirty="0">
+                <a:solidFill>
+                  <a:srgbClr val="000000"/>
+                </a:solidFill>
+                <a:highlight>
+                  <a:srgbClr val="FFFFFF"/>
+                </a:highlight>
+                <a:latin typeface="Consolas" panose="020B0609020204030204" pitchFamily="49" charset="0"/>
+              </a:rPr>
+            </a:br>
+            <a:r>
+              <a:rPr lang="en-US" sz="2800" dirty="0">
+                <a:solidFill>
+                  <a:srgbClr val="000000"/>
+                </a:solidFill>
+                <a:highlight>
+                  <a:srgbClr val="FFFFFF"/>
+                </a:highlight>
+                <a:latin typeface="Consolas" panose="020B0609020204030204" pitchFamily="49" charset="0"/>
+              </a:rPr>
+              <a:t>    .</a:t>
+            </a:r>
+            <a:r>
+              <a:rPr lang="en-US" sz="2800" dirty="0" err="1">
+                <a:solidFill>
+                  <a:srgbClr val="000000"/>
+                </a:solidFill>
+                <a:highlight>
+                  <a:srgbClr val="FFFFFF"/>
+                </a:highlight>
+                <a:latin typeface="Consolas" panose="020B0609020204030204" pitchFamily="49" charset="0"/>
+              </a:rPr>
+              <a:t>UntilKeyPressed</a:t>
+            </a:r>
+            <a:r>
+              <a:rPr lang="en-US" sz="2800" dirty="0">
+                <a:solidFill>
+                  <a:srgbClr val="000000"/>
+                </a:solidFill>
+                <a:highlight>
+                  <a:srgbClr val="FFFFFF"/>
+                </a:highlight>
+                <a:latin typeface="Consolas" panose="020B0609020204030204" pitchFamily="49" charset="0"/>
+              </a:rPr>
+              <a:t>(s =&gt;  </a:t>
+            </a:r>
+            <a:r>
+              <a:rPr lang="en-US" sz="2800" dirty="0">
+                <a:solidFill>
+                  <a:schemeClr val="accent6">
+                    <a:lumMod val="75000"/>
+                  </a:schemeClr>
+                </a:solidFill>
+                <a:highlight>
+                  <a:srgbClr val="FFFFFF"/>
+                </a:highlight>
+                <a:latin typeface="Consolas" panose="020B0609020204030204" pitchFamily="49" charset="0"/>
+              </a:rPr>
+              <a:t>// Spectacle s</a:t>
+            </a:r>
+            <a:r>
+              <a:rPr lang="ru-RU" sz="2800" dirty="0">
+                <a:solidFill>
+                  <a:srgbClr val="000000"/>
+                </a:solidFill>
+                <a:highlight>
+                  <a:srgbClr val="FFFFFF"/>
+                </a:highlight>
+                <a:latin typeface="Consolas" panose="020B0609020204030204" pitchFamily="49" charset="0"/>
+              </a:rPr>
+              <a:t/>
+            </a:r>
+            <a:br>
+              <a:rPr lang="ru-RU" sz="2800" dirty="0">
+                <a:solidFill>
+                  <a:srgbClr val="000000"/>
+                </a:solidFill>
+                <a:highlight>
+                  <a:srgbClr val="FFFFFF"/>
+                </a:highlight>
+                <a:latin typeface="Consolas" panose="020B0609020204030204" pitchFamily="49" charset="0"/>
+              </a:rPr>
+            </a:br>
+            <a:r>
+              <a:rPr lang="ru-RU" sz="2800" dirty="0">
+                <a:solidFill>
+                  <a:srgbClr val="000000"/>
+                </a:solidFill>
+                <a:highlight>
+                  <a:srgbClr val="FFFFFF"/>
+                </a:highlight>
+                <a:latin typeface="Consolas" panose="020B0609020204030204" pitchFamily="49" charset="0"/>
+              </a:rPr>
+              <a:t>	</a:t>
+            </a:r>
+            <a:r>
+              <a:rPr lang="en-US" sz="2800" dirty="0" smtClean="0">
+                <a:solidFill>
+                  <a:srgbClr val="000000"/>
+                </a:solidFill>
+                <a:highlight>
+                  <a:srgbClr val="FFFFFF"/>
+                </a:highlight>
+                <a:latin typeface="Consolas" panose="020B0609020204030204" pitchFamily="49" charset="0"/>
+              </a:rPr>
+              <a:t>   </a:t>
+            </a:r>
+            <a:r>
+              <a:rPr lang="en-US" sz="2800" dirty="0" err="1" smtClean="0">
+                <a:solidFill>
+                  <a:srgbClr val="000000"/>
+                </a:solidFill>
+                <a:highlight>
+                  <a:srgbClr val="FFFFFF"/>
+                </a:highlight>
+                <a:latin typeface="Consolas" panose="020B0609020204030204" pitchFamily="49" charset="0"/>
+              </a:rPr>
+              <a:t>s.Say</a:t>
+            </a:r>
+            <a:r>
+              <a:rPr lang="en-US" sz="2800" dirty="0">
+                <a:solidFill>
+                  <a:srgbClr val="000000"/>
+                </a:solidFill>
+                <a:highlight>
+                  <a:srgbClr val="FFFFFF"/>
+                </a:highlight>
+                <a:latin typeface="Consolas" panose="020B0609020204030204" pitchFamily="49" charset="0"/>
+              </a:rPr>
+              <a:t>(</a:t>
+            </a:r>
+            <a:r>
+              <a:rPr lang="ru-RU" sz="2800" dirty="0">
+                <a:solidFill>
+                  <a:srgbClr val="A31515"/>
+                </a:solidFill>
+                <a:highlight>
+                  <a:srgbClr val="FFFFFF"/>
+                </a:highlight>
+                <a:latin typeface="Consolas" panose="020B0609020204030204" pitchFamily="49" charset="0"/>
+              </a:rPr>
+              <a:t>"</a:t>
+            </a:r>
+            <a:r>
+              <a:rPr lang="ru-RU" sz="2800" dirty="0" err="1">
+                <a:solidFill>
+                  <a:srgbClr val="A31515"/>
+                </a:solidFill>
+                <a:highlight>
+                  <a:srgbClr val="FFFFFF"/>
+                </a:highlight>
+                <a:latin typeface="Consolas" panose="020B0609020204030204" pitchFamily="49" charset="0"/>
+              </a:rPr>
+              <a:t>Тра</a:t>
+            </a:r>
+            <a:r>
+              <a:rPr lang="ru-RU" sz="2800" dirty="0">
+                <a:solidFill>
+                  <a:srgbClr val="A31515"/>
+                </a:solidFill>
+                <a:highlight>
+                  <a:srgbClr val="FFFFFF"/>
+                </a:highlight>
+                <a:latin typeface="Consolas" panose="020B0609020204030204" pitchFamily="49" charset="0"/>
+              </a:rPr>
+              <a:t>-ля-ля"</a:t>
+            </a:r>
+            <a:r>
+              <a:rPr lang="ru-RU" sz="2800" dirty="0">
+                <a:solidFill>
+                  <a:srgbClr val="000000"/>
+                </a:solidFill>
+                <a:highlight>
+                  <a:srgbClr val="FFFFFF"/>
+                </a:highlight>
+                <a:latin typeface="Consolas" panose="020B0609020204030204" pitchFamily="49" charset="0"/>
+              </a:rPr>
+              <a:t>)</a:t>
+            </a:r>
+            <a:endParaRPr lang="ru-RU" sz="2800" dirty="0">
+              <a:solidFill>
+                <a:srgbClr val="A31515"/>
+              </a:solidFill>
+              <a:highlight>
+                <a:srgbClr val="FFFFFF"/>
+              </a:highlight>
+              <a:latin typeface="Consolas" panose="020B0609020204030204" pitchFamily="49" charset="0"/>
+            </a:endParaRPr>
+          </a:p>
+          <a:p>
+            <a:r>
+              <a:rPr lang="en-US" sz="2800" dirty="0" smtClean="0">
+                <a:solidFill>
+                  <a:srgbClr val="000000"/>
+                </a:solidFill>
+                <a:highlight>
+                  <a:srgbClr val="FFFFFF"/>
+                </a:highlight>
+                <a:latin typeface="Consolas" panose="020B0609020204030204" pitchFamily="49" charset="0"/>
+              </a:rPr>
+              <a:t>  </a:t>
+            </a:r>
+            <a:r>
+              <a:rPr lang="en-US" sz="2800" dirty="0">
+                <a:solidFill>
+                  <a:srgbClr val="000000"/>
+                </a:solidFill>
+                <a:highlight>
+                  <a:srgbClr val="FFFFFF"/>
+                </a:highlight>
+                <a:latin typeface="Consolas" panose="020B0609020204030204" pitchFamily="49" charset="0"/>
+              </a:rPr>
+              <a:t> </a:t>
+            </a:r>
+            <a:r>
+              <a:rPr lang="en-US" sz="2800" dirty="0" smtClean="0">
+                <a:solidFill>
+                  <a:srgbClr val="000000"/>
+                </a:solidFill>
+                <a:highlight>
+                  <a:srgbClr val="FFFFFF"/>
+                </a:highlight>
+                <a:latin typeface="Consolas" panose="020B0609020204030204" pitchFamily="49" charset="0"/>
+              </a:rPr>
+              <a:t>      .</a:t>
+            </a:r>
+            <a:r>
+              <a:rPr lang="en-US" sz="2800" dirty="0">
+                <a:solidFill>
+                  <a:srgbClr val="000000"/>
+                </a:solidFill>
+                <a:highlight>
+                  <a:srgbClr val="FFFFFF"/>
+                </a:highlight>
+                <a:latin typeface="Consolas" panose="020B0609020204030204" pitchFamily="49" charset="0"/>
+              </a:rPr>
+              <a:t>Say(</a:t>
+            </a:r>
+            <a:r>
+              <a:rPr lang="ru-RU" sz="2800" dirty="0">
+                <a:solidFill>
+                  <a:srgbClr val="A31515"/>
+                </a:solidFill>
+                <a:highlight>
+                  <a:srgbClr val="FFFFFF"/>
+                </a:highlight>
+                <a:latin typeface="Consolas" panose="020B0609020204030204" pitchFamily="49" charset="0"/>
+              </a:rPr>
+              <a:t>"Тру-</a:t>
+            </a:r>
+            <a:r>
+              <a:rPr lang="ru-RU" sz="2800" dirty="0" err="1">
+                <a:solidFill>
+                  <a:srgbClr val="A31515"/>
+                </a:solidFill>
+                <a:highlight>
+                  <a:srgbClr val="FFFFFF"/>
+                </a:highlight>
+                <a:latin typeface="Consolas" panose="020B0609020204030204" pitchFamily="49" charset="0"/>
+              </a:rPr>
+              <a:t>лю</a:t>
+            </a:r>
+            <a:r>
+              <a:rPr lang="ru-RU" sz="2800" dirty="0">
+                <a:solidFill>
+                  <a:srgbClr val="A31515"/>
+                </a:solidFill>
+                <a:highlight>
+                  <a:srgbClr val="FFFFFF"/>
+                </a:highlight>
+                <a:latin typeface="Consolas" panose="020B0609020204030204" pitchFamily="49" charset="0"/>
+              </a:rPr>
+              <a:t>-</a:t>
+            </a:r>
+            <a:r>
+              <a:rPr lang="ru-RU" sz="2800" dirty="0" err="1">
+                <a:solidFill>
+                  <a:srgbClr val="A31515"/>
+                </a:solidFill>
+                <a:highlight>
+                  <a:srgbClr val="FFFFFF"/>
+                </a:highlight>
+                <a:latin typeface="Consolas" panose="020B0609020204030204" pitchFamily="49" charset="0"/>
+              </a:rPr>
+              <a:t>лю</a:t>
+            </a:r>
+            <a:r>
+              <a:rPr lang="ru-RU" sz="2800" dirty="0">
+                <a:solidFill>
+                  <a:srgbClr val="A31515"/>
+                </a:solidFill>
+                <a:highlight>
+                  <a:srgbClr val="FFFFFF"/>
+                </a:highlight>
+                <a:latin typeface="Consolas" panose="020B0609020204030204" pitchFamily="49" charset="0"/>
+              </a:rPr>
+              <a:t>"</a:t>
+            </a:r>
+            <a:r>
+              <a:rPr lang="ru-RU" sz="2800" dirty="0">
+                <a:solidFill>
+                  <a:srgbClr val="000000"/>
+                </a:solidFill>
+                <a:highlight>
+                  <a:srgbClr val="FFFFFF"/>
+                </a:highlight>
+                <a:latin typeface="Consolas" panose="020B0609020204030204" pitchFamily="49" charset="0"/>
+              </a:rPr>
+              <a:t>)</a:t>
+            </a:r>
+            <a:endParaRPr lang="ru-RU" sz="2800" dirty="0">
+              <a:solidFill>
+                <a:srgbClr val="A31515"/>
+              </a:solidFill>
+              <a:highlight>
+                <a:srgbClr val="FFFFFF"/>
+              </a:highlight>
+              <a:latin typeface="Consolas" panose="020B0609020204030204" pitchFamily="49" charset="0"/>
+            </a:endParaRPr>
+          </a:p>
+          <a:p>
+            <a:r>
+              <a:rPr lang="ru-RU" sz="2800" dirty="0">
+                <a:solidFill>
+                  <a:srgbClr val="000000"/>
+                </a:solidFill>
+                <a:highlight>
+                  <a:srgbClr val="FFFFFF"/>
+                </a:highlight>
+                <a:latin typeface="Consolas" panose="020B0609020204030204" pitchFamily="49" charset="0"/>
+              </a:rPr>
+              <a:t> 	</a:t>
+            </a:r>
+            <a:r>
+              <a:rPr lang="en-US" sz="2800" dirty="0" smtClean="0">
+                <a:solidFill>
+                  <a:srgbClr val="000000"/>
+                </a:solidFill>
+                <a:highlight>
+                  <a:srgbClr val="FFFFFF"/>
+                </a:highlight>
+                <a:latin typeface="Consolas" panose="020B0609020204030204" pitchFamily="49" charset="0"/>
+              </a:rPr>
+              <a:t>    .</a:t>
+            </a:r>
+            <a:r>
+              <a:rPr lang="en-US" sz="2800" dirty="0">
+                <a:solidFill>
+                  <a:srgbClr val="000000"/>
+                </a:solidFill>
+                <a:highlight>
+                  <a:srgbClr val="FFFFFF"/>
+                </a:highlight>
+                <a:latin typeface="Consolas" panose="020B0609020204030204" pitchFamily="49" charset="0"/>
+              </a:rPr>
+              <a:t>Delay(</a:t>
+            </a:r>
+            <a:r>
+              <a:rPr lang="en-US" sz="2800" dirty="0" err="1">
+                <a:solidFill>
+                  <a:srgbClr val="2B91AF"/>
+                </a:solidFill>
+                <a:highlight>
+                  <a:srgbClr val="FFFFFF"/>
+                </a:highlight>
+                <a:latin typeface="Consolas" panose="020B0609020204030204" pitchFamily="49" charset="0"/>
+              </a:rPr>
+              <a:t>TimeSpan</a:t>
+            </a:r>
+            <a:r>
+              <a:rPr lang="en-US" sz="2800" dirty="0" err="1">
+                <a:solidFill>
+                  <a:srgbClr val="000000"/>
+                </a:solidFill>
+                <a:highlight>
+                  <a:srgbClr val="FFFFFF"/>
+                </a:highlight>
+                <a:latin typeface="Consolas" panose="020B0609020204030204" pitchFamily="49" charset="0"/>
+              </a:rPr>
+              <a:t>.FromSeconds</a:t>
+            </a:r>
+            <a:r>
+              <a:rPr lang="en-US" sz="2800" dirty="0">
+                <a:solidFill>
+                  <a:srgbClr val="000000"/>
+                </a:solidFill>
+                <a:highlight>
+                  <a:srgbClr val="FFFFFF"/>
+                </a:highlight>
+                <a:latin typeface="Consolas" panose="020B0609020204030204" pitchFamily="49" charset="0"/>
+              </a:rPr>
+              <a:t>(1))</a:t>
+            </a:r>
+            <a:br>
+              <a:rPr lang="en-US" sz="2800" dirty="0">
+                <a:solidFill>
+                  <a:srgbClr val="000000"/>
+                </a:solidFill>
+                <a:highlight>
+                  <a:srgbClr val="FFFFFF"/>
+                </a:highlight>
+                <a:latin typeface="Consolas" panose="020B0609020204030204" pitchFamily="49" charset="0"/>
+              </a:rPr>
+            </a:br>
+            <a:r>
+              <a:rPr lang="ru-RU" sz="2800" dirty="0">
+                <a:solidFill>
+                  <a:srgbClr val="000000"/>
+                </a:solidFill>
+                <a:highlight>
+                  <a:srgbClr val="FFFFFF"/>
+                </a:highlight>
+                <a:latin typeface="Consolas" panose="020B0609020204030204" pitchFamily="49" charset="0"/>
+              </a:rPr>
+              <a:t>    </a:t>
+            </a:r>
+            <a:r>
+              <a:rPr lang="en-US" sz="2800" dirty="0">
+                <a:solidFill>
+                  <a:srgbClr val="000000"/>
+                </a:solidFill>
+                <a:highlight>
+                  <a:srgbClr val="FFFFFF"/>
+                </a:highlight>
+                <a:latin typeface="Consolas" panose="020B0609020204030204" pitchFamily="49" charset="0"/>
+              </a:rPr>
+              <a:t>)</a:t>
+            </a:r>
+          </a:p>
+          <a:p>
+            <a:r>
+              <a:rPr lang="en-US" sz="2800" dirty="0">
+                <a:solidFill>
+                  <a:srgbClr val="000000"/>
+                </a:solidFill>
+                <a:highlight>
+                  <a:srgbClr val="FFFFFF"/>
+                </a:highlight>
+                <a:latin typeface="Consolas" panose="020B0609020204030204" pitchFamily="49" charset="0"/>
+              </a:rPr>
+              <a:t>    .Say(</a:t>
+            </a:r>
+            <a:r>
+              <a:rPr lang="ru-RU" sz="2800" dirty="0">
+                <a:solidFill>
+                  <a:srgbClr val="A31515"/>
+                </a:solidFill>
+                <a:highlight>
+                  <a:srgbClr val="FFFFFF"/>
+                </a:highlight>
+                <a:latin typeface="Consolas" panose="020B0609020204030204" pitchFamily="49" charset="0"/>
+              </a:rPr>
+              <a:t>"Пока-пока!"</a:t>
+            </a:r>
+            <a:r>
+              <a:rPr lang="ru-RU" sz="2800" dirty="0">
+                <a:solidFill>
+                  <a:srgbClr val="000000"/>
+                </a:solidFill>
+                <a:highlight>
+                  <a:srgbClr val="FFFFFF"/>
+                </a:highlight>
+                <a:latin typeface="Consolas" panose="020B0609020204030204" pitchFamily="49" charset="0"/>
+              </a:rPr>
+              <a:t>)</a:t>
+            </a:r>
+          </a:p>
+          <a:p>
+            <a:r>
+              <a:rPr lang="en-US" sz="2800" dirty="0">
+                <a:solidFill>
+                  <a:srgbClr val="000000"/>
+                </a:solidFill>
+                <a:highlight>
+                  <a:srgbClr val="FFFFFF"/>
+                </a:highlight>
+                <a:latin typeface="Consolas" panose="020B0609020204030204" pitchFamily="49" charset="0"/>
+              </a:rPr>
+              <a:t> </a:t>
+            </a:r>
+            <a:r>
+              <a:rPr lang="ru-RU" sz="2800" dirty="0">
+                <a:solidFill>
+                  <a:srgbClr val="000000"/>
+                </a:solidFill>
+                <a:highlight>
+                  <a:srgbClr val="FFFFFF"/>
+                </a:highlight>
+                <a:latin typeface="Consolas" panose="020B0609020204030204" pitchFamily="49" charset="0"/>
+              </a:rPr>
+              <a:t>   </a:t>
+            </a:r>
+            <a:r>
+              <a:rPr lang="en-US" sz="2800" dirty="0">
+                <a:solidFill>
+                  <a:srgbClr val="000000"/>
+                </a:solidFill>
+                <a:highlight>
+                  <a:srgbClr val="FFFFFF"/>
+                </a:highlight>
+                <a:latin typeface="Consolas" panose="020B0609020204030204" pitchFamily="49" charset="0"/>
+              </a:rPr>
+              <a:t>.Say(</a:t>
+            </a:r>
+            <a:r>
+              <a:rPr lang="ru-RU" sz="2800" dirty="0">
+                <a:solidFill>
+                  <a:srgbClr val="A31515"/>
+                </a:solidFill>
+                <a:highlight>
+                  <a:srgbClr val="FFFFFF"/>
+                </a:highlight>
+                <a:latin typeface="Consolas" panose="020B0609020204030204" pitchFamily="49" charset="0"/>
+              </a:rPr>
+              <a:t>"До встречи!"</a:t>
+            </a:r>
+            <a:r>
+              <a:rPr lang="ru-RU" sz="2800" dirty="0">
+                <a:solidFill>
+                  <a:srgbClr val="000000"/>
+                </a:solidFill>
+                <a:highlight>
+                  <a:srgbClr val="FFFFFF"/>
+                </a:highlight>
+                <a:latin typeface="Consolas" panose="020B0609020204030204" pitchFamily="49" charset="0"/>
+              </a:rPr>
+              <a:t>)</a:t>
+            </a:r>
+            <a:r>
+              <a:rPr lang="en-US" sz="2800" dirty="0">
+                <a:solidFill>
+                  <a:srgbClr val="000000"/>
+                </a:solidFill>
+                <a:highlight>
+                  <a:srgbClr val="FFFFFF"/>
+                </a:highlight>
+                <a:latin typeface="Consolas" panose="020B0609020204030204" pitchFamily="49" charset="0"/>
+              </a:rPr>
+              <a:t>;</a:t>
+            </a:r>
+            <a:endParaRPr lang="ru-RU" sz="2800" dirty="0">
+              <a:solidFill>
+                <a:srgbClr val="000000"/>
+              </a:solidFill>
+              <a:highlight>
+                <a:srgbClr val="FFFFFF"/>
+              </a:highlight>
+              <a:latin typeface="Consolas" panose="020B0609020204030204" pitchFamily="49" charset="0"/>
+            </a:endParaRPr>
+          </a:p>
+        </p:txBody>
+      </p:sp>
+    </p:spTree>
+    <p:extLst>
+      <p:ext uri="{BB962C8B-B14F-4D97-AF65-F5344CB8AC3E}">
+        <p14:creationId xmlns:p14="http://schemas.microsoft.com/office/powerpoint/2010/main" val="60822928"/>
+      </p:ext>
+    </p:extLst>
+  </p:cSld>
+  <p:clrMapOvr>
+    <a:masterClrMapping/>
+  </p:clrMapOvr>
+  <p:timing>
+    <p:tnLst>
+      <p:par>
+        <p:cTn id="1" dur="indefinite" restart="never" nodeType="tmRoot"/>
+      </p:par>
+    </p:tnLst>
+  </p:timing>
+</p:sld>
+</file>
+
+<file path=ppt/slides/slide24.xml><?xml version="1.0" encoding="utf-8"?>
+<p:sld xmlns:a="http://schemas.openxmlformats.org/drawingml/2006/main" xmlns:r="http://schemas.openxmlformats.org/officeDocument/2006/relationships" xmlns:p="http://schemas.openxmlformats.org/presentationml/2006/main">
+  <p:cSld>
+    <p:spTree>
+      <p:nvGrpSpPr>
+        <p:cNvPr id="1" name=""/>
+        <p:cNvGrpSpPr/>
+        <p:nvPr/>
+      </p:nvGrpSpPr>
+      <p:grpSpPr>
+        <a:xfrm>
+          <a:off x="0" y="0"/>
+          <a:ext cx="0" cy="0"/>
+          <a:chOff x="0" y="0"/>
+          <a:chExt cx="0" cy="0"/>
+        </a:xfrm>
+      </p:grpSpPr>
+      <p:sp>
+        <p:nvSpPr>
+          <p:cNvPr id="2" name="Заголовок 1"/>
+          <p:cNvSpPr>
+            <a:spLocks noGrp="1"/>
+          </p:cNvSpPr>
+          <p:nvPr>
+            <p:ph type="title"/>
+          </p:nvPr>
+        </p:nvSpPr>
+        <p:spPr/>
+        <p:txBody>
+          <a:bodyPr/>
+          <a:lstStyle/>
+          <a:p>
+            <a:r>
+              <a:rPr lang="ru-RU" dirty="0" smtClean="0"/>
               <a:t>Контексты</a:t>
             </a:r>
             <a:endParaRPr lang="ru-RU" dirty="0"/>
@@ -10794,7 +11993,19 @@
                 </a:highlight>
                 <a:latin typeface="Consolas" panose="020B0609020204030204" pitchFamily="49" charset="0"/>
               </a:rPr>
-              <a:t>  .</a:t>
+              <a:t>  </a:t>
+            </a:r>
+            <a:r>
+              <a:rPr lang="en-US" sz="2400" dirty="0" smtClean="0">
+                <a:solidFill>
+                  <a:srgbClr val="000000"/>
+                </a:solidFill>
+                <a:highlight>
+                  <a:srgbClr val="FFFFFF"/>
+                </a:highlight>
+                <a:latin typeface="Consolas" panose="020B0609020204030204" pitchFamily="49" charset="0"/>
+              </a:rPr>
+              <a:t>	.</a:t>
             </a:r>
             <a:r>
               <a:rPr lang="en-US" sz="2400" dirty="0" err="1">
@@ -11581,613 +12792,6 @@
 </p:sld>
 </file>
 
-<file path=ppt/slides/slide23.xml><?xml version="1.0" encoding="utf-8"?>
-<p:sld xmlns:a="http://schemas.openxmlformats.org/drawingml/2006/main" xmlns:r="http://schemas.openxmlformats.org/officeDocument/2006/relationships" xmlns:p="http://schemas.openxmlformats.org/presentationml/2006/main">
-  <p:cSld>
-    <p:spTree>
-      <p:nvGrpSpPr>
-        <p:cNvPr id="1" name=""/>
-        <p:cNvGrpSpPr/>
-        <p:nvPr/>
-      </p:nvGrpSpPr>
-      <p:grpSpPr>
-        <a:xfrm>
-          <a:off x="0" y="0"/>
-          <a:ext cx="0" cy="0"/>
-          <a:chOff x="0" y="0"/>
-          <a:chExt cx="0" cy="0"/>
-        </a:xfrm>
-      </p:grpSpPr>
-      <p:sp>
-        <p:nvSpPr>
-          <p:cNvPr id="2" name="Заголовок 1"/>
-          <p:cNvSpPr>
-            <a:spLocks noGrp="1"/>
-          </p:cNvSpPr>
-          <p:nvPr>
-            <p:ph type="title"/>
-          </p:nvPr>
-        </p:nvSpPr>
-        <p:spPr/>
-        <p:txBody>
-          <a:bodyPr/>
-          <a:lstStyle/>
-          <a:p>
-            <a:r>
-              <a:rPr lang="en-US" dirty="0" smtClean="0"/>
-              <a:t>Expression&lt;</a:t>
-            </a:r>
-            <a:r>
-              <a:rPr lang="en-US" dirty="0" err="1" smtClean="0"/>
-              <a:t>Func</a:t>
-            </a:r>
-            <a:r>
-              <a:rPr lang="en-US" dirty="0" smtClean="0"/>
-              <a:t>&lt;...&gt;&gt;</a:t>
-            </a:r>
-            <a:endParaRPr lang="ru-RU" dirty="0"/>
-          </a:p>
-        </p:txBody>
-      </p:sp>
-      <p:sp>
-        <p:nvSpPr>
-          <p:cNvPr id="3" name="Объект 2"/>
-          <p:cNvSpPr>
-            <a:spLocks noGrp="1"/>
-          </p:cNvSpPr>
-          <p:nvPr>
-            <p:ph idx="1"/>
-          </p:nvPr>
-        </p:nvSpPr>
-        <p:spPr/>
-        <p:txBody>
-          <a:bodyPr/>
-          <a:lstStyle/>
-          <a:p>
-            <a:pPr marL="0" indent="0">
-              <a:buNone/>
-            </a:pPr>
-            <a:r>
-              <a:rPr lang="en-US" dirty="0" err="1" smtClean="0">
-                <a:latin typeface="Consolas" panose="020B0609020204030204" pitchFamily="49" charset="0"/>
-              </a:rPr>
-              <a:t>A.CallTo</a:t>
-            </a:r>
-            <a:r>
-              <a:rPr lang="en-US" dirty="0" smtClean="0">
-                <a:latin typeface="Consolas" panose="020B0609020204030204" pitchFamily="49" charset="0"/>
-              </a:rPr>
-              <a:t>(() =&gt; </a:t>
-            </a:r>
-            <a:r>
-              <a:rPr lang="en-US" dirty="0" err="1" smtClean="0">
-                <a:latin typeface="Consolas" panose="020B0609020204030204" pitchFamily="49" charset="0"/>
-              </a:rPr>
-              <a:t>p.Method</a:t>
-            </a:r>
-            <a:r>
-              <a:rPr lang="en-US" dirty="0" smtClean="0">
-                <a:latin typeface="Consolas" panose="020B0609020204030204" pitchFamily="49" charset="0"/>
-              </a:rPr>
-              <a:t>()).Returns(42);</a:t>
-            </a:r>
-          </a:p>
-          <a:p>
-            <a:pPr marL="0" indent="0">
-              <a:buNone/>
-            </a:pPr>
-            <a:endParaRPr lang="en-US" dirty="0" smtClean="0">
-              <a:latin typeface="Consolas" panose="020B0609020204030204" pitchFamily="49" charset="0"/>
-            </a:endParaRPr>
-          </a:p>
-          <a:p>
-            <a:pPr marL="0" indent="0">
-              <a:buNone/>
-            </a:pPr>
-            <a:r>
-              <a:rPr lang="en-US" dirty="0" err="1" smtClean="0">
-                <a:latin typeface="Consolas" panose="020B0609020204030204" pitchFamily="49" charset="0"/>
-              </a:rPr>
-              <a:t>CallContext</a:t>
-            </a:r>
-            <a:r>
-              <a:rPr lang="en-US" dirty="0" smtClean="0">
-                <a:latin typeface="Consolas" panose="020B0609020204030204" pitchFamily="49" charset="0"/>
-              </a:rPr>
-              <a:t>&lt;T&gt; </a:t>
-            </a:r>
-            <a:r>
-              <a:rPr lang="en-US" dirty="0" err="1" smtClean="0">
-                <a:latin typeface="Consolas" panose="020B0609020204030204" pitchFamily="49" charset="0"/>
-              </a:rPr>
-              <a:t>CallTo</a:t>
-            </a:r>
-            <a:r>
-              <a:rPr lang="en-US" dirty="0" smtClean="0">
-                <a:latin typeface="Consolas" panose="020B0609020204030204" pitchFamily="49" charset="0"/>
-              </a:rPr>
-              <a:t>&lt;T&gt;(Expression&lt;</a:t>
-            </a:r>
-            <a:r>
-              <a:rPr lang="en-US" dirty="0" err="1" smtClean="0">
-                <a:latin typeface="Consolas" panose="020B0609020204030204" pitchFamily="49" charset="0"/>
-              </a:rPr>
-              <a:t>Func</a:t>
-            </a:r>
-            <a:r>
-              <a:rPr lang="en-US" dirty="0" smtClean="0">
-                <a:latin typeface="Consolas" panose="020B0609020204030204" pitchFamily="49" charset="0"/>
-              </a:rPr>
-              <a:t>&lt;T&gt;&gt; e)</a:t>
-            </a:r>
-          </a:p>
-          <a:p>
-            <a:pPr marL="0" indent="0">
-              <a:buNone/>
-            </a:pPr>
-            <a:r>
-              <a:rPr lang="en-US" dirty="0" smtClean="0">
-                <a:latin typeface="Consolas" panose="020B0609020204030204" pitchFamily="49" charset="0"/>
-              </a:rPr>
-              <a:t>{</a:t>
-            </a:r>
-          </a:p>
-          <a:p>
-            <a:pPr marL="0" indent="0">
-              <a:buNone/>
-            </a:pPr>
-            <a:r>
-              <a:rPr lang="en-US" dirty="0" smtClean="0">
-                <a:solidFill>
-                  <a:srgbClr val="0000FF"/>
-                </a:solidFill>
-                <a:highlight>
-                  <a:srgbClr val="FFFFFF"/>
-                </a:highlight>
-                <a:latin typeface="Consolas" panose="020B0609020204030204" pitchFamily="49" charset="0"/>
-              </a:rPr>
-              <a:t>	</a:t>
-            </a:r>
-            <a:r>
-              <a:rPr lang="en-US" dirty="0" err="1" smtClean="0">
-                <a:solidFill>
-                  <a:srgbClr val="0000FF"/>
-                </a:solidFill>
-                <a:highlight>
-                  <a:srgbClr val="FFFFFF"/>
-                </a:highlight>
-                <a:latin typeface="Consolas" panose="020B0609020204030204" pitchFamily="49" charset="0"/>
-              </a:rPr>
-              <a:t>var</a:t>
-            </a:r>
-            <a:r>
-              <a:rPr lang="en-US" dirty="0" smtClean="0">
-                <a:solidFill>
-                  <a:srgbClr val="000000"/>
-                </a:solidFill>
-                <a:highlight>
-                  <a:srgbClr val="FFFFFF"/>
-                </a:highlight>
-                <a:latin typeface="Consolas" panose="020B0609020204030204" pitchFamily="49" charset="0"/>
-              </a:rPr>
-              <a:t> </a:t>
-            </a:r>
-            <a:r>
-              <a:rPr lang="en-US" dirty="0" err="1" smtClean="0">
-                <a:solidFill>
-                  <a:srgbClr val="000000"/>
-                </a:solidFill>
-                <a:highlight>
-                  <a:srgbClr val="FFFFFF"/>
-                </a:highlight>
-                <a:latin typeface="Consolas" panose="020B0609020204030204" pitchFamily="49" charset="0"/>
-              </a:rPr>
-              <a:t>propInfo</a:t>
-            </a:r>
-            <a:r>
-              <a:rPr lang="en-US" dirty="0" smtClean="0">
-                <a:solidFill>
-                  <a:srgbClr val="000000"/>
-                </a:solidFill>
-                <a:highlight>
-                  <a:srgbClr val="FFFFFF"/>
-                </a:highlight>
-                <a:latin typeface="Consolas" panose="020B0609020204030204" pitchFamily="49" charset="0"/>
-              </a:rPr>
-              <a:t> = 			</a:t>
-            </a:r>
-          </a:p>
-          <a:p>
-            <a:pPr marL="0" indent="0">
-              <a:buNone/>
-            </a:pPr>
-            <a:r>
-              <a:rPr lang="en-US" dirty="0">
-                <a:solidFill>
-                  <a:srgbClr val="000000"/>
-                </a:solidFill>
-                <a:highlight>
-                  <a:srgbClr val="FFFFFF"/>
-                </a:highlight>
-                <a:latin typeface="Consolas" panose="020B0609020204030204" pitchFamily="49" charset="0"/>
-              </a:rPr>
-              <a:t>	</a:t>
-            </a:r>
-            <a:r>
-              <a:rPr lang="en-US" dirty="0" smtClean="0">
-                <a:solidFill>
-                  <a:srgbClr val="000000"/>
-                </a:solidFill>
-                <a:highlight>
-                  <a:srgbClr val="FFFFFF"/>
-                </a:highlight>
-                <a:latin typeface="Consolas" panose="020B0609020204030204" pitchFamily="49" charset="0"/>
-              </a:rPr>
-              <a:t>	((</a:t>
-            </a:r>
-            <a:r>
-              <a:rPr lang="en-US" dirty="0" err="1" smtClean="0">
-                <a:solidFill>
-                  <a:srgbClr val="2B91AF"/>
-                </a:solidFill>
-                <a:highlight>
-                  <a:srgbClr val="FFFFFF"/>
-                </a:highlight>
-                <a:latin typeface="Consolas" panose="020B0609020204030204" pitchFamily="49" charset="0"/>
-              </a:rPr>
-              <a:t>MemberExpression</a:t>
-            </a:r>
-            <a:r>
-              <a:rPr lang="en-US" dirty="0" smtClean="0">
-                <a:solidFill>
-                  <a:srgbClr val="000000"/>
-                </a:solidFill>
-                <a:highlight>
-                  <a:srgbClr val="FFFFFF"/>
-                </a:highlight>
-                <a:latin typeface="Consolas" panose="020B0609020204030204" pitchFamily="49" charset="0"/>
-              </a:rPr>
-              <a:t>)</a:t>
-            </a:r>
-            <a:r>
-              <a:rPr lang="en-US" dirty="0" err="1" smtClean="0">
-                <a:solidFill>
-                  <a:srgbClr val="000000"/>
-                </a:solidFill>
-                <a:highlight>
-                  <a:srgbClr val="FFFFFF"/>
-                </a:highlight>
-                <a:latin typeface="Consolas" panose="020B0609020204030204" pitchFamily="49" charset="0"/>
-              </a:rPr>
-              <a:t>memberSelector.Body</a:t>
-            </a:r>
-            <a:r>
-              <a:rPr lang="en-US" dirty="0" smtClean="0">
-                <a:solidFill>
-                  <a:srgbClr val="000000"/>
-                </a:solidFill>
-                <a:highlight>
-                  <a:srgbClr val="FFFFFF"/>
-                </a:highlight>
-                <a:latin typeface="Consolas" panose="020B0609020204030204" pitchFamily="49" charset="0"/>
-              </a:rPr>
-              <a:t>)</a:t>
-            </a:r>
-            <a:br>
-              <a:rPr lang="en-US" dirty="0" smtClean="0">
-                <a:solidFill>
-                  <a:srgbClr val="000000"/>
-                </a:solidFill>
-                <a:highlight>
-                  <a:srgbClr val="FFFFFF"/>
-                </a:highlight>
-                <a:latin typeface="Consolas" panose="020B0609020204030204" pitchFamily="49" charset="0"/>
-              </a:rPr>
-            </a:br>
-            <a:r>
-              <a:rPr lang="en-US" dirty="0" smtClean="0">
-                <a:solidFill>
-                  <a:srgbClr val="000000"/>
-                </a:solidFill>
-                <a:highlight>
-                  <a:srgbClr val="FFFFFF"/>
-                </a:highlight>
-                <a:latin typeface="Consolas" panose="020B0609020204030204" pitchFamily="49" charset="0"/>
-              </a:rPr>
-              <a:t>			.</a:t>
-            </a:r>
-            <a:r>
-              <a:rPr lang="en-US" dirty="0">
-                <a:solidFill>
-                  <a:srgbClr val="000000"/>
-                </a:solidFill>
-                <a:highlight>
-                  <a:srgbClr val="FFFFFF"/>
-                </a:highlight>
-                <a:latin typeface="Consolas" panose="020B0609020204030204" pitchFamily="49" charset="0"/>
-              </a:rPr>
-              <a:t>Member </a:t>
-            </a:r>
-            <a:r>
-              <a:rPr lang="en-US" dirty="0">
-                <a:solidFill>
-                  <a:srgbClr val="0000FF"/>
-                </a:solidFill>
-                <a:highlight>
-                  <a:srgbClr val="FFFFFF"/>
-                </a:highlight>
-                <a:latin typeface="Consolas" panose="020B0609020204030204" pitchFamily="49" charset="0"/>
-              </a:rPr>
-              <a:t>as</a:t>
-            </a:r>
-            <a:r>
-              <a:rPr lang="en-US" dirty="0">
-                <a:solidFill>
-                  <a:srgbClr val="000000"/>
-                </a:solidFill>
-                <a:highlight>
-                  <a:srgbClr val="FFFFFF"/>
-                </a:highlight>
-                <a:latin typeface="Consolas" panose="020B0609020204030204" pitchFamily="49" charset="0"/>
-              </a:rPr>
-              <a:t> </a:t>
-            </a:r>
-            <a:r>
-              <a:rPr lang="en-US" dirty="0" err="1" smtClean="0">
-                <a:solidFill>
-                  <a:srgbClr val="2B91AF"/>
-                </a:solidFill>
-                <a:highlight>
-                  <a:srgbClr val="FFFFFF"/>
-                </a:highlight>
-                <a:latin typeface="Consolas" panose="020B0609020204030204" pitchFamily="49" charset="0"/>
-              </a:rPr>
-              <a:t>PropertyInfo</a:t>
-            </a:r>
-            <a:endParaRPr lang="en-US" dirty="0" smtClean="0">
-              <a:solidFill>
-                <a:srgbClr val="2B91AF"/>
-              </a:solidFill>
-              <a:highlight>
-                <a:srgbClr val="FFFFFF"/>
-              </a:highlight>
-              <a:latin typeface="Consolas" panose="020B0609020204030204" pitchFamily="49" charset="0"/>
-            </a:endParaRPr>
-          </a:p>
-          <a:p>
-            <a:pPr marL="0" indent="0">
-              <a:buNone/>
-            </a:pPr>
-            <a:r>
-              <a:rPr lang="en-US" dirty="0" smtClean="0">
-                <a:latin typeface="Consolas" panose="020B0609020204030204" pitchFamily="49" charset="0"/>
-              </a:rPr>
-              <a:t>}</a:t>
-            </a:r>
-          </a:p>
-          <a:p>
-            <a:pPr marL="0" indent="0">
-              <a:buNone/>
-            </a:pPr>
-            <a:endParaRPr lang="ru-RU" dirty="0">
-              <a:latin typeface="Consolas" panose="020B0609020204030204" pitchFamily="49" charset="0"/>
-            </a:endParaRPr>
-          </a:p>
-        </p:txBody>
-      </p:sp>
-    </p:spTree>
-    <p:extLst>
-      <p:ext uri="{BB962C8B-B14F-4D97-AF65-F5344CB8AC3E}">
-        <p14:creationId xmlns:p14="http://schemas.microsoft.com/office/powerpoint/2010/main" val="3722716228"/>
-      </p:ext>
-    </p:extLst>
-  </p:cSld>
-  <p:clrMapOvr>
-    <a:masterClrMapping/>
-  </p:clrMapOvr>
-  <p:timing>
-    <p:tnLst>
-      <p:par>
-        <p:cTn id="1" dur="indefinite" restart="never" nodeType="tmRoot"/>
-      </p:par>
-    </p:tnLst>
-  </p:timing>
-</p:sld>
-</file>
-
-<file path=ppt/slides/slide24.xml><?xml version="1.0" encoding="utf-8"?>
-<p:sld xmlns:a="http://schemas.openxmlformats.org/drawingml/2006/main" xmlns:r="http://schemas.openxmlformats.org/officeDocument/2006/relationships" xmlns:p="http://schemas.openxmlformats.org/presentationml/2006/main">
-  <p:cSld>
-    <p:spTree>
-      <p:nvGrpSpPr>
-        <p:cNvPr id="1" name=""/>
-        <p:cNvGrpSpPr/>
-        <p:nvPr/>
-      </p:nvGrpSpPr>
-      <p:grpSpPr>
-        <a:xfrm>
-          <a:off x="0" y="0"/>
-          <a:ext cx="0" cy="0"/>
-          <a:chOff x="0" y="0"/>
-          <a:chExt cx="0" cy="0"/>
-        </a:xfrm>
-      </p:grpSpPr>
-      <p:sp>
-        <p:nvSpPr>
-          <p:cNvPr id="2" name="Заголовок 1"/>
-          <p:cNvSpPr>
-            <a:spLocks noGrp="1"/>
-          </p:cNvSpPr>
-          <p:nvPr>
-            <p:ph type="title"/>
-          </p:nvPr>
-        </p:nvSpPr>
-        <p:spPr/>
-        <p:txBody>
-          <a:bodyPr/>
-          <a:lstStyle/>
-          <a:p>
-            <a:r>
-              <a:rPr lang="ru-RU" dirty="0" smtClean="0"/>
-              <a:t>Задача</a:t>
-            </a:r>
-            <a:r>
-              <a:rPr lang="en-US" dirty="0"/>
-              <a:t> </a:t>
-            </a:r>
-            <a:r>
-              <a:rPr lang="en-US" dirty="0" err="1" smtClean="0"/>
-              <a:t>ObjectPrinting</a:t>
-            </a:r>
-            <a:endParaRPr lang="ru-RU" dirty="0"/>
-          </a:p>
-        </p:txBody>
-      </p:sp>
-      <p:sp>
-        <p:nvSpPr>
-          <p:cNvPr id="3" name="Объект 2"/>
-          <p:cNvSpPr>
-            <a:spLocks noGrp="1"/>
-          </p:cNvSpPr>
-          <p:nvPr>
-            <p:ph idx="1"/>
-          </p:nvPr>
-        </p:nvSpPr>
-        <p:spPr>
-          <a:xfrm>
-            <a:off x="838199" y="1825625"/>
-            <a:ext cx="10671313" cy="4351338"/>
-          </a:xfrm>
-        </p:spPr>
-        <p:txBody>
-          <a:bodyPr>
-            <a:normAutofit fontScale="92500" lnSpcReduction="10000"/>
-          </a:bodyPr>
-          <a:lstStyle/>
-          <a:p>
-            <a:pPr marL="0" indent="0">
-              <a:buNone/>
-            </a:pPr>
-            <a:r>
-              <a:rPr lang="ru-RU" dirty="0" smtClean="0"/>
-              <a:t>Разработать библиотеку для преобразования любого объекта в строку, перечисляя значения публичных свойств и полей объекта. </a:t>
-            </a:r>
-          </a:p>
-          <a:p>
-            <a:pPr marL="0" indent="0">
-              <a:buNone/>
-            </a:pPr>
-            <a:r>
-              <a:rPr lang="ru-RU" dirty="0" smtClean="0"/>
-              <a:t>Всё должно гибко настраиваться. А именно:</a:t>
-            </a:r>
-          </a:p>
-          <a:p>
-            <a:pPr marL="514350" indent="-514350">
-              <a:buAutoNum type="arabicPeriod"/>
-            </a:pPr>
-            <a:r>
-              <a:rPr lang="ru-RU" dirty="0"/>
-              <a:t>Исключить из сериализации свойства определенного типа</a:t>
-            </a:r>
-            <a:endParaRPr lang="ru-RU" dirty="0" smtClean="0"/>
-          </a:p>
-          <a:p>
-            <a:pPr marL="514350" indent="-514350">
-              <a:buAutoNum type="arabicPeriod"/>
-            </a:pPr>
-            <a:r>
-              <a:rPr lang="ru-RU" dirty="0"/>
-              <a:t>Указать </a:t>
-            </a:r>
-            <a:r>
-              <a:rPr lang="ru-RU" dirty="0" smtClean="0"/>
-              <a:t>альтернативный </a:t>
-            </a:r>
-            <a:r>
-              <a:rPr lang="ru-RU" dirty="0"/>
-              <a:t>способ сериализации для определенного типа</a:t>
-            </a:r>
-            <a:endParaRPr lang="ru-RU" dirty="0" smtClean="0"/>
-          </a:p>
-          <a:p>
-            <a:pPr marL="514350" indent="-514350">
-              <a:buAutoNum type="arabicPeriod"/>
-            </a:pPr>
-            <a:r>
-              <a:rPr lang="ru-RU" dirty="0"/>
-              <a:t>Для числовых типов указать </a:t>
-            </a:r>
-            <a:r>
-              <a:rPr lang="ru-RU" dirty="0" smtClean="0"/>
-              <a:t>культуру</a:t>
-            </a:r>
-            <a:endParaRPr lang="ru-RU" dirty="0" smtClean="0"/>
-          </a:p>
-          <a:p>
-            <a:pPr marL="514350" indent="-514350">
-              <a:buAutoNum type="arabicPeriod"/>
-            </a:pPr>
-            <a:r>
-              <a:rPr lang="ru-RU" dirty="0" smtClean="0"/>
-              <a:t>Настроить сериализацию конкретного свойства</a:t>
-            </a:r>
-          </a:p>
-          <a:p>
-            <a:pPr marL="514350" indent="-514350">
-              <a:buFont typeface="Arial" panose="020B0604020202020204" pitchFamily="34" charset="0"/>
-              <a:buAutoNum type="arabicPeriod"/>
-            </a:pPr>
-            <a:r>
-              <a:rPr lang="ru-RU" dirty="0"/>
-              <a:t>Настроить обрезание </a:t>
-            </a:r>
-            <a:r>
-              <a:rPr lang="ru-RU" dirty="0" smtClean="0"/>
-              <a:t>значений строковых свойств</a:t>
-            </a:r>
-            <a:endParaRPr lang="ru-RU" dirty="0" smtClean="0"/>
-          </a:p>
-          <a:p>
-            <a:pPr marL="514350" indent="-514350">
-              <a:buAutoNum type="arabicPeriod"/>
-            </a:pPr>
-            <a:r>
-              <a:rPr lang="ru-RU" dirty="0" smtClean="0"/>
-              <a:t>Исключить </a:t>
-            </a:r>
-            <a:r>
-              <a:rPr lang="ru-RU" dirty="0"/>
-              <a:t>из сериализации </a:t>
-            </a:r>
-            <a:r>
-              <a:rPr lang="ru-RU" dirty="0" smtClean="0"/>
-              <a:t>конкретное свойство</a:t>
-            </a:r>
-            <a:endParaRPr lang="en-US" dirty="0" smtClean="0"/>
-          </a:p>
-        </p:txBody>
-      </p:sp>
-    </p:spTree>
-    <p:extLst>
-      <p:ext uri="{BB962C8B-B14F-4D97-AF65-F5344CB8AC3E}">
-        <p14:creationId xmlns:p14="http://schemas.microsoft.com/office/powerpoint/2010/main" val="2848900662"/>
-      </p:ext>
-    </p:extLst>
-  </p:cSld>
-  <p:clrMapOvr>
-    <a:masterClrMapping/>
-  </p:clrMapOvr>
-  <p:timing>
-    <p:tnLst>
-      <p:par>
-        <p:cTn id="1" dur="indefinite" restart="never" nodeType="tmRoot"/>
-      </p:par>
-    </p:tnLst>
-  </p:timing>
-</p:sld>
-</file>
-
 <file path=ppt/slides/slide25.xml><?xml version="1.0" encoding="utf-8"?>
 <p:sld xmlns:a="http://schemas.openxmlformats.org/drawingml/2006/main" xmlns:r="http://schemas.openxmlformats.org/officeDocument/2006/relationships" xmlns:p="http://schemas.openxmlformats.org/presentationml/2006/main">
   <p:cSld>
@@ -12221,12 +12825,16 @@
           <a:lstStyle/>
           <a:p>
             <a:r>
-              <a:rPr lang="ru-RU" dirty="0" smtClean="0"/>
-              <a:t>Разбор </a:t>
+              <a:rPr lang="en-US" dirty="0" smtClean="0"/>
+              <a:t>Expression&lt;</a:t>
             </a:r>
             <a:r>
               <a:rPr lang="en-US" dirty="0" err="1" smtClean="0"/>
-              <a:t>ObjectPrinting</a:t>
+              <a:t>Func</a:t>
+            </a:r>
+            <a:r>
+              <a:rPr lang="en-US" dirty="0" smtClean="0"/>
+              <a:t>&lt;...&gt;&gt;</a:t>
             </a:r>
             <a:endParaRPr lang="ru-RU" dirty="0"/>
           </a:p>
@@ -12247,20 +12855,354 @@
           <a:bodyPr/>
           <a:lstStyle/>
           <a:p>
-            <a:endParaRPr lang="ru-RU"/>
+            <a:pPr marL="0" indent="0">
+              <a:buNone/>
+            </a:pPr>
+            <a:r>
+              <a:rPr lang="en-US" dirty="0" err="1" smtClean="0">
+                <a:latin typeface="Consolas" panose="020B0609020204030204" pitchFamily="49" charset="0"/>
+              </a:rPr>
+              <a:t>A.CallTo</a:t>
+            </a:r>
+            <a:r>
+              <a:rPr lang="en-US" dirty="0" smtClean="0">
+                <a:latin typeface="Consolas" panose="020B0609020204030204" pitchFamily="49" charset="0"/>
+              </a:rPr>
+              <a:t>(() =&gt; </a:t>
+            </a:r>
+            <a:r>
+              <a:rPr lang="en-US" dirty="0" err="1" smtClean="0">
+                <a:latin typeface="Consolas" panose="020B0609020204030204" pitchFamily="49" charset="0"/>
+              </a:rPr>
+              <a:t>p.Method</a:t>
+            </a:r>
+            <a:r>
+              <a:rPr lang="en-US" dirty="0" smtClean="0">
+                <a:latin typeface="Consolas" panose="020B0609020204030204" pitchFamily="49" charset="0"/>
+              </a:rPr>
+              <a:t>()).Returns(42);</a:t>
+            </a:r>
+          </a:p>
+          <a:p>
+            <a:pPr marL="0" indent="0">
+              <a:buNone/>
+            </a:pPr>
+            <a:endParaRPr lang="en-US" dirty="0" smtClean="0">
+              <a:latin typeface="Consolas" panose="020B0609020204030204" pitchFamily="49" charset="0"/>
+            </a:endParaRPr>
+          </a:p>
+          <a:p>
+            <a:pPr marL="0" indent="0">
+              <a:buNone/>
+            </a:pPr>
+            <a:r>
+              <a:rPr lang="en-US" dirty="0" err="1" smtClean="0">
+                <a:latin typeface="Consolas" panose="020B0609020204030204" pitchFamily="49" charset="0"/>
+              </a:rPr>
+              <a:t>CallContext</a:t>
+            </a:r>
+            <a:r>
+              <a:rPr lang="en-US" dirty="0" smtClean="0">
+                <a:latin typeface="Consolas" panose="020B0609020204030204" pitchFamily="49" charset="0"/>
+              </a:rPr>
+              <a:t>&lt;T&gt; </a:t>
+            </a:r>
+            <a:r>
+              <a:rPr lang="en-US" dirty="0" err="1" smtClean="0">
+                <a:latin typeface="Consolas" panose="020B0609020204030204" pitchFamily="49" charset="0"/>
+              </a:rPr>
+              <a:t>CallTo</a:t>
+            </a:r>
+            <a:r>
+              <a:rPr lang="en-US" dirty="0" smtClean="0">
+                <a:latin typeface="Consolas" panose="020B0609020204030204" pitchFamily="49" charset="0"/>
+              </a:rPr>
+              <a:t>&lt;T&gt;(Expression&lt;</a:t>
+            </a:r>
+            <a:r>
+              <a:rPr lang="en-US" dirty="0" err="1" smtClean="0">
+                <a:latin typeface="Consolas" panose="020B0609020204030204" pitchFamily="49" charset="0"/>
+              </a:rPr>
+              <a:t>Func</a:t>
+            </a:r>
+            <a:r>
+              <a:rPr lang="en-US" dirty="0" smtClean="0">
+                <a:latin typeface="Consolas" panose="020B0609020204030204" pitchFamily="49" charset="0"/>
+              </a:rPr>
+              <a:t>&lt;T&gt;&gt; e)</a:t>
+            </a:r>
+          </a:p>
+          <a:p>
+            <a:pPr marL="0" indent="0">
+              <a:buNone/>
+            </a:pPr>
+            <a:r>
+              <a:rPr lang="en-US" dirty="0" smtClean="0">
+                <a:latin typeface="Consolas" panose="020B0609020204030204" pitchFamily="49" charset="0"/>
+              </a:rPr>
+              <a:t>{</a:t>
+            </a:r>
+          </a:p>
+          <a:p>
+            <a:pPr marL="0" indent="0">
+              <a:buNone/>
+            </a:pPr>
+            <a:r>
+              <a:rPr lang="en-US" dirty="0" smtClean="0">
+                <a:solidFill>
+                  <a:srgbClr val="0000FF"/>
+                </a:solidFill>
+                <a:highlight>
+                  <a:srgbClr val="FFFFFF"/>
+                </a:highlight>
+                <a:latin typeface="Consolas" panose="020B0609020204030204" pitchFamily="49" charset="0"/>
+              </a:rPr>
+              <a:t>	</a:t>
+            </a:r>
+            <a:r>
+              <a:rPr lang="en-US" dirty="0" err="1" smtClean="0">
+                <a:solidFill>
+                  <a:srgbClr val="0000FF"/>
+                </a:solidFill>
+                <a:highlight>
+                  <a:srgbClr val="FFFFFF"/>
+                </a:highlight>
+                <a:latin typeface="Consolas" panose="020B0609020204030204" pitchFamily="49" charset="0"/>
+              </a:rPr>
+              <a:t>var</a:t>
+            </a:r>
+            <a:r>
+              <a:rPr lang="en-US" dirty="0" smtClean="0">
+                <a:solidFill>
+                  <a:srgbClr val="000000"/>
+                </a:solidFill>
+                <a:highlight>
+                  <a:srgbClr val="FFFFFF"/>
+                </a:highlight>
+                <a:latin typeface="Consolas" panose="020B0609020204030204" pitchFamily="49" charset="0"/>
+              </a:rPr>
+              <a:t> </a:t>
+            </a:r>
+            <a:r>
+              <a:rPr lang="en-US" dirty="0" err="1" smtClean="0">
+                <a:solidFill>
+                  <a:srgbClr val="000000"/>
+                </a:solidFill>
+                <a:highlight>
+                  <a:srgbClr val="FFFFFF"/>
+                </a:highlight>
+                <a:latin typeface="Consolas" panose="020B0609020204030204" pitchFamily="49" charset="0"/>
+              </a:rPr>
+              <a:t>propInfo</a:t>
+            </a:r>
+            <a:r>
+              <a:rPr lang="en-US" dirty="0" smtClean="0">
+                <a:solidFill>
+                  <a:srgbClr val="000000"/>
+                </a:solidFill>
+                <a:highlight>
+                  <a:srgbClr val="FFFFFF"/>
+                </a:highlight>
+                <a:latin typeface="Consolas" panose="020B0609020204030204" pitchFamily="49" charset="0"/>
+              </a:rPr>
+              <a:t> = 			</a:t>
+            </a:r>
+          </a:p>
+          <a:p>
+            <a:pPr marL="0" indent="0">
+              <a:buNone/>
+            </a:pPr>
+            <a:r>
+              <a:rPr lang="en-US" dirty="0">
+                <a:solidFill>
+                  <a:srgbClr val="000000"/>
+                </a:solidFill>
+                <a:highlight>
+                  <a:srgbClr val="FFFFFF"/>
+                </a:highlight>
+                <a:latin typeface="Consolas" panose="020B0609020204030204" pitchFamily="49" charset="0"/>
+              </a:rPr>
+              <a:t>	</a:t>
+            </a:r>
+            <a:r>
+              <a:rPr lang="en-US" dirty="0" smtClean="0">
+                <a:solidFill>
+                  <a:srgbClr val="000000"/>
+                </a:solidFill>
+                <a:highlight>
+                  <a:srgbClr val="FFFFFF"/>
+                </a:highlight>
+                <a:latin typeface="Consolas" panose="020B0609020204030204" pitchFamily="49" charset="0"/>
+              </a:rPr>
+              <a:t>	((</a:t>
+            </a:r>
+            <a:r>
+              <a:rPr lang="en-US" dirty="0" err="1" smtClean="0">
+                <a:solidFill>
+                  <a:srgbClr val="2B91AF"/>
+                </a:solidFill>
+                <a:highlight>
+                  <a:srgbClr val="FFFFFF"/>
+                </a:highlight>
+                <a:latin typeface="Consolas" panose="020B0609020204030204" pitchFamily="49" charset="0"/>
+              </a:rPr>
+              <a:t>MemberExpression</a:t>
+            </a:r>
+            <a:r>
+              <a:rPr lang="en-US" dirty="0" smtClean="0">
+                <a:solidFill>
+                  <a:srgbClr val="000000"/>
+                </a:solidFill>
+                <a:highlight>
+                  <a:srgbClr val="FFFFFF"/>
+                </a:highlight>
+                <a:latin typeface="Consolas" panose="020B0609020204030204" pitchFamily="49" charset="0"/>
+              </a:rPr>
+              <a:t>)</a:t>
+            </a:r>
+            <a:r>
+              <a:rPr lang="en-US" dirty="0" err="1" smtClean="0">
+                <a:solidFill>
+                  <a:srgbClr val="000000"/>
+                </a:solidFill>
+                <a:highlight>
+                  <a:srgbClr val="FFFFFF"/>
+                </a:highlight>
+                <a:latin typeface="Consolas" panose="020B0609020204030204" pitchFamily="49" charset="0"/>
+              </a:rPr>
+              <a:t>memberSelector.Body</a:t>
+            </a:r>
+            <a:r>
+              <a:rPr lang="en-US" dirty="0" smtClean="0">
+                <a:solidFill>
+                  <a:srgbClr val="000000"/>
+                </a:solidFill>
+                <a:highlight>
+                  <a:srgbClr val="FFFFFF"/>
+                </a:highlight>
+                <a:latin typeface="Consolas" panose="020B0609020204030204" pitchFamily="49" charset="0"/>
+              </a:rPr>
+              <a:t>)</a:t>
+            </a:r>
+            <a:br>
+              <a:rPr lang="en-US" dirty="0" smtClean="0">
+                <a:solidFill>
+                  <a:srgbClr val="000000"/>
+                </a:solidFill>
+                <a:highlight>
+                  <a:srgbClr val="FFFFFF"/>
+                </a:highlight>
+                <a:latin typeface="Consolas" panose="020B0609020204030204" pitchFamily="49" charset="0"/>
+              </a:rPr>
+            </a:br>
+            <a:r>
+              <a:rPr lang="en-US" dirty="0" smtClean="0">
+                <a:solidFill>
+                  <a:srgbClr val="000000"/>
+                </a:solidFill>
+                <a:highlight>
+                  <a:srgbClr val="FFFFFF"/>
+                </a:highlight>
+                <a:latin typeface="Consolas" panose="020B0609020204030204" pitchFamily="49" charset="0"/>
+              </a:rPr>
+              <a:t>			.</a:t>
+            </a:r>
+            <a:r>
+              <a:rPr lang="en-US" dirty="0">
+                <a:solidFill>
+                  <a:srgbClr val="000000"/>
+                </a:solidFill>
+                <a:highlight>
+                  <a:srgbClr val="FFFFFF"/>
+                </a:highlight>
+                <a:latin typeface="Consolas" panose="020B0609020204030204" pitchFamily="49" charset="0"/>
+              </a:rPr>
+              <a:t>Member </a:t>
+            </a:r>
+            <a:r>
+              <a:rPr lang="en-US" dirty="0">
+                <a:solidFill>
+                  <a:srgbClr val="0000FF"/>
+                </a:solidFill>
+                <a:highlight>
+                  <a:srgbClr val="FFFFFF"/>
+                </a:highlight>
+                <a:latin typeface="Consolas" panose="020B0609020204030204" pitchFamily="49" charset="0"/>
+              </a:rPr>
+              <a:t>as</a:t>
+            </a:r>
+            <a:r>
+              <a:rPr lang="en-US" dirty="0">
+                <a:solidFill>
+                  <a:srgbClr val="000000"/>
+                </a:solidFill>
+                <a:highlight>
+                  <a:srgbClr val="FFFFFF"/>
+                </a:highlight>
+                <a:latin typeface="Consolas" panose="020B0609020204030204" pitchFamily="49" charset="0"/>
+              </a:rPr>
+              <a:t> </a:t>
+            </a:r>
+            <a:r>
+              <a:rPr lang="en-US" dirty="0" err="1" smtClean="0">
+                <a:solidFill>
+                  <a:srgbClr val="2B91AF"/>
+                </a:solidFill>
+                <a:highlight>
+                  <a:srgbClr val="FFFFFF"/>
+                </a:highlight>
+                <a:latin typeface="Consolas" panose="020B0609020204030204" pitchFamily="49" charset="0"/>
+              </a:rPr>
+              <a:t>PropertyInfo</a:t>
+            </a:r>
+            <a:endParaRPr lang="en-US" dirty="0" smtClean="0">
+              <a:solidFill>
+                <a:srgbClr val="2B91AF"/>
+              </a:solidFill>
+              <a:highlight>
+                <a:srgbClr val="FFFFFF"/>
+              </a:highlight>
+              <a:latin typeface="Consolas" panose="020B0609020204030204" pitchFamily="49" charset="0"/>
+            </a:endParaRPr>
+          </a:p>
+          <a:p>
+            <a:pPr marL="0" indent="0">
+              <a:buNone/>
+            </a:pPr>
+            <a:r>
+              <a:rPr lang="en-US" dirty="0" smtClean="0">
+                <a:latin typeface="Consolas" panose="020B0609020204030204" pitchFamily="49" charset="0"/>
+              </a:rPr>
+              <a:t>}</a:t>
+            </a:r>
+          </a:p>
+          <a:p>
+            <a:pPr marL="0" indent="0">
+              <a:buNone/>
+            </a:pPr>
+            <a:endParaRPr lang="ru-RU" dirty="0">
+              <a:latin typeface="Consolas" panose="020B0609020204030204" pitchFamily="49" charset="0"/>
+            </a:endParaRPr>
           </a:p>
         </p:txBody>
       </p:sp>
     </p:spTree>
     <p:extLst>
       <p:ext uri="{BB962C8B-B14F-4D97-AF65-F5344CB8AC3E}">
-        <p14:creationId xmlns:p14="http://schemas.microsoft.com/office/powerpoint/2010/main" val="2677842483"/>
+        <p14:creationId xmlns:p14="http://schemas.microsoft.com/office/powerpoint/2010/main" val="3722716228"/>
       </p:ext>
     </p:extLst>
   </p:cSld>
   <p:clrMapOvr>
     <a:masterClrMapping/>
   </p:clrMapOvr>
+  <p:timing>
+    <p:tnLst>
+      <p:par>
+        <p:cTn id="1" dur="indefinite" restart="never" nodeType="tmRoot"/>
+      </p:par>
+    </p:tnLst>
+  </p:timing>
 </p:sld>
 </file>
 
@@ -12298,7 +13240,15 @@
           <a:p>
             <a:r>
               <a:rPr lang="ru-RU" dirty="0" smtClean="0"/>
-              <a:t>Ещё нюансы</a:t>
+              <a:t>Задача</a:t>
+            </a:r>
+            <a:r>
+              <a:rPr lang="en-US" dirty="0"/>
+              <a:t> </a:t>
+            </a:r>
+            <a:r>
+              <a:rPr lang="en-US" dirty="0" err="1" smtClean="0"/>
+              <a:t>ObjectPrinting</a:t>
             </a:r>
             <a:endParaRPr lang="ru-RU" dirty="0"/>
           </a:p>
@@ -12314,139 +13264,136 @@
             <p:ph idx="1"/>
           </p:nvPr>
         </p:nvSpPr>
-        <p:spPr/>
+        <p:spPr>
+          <a:xfrm>
+            <a:off x="838199" y="1825625"/>
+            <a:ext cx="10671313" cy="4351338"/>
+          </a:xfrm>
+        </p:spPr>
         <p:txBody>
           <a:bodyPr>
-            <a:normAutofit lnSpcReduction="10000"/>
+            <a:normAutofit fontScale="92500" lnSpcReduction="10000"/>
           </a:bodyPr>
           <a:lstStyle/>
           <a:p>
+            <a:pPr marL="0" indent="0">
+              <a:buNone/>
+            </a:pPr>
             <a:r>
               <a:rPr lang="ru-RU" dirty="0" smtClean="0"/>
-              <a:t>Разрабатывайте </a:t>
-            </a:r>
-            <a:r>
-              <a:rPr lang="en-US" dirty="0" smtClean="0"/>
-              <a:t>API</a:t>
-            </a:r>
+              <a:t>Разработать библиотеку для преобразования любого объекта в строку, перечисляя значения публичных свойств и полей объекта. </a:t>
+            </a:r>
+          </a:p>
+          <a:p>
+            <a:pPr marL="0" indent="0">
+              <a:buNone/>
+            </a:pPr>
             <a:r>
               <a:rPr lang="ru-RU" dirty="0" smtClean="0"/>
-              <a:t> так, чтобы им нельзя было воспользоваться неправильно.</a:t>
-            </a:r>
-          </a:p>
-          <a:p>
+              <a:t>Всё должно гибко настраиваться. А именно:</a:t>
+            </a:r>
+          </a:p>
+          <a:p>
+            <a:pPr marL="514350" indent="-514350">
+              <a:buAutoNum type="arabicPeriod"/>
+            </a:pPr>
+            <a:r>
+              <a:rPr lang="ru-RU" dirty="0"/>
+              <a:t>Исключить из сериализации свойства определенного типа</a:t>
+            </a:r>
+            <a:endParaRPr lang="ru-RU" dirty="0" smtClean="0"/>
+          </a:p>
+          <a:p>
+            <a:pPr marL="514350" indent="-514350">
+              <a:buAutoNum type="arabicPeriod"/>
+            </a:pPr>
+            <a:r>
+              <a:rPr lang="ru-RU" dirty="0"/>
+              <a:t>Указать </a:t>
+            </a:r>
             <a:r>
               <a:rPr lang="ru-RU" dirty="0" smtClean="0"/>
-              <a:t>Если это не получается, кидайте диагностические ошибки.</a:t>
-            </a:r>
-          </a:p>
-          <a:p>
+              <a:t>альтернативный </a:t>
+            </a:r>
+            <a:r>
+              <a:rPr lang="ru-RU" dirty="0"/>
+              <a:t>способ сериализации для определенного типа</a:t>
+            </a:r>
+            <a:endParaRPr lang="ru-RU" dirty="0" smtClean="0"/>
+          </a:p>
+          <a:p>
+            <a:pPr marL="514350" indent="-514350">
+              <a:buAutoNum type="arabicPeriod"/>
+            </a:pPr>
+            <a:r>
+              <a:rPr lang="ru-RU" dirty="0"/>
+              <a:t>Для числовых типов указать </a:t>
+            </a:r>
             <a:r>
               <a:rPr lang="ru-RU" dirty="0" smtClean="0"/>
-              <a:t>Делайте тексты ошибок понятными! </a:t>
-            </a:r>
-            <a:r>
-              <a:rPr lang="ru-RU" strike="sngStrike" dirty="0" smtClean="0">
-                <a:solidFill>
-                  <a:schemeClr val="bg1">
-                    <a:lumMod val="50000"/>
-                  </a:schemeClr>
-                </a:solidFill>
-              </a:rPr>
-              <a:t>Иначе вас проклянут коллеги</a:t>
-            </a:r>
-          </a:p>
-          <a:p>
+              <a:t>культуру</a:t>
+            </a:r>
+          </a:p>
+          <a:p>
+            <a:pPr marL="514350" indent="-514350">
+              <a:buAutoNum type="arabicPeriod"/>
+            </a:pPr>
+            <a:r>
+              <a:rPr lang="ru-RU" dirty="0" smtClean="0"/>
+              <a:t>Настроить сериализацию конкретного свойства</a:t>
+            </a:r>
+          </a:p>
+          <a:p>
+            <a:pPr marL="514350" indent="-514350">
+              <a:buFont typeface="Arial" panose="020B0604020202020204" pitchFamily="34" charset="0"/>
+              <a:buAutoNum type="arabicPeriod"/>
+            </a:pPr>
             <a:r>
               <a:rPr lang="ru-RU" dirty="0"/>
-              <a:t>Пишите </a:t>
-            </a:r>
-            <a:r>
-              <a:rPr lang="en-US" dirty="0"/>
-              <a:t>Acceptance</a:t>
+              <a:t>Настроить обрезание </a:t>
+            </a:r>
+            <a:r>
+              <a:rPr lang="ru-RU" dirty="0" smtClean="0"/>
+              <a:t>значений строковых свойств</a:t>
+            </a:r>
+          </a:p>
+          <a:p>
+            <a:pPr marL="514350" indent="-514350">
+              <a:buAutoNum type="arabicPeriod"/>
+            </a:pPr>
+            <a:r>
+              <a:rPr lang="ru-RU" dirty="0" smtClean="0"/>
+              <a:t>Исключить </a:t>
             </a:r>
             <a:r>
               <a:rPr lang="ru-RU" dirty="0"/>
-              <a:t>-тесты — они отлично работают как </a:t>
+              <a:t>из сериализации </a:t>
             </a:r>
             <a:r>
               <a:rPr lang="ru-RU" dirty="0" smtClean="0"/>
-              <a:t>документация</a:t>
-            </a:r>
-            <a:endParaRPr lang="ru-RU" strike="sngStrike" dirty="0" smtClean="0">
-              <a:solidFill>
-                <a:schemeClr val="bg1">
-                  <a:lumMod val="50000"/>
-                </a:schemeClr>
-              </a:solidFill>
-            </a:endParaRPr>
-          </a:p>
-          <a:p>
-            <a:r>
-              <a:rPr lang="ru-RU" dirty="0" smtClean="0"/>
-              <a:t>Тестируйте понятность </a:t>
-            </a:r>
-            <a:r>
-              <a:rPr lang="en-US" dirty="0" smtClean="0"/>
-              <a:t>API</a:t>
-            </a:r>
-            <a:r>
-              <a:rPr lang="ru-RU" dirty="0" smtClean="0"/>
-              <a:t>, показывая </a:t>
-            </a:r>
-            <a:r>
-              <a:rPr lang="en-US" dirty="0" smtClean="0"/>
-              <a:t>Acceptance</a:t>
-            </a:r>
-            <a:r>
-              <a:rPr lang="ru-RU" dirty="0" smtClean="0"/>
-              <a:t>-тесты коллегам</a:t>
-            </a:r>
-          </a:p>
-          <a:p>
-            <a:r>
-              <a:rPr lang="ru-RU" dirty="0"/>
-              <a:t>Скрывайте детали реализации из подсказок </a:t>
-            </a:r>
-            <a:r>
-              <a:rPr lang="en-US" dirty="0" err="1"/>
-              <a:t>Intellisense</a:t>
-            </a:r>
-            <a:r>
-              <a:rPr lang="ru-RU" dirty="0" smtClean="0"/>
-              <a:t>.</a:t>
-            </a:r>
-          </a:p>
-          <a:p>
-            <a:r>
-              <a:rPr lang="ru-RU" dirty="0" smtClean="0"/>
-              <a:t>В </a:t>
-            </a:r>
-            <a:r>
-              <a:rPr lang="en-US" dirty="0" smtClean="0"/>
-              <a:t>XML</a:t>
-            </a:r>
-            <a:r>
-              <a:rPr lang="ru-RU" dirty="0" smtClean="0"/>
-              <a:t>-документации можно написать то, что не очевидно из имён и сигнатур.</a:t>
-            </a:r>
-            <a:endParaRPr lang="en-US" dirty="0"/>
-          </a:p>
-          <a:p>
-            <a:endParaRPr lang="ru-RU" dirty="0" smtClean="0"/>
+              <a:t>конкретное свойство</a:t>
+            </a:r>
+            <a:endParaRPr lang="en-US" dirty="0" smtClean="0"/>
           </a:p>
         </p:txBody>
       </p:sp>
     </p:spTree>
     <p:extLst>
       <p:ext uri="{BB962C8B-B14F-4D97-AF65-F5344CB8AC3E}">
-        <p14:creationId xmlns:p14="http://schemas.microsoft.com/office/powerpoint/2010/main" val="422220670"/>
+        <p14:creationId xmlns:p14="http://schemas.microsoft.com/office/powerpoint/2010/main" val="2848900662"/>
       </p:ext>
     </p:extLst>
   </p:cSld>
   <p:clrMapOvr>
     <a:masterClrMapping/>
   </p:clrMapOvr>
+  <p:timing>
+    <p:tnLst>
+      <p:par>
+        <p:cTn id="1" dur="indefinite" restart="never" nodeType="tmRoot"/>
+      </p:par>
+    </p:tnLst>
+  </p:timing>
 </p:sld>
 </file>
 
@@ -12484,19 +13431,11 @@
           <a:p>
             <a:r>
               <a:rPr lang="ru-RU" dirty="0" smtClean="0"/>
-              <a:t>Где можно встретить </a:t>
-            </a:r>
-            <a:r>
-              <a:rPr lang="en-US" dirty="0" smtClean="0"/>
-              <a:t>Fluent </a:t>
+              <a:t>Разбор </a:t>
             </a:r>
             <a:r>
               <a:rPr lang="en-US" dirty="0" err="1" smtClean="0"/>
-              <a:t>Api</a:t>
-            </a:r>
-            <a:r>
-              <a:rPr lang="ru-RU" dirty="0" smtClean="0"/>
-              <a:t>?</a:t>
+              <a:t>ObjectPrinting</a:t>
             </a:r>
             <a:endParaRPr lang="ru-RU" dirty="0"/>
           </a:p>
@@ -12512,95 +13451,19 @@
             <p:ph idx="1"/>
           </p:nvPr>
         </p:nvSpPr>
-        <p:spPr>
-          <a:xfrm>
-            <a:off x="838200" y="1825625"/>
-            <a:ext cx="10515600" cy="4565236"/>
-          </a:xfrm>
-        </p:spPr>
+        <p:spPr/>
         <p:txBody>
-          <a:bodyPr>
-            <a:normAutofit fontScale="92500" lnSpcReduction="10000"/>
-          </a:bodyPr>
+          <a:bodyPr/>
           <a:lstStyle/>
           <a:p>
-            <a:r>
-              <a:rPr lang="en-US" dirty="0" err="1" smtClean="0"/>
-              <a:t>Linq</a:t>
-            </a:r>
-            <a:endParaRPr lang="en-US" dirty="0" smtClean="0"/>
-          </a:p>
-          <a:p>
-            <a:r>
-              <a:rPr lang="en-US" dirty="0" err="1" smtClean="0"/>
-              <a:t>NUnit</a:t>
-            </a:r>
-            <a:endParaRPr lang="ru-RU" dirty="0"/>
-          </a:p>
-          <a:p>
-            <a:r>
-              <a:rPr lang="en-US" dirty="0" err="1" smtClean="0"/>
-              <a:t>FluentAssertions</a:t>
-            </a:r>
-            <a:endParaRPr lang="en-US" dirty="0" smtClean="0"/>
-          </a:p>
-          <a:p>
-            <a:r>
-              <a:rPr lang="en-US" dirty="0" err="1" smtClean="0"/>
-              <a:t>StatePrinter</a:t>
-            </a:r>
-            <a:endParaRPr lang="en-US" dirty="0" smtClean="0"/>
-          </a:p>
-          <a:p>
-            <a:r>
-              <a:rPr lang="en-US" dirty="0" err="1" smtClean="0"/>
-              <a:t>AutoFixture</a:t>
-            </a:r>
-            <a:endParaRPr lang="en-US" dirty="0" smtClean="0"/>
-          </a:p>
-          <a:p>
-            <a:r>
-              <a:rPr lang="en-US" dirty="0" err="1" smtClean="0"/>
-              <a:t>DeepEquals</a:t>
-            </a:r>
-            <a:endParaRPr lang="en-US" dirty="0" smtClean="0"/>
-          </a:p>
-          <a:p>
-            <a:r>
-              <a:rPr lang="en-US" dirty="0" err="1" smtClean="0"/>
-              <a:t>Ninject</a:t>
-            </a:r>
-            <a:endParaRPr lang="en-US" dirty="0" smtClean="0"/>
-          </a:p>
-          <a:p>
-            <a:r>
-              <a:rPr lang="en-US" dirty="0" err="1" smtClean="0"/>
-              <a:t>FakeItEasy</a:t>
-            </a:r>
-            <a:endParaRPr lang="en-US" dirty="0" smtClean="0"/>
-          </a:p>
-          <a:p>
-            <a:r>
-              <a:rPr lang="en-US" dirty="0" err="1" smtClean="0"/>
-              <a:t>EntityFramework</a:t>
-            </a:r>
-            <a:endParaRPr lang="en-US" dirty="0"/>
-          </a:p>
-          <a:p>
-            <a:pPr marL="0" indent="0">
-              <a:buNone/>
-            </a:pPr>
-            <a:r>
-              <a:rPr lang="en-US" dirty="0" smtClean="0"/>
-              <a:t>...</a:t>
-            </a:r>
+            <a:endParaRPr lang="ru-RU"/>
           </a:p>
         </p:txBody>
       </p:sp>
     </p:spTree>
     <p:extLst>
       <p:ext uri="{BB962C8B-B14F-4D97-AF65-F5344CB8AC3E}">
-        <p14:creationId xmlns:p14="http://schemas.microsoft.com/office/powerpoint/2010/main" val="376324806"/>
+        <p14:creationId xmlns:p14="http://schemas.microsoft.com/office/powerpoint/2010/main" val="2677842483"/>
       </p:ext>
     </p:extLst>
   </p:cSld>
@@ -12651,6 +13514,677 @@
           <a:p>
             <a:r>
               <a:rPr lang="ru-RU" dirty="0" smtClean="0"/>
+              <a:t>Ещё нюансы</a:t>
+            </a:r>
+            <a:endParaRPr lang="ru-RU" dirty="0"/>
+          </a:p>
+        </p:txBody>
+      </p:sp>
+      <p:sp>
+        <p:nvSpPr>
+          <p:cNvPr id="3" name="Объект 2"/>
+          <p:cNvSpPr>
+            <a:spLocks noGrp="1"/>
+          </p:cNvSpPr>
+          <p:nvPr>
+            <p:ph idx="1"/>
+          </p:nvPr>
+        </p:nvSpPr>
+        <p:spPr/>
+        <p:txBody>
+          <a:bodyPr>
+            <a:normAutofit lnSpcReduction="10000"/>
+          </a:bodyPr>
+          <a:lstStyle/>
+          <a:p>
+            <a:r>
+              <a:rPr lang="ru-RU" dirty="0" smtClean="0"/>
+              <a:t>Разрабатывайте </a:t>
+            </a:r>
+            <a:r>
+              <a:rPr lang="en-US" dirty="0" smtClean="0"/>
+              <a:t>API</a:t>
+            </a:r>
+            <a:r>
+              <a:rPr lang="ru-RU" dirty="0" smtClean="0"/>
+              <a:t> так, чтобы им нельзя было воспользоваться неправильно.</a:t>
+            </a:r>
+          </a:p>
+          <a:p>
+            <a:r>
+              <a:rPr lang="ru-RU" dirty="0" smtClean="0"/>
+              <a:t>Если это не получается, кидайте диагностические ошибки.</a:t>
+            </a:r>
+          </a:p>
+          <a:p>
+            <a:r>
+              <a:rPr lang="ru-RU" dirty="0" smtClean="0"/>
+              <a:t>Делайте тексты ошибок понятными! </a:t>
+            </a:r>
+            <a:r>
+              <a:rPr lang="ru-RU" strike="sngStrike" dirty="0" smtClean="0">
+                <a:solidFill>
+                  <a:schemeClr val="bg1">
+                    <a:lumMod val="50000"/>
+                  </a:schemeClr>
+                </a:solidFill>
+              </a:rPr>
+              <a:t>Иначе вас проклянут коллеги</a:t>
+            </a:r>
+          </a:p>
+          <a:p>
+            <a:r>
+              <a:rPr lang="ru-RU" dirty="0"/>
+              <a:t>Пишите </a:t>
+            </a:r>
+            <a:r>
+              <a:rPr lang="en-US" dirty="0"/>
+              <a:t>Acceptance</a:t>
+            </a:r>
+            <a:r>
+              <a:rPr lang="ru-RU" dirty="0"/>
+              <a:t>-тесты — они отлично работают как </a:t>
+            </a:r>
+            <a:r>
+              <a:rPr lang="ru-RU" dirty="0" smtClean="0"/>
+              <a:t>документация</a:t>
+            </a:r>
+            <a:endParaRPr lang="ru-RU" strike="sngStrike" dirty="0" smtClean="0">
+              <a:solidFill>
+                <a:schemeClr val="bg1">
+                  <a:lumMod val="50000"/>
+                </a:schemeClr>
+              </a:solidFill>
+            </a:endParaRPr>
+          </a:p>
+          <a:p>
+            <a:r>
+              <a:rPr lang="ru-RU" dirty="0" smtClean="0"/>
+              <a:t>Тестируйте понятность </a:t>
+            </a:r>
+            <a:r>
+              <a:rPr lang="en-US" dirty="0" smtClean="0"/>
+              <a:t>API</a:t>
+            </a:r>
+            <a:r>
+              <a:rPr lang="ru-RU" dirty="0" smtClean="0"/>
+              <a:t>, показывая </a:t>
+            </a:r>
+            <a:r>
+              <a:rPr lang="en-US" dirty="0" smtClean="0"/>
+              <a:t>Acceptance</a:t>
+            </a:r>
+            <a:r>
+              <a:rPr lang="ru-RU" dirty="0" smtClean="0"/>
+              <a:t>-тесты коллегам</a:t>
+            </a:r>
+          </a:p>
+          <a:p>
+            <a:r>
+              <a:rPr lang="ru-RU" dirty="0"/>
+              <a:t>Скрывайте детали реализации из подсказок </a:t>
+            </a:r>
+            <a:r>
+              <a:rPr lang="en-US" dirty="0" err="1"/>
+              <a:t>Intellisense</a:t>
+            </a:r>
+            <a:r>
+              <a:rPr lang="ru-RU" dirty="0" smtClean="0"/>
+              <a:t>.</a:t>
+            </a:r>
+          </a:p>
+          <a:p>
+            <a:r>
+              <a:rPr lang="ru-RU" dirty="0" smtClean="0"/>
+              <a:t>В </a:t>
+            </a:r>
+            <a:r>
+              <a:rPr lang="en-US" dirty="0" smtClean="0"/>
+              <a:t>XML</a:t>
+            </a:r>
+            <a:r>
+              <a:rPr lang="ru-RU" dirty="0" smtClean="0"/>
+              <a:t>-документации можно написать то, что не очевидно из имён и сигнатур.</a:t>
+            </a:r>
+            <a:endParaRPr lang="en-US" dirty="0"/>
+          </a:p>
+          <a:p>
+            <a:endParaRPr lang="ru-RU" dirty="0" smtClean="0"/>
+          </a:p>
+        </p:txBody>
+      </p:sp>
+    </p:spTree>
+    <p:extLst>
+      <p:ext uri="{BB962C8B-B14F-4D97-AF65-F5344CB8AC3E}">
+        <p14:creationId xmlns:p14="http://schemas.microsoft.com/office/powerpoint/2010/main" val="422220670"/>
+      </p:ext>
+    </p:extLst>
+  </p:cSld>
+  <p:clrMapOvr>
+    <a:masterClrMapping/>
+  </p:clrMapOvr>
+  <p:timing>
+    <p:tnLst>
+      <p:par>
+        <p:cTn id="1" dur="indefinite" restart="never" nodeType="tmRoot"/>
+      </p:par>
+    </p:tnLst>
+  </p:timing>
+</p:sld>
+</file>
+
+<file path=ppt/slides/slide29.xml><?xml version="1.0" encoding="utf-8"?>
+<p:sld xmlns:a="http://schemas.openxmlformats.org/drawingml/2006/main" xmlns:r="http://schemas.openxmlformats.org/officeDocument/2006/relationships" xmlns:p="http://schemas.openxmlformats.org/presentationml/2006/main">
+  <p:cSld>
+    <p:spTree>
+      <p:nvGrpSpPr>
+        <p:cNvPr id="1" name=""/>
+        <p:cNvGrpSpPr/>
+        <p:nvPr/>
+      </p:nvGrpSpPr>
+      <p:grpSpPr>
+        <a:xfrm>
+          <a:off x="0" y="0"/>
+          <a:ext cx="0" cy="0"/>
+          <a:chOff x="0" y="0"/>
+          <a:chExt cx="0" cy="0"/>
+        </a:xfrm>
+      </p:grpSpPr>
+      <p:sp>
+        <p:nvSpPr>
+          <p:cNvPr id="2" name="Заголовок 1"/>
+          <p:cNvSpPr>
+            <a:spLocks noGrp="1"/>
+          </p:cNvSpPr>
+          <p:nvPr>
+            <p:ph type="title"/>
+          </p:nvPr>
+        </p:nvSpPr>
+        <p:spPr/>
+        <p:txBody>
+          <a:bodyPr/>
+          <a:lstStyle/>
+          <a:p>
+            <a:r>
+              <a:rPr lang="ru-RU" dirty="0" smtClean="0"/>
+              <a:t>Где можно встретить </a:t>
+            </a:r>
+            <a:r>
+              <a:rPr lang="en-US" dirty="0" smtClean="0"/>
+              <a:t>Fluent </a:t>
+            </a:r>
+            <a:r>
+              <a:rPr lang="en-US" dirty="0" err="1" smtClean="0"/>
+              <a:t>Api</a:t>
+            </a:r>
+            <a:r>
+              <a:rPr lang="ru-RU" dirty="0" smtClean="0"/>
+              <a:t>?</a:t>
+            </a:r>
+            <a:endParaRPr lang="ru-RU" dirty="0"/>
+          </a:p>
+        </p:txBody>
+      </p:sp>
+      <p:sp>
+        <p:nvSpPr>
+          <p:cNvPr id="3" name="Объект 2"/>
+          <p:cNvSpPr>
+            <a:spLocks noGrp="1"/>
+          </p:cNvSpPr>
+          <p:nvPr>
+            <p:ph idx="1"/>
+          </p:nvPr>
+        </p:nvSpPr>
+        <p:spPr>
+          <a:xfrm>
+            <a:off x="838200" y="1825625"/>
+            <a:ext cx="10515600" cy="4565236"/>
+          </a:xfrm>
+        </p:spPr>
+        <p:txBody>
+          <a:bodyPr>
+            <a:normAutofit fontScale="92500" lnSpcReduction="10000"/>
+          </a:bodyPr>
+          <a:lstStyle/>
+          <a:p>
+            <a:r>
+              <a:rPr lang="en-US" dirty="0" err="1" smtClean="0"/>
+              <a:t>Linq</a:t>
+            </a:r>
+            <a:endParaRPr lang="en-US" dirty="0" smtClean="0"/>
+          </a:p>
+          <a:p>
+            <a:r>
+              <a:rPr lang="en-US" dirty="0" err="1" smtClean="0"/>
+              <a:t>NUnit</a:t>
+            </a:r>
+            <a:endParaRPr lang="ru-RU" dirty="0"/>
+          </a:p>
+          <a:p>
+            <a:r>
+              <a:rPr lang="en-US" dirty="0" err="1" smtClean="0"/>
+              <a:t>FluentAssertions</a:t>
+            </a:r>
+            <a:endParaRPr lang="en-US" dirty="0" smtClean="0"/>
+          </a:p>
+          <a:p>
+            <a:r>
+              <a:rPr lang="en-US" dirty="0" err="1" smtClean="0"/>
+              <a:t>StatePrinter</a:t>
+            </a:r>
+            <a:endParaRPr lang="en-US" dirty="0" smtClean="0"/>
+          </a:p>
+          <a:p>
+            <a:r>
+              <a:rPr lang="en-US" dirty="0" err="1" smtClean="0"/>
+              <a:t>AutoFixture</a:t>
+            </a:r>
+            <a:endParaRPr lang="en-US" dirty="0" smtClean="0"/>
+          </a:p>
+          <a:p>
+            <a:r>
+              <a:rPr lang="en-US" dirty="0" err="1" smtClean="0"/>
+              <a:t>DeepEquals</a:t>
+            </a:r>
+            <a:endParaRPr lang="en-US" dirty="0" smtClean="0"/>
+          </a:p>
+          <a:p>
+            <a:r>
+              <a:rPr lang="en-US" dirty="0" err="1" smtClean="0"/>
+              <a:t>Ninject</a:t>
+            </a:r>
+            <a:endParaRPr lang="en-US" dirty="0" smtClean="0"/>
+          </a:p>
+          <a:p>
+            <a:r>
+              <a:rPr lang="en-US" dirty="0" err="1" smtClean="0"/>
+              <a:t>FakeItEasy</a:t>
+            </a:r>
+            <a:endParaRPr lang="en-US" dirty="0" smtClean="0"/>
+          </a:p>
+          <a:p>
+            <a:r>
+              <a:rPr lang="en-US" dirty="0" err="1" smtClean="0"/>
+              <a:t>EntityFramework</a:t>
+            </a:r>
+            <a:endParaRPr lang="en-US" dirty="0"/>
+          </a:p>
+          <a:p>
+            <a:pPr marL="0" indent="0">
+              <a:buNone/>
+            </a:pPr>
+            <a:r>
+              <a:rPr lang="en-US" dirty="0" smtClean="0"/>
+              <a:t>...</a:t>
+            </a:r>
+          </a:p>
+        </p:txBody>
+      </p:sp>
+    </p:spTree>
+    <p:extLst>
+      <p:ext uri="{BB962C8B-B14F-4D97-AF65-F5344CB8AC3E}">
+        <p14:creationId xmlns:p14="http://schemas.microsoft.com/office/powerpoint/2010/main" val="376324806"/>
+      </p:ext>
+    </p:extLst>
+  </p:cSld>
+  <p:clrMapOvr>
+    <a:masterClrMapping/>
+  </p:clrMapOvr>
+  <p:timing>
+    <p:tnLst>
+      <p:par>
+        <p:cTn id="1" dur="indefinite" restart="never" nodeType="tmRoot"/>
+      </p:par>
+    </p:tnLst>
+  </p:timing>
+</p:sld>
+</file>
+
+<file path=ppt/slides/slide3.xml><?xml version="1.0" encoding="utf-8"?>
+<p:sld xmlns:a="http://schemas.openxmlformats.org/drawingml/2006/main" xmlns:r="http://schemas.openxmlformats.org/officeDocument/2006/relationships" xmlns:p="http://schemas.openxmlformats.org/presentationml/2006/main">
+  <p:cSld>
+    <p:spTree>
+      <p:nvGrpSpPr>
+        <p:cNvPr id="1" name=""/>
+        <p:cNvGrpSpPr/>
+        <p:nvPr/>
+      </p:nvGrpSpPr>
+      <p:grpSpPr>
+        <a:xfrm>
+          <a:off x="0" y="0"/>
+          <a:ext cx="0" cy="0"/>
+          <a:chOff x="0" y="0"/>
+          <a:chExt cx="0" cy="0"/>
+        </a:xfrm>
+      </p:grpSpPr>
+      <p:sp>
+        <p:nvSpPr>
+          <p:cNvPr id="2" name="Заголовок 1"/>
+          <p:cNvSpPr>
+            <a:spLocks noGrp="1"/>
+          </p:cNvSpPr>
+          <p:nvPr>
+            <p:ph type="title"/>
+          </p:nvPr>
+        </p:nvSpPr>
+        <p:spPr/>
+        <p:txBody>
+          <a:bodyPr/>
+          <a:lstStyle/>
+          <a:p>
+            <a:r>
+              <a:rPr lang="en-US" dirty="0" smtClean="0"/>
+              <a:t>Fluent API</a:t>
+            </a:r>
+            <a:r>
+              <a:rPr lang="ru-RU" dirty="0"/>
+              <a:t> </a:t>
+            </a:r>
+          </a:p>
+        </p:txBody>
+      </p:sp>
+      <p:sp>
+        <p:nvSpPr>
+          <p:cNvPr id="3" name="Объект 2"/>
+          <p:cNvSpPr>
+            <a:spLocks noGrp="1"/>
+          </p:cNvSpPr>
+          <p:nvPr>
+            <p:ph idx="1"/>
+          </p:nvPr>
+        </p:nvSpPr>
+        <p:spPr>
+          <a:xfrm>
+            <a:off x="2152650" y="1825625"/>
+            <a:ext cx="7886700" cy="4351338"/>
+          </a:xfrm>
+        </p:spPr>
+        <p:txBody>
+          <a:bodyPr/>
+          <a:lstStyle/>
+          <a:p>
+            <a:pPr marL="0" indent="0">
+              <a:buNone/>
+            </a:pPr>
+            <a:r>
+              <a:rPr lang="ru-RU" dirty="0" smtClean="0"/>
+              <a:t>Концентрируется на удобстве трех сценариев:</a:t>
+            </a:r>
+          </a:p>
+          <a:p>
+            <a:pPr marL="514350" indent="-514350">
+              <a:buAutoNum type="arabicPeriod"/>
+            </a:pPr>
+            <a:r>
+              <a:rPr lang="ru-RU" dirty="0" smtClean="0"/>
+              <a:t>Изучение </a:t>
+            </a:r>
+            <a:r>
+              <a:rPr lang="en-US" dirty="0" smtClean="0"/>
+              <a:t>API</a:t>
+            </a:r>
+            <a:r>
+              <a:rPr lang="ru-RU" dirty="0" smtClean="0"/>
+              <a:t> с нуля</a:t>
+            </a:r>
+            <a:endParaRPr lang="en-US" dirty="0" smtClean="0"/>
+          </a:p>
+          <a:p>
+            <a:pPr marL="514350" indent="-514350">
+              <a:buAutoNum type="arabicPeriod"/>
+            </a:pPr>
+            <a:r>
+              <a:rPr lang="ru-RU" dirty="0" smtClean="0"/>
+              <a:t>Чтение чужого кода, использующего </a:t>
+            </a:r>
+            <a:r>
+              <a:rPr lang="en-US" dirty="0" smtClean="0"/>
+              <a:t>API</a:t>
+            </a:r>
+          </a:p>
+          <a:p>
+            <a:pPr marL="514350" indent="-514350">
+              <a:buAutoNum type="arabicPeriod"/>
+            </a:pPr>
+            <a:r>
+              <a:rPr lang="ru-RU" dirty="0" smtClean="0"/>
+              <a:t>Написание кода, использующего </a:t>
+            </a:r>
+            <a:r>
+              <a:rPr lang="en-US" dirty="0" smtClean="0"/>
+              <a:t>API</a:t>
+            </a:r>
+            <a:endParaRPr lang="ru-RU" dirty="0"/>
+          </a:p>
+        </p:txBody>
+      </p:sp>
+    </p:spTree>
+    <p:extLst>
+      <p:ext uri="{BB962C8B-B14F-4D97-AF65-F5344CB8AC3E}">
+        <p14:creationId xmlns:p14="http://schemas.microsoft.com/office/powerpoint/2010/main" val="565567826"/>
+      </p:ext>
+    </p:extLst>
+  </p:cSld>
+  <p:clrMapOvr>
+    <a:masterClrMapping/>
+  </p:clrMapOvr>
+  <p:timing>
+    <p:tnLst>
+      <p:par>
+        <p:cTn id="1" dur="indefinite" restart="never" nodeType="tmRoot">
+          <p:childTnLst>
+            <p:seq concurrent="1" nextAc="seek">
+              <p:cTn id="2" dur="indefinite" nodeType="mainSeq">
+                <p:childTnLst>
+                  <p:par>
+                    <p:cTn id="3" fill="hold">
+                      <p:stCondLst>
+                        <p:cond delay="indefinite"/>
+                      </p:stCondLst>
+                      <p:childTnLst>
+                        <p:par>
+                          <p:cTn id="4" fill="hold">
+                            <p:stCondLst>
+                              <p:cond delay="0"/>
+                            </p:stCondLst>
+                            <p:childTnLst>
+                              <p:par>
+                                <p:cTn id="5" presetID="1" presetClass="entr" presetSubtype="0" fill="hold" grpId="0" nodeType="clickEffect">
+                                  <p:stCondLst>
+                                    <p:cond delay="0"/>
+                                  </p:stCondLst>
+                                  <p:childTnLst>
+                                    <p:set>
+                                      <p:cBhvr>
+                                        <p:cTn id="6" dur="1" fill="hold">
+                                          <p:stCondLst>
+                                            <p:cond delay="0"/>
+                                          </p:stCondLst>
+                                        </p:cTn>
+                                        <p:tgtEl>
+                                          <p:spTgt spid="3">
+                                            <p:txEl>
+                                              <p:pRg st="1" end="1"/>
+                                            </p:txEl>
+                                          </p:spTgt>
+                                        </p:tgtEl>
+                                        <p:attrNameLst>
+                                          <p:attrName>style.visibility</p:attrName>
+                                        </p:attrNameLst>
+                                      </p:cBhvr>
+                                      <p:to>
+                                        <p:strVal val="visible"/>
+                                      </p:to>
+                                    </p:set>
+                                  </p:childTnLst>
+                                </p:cTn>
+                              </p:par>
+                            </p:childTnLst>
+                          </p:cTn>
+                        </p:par>
+                      </p:childTnLst>
+                    </p:cTn>
+                  </p:par>
+                  <p:par>
+                    <p:cTn id="7" fill="hold">
+                      <p:stCondLst>
+                        <p:cond delay="indefinite"/>
+                      </p:stCondLst>
+                      <p:childTnLst>
+                        <p:par>
+                          <p:cTn id="8" fill="hold">
+                            <p:stCondLst>
+                              <p:cond delay="0"/>
+                            </p:stCondLst>
+                            <p:childTnLst>
+                              <p:par>
+                                <p:cTn id="9" presetID="1" presetClass="entr" presetSubtype="0" fill="hold" grpId="0" nodeType="clickEffect">
+                                  <p:stCondLst>
+                                    <p:cond delay="0"/>
+                                  </p:stCondLst>
+                                  <p:childTnLst>
+                                    <p:set>
+                                      <p:cBhvr>
+                                        <p:cTn id="10" dur="1" fill="hold">
+                                          <p:stCondLst>
+                                            <p:cond delay="0"/>
+                                          </p:stCondLst>
+                                        </p:cTn>
+                                        <p:tgtEl>
+                                          <p:spTgt spid="3">
+                                            <p:txEl>
+                                              <p:pRg st="2" end="2"/>
+                                            </p:txEl>
+                                          </p:spTgt>
+                                        </p:tgtEl>
+                                        <p:attrNameLst>
+                                          <p:attrName>style.visibility</p:attrName>
+                                        </p:attrNameLst>
+                                      </p:cBhvr>
+                                      <p:to>
+                                        <p:strVal val="visible"/>
+                                      </p:to>
+                                    </p:set>
+                                  </p:childTnLst>
+                                </p:cTn>
+                              </p:par>
+                            </p:childTnLst>
+                          </p:cTn>
+                        </p:par>
+                      </p:childTnLst>
+                    </p:cTn>
+                  </p:par>
+                  <p:par>
+                    <p:cTn id="11" fill="hold">
+                      <p:stCondLst>
+                        <p:cond delay="indefinite"/>
+                      </p:stCondLst>
+                      <p:childTnLst>
+                        <p:par>
+                          <p:cTn id="12" fill="hold">
+                            <p:stCondLst>
+                              <p:cond delay="0"/>
+                            </p:stCondLst>
+                            <p:childTnLst>
+                              <p:par>
+                                <p:cTn id="13" presetID="1" presetClass="entr" presetSubtype="0" fill="hold" grpId="0" nodeType="clickEffect">
+                                  <p:stCondLst>
+                                    <p:cond delay="0"/>
+                                  </p:stCondLst>
+                                  <p:childTnLst>
+                                    <p:set>
+                                      <p:cBhvr>
+                                        <p:cTn id="14" dur="1" fill="hold">
+                                          <p:stCondLst>
+                                            <p:cond delay="0"/>
+                                          </p:stCondLst>
+                                        </p:cTn>
+                                        <p:tgtEl>
+                                          <p:spTgt spid="3">
+                                            <p:txEl>
+                                              <p:pRg st="3" end="3"/>
+                                            </p:txEl>
+                                          </p:spTgt>
+                                        </p:tgtEl>
+                                        <p:attrNameLst>
+                                          <p:attrName>style.visibility</p:attrName>
+                                        </p:attrNameLst>
+                                      </p:cBhvr>
+                                      <p:to>
+                                        <p:strVal val="visible"/>
+                                      </p:to>
+                                    </p:set>
+                                  </p:childTnLst>
+                                </p:cTn>
+                              </p:par>
+                            </p:childTnLst>
+                          </p:cTn>
+                        </p:par>
+                      </p:childTnLst>
+                    </p:cTn>
+                  </p:par>
+                </p:childTnLst>
+              </p:cTn>
+              <p:prevCondLst>
+                <p:cond evt="onPrev" delay="0">
+                  <p:tgtEl>
+                    <p:sldTgt/>
+                  </p:tgtEl>
+                </p:cond>
+              </p:prevCondLst>
+              <p:nextCondLst>
+                <p:cond evt="onNext" delay="0">
+                  <p:tgtEl>
+                    <p:sldTgt/>
+                  </p:tgtEl>
+                </p:cond>
+              </p:nextCondLst>
+            </p:seq>
+          </p:childTnLst>
+        </p:cTn>
+      </p:par>
+    </p:tnLst>
+    <p:bldLst>
+      <p:bldP spid="3" grpId="0" uiExpand="1" build="p"/>
+    </p:bldLst>
+  </p:timing>
+</p:sld>
+</file>
+
+<file path=ppt/slides/slide30.xml><?xml version="1.0" encoding="utf-8"?>
+<p:sld xmlns:a="http://schemas.openxmlformats.org/drawingml/2006/main" xmlns:r="http://schemas.openxmlformats.org/officeDocument/2006/relationships" xmlns:p="http://schemas.openxmlformats.org/presentationml/2006/main">
+  <p:cSld>
+    <p:spTree>
+      <p:nvGrpSpPr>
+        <p:cNvPr id="1" name=""/>
+        <p:cNvGrpSpPr/>
+        <p:nvPr/>
+      </p:nvGrpSpPr>
+      <p:grpSpPr>
+        <a:xfrm>
+          <a:off x="0" y="0"/>
+          <a:ext cx="0" cy="0"/>
+          <a:chOff x="0" y="0"/>
+          <a:chExt cx="0" cy="0"/>
+        </a:xfrm>
+      </p:grpSpPr>
+      <p:sp>
+        <p:nvSpPr>
+          <p:cNvPr id="2" name="Заголовок 1"/>
+          <p:cNvSpPr>
+            <a:spLocks noGrp="1"/>
+          </p:cNvSpPr>
+          <p:nvPr>
+            <p:ph type="title"/>
+          </p:nvPr>
+        </p:nvSpPr>
+        <p:spPr/>
+        <p:txBody>
+          <a:bodyPr/>
+          <a:lstStyle/>
+          <a:p>
+            <a:r>
+              <a:rPr lang="ru-RU" dirty="0" smtClean="0"/>
               <a:t>Домашка</a:t>
             </a:r>
             <a:endParaRPr lang="ru-RU" dirty="0"/>
@@ -12821,7 +14355,6 @@
               <a:rPr lang="ru-RU" dirty="0"/>
               <a:t>.</a:t>
             </a:r>
-            <a:endParaRPr lang="ru-RU" dirty="0"/>
           </a:p>
           <a:p>
             <a:endParaRPr lang="ru-RU" dirty="0"/>
@@ -13021,7 +14554,7 @@
 </p:sld>
 </file>
 
-<file path=ppt/slides/slide3.xml><?xml version="1.0" encoding="utf-8"?>
+<file path=ppt/slides/slide4.xml><?xml version="1.0" encoding="utf-8"?>
 <p:sld xmlns:a="http://schemas.openxmlformats.org/drawingml/2006/main" xmlns:r="http://schemas.openxmlformats.org/officeDocument/2006/relationships" xmlns:p="http://schemas.openxmlformats.org/presentationml/2006/main">
   <p:cSld>
     <p:spTree>
@@ -13121,7 +14654,7 @@
 </p:sld>
 </file>
 
-<file path=ppt/slides/slide4.xml><?xml version="1.0" encoding="utf-8"?>
+<file path=ppt/slides/slide5.xml><?xml version="1.0" encoding="utf-8"?>
 <p:sld xmlns:a="http://schemas.openxmlformats.org/drawingml/2006/main" xmlns:r="http://schemas.openxmlformats.org/officeDocument/2006/relationships" xmlns:p="http://schemas.openxmlformats.org/presentationml/2006/main">
   <p:cSld>
     <p:spTree>
@@ -13516,7 +15049,7 @@
 </p:sld>
 </file>
 
-<file path=ppt/slides/slide5.xml><?xml version="1.0" encoding="utf-8"?>
+<file path=ppt/slides/slide6.xml><?xml version="1.0" encoding="utf-8"?>
 <p:sld xmlns:a="http://schemas.openxmlformats.org/drawingml/2006/main" xmlns:r="http://schemas.openxmlformats.org/officeDocument/2006/relationships" xmlns:p="http://schemas.openxmlformats.org/presentationml/2006/main">
   <p:cSld>
     <p:spTree>
@@ -13785,7 +15318,7 @@
 </p:sld>
 </file>
 
-<file path=ppt/slides/slide6.xml><?xml version="1.0" encoding="utf-8"?>
+<file path=ppt/slides/slide7.xml><?xml version="1.0" encoding="utf-8"?>
 <p:sld xmlns:a="http://schemas.openxmlformats.org/drawingml/2006/main" xmlns:r="http://schemas.openxmlformats.org/officeDocument/2006/relationships" xmlns:p="http://schemas.openxmlformats.org/presentationml/2006/main">
   <p:cSld>
     <p:spTree>
@@ -14795,7 +16328,7 @@
 </p:sld>
 </file>
 
-<file path=ppt/slides/slide7.xml><?xml version="1.0" encoding="utf-8"?>
+<file path=ppt/slides/slide8.xml><?xml version="1.0" encoding="utf-8"?>
 <p:sld xmlns:a="http://schemas.openxmlformats.org/drawingml/2006/main" xmlns:r="http://schemas.openxmlformats.org/officeDocument/2006/relationships" xmlns:p="http://schemas.openxmlformats.org/presentationml/2006/main">
   <p:cSld>
     <p:spTree>
@@ -15763,7 +17296,7 @@
 </p:sld>
 </file>
 
-<file path=ppt/slides/slide8.xml><?xml version="1.0" encoding="utf-8"?>
+<file path=ppt/slides/slide9.xml><?xml version="1.0" encoding="utf-8"?>
 <p:sld xmlns:a="http://schemas.openxmlformats.org/drawingml/2006/main" xmlns:r="http://schemas.openxmlformats.org/officeDocument/2006/relationships" xmlns:p="http://schemas.openxmlformats.org/presentationml/2006/main">
   <p:cSld>
     <p:spTree>
@@ -16065,539 +17598,6 @@
     </p:tnLst>
     <p:bldLst>
       <p:bldP spid="3" grpId="0" build="p"/>
-    </p:bldLst>
-  </p:timing>
-</p:sld>
-</file>
-
-<file path=ppt/slides/slide9.xml><?xml version="1.0" encoding="utf-8"?>
-<p:sld xmlns:a="http://schemas.openxmlformats.org/drawingml/2006/main" xmlns:r="http://schemas.openxmlformats.org/officeDocument/2006/relationships" xmlns:p="http://schemas.openxmlformats.org/presentationml/2006/main">
-  <p:cSld>
-    <p:spTree>
-      <p:nvGrpSpPr>
-        <p:cNvPr id="1" name=""/>
-        <p:cNvGrpSpPr/>
-        <p:nvPr/>
-      </p:nvGrpSpPr>
-      <p:grpSpPr>
-        <a:xfrm>
-          <a:off x="0" y="0"/>
-          <a:ext cx="0" cy="0"/>
-          <a:chOff x="0" y="0"/>
-          <a:chExt cx="0" cy="0"/>
-        </a:xfrm>
-      </p:grpSpPr>
-      <p:sp>
-        <p:nvSpPr>
-          <p:cNvPr id="2" name="Заголовок 1"/>
-          <p:cNvSpPr>
-            <a:spLocks noGrp="1"/>
-          </p:cNvSpPr>
-          <p:nvPr>
-            <p:ph type="title"/>
-          </p:nvPr>
-        </p:nvSpPr>
-        <p:spPr/>
-        <p:txBody>
-          <a:bodyPr/>
-          <a:lstStyle/>
-          <a:p>
-            <a:r>
-              <a:rPr lang="ru-RU" dirty="0" smtClean="0"/>
-              <a:t>Пример </a:t>
-            </a:r>
-            <a:r>
-              <a:rPr lang="en-US" dirty="0" err="1" smtClean="0"/>
-              <a:t>NUnit</a:t>
-            </a:r>
-            <a:endParaRPr lang="ru-RU" dirty="0"/>
-          </a:p>
-        </p:txBody>
-      </p:sp>
-      <p:sp>
-        <p:nvSpPr>
-          <p:cNvPr id="4" name="Rectangle 1"/>
-          <p:cNvSpPr>
-            <a:spLocks noGrp="1" noChangeArrowheads="1"/>
-          </p:cNvSpPr>
-          <p:nvPr>
-            <p:ph idx="1"/>
-          </p:nvPr>
-        </p:nvSpPr>
-        <p:spPr bwMode="auto">
-          <a:xfrm>
-            <a:off x="2152651" y="1637689"/>
-            <a:ext cx="7564891" cy="885371"/>
-          </a:xfrm>
-          <a:prstGeom prst="rect">
-            <a:avLst/>
-          </a:prstGeom>
-          <a:noFill/>
-          <a:ln>
-            <a:noFill/>
-          </a:ln>
-          <a:effectLst/>
-        </p:spPr>
-        <p:txBody>
-          <a:bodyPr vert="horz" wrap="none" lIns="91440" tIns="45720" rIns="91440" bIns="45720" numCol="1" rtlCol="0" anchor="t" anchorCtr="0" compatLnSpc="1">
-            <a:prstTxWarp prst="textNoShape">
-              <a:avLst/>
-            </a:prstTxWarp>
-            <a:spAutoFit/>
-          </a:bodyPr>
-          <a:lstStyle/>
-          <a:p>
-            <a:pPr marL="0" indent="0">
-              <a:buNone/>
-            </a:pPr>
-            <a:r>
-              <a:rPr lang="en-US" sz="2400" dirty="0" err="1">
-                <a:solidFill>
-                  <a:srgbClr val="2B91AF"/>
-                </a:solidFill>
-                <a:highlight>
-                  <a:srgbClr val="FFFFFF"/>
-                </a:highlight>
-                <a:latin typeface="Consolas" panose="020B0609020204030204" pitchFamily="49" charset="0"/>
-              </a:rPr>
-              <a:t>Assert</a:t>
-            </a:r>
-            <a:r>
-              <a:rPr lang="en-US" sz="2400" dirty="0" err="1">
-                <a:solidFill>
-                  <a:srgbClr val="000000"/>
-                </a:solidFill>
-                <a:highlight>
-                  <a:srgbClr val="FFFFFF"/>
-                </a:highlight>
-                <a:latin typeface="Consolas" panose="020B0609020204030204" pitchFamily="49" charset="0"/>
-              </a:rPr>
-              <a:t>.That</a:t>
-            </a:r>
-            <a:r>
-              <a:rPr lang="en-US" sz="2400" dirty="0">
-                <a:solidFill>
-                  <a:srgbClr val="000000"/>
-                </a:solidFill>
-                <a:highlight>
-                  <a:srgbClr val="FFFFFF"/>
-                </a:highlight>
-                <a:latin typeface="Consolas" panose="020B0609020204030204" pitchFamily="49" charset="0"/>
-              </a:rPr>
-              <a:t>(</a:t>
-            </a:r>
-            <a:r>
-              <a:rPr lang="en-US" sz="2400" dirty="0" err="1">
-                <a:solidFill>
-                  <a:srgbClr val="000000"/>
-                </a:solidFill>
-                <a:highlight>
-                  <a:srgbClr val="FFFFFF"/>
-                </a:highlight>
-                <a:latin typeface="Consolas" panose="020B0609020204030204" pitchFamily="49" charset="0"/>
-              </a:rPr>
-              <a:t>myOwnObject</a:t>
-            </a:r>
-            <a:r>
-              <a:rPr lang="en-US" sz="2400" dirty="0">
-                <a:solidFill>
-                  <a:srgbClr val="000000"/>
-                </a:solidFill>
-                <a:highlight>
-                  <a:srgbClr val="FFFFFF"/>
-                </a:highlight>
-                <a:latin typeface="Consolas" panose="020B0609020204030204" pitchFamily="49" charset="0"/>
-              </a:rPr>
-              <a:t>,</a:t>
-            </a:r>
-          </a:p>
-          <a:p>
-            <a:pPr marL="0" indent="0">
-              <a:buNone/>
-            </a:pPr>
-            <a:r>
-              <a:rPr lang="en-US" sz="2400" dirty="0">
-                <a:solidFill>
-                  <a:srgbClr val="2B91AF"/>
-                </a:solidFill>
-                <a:highlight>
-                  <a:srgbClr val="FFFFFF"/>
-                </a:highlight>
-                <a:latin typeface="Consolas" panose="020B0609020204030204" pitchFamily="49" charset="0"/>
-              </a:rPr>
-              <a:t>	</a:t>
-            </a:r>
-            <a:r>
-              <a:rPr lang="en-US" sz="2400" dirty="0" err="1">
-                <a:solidFill>
-                  <a:srgbClr val="2B91AF"/>
-                </a:solidFill>
-                <a:highlight>
-                  <a:srgbClr val="FFFFFF"/>
-                </a:highlight>
-                <a:latin typeface="Consolas" panose="020B0609020204030204" pitchFamily="49" charset="0"/>
-              </a:rPr>
-              <a:t>Is</a:t>
-            </a:r>
-            <a:r>
-              <a:rPr lang="en-US" sz="2400" dirty="0" err="1">
-                <a:solidFill>
-                  <a:srgbClr val="000000"/>
-                </a:solidFill>
-                <a:highlight>
-                  <a:srgbClr val="FFFFFF"/>
-                </a:highlight>
-                <a:latin typeface="Consolas" panose="020B0609020204030204" pitchFamily="49" charset="0"/>
-              </a:rPr>
-              <a:t>.GreaterThan</a:t>
-            </a:r>
-            <a:r>
-              <a:rPr lang="en-US" sz="2400" dirty="0">
-                <a:solidFill>
-                  <a:srgbClr val="000000"/>
-                </a:solidFill>
-                <a:highlight>
-                  <a:srgbClr val="FFFFFF"/>
-                </a:highlight>
-                <a:latin typeface="Consolas" panose="020B0609020204030204" pitchFamily="49" charset="0"/>
-              </a:rPr>
-              <a:t>(42).Using(</a:t>
-            </a:r>
-            <a:r>
-              <a:rPr lang="en-US" sz="2400" dirty="0" err="1">
-                <a:solidFill>
-                  <a:srgbClr val="000000"/>
-                </a:solidFill>
-                <a:highlight>
-                  <a:srgbClr val="FFFFFF"/>
-                </a:highlight>
-                <a:latin typeface="Consolas" panose="020B0609020204030204" pitchFamily="49" charset="0"/>
-              </a:rPr>
-              <a:t>myComparer</a:t>
-            </a:r>
-            <a:r>
-              <a:rPr lang="en-US" sz="2400" dirty="0">
-                <a:solidFill>
-                  <a:srgbClr val="000000"/>
-                </a:solidFill>
-                <a:highlight>
-                  <a:srgbClr val="FFFFFF"/>
-                </a:highlight>
-                <a:latin typeface="Consolas" panose="020B0609020204030204" pitchFamily="49" charset="0"/>
-              </a:rPr>
-              <a:t>));</a:t>
-            </a:r>
-          </a:p>
-        </p:txBody>
-      </p:sp>
-      <p:sp>
-        <p:nvSpPr>
-          <p:cNvPr id="6" name="Прямоугольник 5"/>
-          <p:cNvSpPr/>
-          <p:nvPr/>
-        </p:nvSpPr>
-        <p:spPr>
-          <a:xfrm>
-            <a:off x="2152650" y="3310901"/>
-            <a:ext cx="5374035" cy="1815882"/>
-          </a:xfrm>
-          <a:prstGeom prst="rect">
-            <a:avLst/>
-          </a:prstGeom>
-        </p:spPr>
-        <p:txBody>
-          <a:bodyPr wrap="none">
-            <a:spAutoFit/>
-          </a:bodyPr>
-          <a:lstStyle/>
-          <a:p>
-            <a:r>
-              <a:rPr lang="en-US" sz="2800" dirty="0" smtClean="0"/>
-              <a:t>Assert —</a:t>
-            </a:r>
-            <a:r>
-              <a:rPr lang="ru-RU" sz="2800" dirty="0"/>
-              <a:t> </a:t>
-            </a:r>
-            <a:r>
-              <a:rPr lang="ru-RU" sz="2800" dirty="0" smtClean="0"/>
-              <a:t>класс</a:t>
-            </a:r>
-          </a:p>
-          <a:p>
-            <a:r>
-              <a:rPr lang="en-US" sz="2800" dirty="0" smtClean="0"/>
-              <a:t>That — </a:t>
-            </a:r>
-            <a:r>
-              <a:rPr lang="ru-RU" sz="2800" dirty="0" smtClean="0"/>
-              <a:t>статический метод</a:t>
-            </a:r>
-          </a:p>
-          <a:p>
-            <a:r>
-              <a:rPr lang="en-US" sz="2800" dirty="0" smtClean="0"/>
-              <a:t>Is — </a:t>
-            </a:r>
-            <a:r>
-              <a:rPr lang="ru-RU" sz="2800" dirty="0" smtClean="0"/>
-              <a:t>класс</a:t>
-            </a:r>
-          </a:p>
-          <a:p>
-            <a:r>
-              <a:rPr lang="en-US" sz="2800" dirty="0" err="1" smtClean="0"/>
-              <a:t>GreaterThan</a:t>
-            </a:r>
-            <a:r>
-              <a:rPr lang="en-US" sz="2800" dirty="0" smtClean="0"/>
-              <a:t> — </a:t>
-            </a:r>
-            <a:r>
-              <a:rPr lang="ru-RU" sz="2800" dirty="0" smtClean="0"/>
-              <a:t>статический метод</a:t>
-            </a:r>
-            <a:endParaRPr lang="en-US" sz="2800" dirty="0"/>
-          </a:p>
-        </p:txBody>
-      </p:sp>
-    </p:spTree>
-    <p:extLst>
-      <p:ext uri="{BB962C8B-B14F-4D97-AF65-F5344CB8AC3E}">
-        <p14:creationId xmlns:p14="http://schemas.microsoft.com/office/powerpoint/2010/main" val="1549668927"/>
-      </p:ext>
-    </p:extLst>
-  </p:cSld>
-  <p:clrMapOvr>
-    <a:masterClrMapping/>
-  </p:clrMapOvr>
-  <p:timing>
-    <p:tnLst>
-      <p:par>
-        <p:cTn id="1" dur="indefinite" restart="never" nodeType="tmRoot">
-          <p:childTnLst>
-            <p:seq concurrent="1" nextAc="seek">
-              <p:cTn id="2" dur="indefinite" nodeType="mainSeq">
-                <p:childTnLst>
-                  <p:par>
-                    <p:cTn id="3" fill="hold">
-                      <p:stCondLst>
-                        <p:cond delay="indefinite"/>
-                      </p:stCondLst>
-                      <p:childTnLst>
-                        <p:par>
-                          <p:cTn id="4" fill="hold">
-                            <p:stCondLst>
-                              <p:cond delay="0"/>
-                            </p:stCondLst>
-                            <p:childTnLst>
-                              <p:par>
-                                <p:cTn id="5" presetID="1" presetClass="entr" presetSubtype="0" fill="hold" grpId="0" nodeType="clickEffect">
-                                  <p:stCondLst>
-                                    <p:cond delay="0"/>
-                                  </p:stCondLst>
-                                  <p:childTnLst>
-                                    <p:set>
-                                      <p:cBhvr>
-                                        <p:cTn id="6" dur="1" fill="hold">
-                                          <p:stCondLst>
-                                            <p:cond delay="0"/>
-                                          </p:stCondLst>
-                                        </p:cTn>
-                                        <p:tgtEl>
-                                          <p:spTgt spid="6">
-                                            <p:txEl>
-                                              <p:pRg st="0" end="0"/>
-                                            </p:txEl>
-                                          </p:spTgt>
-                                        </p:tgtEl>
-                                        <p:attrNameLst>
-                                          <p:attrName>style.visibility</p:attrName>
-                                        </p:attrNameLst>
-                                      </p:cBhvr>
-                                      <p:to>
-                                        <p:strVal val="visible"/>
-                                      </p:to>
-                                    </p:set>
-                                  </p:childTnLst>
-                                </p:cTn>
-                              </p:par>
-                            </p:childTnLst>
-                          </p:cTn>
-                        </p:par>
-                      </p:childTnLst>
-                    </p:cTn>
-                  </p:par>
-                  <p:par>
-                    <p:cTn id="7" fill="hold">
-                      <p:stCondLst>
-                        <p:cond delay="indefinite"/>
-                      </p:stCondLst>
-                      <p:childTnLst>
-                        <p:par>
-                          <p:cTn id="8" fill="hold">
-                            <p:stCondLst>
-                              <p:cond delay="0"/>
-                            </p:stCondLst>
-                            <p:childTnLst>
-                              <p:par>
-                                <p:cTn id="9" presetID="1" presetClass="entr" presetSubtype="0" fill="hold" grpId="0" nodeType="clickEffect">
-                                  <p:stCondLst>
-                                    <p:cond delay="0"/>
-                                  </p:stCondLst>
-                                  <p:childTnLst>
-                                    <p:set>
-                                      <p:cBhvr>
-                                        <p:cTn id="10" dur="1" fill="hold">
-                                          <p:stCondLst>
-                                            <p:cond delay="0"/>
-                                          </p:stCondLst>
-                                        </p:cTn>
-                                        <p:tgtEl>
-                                          <p:spTgt spid="6">
-                                            <p:txEl>
-                                              <p:pRg st="1" end="1"/>
-                                            </p:txEl>
-                                          </p:spTgt>
-                                        </p:tgtEl>
-                                        <p:attrNameLst>
-                                          <p:attrName>style.visibility</p:attrName>
-                                        </p:attrNameLst>
-                                      </p:cBhvr>
-                                      <p:to>
-                                        <p:strVal val="visible"/>
-                                      </p:to>
-                                    </p:set>
-                                  </p:childTnLst>
-                                </p:cTn>
-                              </p:par>
-                            </p:childTnLst>
-                          </p:cTn>
-                        </p:par>
-                      </p:childTnLst>
-                    </p:cTn>
-                  </p:par>
-                  <p:par>
-                    <p:cTn id="11" fill="hold">
-                      <p:stCondLst>
-                        <p:cond delay="indefinite"/>
-                      </p:stCondLst>
-                      <p:childTnLst>
-                        <p:par>
-                          <p:cTn id="12" fill="hold">
-                            <p:stCondLst>
-                              <p:cond delay="0"/>
-                            </p:stCondLst>
-                            <p:childTnLst>
-                              <p:par>
-                                <p:cTn id="13" presetID="1" presetClass="entr" presetSubtype="0" fill="hold" grpId="0" nodeType="clickEffect">
-                                  <p:stCondLst>
-                                    <p:cond delay="0"/>
-                                  </p:stCondLst>
-                                  <p:childTnLst>
-                                    <p:set>
-                                      <p:cBhvr>
-                                        <p:cTn id="14" dur="1" fill="hold">
-                                          <p:stCondLst>
-                                            <p:cond delay="0"/>
-                                          </p:stCondLst>
-                                        </p:cTn>
-                                        <p:tgtEl>
-                                          <p:spTgt spid="6">
-                                            <p:txEl>
-                                              <p:pRg st="2" end="2"/>
-                                            </p:txEl>
-                                          </p:spTgt>
-                                        </p:tgtEl>
-                                        <p:attrNameLst>
-                                          <p:attrName>style.visibility</p:attrName>
-                                        </p:attrNameLst>
-                                      </p:cBhvr>
-                                      <p:to>
-                                        <p:strVal val="visible"/>
-                                      </p:to>
-                                    </p:set>
-                                  </p:childTnLst>
-                                </p:cTn>
-                              </p:par>
-                            </p:childTnLst>
-                          </p:cTn>
-                        </p:par>
-                      </p:childTnLst>
-                    </p:cTn>
-                  </p:par>
-                  <p:par>
-                    <p:cTn id="15" fill="hold">
-                      <p:stCondLst>
-                        <p:cond delay="indefinite"/>
-                      </p:stCondLst>
-                      <p:childTnLst>
-                        <p:par>
-                          <p:cTn id="16" fill="hold">
-                            <p:stCondLst>
-                              <p:cond delay="0"/>
-                            </p:stCondLst>
-                            <p:childTnLst>
-                              <p:par>
-                                <p:cTn id="17" presetID="1" presetClass="entr" presetSubtype="0" fill="hold" grpId="0" nodeType="clickEffect">
-                                  <p:stCondLst>
-                                    <p:cond delay="0"/>
-                                  </p:stCondLst>
-                                  <p:childTnLst>
-                                    <p:set>
-                                      <p:cBhvr>
-                                        <p:cTn id="18" dur="1" fill="hold">
-                                          <p:stCondLst>
-                                            <p:cond delay="0"/>
-                                          </p:stCondLst>
-                                        </p:cTn>
-                                        <p:tgtEl>
-                                          <p:spTgt spid="6">
-                                            <p:txEl>
-                                              <p:pRg st="3" end="3"/>
-                                            </p:txEl>
-                                          </p:spTgt>
-                                        </p:tgtEl>
-                                        <p:attrNameLst>
-                                          <p:attrName>style.visibility</p:attrName>
-                                        </p:attrNameLst>
-                                      </p:cBhvr>
-                                      <p:to>
-                                        <p:strVal val="visible"/>
-                                      </p:to>
-                                    </p:set>
-                                  </p:childTnLst>
-                                </p:cTn>
-                              </p:par>
-                            </p:childTnLst>
-                          </p:cTn>
-                        </p:par>
-                      </p:childTnLst>
-                    </p:cTn>
-                  </p:par>
-                </p:childTnLst>
-              </p:cTn>
-              <p:prevCondLst>
-                <p:cond evt="onPrev" delay="0">
-                  <p:tgtEl>
-                    <p:sldTgt/>
-                  </p:tgtEl>
-                </p:cond>
-              </p:prevCondLst>
-              <p:nextCondLst>
-                <p:cond evt="onNext" delay="0">
-                  <p:tgtEl>
-                    <p:sldTgt/>
-                  </p:tgtEl>
-                </p:cond>
-              </p:nextCondLst>
-            </p:seq>
-          </p:childTnLst>
-        </p:cTn>
-      </p:par>
-    </p:tnLst>
-    <p:bldLst>
-      <p:bldP spid="6" grpId="0" build="p"/>
     </p:bldLst>
   </p:timing>
 </p:sld>

--- a/fluent-api.pptx
+++ b/fluent-api.pptx
@@ -7174,7 +7174,7 @@
           <a:p>
             <a:fld id="{1D12B38D-150E-44F0-AD67-CE4A0E7D73CD}" type="datetimeFigureOut">
               <a:rPr lang="ru-RU" smtClean="0"/>
-              <a:t>03.10.2016</a:t>
+              <a:t>07.10.2016</a:t>
             </a:fld>
             <a:endParaRPr lang="ru-RU"/>
           </a:p>
@@ -7630,7 +7630,7 @@
             </a:r>
             <a:r>
               <a:rPr lang="ru-RU" dirty="0"/>
-              <a:t> — </a:t>
+              <a:t> —статические методы </a:t>
             </a:r>
             <a:r>
               <a:rPr lang="ru-RU" baseline="0" dirty="0"/>
@@ -12568,7 +12568,7 @@
 </file>
 
 <file path=ppt/slides/slide10.xml><?xml version="1.0" encoding="utf-8"?>
-<p:sld xmlns:a="http://schemas.openxmlformats.org/drawingml/2006/main" xmlns:r="http://schemas.openxmlformats.org/officeDocument/2006/relationships" xmlns:p="http://schemas.openxmlformats.org/presentationml/2006/main">
+<p:sld xmlns:a="http://schemas.openxmlformats.org/drawingml/2006/main" xmlns:r="http://schemas.openxmlformats.org/officeDocument/2006/relationships" xmlns:p="http://schemas.openxmlformats.org/presentationml/2006/main" show="0">
   <p:cSld>
     <p:spTree>
       <p:nvGrpSpPr>
@@ -13242,240 +13242,11 @@
   <p:clrMapOvr>
     <a:masterClrMapping/>
   </p:clrMapOvr>
-  <p:timing>
-    <p:tnLst>
-      <p:par>
-        <p:cTn id="1" dur="indefinite" restart="never" nodeType="tmRoot">
-          <p:childTnLst>
-            <p:seq concurrent="1" nextAc="seek">
-              <p:cTn id="2" dur="indefinite" nodeType="mainSeq">
-                <p:childTnLst>
-                  <p:par>
-                    <p:cTn id="3" fill="hold">
-                      <p:stCondLst>
-                        <p:cond delay="indefinite"/>
-                      </p:stCondLst>
-                      <p:childTnLst>
-                        <p:par>
-                          <p:cTn id="4" fill="hold">
-                            <p:stCondLst>
-                              <p:cond delay="0"/>
-                            </p:stCondLst>
-                            <p:childTnLst>
-                              <p:par>
-                                <p:cTn id="5" presetID="1" presetClass="entr" presetSubtype="0" fill="hold" grpId="0" nodeType="clickEffect">
-                                  <p:stCondLst>
-                                    <p:cond delay="0"/>
-                                  </p:stCondLst>
-                                  <p:childTnLst>
-                                    <p:set>
-                                      <p:cBhvr>
-                                        <p:cTn id="6" dur="1" fill="hold">
-                                          <p:stCondLst>
-                                            <p:cond delay="0"/>
-                                          </p:stCondLst>
-                                        </p:cTn>
-                                        <p:tgtEl>
-                                          <p:spTgt spid="6">
-                                            <p:txEl>
-                                              <p:pRg st="0" end="0"/>
-                                            </p:txEl>
-                                          </p:spTgt>
-                                        </p:tgtEl>
-                                        <p:attrNameLst>
-                                          <p:attrName>style.visibility</p:attrName>
-                                        </p:attrNameLst>
-                                      </p:cBhvr>
-                                      <p:to>
-                                        <p:strVal val="visible"/>
-                                      </p:to>
-                                    </p:set>
-                                  </p:childTnLst>
-                                </p:cTn>
-                              </p:par>
-                            </p:childTnLst>
-                          </p:cTn>
-                        </p:par>
-                      </p:childTnLst>
-                    </p:cTn>
-                  </p:par>
-                  <p:par>
-                    <p:cTn id="7" fill="hold">
-                      <p:stCondLst>
-                        <p:cond delay="indefinite"/>
-                      </p:stCondLst>
-                      <p:childTnLst>
-                        <p:par>
-                          <p:cTn id="8" fill="hold">
-                            <p:stCondLst>
-                              <p:cond delay="0"/>
-                            </p:stCondLst>
-                            <p:childTnLst>
-                              <p:par>
-                                <p:cTn id="9" presetID="1" presetClass="entr" presetSubtype="0" fill="hold" grpId="0" nodeType="clickEffect">
-                                  <p:stCondLst>
-                                    <p:cond delay="0"/>
-                                  </p:stCondLst>
-                                  <p:childTnLst>
-                                    <p:set>
-                                      <p:cBhvr>
-                                        <p:cTn id="10" dur="1" fill="hold">
-                                          <p:stCondLst>
-                                            <p:cond delay="0"/>
-                                          </p:stCondLst>
-                                        </p:cTn>
-                                        <p:tgtEl>
-                                          <p:spTgt spid="6">
-                                            <p:txEl>
-                                              <p:pRg st="1" end="1"/>
-                                            </p:txEl>
-                                          </p:spTgt>
-                                        </p:tgtEl>
-                                        <p:attrNameLst>
-                                          <p:attrName>style.visibility</p:attrName>
-                                        </p:attrNameLst>
-                                      </p:cBhvr>
-                                      <p:to>
-                                        <p:strVal val="visible"/>
-                                      </p:to>
-                                    </p:set>
-                                  </p:childTnLst>
-                                </p:cTn>
-                              </p:par>
-                            </p:childTnLst>
-                          </p:cTn>
-                        </p:par>
-                      </p:childTnLst>
-                    </p:cTn>
-                  </p:par>
-                  <p:par>
-                    <p:cTn id="11" fill="hold">
-                      <p:stCondLst>
-                        <p:cond delay="indefinite"/>
-                      </p:stCondLst>
-                      <p:childTnLst>
-                        <p:par>
-                          <p:cTn id="12" fill="hold">
-                            <p:stCondLst>
-                              <p:cond delay="0"/>
-                            </p:stCondLst>
-                            <p:childTnLst>
-                              <p:par>
-                                <p:cTn id="13" presetID="1" presetClass="entr" presetSubtype="0" fill="hold" grpId="0" nodeType="clickEffect">
-                                  <p:stCondLst>
-                                    <p:cond delay="0"/>
-                                  </p:stCondLst>
-                                  <p:childTnLst>
-                                    <p:set>
-                                      <p:cBhvr>
-                                        <p:cTn id="14" dur="1" fill="hold">
-                                          <p:stCondLst>
-                                            <p:cond delay="0"/>
-                                          </p:stCondLst>
-                                        </p:cTn>
-                                        <p:tgtEl>
-                                          <p:spTgt spid="6">
-                                            <p:txEl>
-                                              <p:pRg st="2" end="2"/>
-                                            </p:txEl>
-                                          </p:spTgt>
-                                        </p:tgtEl>
-                                        <p:attrNameLst>
-                                          <p:attrName>style.visibility</p:attrName>
-                                        </p:attrNameLst>
-                                      </p:cBhvr>
-                                      <p:to>
-                                        <p:strVal val="visible"/>
-                                      </p:to>
-                                    </p:set>
-                                  </p:childTnLst>
-                                </p:cTn>
-                              </p:par>
-                            </p:childTnLst>
-                          </p:cTn>
-                        </p:par>
-                      </p:childTnLst>
-                    </p:cTn>
-                  </p:par>
-                  <p:par>
-                    <p:cTn id="15" fill="hold">
-                      <p:stCondLst>
-                        <p:cond delay="indefinite"/>
-                      </p:stCondLst>
-                      <p:childTnLst>
-                        <p:par>
-                          <p:cTn id="16" fill="hold">
-                            <p:stCondLst>
-                              <p:cond delay="0"/>
-                            </p:stCondLst>
-                            <p:childTnLst>
-                              <p:par>
-                                <p:cTn id="17" presetID="1" presetClass="entr" presetSubtype="0" fill="hold" grpId="0" nodeType="clickEffect">
-                                  <p:stCondLst>
-                                    <p:cond delay="0"/>
-                                  </p:stCondLst>
-                                  <p:childTnLst>
-                                    <p:set>
-                                      <p:cBhvr>
-                                        <p:cTn id="18" dur="1" fill="hold">
-                                          <p:stCondLst>
-                                            <p:cond delay="0"/>
-                                          </p:stCondLst>
-                                        </p:cTn>
-                                        <p:tgtEl>
-                                          <p:spTgt spid="6">
-                                            <p:txEl>
-                                              <p:pRg st="3" end="3"/>
-                                            </p:txEl>
-                                          </p:spTgt>
-                                        </p:tgtEl>
-                                        <p:attrNameLst>
-                                          <p:attrName>style.visibility</p:attrName>
-                                        </p:attrNameLst>
-                                      </p:cBhvr>
-                                      <p:to>
-                                        <p:strVal val="visible"/>
-                                      </p:to>
-                                    </p:set>
-                                  </p:childTnLst>
-                                </p:cTn>
-                              </p:par>
-                            </p:childTnLst>
-                          </p:cTn>
-                        </p:par>
-                      </p:childTnLst>
-                    </p:cTn>
-                  </p:par>
-                </p:childTnLst>
-              </p:cTn>
-              <p:prevCondLst>
-                <p:cond evt="onPrev" delay="0">
-                  <p:tgtEl>
-                    <p:sldTgt/>
-                  </p:tgtEl>
-                </p:cond>
-              </p:prevCondLst>
-              <p:nextCondLst>
-                <p:cond evt="onNext" delay="0">
-                  <p:tgtEl>
-                    <p:sldTgt/>
-                  </p:tgtEl>
-                </p:cond>
-              </p:nextCondLst>
-            </p:seq>
-          </p:childTnLst>
-        </p:cTn>
-      </p:par>
-    </p:tnLst>
-    <p:bldLst>
-      <p:bldP spid="6" grpId="0" build="p"/>
-    </p:bldLst>
-  </p:timing>
 </p:sld>
 </file>
 
 <file path=ppt/slides/slide12.xml><?xml version="1.0" encoding="utf-8"?>
-<p:sld xmlns:a="http://schemas.openxmlformats.org/drawingml/2006/main" xmlns:r="http://schemas.openxmlformats.org/officeDocument/2006/relationships" xmlns:p="http://schemas.openxmlformats.org/presentationml/2006/main">
+<p:sld xmlns:a="http://schemas.openxmlformats.org/drawingml/2006/main" xmlns:r="http://schemas.openxmlformats.org/officeDocument/2006/relationships" xmlns:p="http://schemas.openxmlformats.org/presentationml/2006/main" show="0">
   <p:cSld>
     <p:spTree>
       <p:nvGrpSpPr>
@@ -14044,7 +13815,7 @@
 </file>
 
 <file path=ppt/slides/slide13.xml><?xml version="1.0" encoding="utf-8"?>
-<p:sld xmlns:a="http://schemas.openxmlformats.org/drawingml/2006/main" xmlns:r="http://schemas.openxmlformats.org/officeDocument/2006/relationships" xmlns:p="http://schemas.openxmlformats.org/presentationml/2006/main">
+<p:sld xmlns:a="http://schemas.openxmlformats.org/drawingml/2006/main" xmlns:r="http://schemas.openxmlformats.org/officeDocument/2006/relationships" xmlns:p="http://schemas.openxmlformats.org/presentationml/2006/main" show="0">
   <p:cSld>
     <p:spTree>
       <p:nvGrpSpPr>
@@ -14591,7 +14362,7 @@
 </file>
 
 <file path=ppt/slides/slide14.xml><?xml version="1.0" encoding="utf-8"?>
-<p:sld xmlns:a="http://schemas.openxmlformats.org/drawingml/2006/main" xmlns:r="http://schemas.openxmlformats.org/officeDocument/2006/relationships" xmlns:p="http://schemas.openxmlformats.org/presentationml/2006/main">
+<p:sld xmlns:a="http://schemas.openxmlformats.org/drawingml/2006/main" xmlns:r="http://schemas.openxmlformats.org/officeDocument/2006/relationships" xmlns:p="http://schemas.openxmlformats.org/presentationml/2006/main" show="0">
   <p:cSld>
     <p:spTree>
       <p:nvGrpSpPr>
@@ -15086,7 +14857,7 @@
 </file>
 
 <file path=ppt/slides/slide15.xml><?xml version="1.0" encoding="utf-8"?>
-<p:sld xmlns:a="http://schemas.openxmlformats.org/drawingml/2006/main" xmlns:r="http://schemas.openxmlformats.org/officeDocument/2006/relationships" xmlns:p="http://schemas.openxmlformats.org/presentationml/2006/main">
+<p:sld xmlns:a="http://schemas.openxmlformats.org/drawingml/2006/main" xmlns:r="http://schemas.openxmlformats.org/officeDocument/2006/relationships" xmlns:p="http://schemas.openxmlformats.org/presentationml/2006/main" show="0">
   <p:cSld>
     <p:spTree>
       <p:nvGrpSpPr>
@@ -16049,6 +15820,10 @@
           <a:lstStyle/>
           <a:p>
             <a:r>
+              <a:rPr lang="ru-RU" dirty="0"/>
+              <a:t>Пример </a:t>
+            </a:r>
+            <a:r>
               <a:rPr lang="en-US" dirty="0"/>
               <a:t>jQuery</a:t>
             </a:r>
@@ -16111,7 +15886,7 @@
 </file>
 
 <file path=ppt/slides/slide17.xml><?xml version="1.0" encoding="utf-8"?>
-<p:sld xmlns:a="http://schemas.openxmlformats.org/drawingml/2006/main" xmlns:r="http://schemas.openxmlformats.org/officeDocument/2006/relationships" xmlns:p="http://schemas.openxmlformats.org/presentationml/2006/main">
+<p:sld xmlns:a="http://schemas.openxmlformats.org/drawingml/2006/main" xmlns:r="http://schemas.openxmlformats.org/officeDocument/2006/relationships" xmlns:p="http://schemas.openxmlformats.org/presentationml/2006/main" show="0">
   <p:cSld>
     <p:spTree>
       <p:nvGrpSpPr>
@@ -16736,7 +16511,7 @@
 </file>
 
 <file path=ppt/slides/slide18.xml><?xml version="1.0" encoding="utf-8"?>
-<p:sld xmlns:a="http://schemas.openxmlformats.org/drawingml/2006/main" xmlns:r="http://schemas.openxmlformats.org/officeDocument/2006/relationships" xmlns:p="http://schemas.openxmlformats.org/presentationml/2006/main">
+<p:sld xmlns:a="http://schemas.openxmlformats.org/drawingml/2006/main" xmlns:r="http://schemas.openxmlformats.org/officeDocument/2006/relationships" xmlns:p="http://schemas.openxmlformats.org/presentationml/2006/main" show="0">
   <p:cSld>
     <p:spTree>
       <p:nvGrpSpPr>
@@ -17168,7 +16943,7 @@
 </file>
 
 <file path=ppt/slides/slide19.xml><?xml version="1.0" encoding="utf-8"?>
-<p:sld xmlns:a="http://schemas.openxmlformats.org/drawingml/2006/main" xmlns:r="http://schemas.openxmlformats.org/officeDocument/2006/relationships" xmlns:p="http://schemas.openxmlformats.org/presentationml/2006/main">
+<p:sld xmlns:a="http://schemas.openxmlformats.org/drawingml/2006/main" xmlns:r="http://schemas.openxmlformats.org/officeDocument/2006/relationships" xmlns:p="http://schemas.openxmlformats.org/presentationml/2006/main" show="0">
   <p:cSld>
     <p:spTree>
       <p:nvGrpSpPr>
@@ -24852,7 +24627,7 @@
 </file>
 
 <file path=ppt/slides/slide5.xml><?xml version="1.0" encoding="utf-8"?>
-<p:sld xmlns:a="http://schemas.openxmlformats.org/drawingml/2006/main" xmlns:r="http://schemas.openxmlformats.org/officeDocument/2006/relationships" xmlns:p="http://schemas.openxmlformats.org/presentationml/2006/main">
+<p:sld xmlns:a="http://schemas.openxmlformats.org/drawingml/2006/main" xmlns:r="http://schemas.openxmlformats.org/officeDocument/2006/relationships" xmlns:p="http://schemas.openxmlformats.org/presentationml/2006/main" show="0">
   <p:cSld>
     <p:spTree>
       <p:nvGrpSpPr>
@@ -24941,7 +24716,7 @@
 </file>
 
 <file path=ppt/slides/slide6.xml><?xml version="1.0" encoding="utf-8"?>
-<p:sld xmlns:a="http://schemas.openxmlformats.org/drawingml/2006/main" xmlns:r="http://schemas.openxmlformats.org/officeDocument/2006/relationships" xmlns:p="http://schemas.openxmlformats.org/presentationml/2006/main">
+<p:sld xmlns:a="http://schemas.openxmlformats.org/drawingml/2006/main" xmlns:r="http://schemas.openxmlformats.org/officeDocument/2006/relationships" xmlns:p="http://schemas.openxmlformats.org/presentationml/2006/main" show="0">
   <p:cSld>
     <p:spTree>
       <p:nvGrpSpPr>
@@ -25335,7 +25110,7 @@
 </file>
 
 <file path=ppt/slides/slide7.xml><?xml version="1.0" encoding="utf-8"?>
-<p:sld xmlns:a="http://schemas.openxmlformats.org/drawingml/2006/main" xmlns:r="http://schemas.openxmlformats.org/officeDocument/2006/relationships" xmlns:p="http://schemas.openxmlformats.org/presentationml/2006/main">
+<p:sld xmlns:a="http://schemas.openxmlformats.org/drawingml/2006/main" xmlns:r="http://schemas.openxmlformats.org/officeDocument/2006/relationships" xmlns:p="http://schemas.openxmlformats.org/presentationml/2006/main" show="0">
   <p:cSld>
     <p:spTree>
       <p:nvGrpSpPr>
@@ -25497,7 +25272,7 @@
 </file>
 
 <file path=ppt/slides/slide8.xml><?xml version="1.0" encoding="utf-8"?>
-<p:sld xmlns:a="http://schemas.openxmlformats.org/drawingml/2006/main" xmlns:r="http://schemas.openxmlformats.org/officeDocument/2006/relationships" xmlns:p="http://schemas.openxmlformats.org/presentationml/2006/main">
+<p:sld xmlns:a="http://schemas.openxmlformats.org/drawingml/2006/main" xmlns:r="http://schemas.openxmlformats.org/officeDocument/2006/relationships" xmlns:p="http://schemas.openxmlformats.org/presentationml/2006/main" show="0">
   <p:cSld>
     <p:spTree>
       <p:nvGrpSpPr>
@@ -27265,130 +27040,6 @@
   <p:clrMapOvr>
     <a:masterClrMapping/>
   </p:clrMapOvr>
-  <p:timing>
-    <p:tnLst>
-      <p:par>
-        <p:cTn id="1" dur="indefinite" restart="never" nodeType="tmRoot">
-          <p:childTnLst>
-            <p:seq concurrent="1" nextAc="seek">
-              <p:cTn id="2" dur="indefinite" nodeType="mainSeq">
-                <p:childTnLst>
-                  <p:par>
-                    <p:cTn id="3" fill="hold">
-                      <p:stCondLst>
-                        <p:cond delay="indefinite"/>
-                      </p:stCondLst>
-                      <p:childTnLst>
-                        <p:par>
-                          <p:cTn id="4" fill="hold">
-                            <p:stCondLst>
-                              <p:cond delay="0"/>
-                            </p:stCondLst>
-                            <p:childTnLst>
-                              <p:par>
-                                <p:cTn id="5" presetID="1" presetClass="entr" presetSubtype="0" fill="hold" grpId="0" nodeType="clickEffect">
-                                  <p:stCondLst>
-                                    <p:cond delay="0"/>
-                                  </p:stCondLst>
-                                  <p:childTnLst>
-                                    <p:set>
-                                      <p:cBhvr>
-                                        <p:cTn id="6" dur="1" fill="hold">
-                                          <p:stCondLst>
-                                            <p:cond delay="0"/>
-                                          </p:stCondLst>
-                                        </p:cTn>
-                                        <p:tgtEl>
-                                          <p:spTgt spid="5"/>
-                                        </p:tgtEl>
-                                        <p:attrNameLst>
-                                          <p:attrName>style.visibility</p:attrName>
-                                        </p:attrNameLst>
-                                      </p:cBhvr>
-                                      <p:to>
-                                        <p:strVal val="visible"/>
-                                      </p:to>
-                                    </p:set>
-                                  </p:childTnLst>
-                                </p:cTn>
-                              </p:par>
-                            </p:childTnLst>
-                          </p:cTn>
-                        </p:par>
-                      </p:childTnLst>
-                    </p:cTn>
-                  </p:par>
-                  <p:par>
-                    <p:cTn id="7" fill="hold">
-                      <p:stCondLst>
-                        <p:cond delay="indefinite"/>
-                      </p:stCondLst>
-                      <p:childTnLst>
-                        <p:par>
-                          <p:cTn id="8" fill="hold">
-                            <p:stCondLst>
-                              <p:cond delay="0"/>
-                            </p:stCondLst>
-                            <p:childTnLst>
-                              <p:par>
-                                <p:cTn id="9" presetID="1" presetClass="entr" presetSubtype="0" fill="hold" grpId="0" nodeType="clickEffect">
-                                  <p:stCondLst>
-                                    <p:cond delay="0"/>
-                                  </p:stCondLst>
-                                  <p:childTnLst>
-                                    <p:set>
-                                      <p:cBhvr>
-                                        <p:cTn id="10" dur="1" fill="hold">
-                                          <p:stCondLst>
-                                            <p:cond delay="0"/>
-                                          </p:stCondLst>
-                                        </p:cTn>
-                                        <p:tgtEl>
-                                          <p:spTgt spid="6"/>
-                                        </p:tgtEl>
-                                        <p:attrNameLst>
-                                          <p:attrName>style.visibility</p:attrName>
-                                        </p:attrNameLst>
-                                      </p:cBhvr>
-                                      <p:to>
-                                        <p:strVal val="visible"/>
-                                      </p:to>
-                                    </p:set>
-                                  </p:childTnLst>
-                                </p:cTn>
-                              </p:par>
-                            </p:childTnLst>
-                          </p:cTn>
-                        </p:par>
-                      </p:childTnLst>
-                    </p:cTn>
-                  </p:par>
-                </p:childTnLst>
-              </p:cTn>
-              <p:prevCondLst>
-                <p:cond evt="onPrev" delay="0">
-                  <p:tgtEl>
-                    <p:sldTgt/>
-                  </p:tgtEl>
-                </p:cond>
-              </p:prevCondLst>
-              <p:nextCondLst>
-                <p:cond evt="onNext" delay="0">
-                  <p:tgtEl>
-                    <p:sldTgt/>
-                  </p:tgtEl>
-                </p:cond>
-              </p:nextCondLst>
-            </p:seq>
-          </p:childTnLst>
-        </p:cTn>
-      </p:par>
-    </p:tnLst>
-    <p:bldLst>
-      <p:bldP spid="5" grpId="0"/>
-      <p:bldP spid="6" grpId="0"/>
-    </p:bldLst>
-  </p:timing>
 </p:sld>
 </file>
 

--- a/fluent-api.pptx
+++ b/fluent-api.pptx
@@ -7174,7 +7174,7 @@
           <a:p>
             <a:fld id="{1D12B38D-150E-44F0-AD67-CE4A0E7D73CD}" type="datetimeFigureOut">
               <a:rPr lang="ru-RU" smtClean="0"/>
-              <a:t>07.10.2016</a:t>
+              <a:t>09.10.2016</a:t>
             </a:fld>
             <a:endParaRPr lang="ru-RU"/>
           </a:p>
@@ -27305,7 +27305,7 @@
         <a:srgbClr val="2B91AF"/>
       </a:accent5>
       <a:accent6>
-        <a:srgbClr val="F79646"/>
+        <a:srgbClr val="A31515"/>
       </a:accent6>
       <a:hlink>
         <a:srgbClr val="0070C0"/>

--- a/fluent-api.pptx
+++ b/fluent-api.pptx
@@ -6,7 +6,7 @@
     <p:sldMasterId id="2147483696" r:id="rId2"/>
   </p:sldMasterIdLst>
   <p:notesMasterIdLst>
-    <p:notesMasterId r:id="rId26"/>
+    <p:notesMasterId r:id="rId27"/>
   </p:notesMasterIdLst>
   <p:sldIdLst>
     <p:sldId id="439" r:id="rId3"/>
@@ -32,6 +32,7 @@
     <p:sldId id="437" r:id="rId23"/>
     <p:sldId id="448" r:id="rId24"/>
     <p:sldId id="446" r:id="rId25"/>
+    <p:sldId id="327" r:id="rId26"/>
   </p:sldIdLst>
   <p:sldSz cx="12192000" cy="6858000"/>
   <p:notesSz cx="6858000" cy="9144000"/>
@@ -178,6 +179,7 @@
         <p14:section name="Заключение" id="{1CCB96B6-6116-4768-B394-AD7157D1A2BB}">
           <p14:sldIdLst>
             <p14:sldId id="446"/>
+            <p14:sldId id="327"/>
           </p14:sldIdLst>
         </p14:section>
       </p14:sectionLst>
@@ -2499,13 +2501,6 @@
         </dgm:presLayoutVars>
       </dgm:prSet>
       <dgm:spPr/>
-      <dgm:t>
-        <a:bodyPr/>
-        <a:lstStyle/>
-        <a:p>
-          <a:endParaRPr lang="ru-RU"/>
-        </a:p>
-      </dgm:t>
     </dgm:pt>
     <dgm:pt modelId="{CF6D50B3-578A-4EA0-A5A0-492FA729F6ED}" type="pres">
       <dgm:prSet presAssocID="{B75F6A3A-9A51-4DF3-8A57-9AEB0739425C}" presName="composite" presStyleCnt="0"/>
@@ -2518,13 +2513,6 @@
         </dgm:presLayoutVars>
       </dgm:prSet>
       <dgm:spPr/>
-      <dgm:t>
-        <a:bodyPr/>
-        <a:lstStyle/>
-        <a:p>
-          <a:endParaRPr lang="ru-RU"/>
-        </a:p>
-      </dgm:t>
     </dgm:pt>
     <dgm:pt modelId="{61EB78D8-69FF-471D-8FEB-71388C442F55}" type="pres">
       <dgm:prSet presAssocID="{B75F6A3A-9A51-4DF3-8A57-9AEB0739425C}" presName="rect1" presStyleLbl="alignImgPlace1" presStyleIdx="0" presStyleCnt="1" custScaleX="596594" custScaleY="114980" custLinFactX="-64576" custLinFactNeighborX="-100000" custLinFactNeighborY="-13065"/>
@@ -2546,9 +2534,9 @@
     </dgm:pt>
   </dgm:ptLst>
   <dgm:cxnLst>
-    <dgm:cxn modelId="{017518C9-1619-4B19-AA03-86BA999BA287}" srcId="{EAB81984-5B84-4970-8447-2B456B8C58DF}" destId="{B75F6A3A-9A51-4DF3-8A57-9AEB0739425C}" srcOrd="0" destOrd="0" parTransId="{203596AF-4F49-40BA-B1E1-11BDD34B512E}" sibTransId="{A056157B-3867-49A4-9195-F3A4F3FBBA8E}"/>
     <dgm:cxn modelId="{1CEAA455-5BF4-4666-95B8-390900AB8124}" type="presOf" srcId="{EAB81984-5B84-4970-8447-2B456B8C58DF}" destId="{3A252E36-3D7E-49E5-B812-EE4CACF0D5CF}" srcOrd="0" destOrd="0" presId="urn:microsoft.com/office/officeart/2008/layout/PictureGrid"/>
     <dgm:cxn modelId="{147A14B3-96E8-4139-969B-9DB1BCB4D95E}" type="presOf" srcId="{B75F6A3A-9A51-4DF3-8A57-9AEB0739425C}" destId="{B29ABF60-EC0F-45AD-A90E-9C76D15C2F14}" srcOrd="0" destOrd="0" presId="urn:microsoft.com/office/officeart/2008/layout/PictureGrid"/>
+    <dgm:cxn modelId="{017518C9-1619-4B19-AA03-86BA999BA287}" srcId="{EAB81984-5B84-4970-8447-2B456B8C58DF}" destId="{B75F6A3A-9A51-4DF3-8A57-9AEB0739425C}" srcOrd="0" destOrd="0" parTransId="{203596AF-4F49-40BA-B1E1-11BDD34B512E}" sibTransId="{A056157B-3867-49A4-9195-F3A4F3FBBA8E}"/>
     <dgm:cxn modelId="{D3458AFA-605E-43EE-8C8A-0E0C1E3CD931}" type="presParOf" srcId="{3A252E36-3D7E-49E5-B812-EE4CACF0D5CF}" destId="{CF6D50B3-578A-4EA0-A5A0-492FA729F6ED}" srcOrd="0" destOrd="0" presId="urn:microsoft.com/office/officeart/2008/layout/PictureGrid"/>
     <dgm:cxn modelId="{9835F3F3-3E30-4AC4-AD89-BC095FA9A878}" type="presParOf" srcId="{CF6D50B3-578A-4EA0-A5A0-492FA729F6ED}" destId="{B29ABF60-EC0F-45AD-A90E-9C76D15C2F14}" srcOrd="0" destOrd="0" presId="urn:microsoft.com/office/officeart/2008/layout/PictureGrid"/>
     <dgm:cxn modelId="{70FA379F-7827-49B9-806E-1FD72CAE8F89}" type="presParOf" srcId="{CF6D50B3-578A-4EA0-A5A0-492FA729F6ED}" destId="{61EB78D8-69FF-471D-8FEB-71388C442F55}" srcOrd="1" destOrd="0" presId="urn:microsoft.com/office/officeart/2008/layout/PictureGrid"/>
@@ -2620,13 +2608,6 @@
         </dgm:presLayoutVars>
       </dgm:prSet>
       <dgm:spPr/>
-      <dgm:t>
-        <a:bodyPr/>
-        <a:lstStyle/>
-        <a:p>
-          <a:endParaRPr lang="ru-RU"/>
-        </a:p>
-      </dgm:t>
     </dgm:pt>
     <dgm:pt modelId="{CF6D50B3-578A-4EA0-A5A0-492FA729F6ED}" type="pres">
       <dgm:prSet presAssocID="{B75F6A3A-9A51-4DF3-8A57-9AEB0739425C}" presName="composite" presStyleCnt="0"/>
@@ -2639,13 +2620,6 @@
         </dgm:presLayoutVars>
       </dgm:prSet>
       <dgm:spPr/>
-      <dgm:t>
-        <a:bodyPr/>
-        <a:lstStyle/>
-        <a:p>
-          <a:endParaRPr lang="ru-RU"/>
-        </a:p>
-      </dgm:t>
     </dgm:pt>
     <dgm:pt modelId="{61EB78D8-69FF-471D-8FEB-71388C442F55}" type="pres">
       <dgm:prSet presAssocID="{B75F6A3A-9A51-4DF3-8A57-9AEB0739425C}" presName="rect1" presStyleLbl="alignImgPlace1" presStyleIdx="0" presStyleCnt="1" custScaleX="596594" custScaleY="114980" custLinFactX="-64576" custLinFactNeighborX="-100000" custLinFactNeighborY="-13065"/>
@@ -2667,9 +2641,9 @@
     </dgm:pt>
   </dgm:ptLst>
   <dgm:cxnLst>
-    <dgm:cxn modelId="{017518C9-1619-4B19-AA03-86BA999BA287}" srcId="{EAB81984-5B84-4970-8447-2B456B8C58DF}" destId="{B75F6A3A-9A51-4DF3-8A57-9AEB0739425C}" srcOrd="0" destOrd="0" parTransId="{203596AF-4F49-40BA-B1E1-11BDD34B512E}" sibTransId="{A056157B-3867-49A4-9195-F3A4F3FBBA8E}"/>
     <dgm:cxn modelId="{1CEAA455-5BF4-4666-95B8-390900AB8124}" type="presOf" srcId="{EAB81984-5B84-4970-8447-2B456B8C58DF}" destId="{3A252E36-3D7E-49E5-B812-EE4CACF0D5CF}" srcOrd="0" destOrd="0" presId="urn:microsoft.com/office/officeart/2008/layout/PictureGrid"/>
     <dgm:cxn modelId="{147A14B3-96E8-4139-969B-9DB1BCB4D95E}" type="presOf" srcId="{B75F6A3A-9A51-4DF3-8A57-9AEB0739425C}" destId="{B29ABF60-EC0F-45AD-A90E-9C76D15C2F14}" srcOrd="0" destOrd="0" presId="urn:microsoft.com/office/officeart/2008/layout/PictureGrid"/>
+    <dgm:cxn modelId="{017518C9-1619-4B19-AA03-86BA999BA287}" srcId="{EAB81984-5B84-4970-8447-2B456B8C58DF}" destId="{B75F6A3A-9A51-4DF3-8A57-9AEB0739425C}" srcOrd="0" destOrd="0" parTransId="{203596AF-4F49-40BA-B1E1-11BDD34B512E}" sibTransId="{A056157B-3867-49A4-9195-F3A4F3FBBA8E}"/>
     <dgm:cxn modelId="{D3458AFA-605E-43EE-8C8A-0E0C1E3CD931}" type="presParOf" srcId="{3A252E36-3D7E-49E5-B812-EE4CACF0D5CF}" destId="{CF6D50B3-578A-4EA0-A5A0-492FA729F6ED}" srcOrd="0" destOrd="0" presId="urn:microsoft.com/office/officeart/2008/layout/PictureGrid"/>
     <dgm:cxn modelId="{9835F3F3-3E30-4AC4-AD89-BC095FA9A878}" type="presParOf" srcId="{CF6D50B3-578A-4EA0-A5A0-492FA729F6ED}" destId="{B29ABF60-EC0F-45AD-A90E-9C76D15C2F14}" srcOrd="0" destOrd="0" presId="urn:microsoft.com/office/officeart/2008/layout/PictureGrid"/>
     <dgm:cxn modelId="{70FA379F-7827-49B9-806E-1FD72CAE8F89}" type="presParOf" srcId="{CF6D50B3-578A-4EA0-A5A0-492FA729F6ED}" destId="{61EB78D8-69FF-471D-8FEB-71388C442F55}" srcOrd="1" destOrd="0" presId="urn:microsoft.com/office/officeart/2008/layout/PictureGrid"/>
@@ -2759,13 +2733,6 @@
         </dgm:presLayoutVars>
       </dgm:prSet>
       <dgm:spPr/>
-      <dgm:t>
-        <a:bodyPr/>
-        <a:lstStyle/>
-        <a:p>
-          <a:endParaRPr lang="ru-RU"/>
-        </a:p>
-      </dgm:t>
     </dgm:pt>
     <dgm:pt modelId="{65D73C51-61AB-436D-8191-975603FC9C68}" type="pres">
       <dgm:prSet presAssocID="{9C9C0585-42CE-4F34-A2BB-F1377DA03788}" presName="composite" presStyleCnt="0"/>
@@ -2778,13 +2745,6 @@
         </dgm:presLayoutVars>
       </dgm:prSet>
       <dgm:spPr/>
-      <dgm:t>
-        <a:bodyPr/>
-        <a:lstStyle/>
-        <a:p>
-          <a:endParaRPr lang="ru-RU"/>
-        </a:p>
-      </dgm:t>
     </dgm:pt>
     <dgm:pt modelId="{DFDA3CA3-5C68-4A2F-A4A8-285063A35D87}" type="pres">
       <dgm:prSet presAssocID="{9C9C0585-42CE-4F34-A2BB-F1377DA03788}" presName="rect1" presStyleLbl="alignImgPlace1" presStyleIdx="0" presStyleCnt="1" custScaleX="62421" custScaleY="62421" custLinFactNeighborX="1076" custLinFactNeighborY="-52209"/>
@@ -2809,8 +2769,8 @@
     </dgm:pt>
   </dgm:ptLst>
   <dgm:cxnLst>
+    <dgm:cxn modelId="{A9E27516-E8E4-42A7-A155-024D48E79559}" type="presOf" srcId="{8F66C165-B39F-46D3-B19F-623799541DD3}" destId="{B6F028CB-F170-4FEF-BC3A-25F0E90D434A}" srcOrd="0" destOrd="0" presId="urn:microsoft.com/office/officeart/2008/layout/PictureGrid"/>
     <dgm:cxn modelId="{A177C822-7566-4410-A889-706A6CE15148}" srcId="{8F66C165-B39F-46D3-B19F-623799541DD3}" destId="{9C9C0585-42CE-4F34-A2BB-F1377DA03788}" srcOrd="0" destOrd="0" parTransId="{4E5DCF2B-AAE7-41E2-837F-518128C03597}" sibTransId="{56F70C7F-1925-4DBA-9BD6-AF5E91799A59}"/>
-    <dgm:cxn modelId="{A9E27516-E8E4-42A7-A155-024D48E79559}" type="presOf" srcId="{8F66C165-B39F-46D3-B19F-623799541DD3}" destId="{B6F028CB-F170-4FEF-BC3A-25F0E90D434A}" srcOrd="0" destOrd="0" presId="urn:microsoft.com/office/officeart/2008/layout/PictureGrid"/>
     <dgm:cxn modelId="{ACD53F50-5BA1-48C9-B5DF-09BF6DA4DE65}" type="presOf" srcId="{9C9C0585-42CE-4F34-A2BB-F1377DA03788}" destId="{A30F2283-C0A4-4A69-BCBE-833D967155A2}" srcOrd="0" destOrd="0" presId="urn:microsoft.com/office/officeart/2008/layout/PictureGrid"/>
     <dgm:cxn modelId="{CC189C1C-06A1-4F03-B886-67BF46A53703}" type="presParOf" srcId="{B6F028CB-F170-4FEF-BC3A-25F0E90D434A}" destId="{65D73C51-61AB-436D-8191-975603FC9C68}" srcOrd="0" destOrd="0" presId="urn:microsoft.com/office/officeart/2008/layout/PictureGrid"/>
     <dgm:cxn modelId="{CD7DB92E-B84F-43A0-AC2D-FBBFB40722EE}" type="presParOf" srcId="{65D73C51-61AB-436D-8191-975603FC9C68}" destId="{A30F2283-C0A4-4A69-BCBE-833D967155A2}" srcOrd="0" destOrd="0" presId="urn:microsoft.com/office/officeart/2008/layout/PictureGrid"/>
@@ -2871,7 +2831,7 @@
         </a:bodyPr>
         <a:lstStyle/>
         <a:p>
-          <a:pPr lvl="0" algn="l" defTabSz="222250">
+          <a:pPr marL="0" lvl="0" indent="0" algn="l" defTabSz="222250">
             <a:lnSpc>
               <a:spcPct val="90000"/>
             </a:lnSpc>
@@ -2881,6 +2841,7 @@
             <a:spcAft>
               <a:spcPct val="35000"/>
             </a:spcAft>
+            <a:buNone/>
           </a:pPr>
           <a:r>
             <a:rPr lang="ru-RU" sz="500" kern="1200" dirty="0"/>
@@ -2994,7 +2955,7 @@
         </a:bodyPr>
         <a:lstStyle/>
         <a:p>
-          <a:pPr lvl="0" algn="l" defTabSz="222250">
+          <a:pPr marL="0" lvl="0" indent="0" algn="l" defTabSz="222250">
             <a:lnSpc>
               <a:spcPct val="90000"/>
             </a:lnSpc>
@@ -3004,6 +2965,7 @@
             <a:spcAft>
               <a:spcPct val="35000"/>
             </a:spcAft>
+            <a:buNone/>
           </a:pPr>
           <a:r>
             <a:rPr lang="ru-RU" sz="500" kern="1200" dirty="0"/>
@@ -3117,7 +3079,7 @@
         </a:bodyPr>
         <a:lstStyle/>
         <a:p>
-          <a:pPr lvl="0" algn="ctr" defTabSz="1778000">
+          <a:pPr marL="0" lvl="0" indent="0" algn="ctr" defTabSz="1778000">
             <a:lnSpc>
               <a:spcPct val="90000"/>
             </a:lnSpc>
@@ -3127,6 +3089,7 @@
             <a:spcAft>
               <a:spcPct val="35000"/>
             </a:spcAft>
+            <a:buNone/>
           </a:pPr>
           <a:r>
             <a:rPr lang="ru-RU" sz="4000" kern="1200" dirty="0">
@@ -7187,7 +7150,7 @@
           <a:p>
             <a:fld id="{1D12B38D-150E-44F0-AD67-CE4A0E7D73CD}" type="datetimeFigureOut">
               <a:rPr lang="ru-RU" smtClean="0"/>
-              <a:t>29.08.2017</a:t>
+              <a:t>16.04.2018</a:t>
             </a:fld>
             <a:endParaRPr lang="ru-RU"/>
           </a:p>
@@ -7505,7 +7468,7 @@
           <a:p>
             <a:pPr rtl="0" fontAlgn="ctr"/>
             <a:r>
-              <a:rPr lang="en-US" sz="1200" kern="1200" dirty="0" smtClean="0">
+              <a:rPr lang="en-US" sz="1200" kern="1200" dirty="0">
                 <a:solidFill>
                   <a:schemeClr val="tx1"/>
                 </a:solidFill>
@@ -7517,7 +7480,7 @@
               <a:t>- Method chaining: </a:t>
             </a:r>
             <a:r>
-              <a:rPr lang="x-none" sz="1200" kern="1200" dirty="0" smtClean="0">
+              <a:rPr lang="x-none" sz="1200" kern="1200" dirty="0">
                 <a:solidFill>
                   <a:schemeClr val="tx1"/>
                 </a:solidFill>
@@ -7532,7 +7495,7 @@
           <a:p>
             <a:pPr rtl="0" fontAlgn="ctr"/>
             <a:r>
-              <a:rPr lang="en-US" sz="1200" kern="1200" dirty="0" smtClean="0">
+              <a:rPr lang="en-US" sz="1200" kern="1200" dirty="0">
                 <a:solidFill>
                   <a:schemeClr val="tx1"/>
                 </a:solidFill>
@@ -7544,7 +7507,7 @@
               <a:t>- </a:t>
             </a:r>
             <a:r>
-              <a:rPr lang="x-none" sz="1200" kern="1200" dirty="0" smtClean="0">
+              <a:rPr lang="x-none" sz="1200" kern="1200" dirty="0">
                 <a:solidFill>
                   <a:schemeClr val="tx1"/>
                 </a:solidFill>
@@ -7559,7 +7522,7 @@
           <a:p>
             <a:pPr rtl="0" fontAlgn="ctr"/>
             <a:r>
-              <a:rPr lang="en-US" sz="1200" kern="1200" dirty="0" smtClean="0">
+              <a:rPr lang="en-US" sz="1200" kern="1200" dirty="0">
                 <a:solidFill>
                   <a:schemeClr val="tx1"/>
                 </a:solidFill>
@@ -7571,7 +7534,7 @@
               <a:t>- Extension methods</a:t>
             </a:r>
             <a:r>
-              <a:rPr lang="ru-RU" sz="1200" kern="1200" dirty="0" smtClean="0">
+              <a:rPr lang="ru-RU" sz="1200" kern="1200" dirty="0">
                 <a:solidFill>
                   <a:schemeClr val="tx1"/>
                 </a:solidFill>
@@ -12014,7 +11977,25 @@
               <a:rPr lang="en-US" dirty="0">
                 <a:hlinkClick r:id="rId2"/>
               </a:rPr>
-              <a:t>https://github.com/kontur-csharper/</a:t>
+              <a:t>https://github.</a:t>
+            </a:r>
+            <a:r>
+              <a:rPr lang="en-US">
+                <a:hlinkClick r:id="rId2"/>
+              </a:rPr>
+              <a:t>com/</a:t>
+            </a:r>
+            <a:r>
+              <a:rPr lang="en-US">
+                <a:hlinkClick r:id="rId3"/>
+              </a:rPr>
+              <a:t>kontur-courses</a:t>
+            </a:r>
+            <a:r>
+              <a:rPr lang="en-US" dirty="0">
+                <a:hlinkClick r:id="rId2"/>
+              </a:rPr>
+              <a:t>/</a:t>
             </a:r>
             <a:r>
               <a:rPr lang="en-US" b="1" dirty="0">
@@ -12038,7 +12019,7 @@
           <p:nvPr/>
         </p:nvPicPr>
         <p:blipFill>
-          <a:blip r:embed="rId3" cstate="print">
+          <a:blip r:embed="rId4" cstate="print">
             <a:extLst>
               <a:ext uri="{28A0092B-C50C-407E-A947-70E740481C1C}">
                 <a14:useLocalDpi xmlns:a14="http://schemas.microsoft.com/office/drawing/2010/main" val="0"/>
@@ -12072,13 +12053,6 @@
   <p:clrMapOvr>
     <a:masterClrMapping/>
   </p:clrMapOvr>
-  <p:timing>
-    <p:tnLst>
-      <p:par>
-        <p:cTn id="1" dur="indefinite" restart="never" nodeType="tmRoot"/>
-      </p:par>
-    </p:tnLst>
-  </p:timing>
 </p:sld>
 </file>
 
@@ -12378,118 +12352,34 @@
                 </a:highlight>
                 <a:latin typeface="Consolas" panose="020B0609020204030204" pitchFamily="49" charset="0"/>
               </a:rPr>
-              <a:t>(s </a:t>
-            </a:r>
-            <a:r>
-              <a:rPr lang="en-US" sz="2000" dirty="0" smtClean="0">
-                <a:solidFill>
-                  <a:srgbClr val="000000"/>
-                </a:solidFill>
-                <a:highlight>
-                  <a:srgbClr val="FFFFFF"/>
-                </a:highlight>
-                <a:latin typeface="Consolas" panose="020B0609020204030204" pitchFamily="49" charset="0"/>
-              </a:rPr>
-              <a:t>=&gt; s</a:t>
-            </a:r>
-            <a:br>
-              <a:rPr lang="en-US" sz="2000" dirty="0" smtClean="0">
-                <a:solidFill>
-                  <a:srgbClr val="000000"/>
-                </a:solidFill>
-                <a:highlight>
-                  <a:srgbClr val="FFFFFF"/>
-                </a:highlight>
-                <a:latin typeface="Consolas" panose="020B0609020204030204" pitchFamily="49" charset="0"/>
-              </a:rPr>
-            </a:br>
-            <a:r>
-              <a:rPr lang="en-US" sz="2000" dirty="0" smtClean="0">
-                <a:solidFill>
-                  <a:srgbClr val="000000"/>
-                </a:solidFill>
-                <a:highlight>
-                  <a:srgbClr val="FFFFFF"/>
-                </a:highlight>
-                <a:latin typeface="Consolas" panose="020B0609020204030204" pitchFamily="49" charset="0"/>
-              </a:rPr>
-              <a:t>        </a:t>
-            </a:r>
-            <a:r>
-              <a:rPr lang="en-US" sz="2000" dirty="0">
-                <a:solidFill>
-                  <a:srgbClr val="000000"/>
-                </a:solidFill>
-                <a:highlight>
-                  <a:srgbClr val="FFFFFF"/>
-                </a:highlight>
-                <a:latin typeface="Consolas" panose="020B0609020204030204" pitchFamily="49" charset="0"/>
-              </a:rPr>
-              <a:t>.Say(</a:t>
-            </a:r>
-            <a:r>
-              <a:rPr lang="ru-RU" sz="2000" dirty="0">
-                <a:solidFill>
-                  <a:srgbClr val="A31515"/>
-                </a:solidFill>
-                <a:highlight>
-                  <a:srgbClr val="FFFFFF"/>
-                </a:highlight>
-                <a:latin typeface="Consolas" panose="020B0609020204030204" pitchFamily="49" charset="0"/>
-              </a:rPr>
-              <a:t>"</a:t>
-            </a:r>
-            <a:r>
-              <a:rPr lang="ru-RU" sz="2000" dirty="0" err="1">
-                <a:solidFill>
-                  <a:srgbClr val="A31515"/>
-                </a:solidFill>
-                <a:highlight>
-                  <a:srgbClr val="FFFFFF"/>
-                </a:highlight>
-                <a:latin typeface="Consolas" panose="020B0609020204030204" pitchFamily="49" charset="0"/>
-              </a:rPr>
-              <a:t>Тра</a:t>
-            </a:r>
-            <a:r>
-              <a:rPr lang="ru-RU" sz="2000" dirty="0">
-                <a:solidFill>
-                  <a:srgbClr val="A31515"/>
-                </a:solidFill>
-                <a:highlight>
-                  <a:srgbClr val="FFFFFF"/>
-                </a:highlight>
-                <a:latin typeface="Consolas" panose="020B0609020204030204" pitchFamily="49" charset="0"/>
-              </a:rPr>
-              <a:t>-ля-ля"</a:t>
-            </a:r>
-            <a:r>
-              <a:rPr lang="ru-RU" sz="2000" dirty="0">
-                <a:solidFill>
-                  <a:srgbClr val="000000"/>
-                </a:solidFill>
-                <a:highlight>
-                  <a:srgbClr val="FFFFFF"/>
-                </a:highlight>
-                <a:latin typeface="Consolas" panose="020B0609020204030204" pitchFamily="49" charset="0"/>
-              </a:rPr>
-              <a:t>)</a:t>
-            </a:r>
-            <a:r>
-              <a:rPr lang="en-US" sz="2000" dirty="0">
-                <a:solidFill>
-                  <a:srgbClr val="A31515"/>
-                </a:solidFill>
-                <a:highlight>
-                  <a:srgbClr val="FFFFFF"/>
-                </a:highlight>
-                <a:latin typeface="Consolas" panose="020B0609020204030204" pitchFamily="49" charset="0"/>
-              </a:rPr>
-              <a:t/>
+              <a:t>(s =&gt; s</a:t>
             </a:r>
             <a:br>
               <a:rPr lang="en-US" sz="2000" dirty="0">
                 <a:solidFill>
+                  <a:srgbClr val="000000"/>
+                </a:solidFill>
+                <a:highlight>
+                  <a:srgbClr val="FFFFFF"/>
+                </a:highlight>
+                <a:latin typeface="Consolas" panose="020B0609020204030204" pitchFamily="49" charset="0"/>
+              </a:rPr>
+            </a:br>
+            <a:r>
+              <a:rPr lang="en-US" sz="2000" dirty="0">
+                <a:solidFill>
+                  <a:srgbClr val="000000"/>
+                </a:solidFill>
+                <a:highlight>
+                  <a:srgbClr val="FFFFFF"/>
+                </a:highlight>
+                <a:latin typeface="Consolas" panose="020B0609020204030204" pitchFamily="49" charset="0"/>
+              </a:rPr>
+              <a:t>        .Say(</a:t>
+            </a:r>
+            <a:r>
+              <a:rPr lang="ru-RU" sz="2000" dirty="0">
+                <a:solidFill>
                   <a:srgbClr val="A31515"/>
                 </a:solidFill>
                 <a:highlight>
@@ -12497,9 +12387,10 @@
                 </a:highlight>
                 <a:latin typeface="Consolas" panose="020B0609020204030204" pitchFamily="49" charset="0"/>
               </a:rPr>
-            </a:br>
-            <a:r>
-              <a:rPr lang="en-US" sz="2000" dirty="0">
+              <a:t>"</a:t>
+            </a:r>
+            <a:r>
+              <a:rPr lang="ru-RU" sz="2000" dirty="0" err="1">
                 <a:solidFill>
                   <a:srgbClr val="A31515"/>
                 </a:solidFill>
@@ -12508,10 +12399,22 @@
                 </a:highlight>
                 <a:latin typeface="Consolas" panose="020B0609020204030204" pitchFamily="49" charset="0"/>
               </a:rPr>
-              <a:t>        </a:t>
-            </a:r>
-            <a:r>
-              <a:rPr lang="en-US" sz="2000" dirty="0">
+              <a:t>Тра</a:t>
+            </a:r>
+            <a:r>
+              <a:rPr lang="ru-RU" sz="2000" dirty="0">
+                <a:solidFill>
+                  <a:srgbClr val="A31515"/>
+                </a:solidFill>
+                <a:highlight>
+                  <a:srgbClr val="FFFFFF"/>
+                </a:highlight>
+                <a:latin typeface="Consolas" panose="020B0609020204030204" pitchFamily="49" charset="0"/>
+              </a:rPr>
+              <a:t>-ля-ля"</a:t>
+            </a:r>
+            <a:r>
+              <a:rPr lang="ru-RU" sz="2000" dirty="0">
                 <a:solidFill>
                   <a:srgbClr val="000000"/>
                 </a:solidFill>
@@ -12520,91 +12423,7 @@
                 </a:highlight>
                 <a:latin typeface="Consolas" panose="020B0609020204030204" pitchFamily="49" charset="0"/>
               </a:rPr>
-              <a:t>.Say(</a:t>
-            </a:r>
-            <a:r>
-              <a:rPr lang="ru-RU" sz="2000" dirty="0">
-                <a:solidFill>
-                  <a:srgbClr val="A31515"/>
-                </a:solidFill>
-                <a:highlight>
-                  <a:srgbClr val="FFFFFF"/>
-                </a:highlight>
-                <a:latin typeface="Consolas" panose="020B0609020204030204" pitchFamily="49" charset="0"/>
-              </a:rPr>
-              <a:t>"Тру-</a:t>
-            </a:r>
-            <a:r>
-              <a:rPr lang="ru-RU" sz="2000" dirty="0" err="1">
-                <a:solidFill>
-                  <a:srgbClr val="A31515"/>
-                </a:solidFill>
-                <a:highlight>
-                  <a:srgbClr val="FFFFFF"/>
-                </a:highlight>
-                <a:latin typeface="Consolas" panose="020B0609020204030204" pitchFamily="49" charset="0"/>
-              </a:rPr>
-              <a:t>лю</a:t>
-            </a:r>
-            <a:r>
-              <a:rPr lang="ru-RU" sz="2000" dirty="0">
-                <a:solidFill>
-                  <a:srgbClr val="A31515"/>
-                </a:solidFill>
-                <a:highlight>
-                  <a:srgbClr val="FFFFFF"/>
-                </a:highlight>
-                <a:latin typeface="Consolas" panose="020B0609020204030204" pitchFamily="49" charset="0"/>
-              </a:rPr>
-              <a:t>-</a:t>
-            </a:r>
-            <a:r>
-              <a:rPr lang="ru-RU" sz="2000" dirty="0" err="1">
-                <a:solidFill>
-                  <a:srgbClr val="A31515"/>
-                </a:solidFill>
-                <a:highlight>
-                  <a:srgbClr val="FFFFFF"/>
-                </a:highlight>
-                <a:latin typeface="Consolas" panose="020B0609020204030204" pitchFamily="49" charset="0"/>
-              </a:rPr>
-              <a:t>лю</a:t>
-            </a:r>
-            <a:r>
-              <a:rPr lang="ru-RU" sz="2000" dirty="0">
-                <a:solidFill>
-                  <a:srgbClr val="A31515"/>
-                </a:solidFill>
-                <a:highlight>
-                  <a:srgbClr val="FFFFFF"/>
-                </a:highlight>
-                <a:latin typeface="Consolas" panose="020B0609020204030204" pitchFamily="49" charset="0"/>
-              </a:rPr>
-              <a:t>"</a:t>
-            </a:r>
-            <a:r>
-              <a:rPr lang="ru-RU" sz="2000" dirty="0">
-                <a:solidFill>
-                  <a:srgbClr val="000000"/>
-                </a:solidFill>
-                <a:highlight>
-                  <a:srgbClr val="FFFFFF"/>
-                </a:highlight>
-                <a:latin typeface="Consolas" panose="020B0609020204030204" pitchFamily="49" charset="0"/>
-              </a:rPr>
               <a:t>)</a:t>
-            </a:r>
-            <a:r>
-              <a:rPr lang="en-US" sz="2000" dirty="0">
-                <a:solidFill>
-                  <a:srgbClr val="A31515"/>
-                </a:solidFill>
-                <a:highlight>
-                  <a:srgbClr val="FFFFFF"/>
-                </a:highlight>
-                <a:latin typeface="Consolas" panose="020B0609020204030204" pitchFamily="49" charset="0"/>
-              </a:rPr>
-              <a:t/>
             </a:r>
             <a:br>
               <a:rPr lang="en-US" sz="2000" dirty="0">
@@ -12639,22 +12458,70 @@
                 </a:highlight>
                 <a:latin typeface="Consolas" panose="020B0609020204030204" pitchFamily="49" charset="0"/>
               </a:rPr>
-              <a:t>.Delay(</a:t>
-            </a:r>
-            <a:r>
-              <a:rPr lang="en-US" sz="2000" dirty="0" err="1">
-                <a:solidFill>
-                  <a:srgbClr val="2B91AF"/>
-                </a:solidFill>
-                <a:highlight>
-                  <a:srgbClr val="FFFFFF"/>
-                </a:highlight>
-                <a:latin typeface="Consolas" panose="020B0609020204030204" pitchFamily="49" charset="0"/>
-              </a:rPr>
-              <a:t>TimeSpan</a:t>
-            </a:r>
-            <a:r>
-              <a:rPr lang="en-US" sz="2000" dirty="0" err="1">
+              <a:t>.Say(</a:t>
+            </a:r>
+            <a:r>
+              <a:rPr lang="ru-RU" sz="2000" dirty="0">
+                <a:solidFill>
+                  <a:srgbClr val="A31515"/>
+                </a:solidFill>
+                <a:highlight>
+                  <a:srgbClr val="FFFFFF"/>
+                </a:highlight>
+                <a:latin typeface="Consolas" panose="020B0609020204030204" pitchFamily="49" charset="0"/>
+              </a:rPr>
+              <a:t>"Тру-</a:t>
+            </a:r>
+            <a:r>
+              <a:rPr lang="ru-RU" sz="2000" dirty="0" err="1">
+                <a:solidFill>
+                  <a:srgbClr val="A31515"/>
+                </a:solidFill>
+                <a:highlight>
+                  <a:srgbClr val="FFFFFF"/>
+                </a:highlight>
+                <a:latin typeface="Consolas" panose="020B0609020204030204" pitchFamily="49" charset="0"/>
+              </a:rPr>
+              <a:t>лю</a:t>
+            </a:r>
+            <a:r>
+              <a:rPr lang="ru-RU" sz="2000" dirty="0">
+                <a:solidFill>
+                  <a:srgbClr val="A31515"/>
+                </a:solidFill>
+                <a:highlight>
+                  <a:srgbClr val="FFFFFF"/>
+                </a:highlight>
+                <a:latin typeface="Consolas" panose="020B0609020204030204" pitchFamily="49" charset="0"/>
+              </a:rPr>
+              <a:t>-</a:t>
+            </a:r>
+            <a:r>
+              <a:rPr lang="ru-RU" sz="2000" dirty="0" err="1">
+                <a:solidFill>
+                  <a:srgbClr val="A31515"/>
+                </a:solidFill>
+                <a:highlight>
+                  <a:srgbClr val="FFFFFF"/>
+                </a:highlight>
+                <a:latin typeface="Consolas" panose="020B0609020204030204" pitchFamily="49" charset="0"/>
+              </a:rPr>
+              <a:t>лю</a:t>
+            </a:r>
+            <a:r>
+              <a:rPr lang="ru-RU" sz="2000" dirty="0">
+                <a:solidFill>
+                  <a:srgbClr val="A31515"/>
+                </a:solidFill>
+                <a:highlight>
+                  <a:srgbClr val="FFFFFF"/>
+                </a:highlight>
+                <a:latin typeface="Consolas" panose="020B0609020204030204" pitchFamily="49" charset="0"/>
+              </a:rPr>
+              <a:t>"</a:t>
+            </a:r>
+            <a:r>
+              <a:rPr lang="ru-RU" sz="2000" dirty="0">
                 <a:solidFill>
                   <a:srgbClr val="000000"/>
                 </a:solidFill>
@@ -12663,23 +12530,34 @@
                 </a:highlight>
                 <a:latin typeface="Consolas" panose="020B0609020204030204" pitchFamily="49" charset="0"/>
               </a:rPr>
-              <a:t>.FromSeconds</a:t>
-            </a:r>
-            <a:r>
-              <a:rPr lang="en-US" sz="2000" dirty="0">
-                <a:solidFill>
-                  <a:srgbClr val="000000"/>
-                </a:solidFill>
-                <a:highlight>
-                  <a:srgbClr val="FFFFFF"/>
-                </a:highlight>
-                <a:latin typeface="Consolas" panose="020B0609020204030204" pitchFamily="49" charset="0"/>
-              </a:rPr>
-              <a:t>(1))</a:t>
+              <a:t>)</a:t>
             </a:r>
             <a:br>
               <a:rPr lang="en-US" sz="2000" dirty="0">
                 <a:solidFill>
+                  <a:srgbClr val="A31515"/>
+                </a:solidFill>
+                <a:highlight>
+                  <a:srgbClr val="FFFFFF"/>
+                </a:highlight>
+                <a:latin typeface="Consolas" panose="020B0609020204030204" pitchFamily="49" charset="0"/>
+              </a:rPr>
+            </a:br>
+            <a:r>
+              <a:rPr lang="en-US" sz="2000" dirty="0">
+                <a:solidFill>
+                  <a:srgbClr val="A31515"/>
+                </a:solidFill>
+                <a:highlight>
+                  <a:srgbClr val="FFFFFF"/>
+                </a:highlight>
+                <a:latin typeface="Consolas" panose="020B0609020204030204" pitchFamily="49" charset="0"/>
+              </a:rPr>
+              <a:t>        </a:t>
+            </a:r>
+            <a:r>
+              <a:rPr lang="en-US" sz="2000" dirty="0">
+                <a:solidFill>
                   <a:srgbClr val="000000"/>
                 </a:solidFill>
                 <a:highlight>
@@ -12687,9 +12565,22 @@
                 </a:highlight>
                 <a:latin typeface="Consolas" panose="020B0609020204030204" pitchFamily="49" charset="0"/>
               </a:rPr>
-            </a:br>
-            <a:r>
-              <a:rPr lang="ru-RU" sz="2000" dirty="0">
+              <a:t>.Delay(</a:t>
+            </a:r>
+            <a:r>
+              <a:rPr lang="en-US" sz="2000" dirty="0" err="1">
+                <a:solidFill>
+                  <a:srgbClr val="2B91AF"/>
+                </a:solidFill>
+                <a:highlight>
+                  <a:srgbClr val="FFFFFF"/>
+                </a:highlight>
+                <a:latin typeface="Consolas" panose="020B0609020204030204" pitchFamily="49" charset="0"/>
+              </a:rPr>
+              <a:t>TimeSpan</a:t>
+            </a:r>
+            <a:r>
+              <a:rPr lang="en-US" sz="2000" dirty="0" err="1">
                 <a:solidFill>
                   <a:srgbClr val="000000"/>
                 </a:solidFill>
@@ -12698,7 +12589,7 @@
                 </a:highlight>
                 <a:latin typeface="Consolas" panose="020B0609020204030204" pitchFamily="49" charset="0"/>
               </a:rPr>
-              <a:t>    </a:t>
+              <a:t>.FromSeconds</a:t>
             </a:r>
             <a:r>
               <a:rPr lang="en-US" sz="2000" dirty="0">
@@ -12710,7 +12601,7 @@
                 </a:highlight>
                 <a:latin typeface="Consolas" panose="020B0609020204030204" pitchFamily="49" charset="0"/>
               </a:rPr>
-              <a:t>)</a:t>
+              <a:t>(1))</a:t>
             </a:r>
             <a:br>
               <a:rPr lang="en-US" sz="2000" dirty="0">
@@ -12724,6 +12615,18 @@
               </a:rPr>
             </a:br>
             <a:r>
+              <a:rPr lang="ru-RU" sz="2000" dirty="0">
+                <a:solidFill>
+                  <a:srgbClr val="000000"/>
+                </a:solidFill>
+                <a:highlight>
+                  <a:srgbClr val="FFFFFF"/>
+                </a:highlight>
+                <a:latin typeface="Consolas" panose="020B0609020204030204" pitchFamily="49" charset="0"/>
+              </a:rPr>
+              <a:t>    </a:t>
+            </a:r>
+            <a:r>
               <a:rPr lang="en-US" sz="2000" dirty="0">
                 <a:solidFill>
                   <a:srgbClr val="000000"/>
@@ -12733,6 +12636,29 @@
                 </a:highlight>
                 <a:latin typeface="Consolas" panose="020B0609020204030204" pitchFamily="49" charset="0"/>
               </a:rPr>
+              <a:t>)</a:t>
+            </a:r>
+            <a:br>
+              <a:rPr lang="en-US" sz="2000" dirty="0">
+                <a:solidFill>
+                  <a:srgbClr val="000000"/>
+                </a:solidFill>
+                <a:highlight>
+                  <a:srgbClr val="FFFFFF"/>
+                </a:highlight>
+                <a:latin typeface="Consolas" panose="020B0609020204030204" pitchFamily="49" charset="0"/>
+              </a:rPr>
+            </a:br>
+            <a:r>
+              <a:rPr lang="en-US" sz="2000" dirty="0">
+                <a:solidFill>
+                  <a:srgbClr val="000000"/>
+                </a:solidFill>
+                <a:highlight>
+                  <a:srgbClr val="FFFFFF"/>
+                </a:highlight>
+                <a:latin typeface="Consolas" panose="020B0609020204030204" pitchFamily="49" charset="0"/>
+              </a:rPr>
               <a:t>    .Say(</a:t>
             </a:r>
             <a:r>
@@ -12758,18 +12684,6 @@
                 <a:latin typeface="Consolas" panose="020B0609020204030204" pitchFamily="49" charset="0"/>
               </a:rPr>
               <a:t>)</a:t>
-            </a:r>
-            <a:r>
-              <a:rPr lang="en-US" sz="2000" dirty="0">
-                <a:solidFill>
-                  <a:srgbClr val="000000"/>
-                </a:solidFill>
-                <a:highlight>
-                  <a:srgbClr val="FFFFFF"/>
-                </a:highlight>
-                <a:latin typeface="Consolas" panose="020B0609020204030204" pitchFamily="49" charset="0"/>
-              </a:rPr>
-              <a:t/>
             </a:r>
             <a:br>
               <a:rPr lang="en-US" sz="2000" dirty="0">
@@ -12844,14 +12758,14 @@
             <a:pPr marL="0" indent="0">
               <a:buNone/>
             </a:pPr>
-            <a:endParaRPr lang="en-US" sz="2000" dirty="0" smtClean="0"/>
+            <a:endParaRPr lang="en-US" sz="2000" dirty="0"/>
           </a:p>
           <a:p>
             <a:pPr marL="457200" indent="-457200">
               <a:buAutoNum type="arabicPeriod"/>
             </a:pPr>
             <a:r>
-              <a:rPr lang="en-US" sz="2400" dirty="0" smtClean="0"/>
+              <a:rPr lang="en-US" sz="2400" dirty="0"/>
               <a:t>Method chaining</a:t>
             </a:r>
           </a:p>
@@ -12860,7 +12774,7 @@
               <a:buAutoNum type="arabicPeriod"/>
             </a:pPr>
             <a:r>
-              <a:rPr lang="ru-RU" sz="2400" dirty="0" smtClean="0"/>
+              <a:rPr lang="ru-RU" sz="2400" dirty="0"/>
               <a:t>Делегат с параметром-контекстом</a:t>
             </a:r>
           </a:p>
@@ -12869,18 +12783,18 @@
               <a:buAutoNum type="arabicPeriod"/>
             </a:pPr>
             <a:r>
-              <a:rPr lang="en-US" sz="2400" dirty="0" smtClean="0"/>
+              <a:rPr lang="en-US" sz="2400" dirty="0"/>
               <a:t>Extension methods </a:t>
             </a:r>
             <a:r>
-              <a:rPr lang="ru-RU" sz="2400" dirty="0" smtClean="0"/>
+              <a:rPr lang="ru-RU" sz="2400" dirty="0"/>
               <a:t>при наличии </a:t>
             </a:r>
             <a:r>
-              <a:rPr lang="en-US" sz="2400" dirty="0" err="1" smtClean="0"/>
+              <a:rPr lang="en-US" sz="2400" dirty="0" err="1"/>
               <a:t>Shedule</a:t>
             </a:r>
-            <a:endParaRPr lang="ru-RU" sz="2400" dirty="0" smtClean="0"/>
+            <a:endParaRPr lang="ru-RU" sz="2400" dirty="0"/>
           </a:p>
         </p:txBody>
       </p:sp>
@@ -12900,10 +12814,9 @@
           <a:lstStyle/>
           <a:p>
             <a:r>
-              <a:rPr lang="ru-RU" dirty="0" smtClean="0"/>
+              <a:rPr lang="ru-RU" dirty="0"/>
               <a:t>Какие техники используются?</a:t>
             </a:r>
-            <a:endParaRPr lang="ru-RU" dirty="0"/>
           </a:p>
         </p:txBody>
       </p:sp>
@@ -13094,10 +13007,9 @@
           <a:lstStyle/>
           <a:p>
             <a:r>
-              <a:rPr lang="ru-RU" dirty="0" smtClean="0"/>
+              <a:rPr lang="ru-RU" dirty="0"/>
               <a:t>Продвинутые техники</a:t>
             </a:r>
-            <a:endParaRPr lang="ru-RU" dirty="0"/>
           </a:p>
         </p:txBody>
       </p:sp>
@@ -13111,13 +13023,6 @@
   <p:clrMapOvr>
     <a:masterClrMapping/>
   </p:clrMapOvr>
-  <p:timing>
-    <p:tnLst>
-      <p:par>
-        <p:cTn id="1" dur="indefinite" restart="never" nodeType="tmRoot"/>
-      </p:par>
-    </p:tnLst>
-  </p:timing>
 </p:sld>
 </file>
 
@@ -13891,26 +13796,12 @@
               </a:rPr>
               <a:t>&lt;Person&gt;</a:t>
             </a:r>
-            <a:r>
-              <a:rPr lang="en-US" sz="2000" dirty="0">
-                <a:latin typeface="Consolas" panose="020B0609020204030204" pitchFamily="49" charset="0"/>
-                <a:ea typeface="Fira Code" panose="00000509000000000000" pitchFamily="49" charset="0"/>
-              </a:rPr>
-              <a:t/>
-            </a:r>
             <a:br>
               <a:rPr lang="en-US" sz="2000" dirty="0">
                 <a:latin typeface="Consolas" panose="020B0609020204030204" pitchFamily="49" charset="0"/>
                 <a:ea typeface="Fira Code" panose="00000509000000000000" pitchFamily="49" charset="0"/>
               </a:rPr>
             </a:br>
-            <a:r>
-              <a:rPr lang="en-US" sz="2000" dirty="0">
-                <a:latin typeface="Consolas" panose="020B0609020204030204" pitchFamily="49" charset="0"/>
-                <a:ea typeface="Fira Code" panose="00000509000000000000" pitchFamily="49" charset="0"/>
-              </a:rPr>
-              <a:t/>
-            </a:r>
             <a:br>
               <a:rPr lang="en-US" sz="2000" dirty="0">
                 <a:latin typeface="Consolas" panose="020B0609020204030204" pitchFamily="49" charset="0"/>
@@ -14536,31 +14427,7 @@
                 </a:highlight>
                 <a:latin typeface="Consolas" panose="020B0609020204030204" pitchFamily="49" charset="0"/>
               </a:rPr>
-              <a:t>(s </a:t>
-            </a:r>
-            <a:r>
-              <a:rPr lang="en-US" sz="2400" dirty="0" smtClean="0">
-                <a:solidFill>
-                  <a:srgbClr val="000000"/>
-                </a:solidFill>
-                <a:highlight>
-                  <a:srgbClr val="FFFFFF"/>
-                </a:highlight>
-                <a:latin typeface="Consolas" panose="020B0609020204030204" pitchFamily="49" charset="0"/>
-              </a:rPr>
-              <a:t>=&gt; s</a:t>
-            </a:r>
-            <a:r>
-              <a:rPr lang="en-US" sz="2400" dirty="0">
-                <a:solidFill>
-                  <a:srgbClr val="000000"/>
-                </a:solidFill>
-                <a:highlight>
-                  <a:srgbClr val="FFFFFF"/>
-                </a:highlight>
-                <a:latin typeface="Consolas" panose="020B0609020204030204" pitchFamily="49" charset="0"/>
-              </a:rPr>
-              <a:t/>
+              <a:t>(s =&gt; s</a:t>
             </a:r>
             <a:br>
               <a:rPr lang="en-US" sz="2400" dirty="0">
@@ -14633,18 +14500,6 @@
               </a:rPr>
               <a:t>)</a:t>
             </a:r>
-            <a:r>
-              <a:rPr lang="en-US" sz="2400" dirty="0">
-                <a:solidFill>
-                  <a:srgbClr val="A31515"/>
-                </a:solidFill>
-                <a:highlight>
-                  <a:srgbClr val="FFFFFF"/>
-                </a:highlight>
-                <a:latin typeface="Consolas" panose="020B0609020204030204" pitchFamily="49" charset="0"/>
-              </a:rPr>
-              <a:t/>
-            </a:r>
             <a:br>
               <a:rPr lang="en-US" sz="2400" dirty="0">
                 <a:solidFill>
@@ -14752,18 +14607,6 @@
               </a:rPr>
               <a:t>)</a:t>
             </a:r>
-            <a:r>
-              <a:rPr lang="en-US" sz="2400" dirty="0">
-                <a:solidFill>
-                  <a:srgbClr val="A31515"/>
-                </a:solidFill>
-                <a:highlight>
-                  <a:srgbClr val="FFFFFF"/>
-                </a:highlight>
-                <a:latin typeface="Consolas" panose="020B0609020204030204" pitchFamily="49" charset="0"/>
-              </a:rPr>
-              <a:t/>
-            </a:r>
             <a:br>
               <a:rPr lang="en-US" sz="2400" dirty="0">
                 <a:solidFill>
@@ -14916,18 +14759,6 @@
                 <a:latin typeface="Consolas" panose="020B0609020204030204" pitchFamily="49" charset="0"/>
               </a:rPr>
               <a:t>)</a:t>
-            </a:r>
-            <a:r>
-              <a:rPr lang="en-US" sz="2400" dirty="0">
-                <a:solidFill>
-                  <a:srgbClr val="000000"/>
-                </a:solidFill>
-                <a:highlight>
-                  <a:srgbClr val="FFFFFF"/>
-                </a:highlight>
-                <a:latin typeface="Consolas" panose="020B0609020204030204" pitchFamily="49" charset="0"/>
-              </a:rPr>
-              <a:t/>
             </a:r>
             <a:br>
               <a:rPr lang="en-US" sz="2400" dirty="0">
@@ -15016,13 +14847,6 @@
   <p:clrMapOvr>
     <a:masterClrMapping/>
   </p:clrMapOvr>
-  <p:timing>
-    <p:tnLst>
-      <p:par>
-        <p:cTn id="1" dur="indefinite" restart="never" nodeType="tmRoot"/>
-      </p:par>
-    </p:tnLst>
-  </p:timing>
 </p:sld>
 </file>
 
@@ -15152,39 +14976,23 @@
                   <a:schemeClr val="accent1"/>
                 </a:solidFill>
               </a:rPr>
-              <a:t>На каждом </a:t>
-            </a:r>
-            <a:r>
-              <a:rPr lang="ru-RU" sz="2800" i="1" dirty="0" smtClean="0">
+              <a:t>На каждом шаге</a:t>
+            </a:r>
+            <a:r>
+              <a:rPr lang="en-US" sz="2800" i="1" dirty="0">
                 <a:solidFill>
                   <a:schemeClr val="accent1"/>
                 </a:solidFill>
               </a:rPr>
-              <a:t>шаге</a:t>
-            </a:r>
-            <a:r>
-              <a:rPr lang="en-US" sz="2800" i="1" dirty="0" smtClean="0">
+              <a:t> </a:t>
+            </a:r>
+            <a:r>
+              <a:rPr lang="ru-RU" sz="2800" i="1" dirty="0">
                 <a:solidFill>
                   <a:schemeClr val="accent1"/>
                 </a:solidFill>
               </a:rPr>
-              <a:t> </a:t>
-            </a:r>
-            <a:r>
-              <a:rPr lang="ru-RU" sz="2800" i="1" dirty="0" smtClean="0">
-                <a:solidFill>
-                  <a:schemeClr val="accent1"/>
-                </a:solidFill>
-              </a:rPr>
               <a:t>только</a:t>
-            </a:r>
-            <a:r>
-              <a:rPr lang="ru-RU" sz="2800" i="1" dirty="0">
-                <a:solidFill>
-                  <a:schemeClr val="accent1"/>
-                </a:solidFill>
-              </a:rPr>
-              <a:t/>
             </a:r>
             <a:br>
               <a:rPr lang="ru-RU" sz="2800" i="1" dirty="0">
@@ -15194,20 +15002,12 @@
               </a:rPr>
             </a:br>
             <a:r>
-              <a:rPr lang="ru-RU" sz="2800" i="1" dirty="0" smtClean="0">
+              <a:rPr lang="ru-RU" sz="2800" i="1" dirty="0">
                 <a:solidFill>
                   <a:schemeClr val="accent1"/>
                 </a:solidFill>
               </a:rPr>
-              <a:t>допустимые </a:t>
-            </a:r>
-            <a:r>
-              <a:rPr lang="ru-RU" sz="2800" i="1" dirty="0">
-                <a:solidFill>
-                  <a:schemeClr val="accent1"/>
-                </a:solidFill>
-              </a:rPr>
-              <a:t>методы</a:t>
+              <a:t>допустимые методы</a:t>
             </a:r>
           </a:p>
         </p:txBody>
@@ -16455,13 +16255,6 @@
   <p:clrMapOvr>
     <a:masterClrMapping/>
   </p:clrMapOvr>
-  <p:timing>
-    <p:tnLst>
-      <p:par>
-        <p:cTn id="1" dur="indefinite" restart="never" nodeType="tmRoot"/>
-      </p:par>
-    </p:tnLst>
-  </p:timing>
 </p:sld>
 </file>
 
@@ -16669,13 +16462,6 @@
   <p:clrMapOvr>
     <a:masterClrMapping/>
   </p:clrMapOvr>
-  <p:timing>
-    <p:tnLst>
-      <p:par>
-        <p:cTn id="1" dur="indefinite" restart="never" nodeType="tmRoot"/>
-      </p:par>
-    </p:tnLst>
-  </p:timing>
 </p:sld>
 </file>
 
@@ -16750,14 +16536,6 @@
                 <a:latin typeface="Algerian" panose="04020705040A02060702" pitchFamily="82" charset="0"/>
               </a:rPr>
               <a:t>Nightmare</a:t>
-            </a:r>
-            <a:r>
-              <a:rPr lang="ru-RU" dirty="0">
-                <a:solidFill>
-                  <a:srgbClr val="C00000"/>
-                </a:solidFill>
-              </a:rPr>
-              <a:t/>
             </a:r>
             <a:br>
               <a:rPr lang="ru-RU" dirty="0">
@@ -16938,14 +16716,13 @@
           <a:lstStyle/>
           <a:p>
             <a:r>
-              <a:rPr lang="ru-RU" dirty="0" smtClean="0"/>
+              <a:rPr lang="ru-RU" dirty="0"/>
               <a:t>Правила хорошего </a:t>
             </a:r>
             <a:r>
-              <a:rPr lang="en-US" dirty="0" smtClean="0"/>
+              <a:rPr lang="en-US" dirty="0"/>
               <a:t>Fluent API</a:t>
             </a:r>
-            <a:endParaRPr lang="en-US" dirty="0"/>
           </a:p>
         </p:txBody>
       </p:sp>
@@ -16959,13 +16736,6 @@
   <p:clrMapOvr>
     <a:masterClrMapping/>
   </p:clrMapOvr>
-  <p:timing>
-    <p:tnLst>
-      <p:par>
-        <p:cTn id="1" dur="indefinite" restart="never" nodeType="tmRoot"/>
-      </p:par>
-    </p:tnLst>
-  </p:timing>
 </p:sld>
 </file>
 
@@ -17002,12 +16772,8 @@
           <a:lstStyle/>
           <a:p>
             <a:r>
-              <a:rPr lang="en-US" dirty="0" smtClean="0"/>
-              <a:t>Fluent </a:t>
-            </a:r>
-            <a:r>
               <a:rPr lang="en-US" dirty="0"/>
-              <a:t>— </a:t>
+              <a:t>Fluent — </a:t>
             </a:r>
             <a:r>
               <a:rPr lang="ru-RU" dirty="0"/>
@@ -17033,13 +16799,6 @@
   <p:clrMapOvr>
     <a:masterClrMapping/>
   </p:clrMapOvr>
-  <p:timing>
-    <p:tnLst>
-      <p:par>
-        <p:cTn id="1" dur="indefinite" restart="never" nodeType="tmRoot"/>
-      </p:par>
-    </p:tnLst>
-  </p:timing>
 </p:sld>
 </file>
 
@@ -17169,13 +16928,6 @@
   <p:clrMapOvr>
     <a:masterClrMapping/>
   </p:clrMapOvr>
-  <p:timing>
-    <p:tnLst>
-      <p:par>
-        <p:cTn id="1" dur="indefinite" restart="never" nodeType="tmRoot"/>
-      </p:par>
-    </p:tnLst>
-  </p:timing>
 </p:sld>
 </file>
 
@@ -17288,13 +17040,6 @@
   <p:clrMapOvr>
     <a:masterClrMapping/>
   </p:clrMapOvr>
-  <p:timing>
-    <p:tnLst>
-      <p:par>
-        <p:cTn id="1" dur="indefinite" restart="never" nodeType="tmRoot"/>
-      </p:par>
-    </p:tnLst>
-  </p:timing>
 </p:sld>
 </file>
 
@@ -18080,21 +17825,201 @@
   <p:clrMapOvr>
     <a:masterClrMapping/>
   </p:clrMapOvr>
-  <mc:AlternateContent xmlns:mc="http://schemas.openxmlformats.org/markup-compatibility/2006">
-    <mc:Choice xmlns:p14="http://schemas.microsoft.com/office/powerpoint/2010/main" Requires="p14">
-      <p:transition spd="slow" p14:dur="2000"/>
-    </mc:Choice>
-    <mc:Fallback>
-      <p:transition spd="slow"/>
-    </mc:Fallback>
-  </mc:AlternateContent>
-  <p:timing>
-    <p:tnLst>
-      <p:par>
-        <p:cTn id="1" dur="indefinite" restart="never" nodeType="tmRoot"/>
-      </p:par>
-    </p:tnLst>
-  </p:timing>
+</p:sld>
+</file>
+
+<file path=ppt/slides/slide24.xml><?xml version="1.0" encoding="utf-8"?>
+<p:sld xmlns:a="http://schemas.openxmlformats.org/drawingml/2006/main" xmlns:r="http://schemas.openxmlformats.org/officeDocument/2006/relationships" xmlns:p="http://schemas.openxmlformats.org/presentationml/2006/main">
+  <p:cSld>
+    <p:spTree>
+      <p:nvGrpSpPr>
+        <p:cNvPr id="1" name=""/>
+        <p:cNvGrpSpPr/>
+        <p:nvPr/>
+      </p:nvGrpSpPr>
+      <p:grpSpPr>
+        <a:xfrm>
+          <a:off x="0" y="0"/>
+          <a:ext cx="0" cy="0"/>
+          <a:chOff x="0" y="0"/>
+          <a:chExt cx="0" cy="0"/>
+        </a:xfrm>
+      </p:grpSpPr>
+      <p:sp>
+        <p:nvSpPr>
+          <p:cNvPr id="2" name="Объект 1">
+            <a:extLst>
+              <a:ext uri="{FF2B5EF4-FFF2-40B4-BE49-F238E27FC236}">
+                <a16:creationId xmlns:a16="http://schemas.microsoft.com/office/drawing/2014/main" id="{4E05C4A9-0667-45B8-AC59-85FD9C81BD21}"/>
+              </a:ext>
+            </a:extLst>
+          </p:cNvPr>
+          <p:cNvSpPr>
+            <a:spLocks noGrp="1"/>
+          </p:cNvSpPr>
+          <p:nvPr>
+            <p:ph sz="quarter" idx="13"/>
+          </p:nvPr>
+        </p:nvSpPr>
+        <p:spPr/>
+        <p:txBody>
+          <a:bodyPr anchor="t">
+            <a:normAutofit/>
+          </a:bodyPr>
+          <a:lstStyle/>
+          <a:p>
+            <a:pPr marL="0" indent="0">
+              <a:buNone/>
+            </a:pPr>
+            <a:endParaRPr lang="en-US" dirty="0"/>
+          </a:p>
+          <a:p>
+            <a:pPr marL="0" indent="0">
+              <a:buNone/>
+            </a:pPr>
+            <a:endParaRPr lang="en-US" dirty="0"/>
+          </a:p>
+          <a:p>
+            <a:pPr marL="0" indent="0">
+              <a:buNone/>
+            </a:pPr>
+            <a:endParaRPr lang="en-US" dirty="0"/>
+          </a:p>
+          <a:p>
+            <a:pPr marL="0" indent="0" algn="ctr">
+              <a:buNone/>
+            </a:pPr>
+            <a:r>
+              <a:rPr lang="ru-RU" sz="2800" dirty="0"/>
+              <a:t>Заполни форму обратной связи по ссылке</a:t>
+            </a:r>
+          </a:p>
+          <a:p>
+            <a:pPr marL="0" indent="0" algn="ctr">
+              <a:buNone/>
+            </a:pPr>
+            <a:r>
+              <a:rPr lang="en-US" sz="2800" dirty="0">
+                <a:hlinkClick r:id="rId2"/>
+              </a:rPr>
+              <a:t>http://bit.ly/kontur-courses-feedback</a:t>
+            </a:r>
+            <a:endParaRPr lang="ru-RU" sz="2800" dirty="0"/>
+          </a:p>
+          <a:p>
+            <a:pPr marL="0" indent="0" algn="ctr">
+              <a:buNone/>
+            </a:pPr>
+            <a:r>
+              <a:rPr lang="ru-RU" sz="2800" dirty="0"/>
+              <a:t>или</a:t>
+            </a:r>
+            <a:endParaRPr lang="en-US" sz="2800" dirty="0"/>
+          </a:p>
+          <a:p>
+            <a:pPr marL="0" indent="0" algn="ctr">
+              <a:buNone/>
+            </a:pPr>
+            <a:r>
+              <a:rPr lang="ru-RU" sz="2800" dirty="0"/>
+              <a:t>по ярлыку </a:t>
+            </a:r>
+            <a:r>
+              <a:rPr lang="en-US" sz="2800" i="1" dirty="0">
+                <a:solidFill>
+                  <a:schemeClr val="accent1"/>
+                </a:solidFill>
+              </a:rPr>
+              <a:t>feedback</a:t>
+            </a:r>
+            <a:r>
+              <a:rPr lang="en-US" sz="2800" dirty="0"/>
+              <a:t> </a:t>
+            </a:r>
+            <a:r>
+              <a:rPr lang="ru-RU" sz="2800" dirty="0"/>
+              <a:t>в корне репозитория</a:t>
+            </a:r>
+          </a:p>
+        </p:txBody>
+      </p:sp>
+      <p:sp>
+        <p:nvSpPr>
+          <p:cNvPr id="3" name="Заголовок 2">
+            <a:extLst>
+              <a:ext uri="{FF2B5EF4-FFF2-40B4-BE49-F238E27FC236}">
+                <a16:creationId xmlns:a16="http://schemas.microsoft.com/office/drawing/2014/main" id="{1B72F5E6-5086-4A59-ADDF-28C342BF771A}"/>
+              </a:ext>
+            </a:extLst>
+          </p:cNvPr>
+          <p:cNvSpPr>
+            <a:spLocks noGrp="1"/>
+          </p:cNvSpPr>
+          <p:nvPr>
+            <p:ph type="title"/>
+          </p:nvPr>
+        </p:nvSpPr>
+        <p:spPr/>
+        <p:txBody>
+          <a:bodyPr/>
+          <a:lstStyle/>
+          <a:p>
+            <a:r>
+              <a:rPr lang="ru-RU" dirty="0"/>
+              <a:t>Обратная связь</a:t>
+            </a:r>
+          </a:p>
+        </p:txBody>
+      </p:sp>
+      <p:pic>
+        <p:nvPicPr>
+          <p:cNvPr id="5" name="Рисунок 4" descr="Речь">
+            <a:extLst>
+              <a:ext uri="{FF2B5EF4-FFF2-40B4-BE49-F238E27FC236}">
+                <a16:creationId xmlns:a16="http://schemas.microsoft.com/office/drawing/2014/main" id="{4CD964C9-55F6-450A-94E0-4A3D7D08BCAA}"/>
+              </a:ext>
+            </a:extLst>
+          </p:cNvPr>
+          <p:cNvPicPr>
+            <a:picLocks noChangeAspect="1"/>
+          </p:cNvPicPr>
+          <p:nvPr/>
+        </p:nvPicPr>
+        <p:blipFill>
+          <a:blip r:embed="rId3">
+            <a:extLst>
+              <a:ext uri="{28A0092B-C50C-407E-A947-70E740481C1C}">
+                <a14:useLocalDpi xmlns:a14="http://schemas.microsoft.com/office/drawing/2010/main" val="0"/>
+              </a:ext>
+              <a:ext uri="{96DAC541-7B7A-43D3-8B79-37D633B846F1}">
+                <asvg:svgBlip xmlns:asvg="http://schemas.microsoft.com/office/drawing/2016/SVG/main" r:embed="rId4"/>
+              </a:ext>
+            </a:extLst>
+          </a:blip>
+          <a:stretch>
+            <a:fillRect/>
+          </a:stretch>
+        </p:blipFill>
+        <p:spPr>
+          <a:xfrm>
+            <a:off x="5183290" y="1622285"/>
+            <a:ext cx="1825352" cy="1825352"/>
+          </a:xfrm>
+          <a:prstGeom prst="rect">
+            <a:avLst/>
+          </a:prstGeom>
+        </p:spPr>
+      </p:pic>
+    </p:spTree>
+    <p:extLst>
+      <p:ext uri="{BB962C8B-B14F-4D97-AF65-F5344CB8AC3E}">
+        <p14:creationId xmlns:p14="http://schemas.microsoft.com/office/powerpoint/2010/main" val="1635517412"/>
+      </p:ext>
+    </p:extLst>
+  </p:cSld>
+  <p:clrMapOvr>
+    <a:masterClrMapping/>
+  </p:clrMapOvr>
 </p:sld>
 </file>
 
@@ -18155,13 +18080,8 @@
             </a:r>
             <a:r>
               <a:rPr lang="ru-RU" dirty="0"/>
-              <a:t> с </a:t>
-            </a:r>
-            <a:r>
-              <a:rPr lang="ru-RU" dirty="0" smtClean="0"/>
-              <a:t>нуля</a:t>
-            </a:r>
-            <a:endParaRPr lang="ru-RU" dirty="0"/>
+              <a:t> с нуля</a:t>
+            </a:r>
           </a:p>
           <a:p>
             <a:pPr marL="514350" indent="-514350">
@@ -18169,12 +18089,8 @@
               <a:buAutoNum type="arabicPeriod"/>
             </a:pPr>
             <a:r>
-              <a:rPr lang="ru-RU" dirty="0" smtClean="0"/>
-              <a:t>Чтение </a:t>
-            </a:r>
-            <a:r>
               <a:rPr lang="ru-RU" dirty="0"/>
-              <a:t>чужого кода, использующего </a:t>
+              <a:t>Чтение чужого кода, использующего </a:t>
             </a:r>
             <a:r>
               <a:rPr lang="en-US" dirty="0"/>
@@ -18191,10 +18107,10 @@
               <a:t>Написание кода, использующего </a:t>
             </a:r>
             <a:r>
-              <a:rPr lang="en-US" dirty="0" smtClean="0"/>
+              <a:rPr lang="en-US" dirty="0"/>
               <a:t>API</a:t>
             </a:r>
-            <a:endParaRPr lang="ru-RU" dirty="0" smtClean="0"/>
+            <a:endParaRPr lang="ru-RU" dirty="0"/>
           </a:p>
           <a:p>
             <a:pPr marL="514350" indent="-514350">
@@ -18208,7 +18124,7 @@
               <a:buNone/>
             </a:pPr>
             <a:r>
-              <a:rPr lang="ru-RU" i="1" dirty="0" smtClean="0"/>
+              <a:rPr lang="ru-RU" i="1" dirty="0"/>
               <a:t>Как это достигается?</a:t>
             </a:r>
           </a:p>
@@ -18219,11 +18135,7 @@
             </a:pPr>
             <a:r>
               <a:rPr lang="ru-RU" dirty="0"/>
-              <a:t>П</a:t>
-            </a:r>
-            <a:r>
-              <a:rPr lang="ru-RU" dirty="0" smtClean="0"/>
-              <a:t>одсказки </a:t>
+              <a:t>Подсказки </a:t>
             </a:r>
             <a:r>
               <a:rPr lang="en-US" dirty="0"/>
@@ -18231,15 +18143,7 @@
             </a:r>
             <a:r>
               <a:rPr lang="ru-RU" dirty="0"/>
-              <a:t> </a:t>
-            </a:r>
-            <a:r>
-              <a:rPr lang="ru-RU" dirty="0" smtClean="0"/>
-              <a:t>помогают </a:t>
-            </a:r>
-            <a:r>
-              <a:rPr lang="ru-RU" dirty="0"/>
-              <a:t>изучать </a:t>
+              <a:t> помогают изучать </a:t>
             </a:r>
             <a:r>
               <a:rPr lang="en-US" dirty="0"/>
@@ -18253,12 +18157,8 @@
               <a:buAutoNum type="arabicPeriod"/>
             </a:pPr>
             <a:r>
-              <a:rPr lang="ru-RU" dirty="0" smtClean="0"/>
-              <a:t>Код читается </a:t>
-            </a:r>
-            <a:r>
               <a:rPr lang="ru-RU" dirty="0"/>
-              <a:t>как документация на него</a:t>
+              <a:t>Код читается как документация на него</a:t>
             </a:r>
             <a:endParaRPr lang="en-US" b="1" dirty="0"/>
           </a:p>
@@ -18268,16 +18168,12 @@
               <a:buAutoNum type="arabicPeriod"/>
             </a:pPr>
             <a:r>
-              <a:rPr lang="en-US" dirty="0" smtClean="0"/>
+              <a:rPr lang="en-US" dirty="0"/>
               <a:t>Method chaining </a:t>
             </a:r>
             <a:r>
-              <a:rPr lang="ru-RU" dirty="0" smtClean="0"/>
-              <a:t>позволяет не </a:t>
-            </a:r>
-            <a:r>
               <a:rPr lang="ru-RU" dirty="0"/>
-              <a:t>отвлекаться на навигацию и подглядывание в документацию</a:t>
+              <a:t>позволяет не отвлекаться на навигацию и подглядывание в документацию</a:t>
             </a:r>
             <a:r>
               <a:rPr lang="en-US" dirty="0"/>
@@ -18310,17 +18206,12 @@
           <a:p>
             <a:r>
               <a:rPr lang="en-US" dirty="0"/>
-              <a:t>Fluent </a:t>
-            </a:r>
-            <a:r>
-              <a:rPr lang="en-US" dirty="0" smtClean="0"/>
-              <a:t>API</a:t>
-            </a:r>
-            <a:r>
-              <a:rPr lang="ru-RU" dirty="0" smtClean="0"/>
+              <a:t>Fluent API</a:t>
+            </a:r>
+            <a:r>
+              <a:rPr lang="ru-RU" dirty="0"/>
               <a:t> – как? </a:t>
             </a:r>
-            <a:endParaRPr lang="ru-RU" dirty="0"/>
           </a:p>
         </p:txBody>
       </p:sp>
@@ -18514,18 +18405,17 @@
           <a:lstStyle/>
           <a:p>
             <a:r>
-              <a:rPr lang="ru-RU" dirty="0" smtClean="0"/>
+              <a:rPr lang="ru-RU" dirty="0"/>
               <a:t>примеры </a:t>
             </a:r>
             <a:r>
-              <a:rPr lang="en-US" dirty="0" smtClean="0"/>
+              <a:rPr lang="en-US" dirty="0"/>
               <a:t>Fluent API</a:t>
             </a:r>
             <a:r>
-              <a:rPr lang="ru-RU" dirty="0" smtClean="0"/>
+              <a:rPr lang="ru-RU" dirty="0"/>
               <a:t>?</a:t>
             </a:r>
-            <a:endParaRPr lang="ru-RU" dirty="0"/>
           </a:p>
         </p:txBody>
       </p:sp>
@@ -18716,7 +18606,7 @@
               <a:buNone/>
             </a:pPr>
             <a:r>
-              <a:rPr lang="en-US" sz="1800" dirty="0" smtClean="0">
+              <a:rPr lang="en-US" sz="1800" dirty="0">
                 <a:solidFill>
                   <a:srgbClr val="008000"/>
                 </a:solidFill>
@@ -18728,7 +18618,7 @@
               <a:t>// </a:t>
             </a:r>
             <a:r>
-              <a:rPr lang="en-US" sz="1800" dirty="0" err="1" smtClean="0">
+              <a:rPr lang="en-US" sz="1800" dirty="0" err="1">
                 <a:solidFill>
                   <a:srgbClr val="008000"/>
                 </a:solidFill>
@@ -18739,7 +18629,7 @@
               </a:rPr>
               <a:t>NUnit</a:t>
             </a:r>
-            <a:endParaRPr lang="en-US" sz="1800" dirty="0" smtClean="0">
+            <a:endParaRPr lang="en-US" sz="1800" dirty="0">
               <a:solidFill>
                 <a:srgbClr val="008000"/>
               </a:solidFill>
@@ -18755,7 +18645,7 @@
               <a:buNone/>
             </a:pPr>
             <a:r>
-              <a:rPr lang="en-US" sz="1800" dirty="0" err="1" smtClean="0">
+              <a:rPr lang="en-US" sz="1800" dirty="0" err="1">
                 <a:solidFill>
                   <a:srgbClr val="2B91AF"/>
                 </a:solidFill>
@@ -18767,7 +18657,7 @@
               <a:t>Assert</a:t>
             </a:r>
             <a:r>
-              <a:rPr lang="en-US" sz="1800" dirty="0" err="1" smtClean="0">
+              <a:rPr lang="en-US" sz="1800" dirty="0" err="1">
                 <a:solidFill>
                   <a:srgbClr val="000000"/>
                 </a:solidFill>
@@ -18779,7 +18669,7 @@
               <a:t>.That</a:t>
             </a:r>
             <a:r>
-              <a:rPr lang="en-US" sz="1800" dirty="0" smtClean="0">
+              <a:rPr lang="en-US" sz="1800" dirty="0">
                 <a:solidFill>
                   <a:srgbClr val="000000"/>
                 </a:solidFill>
@@ -18791,7 +18681,7 @@
               <a:t>(</a:t>
             </a:r>
             <a:r>
-              <a:rPr lang="en-US" sz="1800" dirty="0" err="1" smtClean="0">
+              <a:rPr lang="en-US" sz="1800" dirty="0" err="1">
                 <a:solidFill>
                   <a:srgbClr val="000000"/>
                 </a:solidFill>
@@ -19074,7 +18964,7 @@
               <a:buNone/>
             </a:pPr>
             <a:r>
-              <a:rPr lang="en-US" sz="1800" dirty="0" smtClean="0">
+              <a:rPr lang="en-US" sz="1800" dirty="0">
                 <a:solidFill>
                   <a:srgbClr val="008000"/>
                 </a:solidFill>
@@ -19092,7 +18982,7 @@
               <a:buNone/>
             </a:pPr>
             <a:r>
-              <a:rPr lang="en-US" sz="1800" dirty="0" smtClean="0">
+              <a:rPr lang="en-US" sz="1800" dirty="0">
                 <a:solidFill>
                   <a:srgbClr val="000000"/>
                 </a:solidFill>
@@ -19104,7 +18994,7 @@
               <a:t>$(</a:t>
             </a:r>
             <a:r>
-              <a:rPr lang="en-US" sz="1800" dirty="0" smtClean="0">
+              <a:rPr lang="en-US" sz="1800" dirty="0">
                 <a:solidFill>
                   <a:srgbClr val="A31515"/>
                 </a:solidFill>
@@ -19116,7 +19006,7 @@
               <a:t>".menu-item"</a:t>
             </a:r>
             <a:r>
-              <a:rPr lang="en-US" sz="1800" dirty="0" smtClean="0">
+              <a:rPr lang="en-US" sz="1800" dirty="0">
                 <a:solidFill>
                   <a:srgbClr val="000000"/>
                 </a:solidFill>
@@ -19134,7 +19024,7 @@
               <a:buNone/>
             </a:pPr>
             <a:r>
-              <a:rPr lang="en-US" sz="1800" dirty="0" smtClean="0">
+              <a:rPr lang="en-US" sz="1800" dirty="0">
                 <a:solidFill>
                   <a:srgbClr val="000000"/>
                 </a:solidFill>
@@ -19146,7 +19036,7 @@
               <a:t>    .click(</a:t>
             </a:r>
             <a:r>
-              <a:rPr lang="en-US" sz="1800" dirty="0" smtClean="0">
+              <a:rPr lang="en-US" sz="1800" dirty="0">
                 <a:solidFill>
                   <a:srgbClr val="0000FF"/>
                 </a:solidFill>
@@ -19158,7 +19048,7 @@
               <a:t>function</a:t>
             </a:r>
             <a:r>
-              <a:rPr lang="en-US" sz="1800" dirty="0" smtClean="0">
+              <a:rPr lang="en-US" sz="1800" dirty="0">
                 <a:solidFill>
                   <a:srgbClr val="000000"/>
                 </a:solidFill>
@@ -19176,7 +19066,7 @@
               <a:buNone/>
             </a:pPr>
             <a:r>
-              <a:rPr lang="en-US" sz="1800" dirty="0" smtClean="0">
+              <a:rPr lang="en-US" sz="1800" dirty="0">
                 <a:solidFill>
                   <a:srgbClr val="000000"/>
                 </a:solidFill>
@@ -19194,7 +19084,7 @@
               <a:buNone/>
             </a:pPr>
             <a:r>
-              <a:rPr lang="en-US" sz="1800" dirty="0" smtClean="0">
+              <a:rPr lang="en-US" sz="1800" dirty="0">
                 <a:solidFill>
                   <a:srgbClr val="000000"/>
                 </a:solidFill>
@@ -19206,7 +19096,7 @@
               <a:t>            .</a:t>
             </a:r>
             <a:r>
-              <a:rPr lang="en-US" sz="1800" dirty="0" err="1" smtClean="0">
+              <a:rPr lang="en-US" sz="1800" dirty="0" err="1">
                 <a:solidFill>
                   <a:srgbClr val="000000"/>
                 </a:solidFill>
@@ -19218,7 +19108,7 @@
               <a:t>addClass</a:t>
             </a:r>
             <a:r>
-              <a:rPr lang="en-US" sz="1800" dirty="0" smtClean="0">
+              <a:rPr lang="en-US" sz="1800" dirty="0">
                 <a:solidFill>
                   <a:srgbClr val="000000"/>
                 </a:solidFill>
@@ -19230,7 +19120,7 @@
               <a:t>(</a:t>
             </a:r>
             <a:r>
-              <a:rPr lang="en-US" sz="1800" dirty="0" smtClean="0">
+              <a:rPr lang="en-US" sz="1800" dirty="0">
                 <a:solidFill>
                   <a:srgbClr val="A31515"/>
                 </a:solidFill>
@@ -19242,7 +19132,7 @@
               <a:t>"active"</a:t>
             </a:r>
             <a:r>
-              <a:rPr lang="en-US" sz="1800" dirty="0" smtClean="0">
+              <a:rPr lang="en-US" sz="1800" dirty="0">
                 <a:solidFill>
                   <a:srgbClr val="000000"/>
                 </a:solidFill>
@@ -19260,7 +19150,7 @@
               <a:buNone/>
             </a:pPr>
             <a:r>
-              <a:rPr lang="en-US" sz="1800" dirty="0" smtClean="0">
+              <a:rPr lang="en-US" sz="1800" dirty="0">
                 <a:solidFill>
                   <a:srgbClr val="000000"/>
                 </a:solidFill>
@@ -19272,7 +19162,7 @@
               <a:t>            .find(</a:t>
             </a:r>
             <a:r>
-              <a:rPr lang="en-US" sz="1800" dirty="0" smtClean="0">
+              <a:rPr lang="en-US" sz="1800" dirty="0">
                 <a:solidFill>
                   <a:srgbClr val="A31515"/>
                 </a:solidFill>
@@ -19284,7 +19174,7 @@
               <a:t>".content"</a:t>
             </a:r>
             <a:r>
-              <a:rPr lang="en-US" sz="1800" dirty="0" smtClean="0">
+              <a:rPr lang="en-US" sz="1800" dirty="0">
                 <a:solidFill>
                   <a:srgbClr val="000000"/>
                 </a:solidFill>
@@ -19302,7 +19192,7 @@
               <a:buNone/>
             </a:pPr>
             <a:r>
-              <a:rPr lang="en-US" sz="1800" dirty="0" smtClean="0">
+              <a:rPr lang="en-US" sz="1800" dirty="0">
                 <a:solidFill>
                   <a:srgbClr val="000000"/>
                 </a:solidFill>
@@ -19314,7 +19204,7 @@
               <a:t>            .</a:t>
             </a:r>
             <a:r>
-              <a:rPr lang="en-US" sz="1800" dirty="0" err="1" smtClean="0">
+              <a:rPr lang="en-US" sz="1800" dirty="0" err="1">
                 <a:solidFill>
                   <a:srgbClr val="000000"/>
                 </a:solidFill>
@@ -19326,7 +19216,7 @@
               <a:t>fadeIn</a:t>
             </a:r>
             <a:r>
-              <a:rPr lang="en-US" sz="1800" dirty="0" smtClean="0">
+              <a:rPr lang="en-US" sz="1800" dirty="0">
                 <a:solidFill>
                   <a:srgbClr val="000000"/>
                 </a:solidFill>
@@ -19338,7 +19228,7 @@
               <a:t>(</a:t>
             </a:r>
             <a:r>
-              <a:rPr lang="en-US" sz="1800" dirty="0" smtClean="0">
+              <a:rPr lang="en-US" sz="1800" dirty="0">
                 <a:solidFill>
                   <a:srgbClr val="A31515"/>
                 </a:solidFill>
@@ -19350,7 +19240,7 @@
               <a:t>"fast"</a:t>
             </a:r>
             <a:r>
-              <a:rPr lang="en-US" sz="1800" dirty="0" smtClean="0">
+              <a:rPr lang="en-US" sz="1800" dirty="0">
                 <a:solidFill>
                   <a:srgbClr val="000000"/>
                 </a:solidFill>
@@ -19368,7 +19258,7 @@
               <a:buNone/>
             </a:pPr>
             <a:r>
-              <a:rPr lang="en-US" sz="1800" dirty="0" smtClean="0">
+              <a:rPr lang="en-US" sz="1800" dirty="0">
                 <a:solidFill>
                   <a:srgbClr val="000000"/>
                 </a:solidFill>
@@ -19380,7 +19270,7 @@
               <a:t>            .</a:t>
             </a:r>
             <a:r>
-              <a:rPr lang="en-US" sz="1800" dirty="0" err="1" smtClean="0">
+              <a:rPr lang="en-US" sz="1800" dirty="0" err="1">
                 <a:solidFill>
                   <a:srgbClr val="000000"/>
                 </a:solidFill>
@@ -19392,7 +19282,7 @@
               <a:t>css</a:t>
             </a:r>
             <a:r>
-              <a:rPr lang="en-US" sz="1800" dirty="0" smtClean="0">
+              <a:rPr lang="en-US" sz="1800" dirty="0">
                 <a:solidFill>
                   <a:srgbClr val="000000"/>
                 </a:solidFill>
@@ -19404,7 +19294,7 @@
               <a:t>(</a:t>
             </a:r>
             <a:r>
-              <a:rPr lang="en-US" sz="1800" dirty="0" smtClean="0">
+              <a:rPr lang="en-US" sz="1800" dirty="0">
                 <a:solidFill>
                   <a:srgbClr val="A31515"/>
                 </a:solidFill>
@@ -19416,7 +19306,7 @@
               <a:t>"margin-right"</a:t>
             </a:r>
             <a:r>
-              <a:rPr lang="en-US" sz="1800" dirty="0" smtClean="0">
+              <a:rPr lang="en-US" sz="1800" dirty="0">
                 <a:solidFill>
                   <a:srgbClr val="000000"/>
                 </a:solidFill>
@@ -19428,7 +19318,7 @@
               <a:t>, </a:t>
             </a:r>
             <a:r>
-              <a:rPr lang="en-US" sz="1800" dirty="0" smtClean="0">
+              <a:rPr lang="en-US" sz="1800" dirty="0">
                 <a:solidFill>
                   <a:srgbClr val="A31515"/>
                 </a:solidFill>
@@ -19440,7 +19330,7 @@
               <a:t>"10px"</a:t>
             </a:r>
             <a:r>
-              <a:rPr lang="en-US" sz="1800" dirty="0" smtClean="0">
+              <a:rPr lang="en-US" sz="1800" dirty="0">
                 <a:solidFill>
                   <a:srgbClr val="000000"/>
                 </a:solidFill>
@@ -19458,7 +19348,7 @@
               <a:buNone/>
             </a:pPr>
             <a:r>
-              <a:rPr lang="ru-RU" sz="1800" dirty="0" smtClean="0">
+              <a:rPr lang="ru-RU" sz="1800" dirty="0">
                 <a:solidFill>
                   <a:srgbClr val="000000"/>
                 </a:solidFill>
@@ -19470,7 +19360,7 @@
               <a:t>    })</a:t>
             </a:r>
             <a:r>
-              <a:rPr lang="en-US" sz="1800" dirty="0" smtClean="0">
+              <a:rPr lang="en-US" sz="1800" dirty="0">
                 <a:solidFill>
                   <a:srgbClr val="000000"/>
                 </a:solidFill>
@@ -19481,7 +19371,7 @@
               </a:rPr>
               <a:t>;</a:t>
             </a:r>
-            <a:endParaRPr lang="ru-RU" sz="1800" dirty="0" smtClean="0">
+            <a:endParaRPr lang="ru-RU" sz="1800" dirty="0">
               <a:solidFill>
                 <a:srgbClr val="000000"/>
               </a:solidFill>
@@ -19687,7 +19577,7 @@
               <a:buNone/>
             </a:pPr>
             <a:r>
-              <a:rPr lang="en-US" sz="1800" dirty="0" smtClean="0">
+              <a:rPr lang="en-US" sz="1800" dirty="0">
                 <a:solidFill>
                   <a:srgbClr val="008000"/>
                 </a:solidFill>
@@ -19705,7 +19595,7 @@
               <a:buNone/>
             </a:pPr>
             <a:r>
-              <a:rPr lang="en-US" sz="1800" dirty="0" smtClean="0">
+              <a:rPr lang="en-US" sz="1800" dirty="0">
                 <a:highlight>
                   <a:srgbClr val="FFFFFF"/>
                 </a:highlight>
@@ -19720,34 +19610,16 @@
               <a:buNone/>
             </a:pPr>
             <a:r>
-              <a:rPr lang="en-US" sz="1800" dirty="0" smtClean="0">
-                <a:highlight>
-                  <a:srgbClr val="FFFFFF"/>
-                </a:highlight>
-                <a:latin typeface="Consolas" panose="020B0609020204030204" pitchFamily="49" charset="0"/>
-              </a:rPr>
-              <a:t>    .Select(</a:t>
-            </a:r>
-            <a:r>
-              <a:rPr lang="en-US" sz="1800" dirty="0" smtClean="0">
-                <a:highlight>
-                  <a:srgbClr val="FFFFFF"/>
-                </a:highlight>
-                <a:latin typeface="Consolas" panose="020B0609020204030204" pitchFamily="49" charset="0"/>
-              </a:rPr>
-              <a:t>p</a:t>
-            </a:r>
-            <a:r>
-              <a:rPr lang="en-US" sz="1800" dirty="0" smtClean="0">
-                <a:highlight>
-                  <a:srgbClr val="FFFFFF"/>
-                </a:highlight>
-                <a:latin typeface="Consolas" panose="020B0609020204030204" pitchFamily="49" charset="0"/>
-              </a:rPr>
-              <a:t> =&gt; </a:t>
-            </a:r>
-            <a:r>
-              <a:rPr lang="en-US" sz="1800" dirty="0" err="1" smtClean="0">
+              <a:rPr lang="en-US" sz="1800" dirty="0">
+                <a:highlight>
+                  <a:srgbClr val="FFFFFF"/>
+                </a:highlight>
+                <a:latin typeface="Consolas" panose="020B0609020204030204" pitchFamily="49" charset="0"/>
+              </a:rPr>
+              <a:t>    .Select(p =&gt; </a:t>
+            </a:r>
+            <a:r>
+              <a:rPr lang="en-US" sz="1800" dirty="0" err="1">
                 <a:highlight>
                   <a:srgbClr val="FFFFFF"/>
                 </a:highlight>
@@ -19756,7 +19628,7 @@
               <a:t>p.X</a:t>
             </a:r>
             <a:r>
-              <a:rPr lang="en-US" sz="1800" dirty="0" smtClean="0">
+              <a:rPr lang="en-US" sz="1800" dirty="0">
                 <a:highlight>
                   <a:srgbClr val="FFFFFF"/>
                 </a:highlight>
@@ -19777,19 +19649,10 @@
                 </a:highlight>
                 <a:latin typeface="Consolas" panose="020B0609020204030204" pitchFamily="49" charset="0"/>
               </a:rPr>
-              <a:t> </a:t>
-            </a:r>
-            <a:r>
-              <a:rPr lang="en-US" sz="1800" dirty="0" smtClean="0">
-                <a:highlight>
-                  <a:srgbClr val="FFFFFF"/>
-                </a:highlight>
-                <a:latin typeface="Consolas" panose="020B0609020204030204" pitchFamily="49" charset="0"/>
-              </a:rPr>
-              <a:t>   .</a:t>
-            </a:r>
-            <a:r>
-              <a:rPr lang="en-US" sz="1800" dirty="0" err="1" smtClean="0">
+              <a:t>    .</a:t>
+            </a:r>
+            <a:r>
+              <a:rPr lang="en-US" sz="1800" dirty="0" err="1">
                 <a:highlight>
                   <a:srgbClr val="FFFFFF"/>
                 </a:highlight>
@@ -19798,7 +19661,7 @@
               <a:t>ToList</a:t>
             </a:r>
             <a:r>
-              <a:rPr lang="en-US" sz="1800" dirty="0" smtClean="0">
+              <a:rPr lang="en-US" sz="1800" dirty="0">
                 <a:highlight>
                   <a:srgbClr val="FFFFFF"/>
                 </a:highlight>
@@ -19806,12 +19669,6 @@
               </a:rPr>
               <a:t>();</a:t>
             </a:r>
-            <a:endParaRPr lang="en-US" sz="1800" dirty="0" smtClean="0">
-              <a:highlight>
-                <a:srgbClr val="FFFFFF"/>
-              </a:highlight>
-              <a:latin typeface="Consolas" panose="020B0609020204030204" pitchFamily="49" charset="0"/>
-            </a:endParaRPr>
           </a:p>
         </p:txBody>
       </p:sp>
@@ -20033,14 +19890,9 @@
           <a:lstStyle/>
           <a:p>
             <a:r>
-              <a:rPr lang="en-US" dirty="0" smtClean="0"/>
-              <a:t>L</a:t>
-            </a:r>
-            <a:r>
-              <a:rPr lang="en-US" dirty="0" smtClean="0"/>
-              <a:t>INQ</a:t>
-            </a:r>
-            <a:endParaRPr lang="en-US" dirty="0"/>
+              <a:rPr lang="en-US" dirty="0"/>
+              <a:t>LINQ</a:t>
+            </a:r>
           </a:p>
           <a:p>
             <a:r>
@@ -20122,10 +19974,9 @@
           <a:lstStyle/>
           <a:p>
             <a:r>
-              <a:rPr lang="ru-RU" dirty="0" smtClean="0"/>
+              <a:rPr lang="ru-RU" dirty="0"/>
               <a:t>Примеров намного больше!</a:t>
             </a:r>
-            <a:endParaRPr lang="ru-RU" dirty="0"/>
           </a:p>
         </p:txBody>
       </p:sp>
@@ -20139,13 +19990,6 @@
   <p:clrMapOvr>
     <a:masterClrMapping/>
   </p:clrMapOvr>
-  <p:timing>
-    <p:tnLst>
-      <p:par>
-        <p:cTn id="1" dur="indefinite" restart="never" nodeType="tmRoot"/>
-      </p:par>
-    </p:tnLst>
-  </p:timing>
 </p:sld>
 </file>
 
@@ -20187,22 +20031,14 @@
               <a:buNone/>
             </a:pPr>
             <a:r>
-              <a:rPr lang="en-US" sz="2000" dirty="0" smtClean="0">
+              <a:rPr lang="en-US" sz="2000" dirty="0">
                 <a:solidFill>
                   <a:srgbClr val="008000"/>
                 </a:solidFill>
               </a:rPr>
-              <a:t>// Immutable </a:t>
-            </a:r>
-            <a:r>
-              <a:rPr lang="en-US" sz="2000" dirty="0">
-                <a:solidFill>
-                  <a:srgbClr val="008000"/>
-                </a:solidFill>
-              </a:rPr>
-              <a:t>→ Fluent</a:t>
-            </a:r>
-            <a:endParaRPr lang="en-US" sz="2000" dirty="0" smtClean="0">
+              <a:t>// Immutable → Fluent</a:t>
+            </a:r>
+            <a:endParaRPr lang="en-US" sz="2000" dirty="0">
               <a:solidFill>
                 <a:srgbClr val="008000"/>
               </a:solidFill>
@@ -20217,7 +20053,7 @@
               <a:buNone/>
             </a:pPr>
             <a:r>
-              <a:rPr lang="en-US" sz="2000" dirty="0" err="1" smtClean="0">
+              <a:rPr lang="en-US" sz="2000" dirty="0" err="1">
                 <a:solidFill>
                   <a:srgbClr val="0000FF"/>
                 </a:solidFill>
@@ -20229,22 +20065,13 @@
               <a:t>var</a:t>
             </a:r>
             <a:r>
-              <a:rPr lang="en-US" sz="2000" dirty="0" smtClean="0">
+              <a:rPr lang="en-US" sz="2000" dirty="0">
                 <a:solidFill>
                   <a:srgbClr val="000000"/>
                 </a:solidFill>
                 <a:latin typeface="Consolas" panose="020B0609020204030204" pitchFamily="49" charset="0"/>
               </a:rPr>
-              <a:t> </a:t>
-            </a:r>
-            <a:r>
-              <a:rPr lang="en-US" sz="2000" dirty="0">
-                <a:solidFill>
-                  <a:srgbClr val="000000"/>
-                </a:solidFill>
-                <a:latin typeface="Consolas" panose="020B0609020204030204" pitchFamily="49" charset="0"/>
-              </a:rPr>
-              <a:t>numbers = </a:t>
+              <a:t> numbers = </a:t>
             </a:r>
           </a:p>
           <a:p>
@@ -20388,40 +20215,27 @@
             <a:pPr marL="0" indent="0">
               <a:buNone/>
             </a:pPr>
-            <a:endParaRPr lang="en-US" sz="2000" dirty="0" smtClean="0"/>
+            <a:endParaRPr lang="en-US" sz="2000" dirty="0"/>
           </a:p>
           <a:p>
             <a:pPr marL="0" indent="0">
               <a:buNone/>
             </a:pPr>
             <a:r>
-              <a:rPr lang="en-US" sz="2000" dirty="0" smtClean="0">
+              <a:rPr lang="en-US" sz="2000" dirty="0">
                 <a:solidFill>
                   <a:srgbClr val="008000"/>
                 </a:solidFill>
               </a:rPr>
-              <a:t>// Fluent </a:t>
-            </a:r>
-            <a:r>
-              <a:rPr lang="en-US" sz="2000" dirty="0">
-                <a:solidFill>
-                  <a:srgbClr val="008000"/>
-                </a:solidFill>
-              </a:rPr>
-              <a:t>→ Immutable</a:t>
-            </a:r>
-            <a:endParaRPr lang="en-US" sz="2000" dirty="0" smtClean="0">
-              <a:solidFill>
-                <a:srgbClr val="008000"/>
-              </a:solidFill>
-            </a:endParaRPr>
+              <a:t>// Fluent → Immutable</a:t>
+            </a:r>
           </a:p>
           <a:p>
             <a:pPr marL="0" indent="0">
               <a:buNone/>
             </a:pPr>
             <a:r>
-              <a:rPr lang="en-US" sz="2000" dirty="0" err="1" smtClean="0">
+              <a:rPr lang="en-US" sz="2000" dirty="0" err="1">
                 <a:solidFill>
                   <a:srgbClr val="0000FF"/>
                 </a:solidFill>
@@ -20433,7 +20247,7 @@
               <a:t>var</a:t>
             </a:r>
             <a:r>
-              <a:rPr lang="en-US" sz="2000" dirty="0" smtClean="0">
+              <a:rPr lang="en-US" sz="2000" dirty="0">
                 <a:solidFill>
                   <a:srgbClr val="000000"/>
                 </a:solidFill>
@@ -20442,19 +20256,7 @@
                 </a:highlight>
                 <a:latin typeface="Consolas" panose="020B0609020204030204" pitchFamily="49" charset="0"/>
               </a:rPr>
-              <a:t> </a:t>
-            </a:r>
-            <a:r>
-              <a:rPr lang="en-US" sz="2000" dirty="0">
-                <a:solidFill>
-                  <a:srgbClr val="000000"/>
-                </a:solidFill>
-                <a:highlight>
-                  <a:srgbClr val="FFFFFF"/>
-                </a:highlight>
-                <a:latin typeface="Consolas" panose="020B0609020204030204" pitchFamily="49" charset="0"/>
-              </a:rPr>
-              <a:t>greet = </a:t>
+              <a:t> greet = </a:t>
             </a:r>
             <a:r>
               <a:rPr lang="en-US" sz="2000" dirty="0">
@@ -20893,29 +20695,8 @@
                 </a:highlight>
                 <a:latin typeface="Consolas" panose="020B0609020204030204" pitchFamily="49" charset="0"/>
               </a:rPr>
-              <a:t>// </a:t>
-            </a:r>
-            <a:r>
-              <a:rPr lang="en-US" sz="2000" dirty="0" smtClean="0">
-                <a:solidFill>
-                  <a:srgbClr val="008000"/>
-                </a:solidFill>
-                <a:highlight>
-                  <a:srgbClr val="FFFFFF"/>
-                </a:highlight>
-                <a:latin typeface="Consolas" panose="020B0609020204030204" pitchFamily="49" charset="0"/>
-              </a:rPr>
-              <a:t>?</a:t>
-            </a:r>
-            <a:endParaRPr lang="en-US" sz="2000" dirty="0">
-              <a:solidFill>
-                <a:srgbClr val="008000"/>
-              </a:solidFill>
-              <a:highlight>
-                <a:srgbClr val="FFFFFF"/>
-              </a:highlight>
-              <a:latin typeface="Consolas" panose="020B0609020204030204" pitchFamily="49" charset="0"/>
-            </a:endParaRPr>
+              <a:t>// ?</a:t>
+            </a:r>
           </a:p>
         </p:txBody>
       </p:sp>
@@ -20935,19 +20716,19 @@
           <a:lstStyle/>
           <a:p>
             <a:r>
-              <a:rPr lang="ru-RU" dirty="0" smtClean="0"/>
+              <a:rPr lang="ru-RU" dirty="0"/>
               <a:t>Связь между </a:t>
             </a:r>
             <a:r>
-              <a:rPr lang="en-US" dirty="0" smtClean="0"/>
+              <a:rPr lang="en-US" dirty="0"/>
               <a:t>Fluent </a:t>
             </a:r>
             <a:r>
-              <a:rPr lang="ru-RU" dirty="0" smtClean="0"/>
+              <a:rPr lang="ru-RU" dirty="0"/>
               <a:t>и </a:t>
             </a:r>
             <a:r>
-              <a:rPr lang="en-US" dirty="0" smtClean="0"/>
+              <a:rPr lang="en-US" dirty="0"/>
               <a:t>Immutable?</a:t>
             </a:r>
             <a:endParaRPr lang="ru-RU" dirty="0"/>
@@ -21427,7 +21208,7 @@
               <a:t>Сложный </a:t>
             </a:r>
             <a:r>
-              <a:rPr lang="en-US" sz="2800" dirty="0" smtClean="0"/>
+              <a:rPr lang="en-US" sz="2800" dirty="0"/>
               <a:t>API, </a:t>
             </a:r>
             <a:r>
@@ -21444,23 +21225,15 @@
             <a:pPr fontAlgn="ctr"/>
             <a:r>
               <a:rPr lang="x-none" sz="2800" dirty="0"/>
-              <a:t>Много </a:t>
-            </a:r>
-            <a:r>
-              <a:rPr lang="x-none" sz="2800" dirty="0" smtClean="0"/>
-              <a:t>пользователей</a:t>
-            </a:r>
-            <a:r>
-              <a:rPr lang="ru-RU" sz="2800" dirty="0" smtClean="0"/>
+              <a:t>Много пользователей</a:t>
+            </a:r>
+            <a:r>
+              <a:rPr lang="ru-RU" sz="2800" dirty="0"/>
               <a:t>:</a:t>
             </a:r>
             <a:r>
-              <a:rPr lang="x-none" sz="2800" dirty="0" smtClean="0"/>
-              <a:t> </a:t>
-            </a:r>
-            <a:r>
               <a:rPr lang="x-none" sz="2800" dirty="0"/>
-              <a:t>важно, чтобы было легко освоиться</a:t>
+              <a:t> важно, чтобы было легко освоиться</a:t>
             </a:r>
           </a:p>
           <a:p>
@@ -21474,24 +21247,23 @@
             <a:pPr marL="0" indent="0">
               <a:buNone/>
             </a:pPr>
-            <a:endParaRPr lang="en-US" sz="2800" dirty="0" smtClean="0"/>
+            <a:endParaRPr lang="en-US" sz="2800" dirty="0"/>
           </a:p>
           <a:p>
             <a:pPr marL="0" indent="0">
               <a:buNone/>
             </a:pPr>
             <a:r>
-              <a:rPr lang="ru-RU" sz="2800" i="1" dirty="0" smtClean="0"/>
+              <a:rPr lang="ru-RU" sz="2800" i="1" dirty="0"/>
               <a:t>Почему не использовать всегда?</a:t>
             </a:r>
-            <a:endParaRPr lang="ru-RU" sz="2800" dirty="0" smtClean="0"/>
-          </a:p>
-          <a:p>
-            <a:r>
-              <a:rPr lang="ru-RU" sz="2800" dirty="0" smtClean="0"/>
+            <a:endParaRPr lang="ru-RU" sz="2800" dirty="0"/>
+          </a:p>
+          <a:p>
+            <a:r>
+              <a:rPr lang="ru-RU" sz="2800" dirty="0"/>
               <a:t>Долго разрабатывать</a:t>
             </a:r>
-            <a:endParaRPr lang="ru-RU" sz="2800" dirty="0"/>
           </a:p>
         </p:txBody>
       </p:sp>
@@ -21511,11 +21283,11 @@
           <a:lstStyle/>
           <a:p>
             <a:r>
-              <a:rPr lang="ru-RU" dirty="0" smtClean="0"/>
+              <a:rPr lang="ru-RU" dirty="0"/>
               <a:t>Когда стоит создавать</a:t>
             </a:r>
             <a:r>
-              <a:rPr lang="en-US" dirty="0" smtClean="0"/>
+              <a:rPr lang="en-US" dirty="0"/>
               <a:t>?</a:t>
             </a:r>
             <a:endParaRPr lang="ru-RU" dirty="0"/>
@@ -21546,7 +21318,7 @@
           <a:p>
             <a:pPr algn="ctr"/>
             <a:r>
-              <a:rPr lang="ru-RU" sz="2800" i="1" dirty="0" smtClean="0">
+              <a:rPr lang="ru-RU" sz="2800" i="1" dirty="0">
                 <a:solidFill>
                   <a:schemeClr val="accent1"/>
                 </a:solidFill>
@@ -21892,48 +21664,32 @@
               <a:buNone/>
             </a:pPr>
             <a:r>
-              <a:rPr lang="ru-RU" dirty="0" err="1" smtClean="0"/>
+              <a:rPr lang="ru-RU" dirty="0" err="1"/>
               <a:t>Fluent</a:t>
             </a:r>
             <a:r>
-              <a:rPr lang="en-US" dirty="0" smtClean="0"/>
+              <a:rPr lang="en-US" dirty="0"/>
               <a:t> API</a:t>
             </a:r>
             <a:r>
-              <a:rPr lang="ru-RU" dirty="0" smtClean="0"/>
-              <a:t> – своего рода </a:t>
-            </a:r>
-            <a:r>
               <a:rPr lang="ru-RU" dirty="0"/>
-              <a:t>встроенный </a:t>
-            </a:r>
-            <a:r>
-              <a:rPr lang="ru-RU" dirty="0" smtClean="0"/>
-              <a:t>DSL</a:t>
-            </a:r>
-            <a:endParaRPr lang="en-US" dirty="0" smtClean="0"/>
+              <a:t> – своего рода встроенный DSL</a:t>
+            </a:r>
+            <a:endParaRPr lang="en-US" dirty="0"/>
           </a:p>
           <a:p>
             <a:pPr marL="0" indent="0">
               <a:buNone/>
             </a:pPr>
-            <a:endParaRPr lang="ru-RU" dirty="0" smtClean="0"/>
+            <a:endParaRPr lang="ru-RU" dirty="0"/>
           </a:p>
           <a:p>
             <a:pPr marL="0" indent="0">
               <a:buNone/>
             </a:pPr>
             <a:r>
-              <a:rPr lang="ru-RU" dirty="0" smtClean="0"/>
-              <a:t>Вы </a:t>
-            </a:r>
-            <a:r>
               <a:rPr lang="ru-RU" dirty="0"/>
-              <a:t>выражаете мысли в рамках синтаксиса основного языка (C#), но не пишите </a:t>
-            </a:r>
-            <a:r>
-              <a:rPr lang="ru-RU" dirty="0" smtClean="0"/>
-              <a:t>компилятор</a:t>
+              <a:t>Вы выражаете мысли в рамках синтаксиса основного языка (C#), но не пишите компилятор</a:t>
             </a:r>
           </a:p>
         </p:txBody>
@@ -21954,7 +21710,7 @@
           <a:lstStyle/>
           <a:p>
             <a:r>
-              <a:rPr lang="en-US" dirty="0" smtClean="0"/>
+              <a:rPr lang="en-US" dirty="0"/>
               <a:t>Embedded DSL</a:t>
             </a:r>
             <a:endParaRPr lang="ru-RU" dirty="0"/>
@@ -21971,13 +21727,6 @@
   <p:clrMapOvr>
     <a:masterClrMapping/>
   </p:clrMapOvr>
-  <p:timing>
-    <p:tnLst>
-      <p:par>
-        <p:cTn id="1" dur="indefinite" restart="never" nodeType="tmRoot"/>
-      </p:par>
-    </p:tnLst>
-  </p:timing>
 </p:sld>
 </file>
 
@@ -22018,29 +21767,9 @@
             </a:pPr>
             <a:r>
               <a:rPr lang="ru-RU" dirty="0"/>
-              <a:t>Сначала </a:t>
-            </a:r>
-            <a:r>
-              <a:rPr lang="ru-RU" dirty="0" smtClean="0"/>
-              <a:t>придумайте </a:t>
-            </a:r>
-            <a:r>
-              <a:rPr lang="ru-RU" dirty="0"/>
-              <a:t>синтаксис - потом уже </a:t>
-            </a:r>
-            <a:r>
-              <a:rPr lang="ru-RU" dirty="0" smtClean="0"/>
-              <a:t>пишите </a:t>
-            </a:r>
-            <a:r>
-              <a:rPr lang="ru-RU" dirty="0"/>
-              <a:t>реализацию</a:t>
-            </a:r>
-            <a:r>
-              <a:rPr lang="ru-RU" dirty="0" smtClean="0"/>
-              <a:t>!</a:t>
-            </a:r>
-            <a:endParaRPr lang="en-US" dirty="0" smtClean="0"/>
+              <a:t>Сначала придумайте синтаксис - потом уже пишите реализацию!</a:t>
+            </a:r>
+            <a:endParaRPr lang="en-US" dirty="0"/>
           </a:p>
           <a:p>
             <a:pPr marL="0" indent="0">
@@ -22053,34 +21782,34 @@
               <a:buNone/>
             </a:pPr>
             <a:r>
-              <a:rPr lang="ru-RU" i="1" dirty="0" smtClean="0"/>
+              <a:rPr lang="ru-RU" i="1" dirty="0"/>
               <a:t>А синтаксис хорош?</a:t>
             </a:r>
-            <a:endParaRPr lang="en-US" i="1" dirty="0" smtClean="0"/>
+            <a:endParaRPr lang="en-US" i="1" dirty="0"/>
           </a:p>
           <a:p>
             <a:pPr lvl="1"/>
             <a:r>
-              <a:rPr lang="ru-RU" dirty="0" smtClean="0"/>
+              <a:rPr lang="ru-RU" dirty="0"/>
               <a:t>Напишите </a:t>
             </a:r>
             <a:r>
-              <a:rPr lang="en-US" dirty="0" smtClean="0"/>
+              <a:rPr lang="en-US" dirty="0"/>
               <a:t>Acceptance-</a:t>
             </a:r>
             <a:r>
-              <a:rPr lang="ru-RU" dirty="0" smtClean="0"/>
+              <a:rPr lang="ru-RU" dirty="0"/>
               <a:t>тесты</a:t>
             </a:r>
-            <a:endParaRPr lang="en-US" dirty="0" smtClean="0"/>
+            <a:endParaRPr lang="en-US" dirty="0"/>
           </a:p>
           <a:p>
             <a:pPr lvl="1"/>
             <a:r>
-              <a:rPr lang="ru-RU" dirty="0" smtClean="0"/>
+              <a:rPr lang="ru-RU" dirty="0"/>
               <a:t>Покажите примеры синтаксиса коллегам</a:t>
             </a:r>
-            <a:endParaRPr lang="en-US" dirty="0" smtClean="0"/>
+            <a:endParaRPr lang="en-US" dirty="0"/>
           </a:p>
           <a:p>
             <a:pPr marL="0" indent="0">
@@ -22106,11 +21835,11 @@
           <a:lstStyle/>
           <a:p>
             <a:r>
-              <a:rPr lang="ru-RU" dirty="0" smtClean="0"/>
+              <a:rPr lang="ru-RU" dirty="0"/>
               <a:t>С чего начать создание </a:t>
             </a:r>
             <a:r>
-              <a:rPr lang="en-US" dirty="0" smtClean="0"/>
+              <a:rPr lang="en-US" dirty="0"/>
               <a:t>API?</a:t>
             </a:r>
             <a:endParaRPr lang="ru-RU" dirty="0"/>
